--- a/Dr. E Nduati, Superviser/Submissions/ENC222-0149_2017_OKOMO_JACOB_OKELLO_V3.pptx
+++ b/Dr. E Nduati, Superviser/Submissions/ENC222-0149_2017_OKOMO_JACOB_OKELLO_V3.pptx
@@ -6,10 +6,10 @@
     <p:sldMasterId id="2147483698" r:id="rId2"/>
   </p:sldMasterIdLst>
   <p:notesMasterIdLst>
-    <p:notesMasterId r:id="rId15"/>
+    <p:notesMasterId r:id="rId17"/>
   </p:notesMasterIdLst>
   <p:handoutMasterIdLst>
-    <p:handoutMasterId r:id="rId16"/>
+    <p:handoutMasterId r:id="rId18"/>
   </p:handoutMasterIdLst>
   <p:sldIdLst>
     <p:sldId id="325" r:id="rId3"/>
@@ -22,8 +22,10 @@
     <p:sldId id="358" r:id="rId10"/>
     <p:sldId id="334" r:id="rId11"/>
     <p:sldId id="335" r:id="rId12"/>
-    <p:sldId id="353" r:id="rId13"/>
-    <p:sldId id="324" r:id="rId14"/>
+    <p:sldId id="360" r:id="rId13"/>
+    <p:sldId id="359" r:id="rId14"/>
+    <p:sldId id="353" r:id="rId15"/>
+    <p:sldId id="324" r:id="rId16"/>
   </p:sldIdLst>
   <p:sldSz cx="9144000" cy="6858000" type="screen4x3"/>
   <p:notesSz cx="6858000" cy="9947275"/>
@@ -2934,7 +2936,7 @@
                 <a:ea typeface="Verdana" panose="020B0604030504040204" pitchFamily="34" charset="0"/>
                 <a:cs typeface="Verdana" panose="020B0604030504040204" pitchFamily="34" charset="0"/>
               </a:rPr>
-              <a:t>22-Jul-21</a:t>
+              <a:t>30-Jul-21</a:t>
             </a:fld>
             <a:endParaRPr lang="de-DE" sz="1000" dirty="0">
               <a:solidFill>
@@ -5024,7 +5026,7 @@
           <a:p>
             <a:fld id="{440D235E-7DEE-46BF-B2F8-FEE76BCCEBEE}" type="datetimeFigureOut">
               <a:rPr lang="en-US" smtClean="0"/>
-              <a:t>7/22/2021</a:t>
+              <a:t>7/30/2021</a:t>
             </a:fld>
             <a:endParaRPr lang="en-US"/>
           </a:p>
@@ -5222,7 +5224,7 @@
           <a:p>
             <a:fld id="{440D235E-7DEE-46BF-B2F8-FEE76BCCEBEE}" type="datetimeFigureOut">
               <a:rPr lang="en-US" smtClean="0"/>
-              <a:t>7/22/2021</a:t>
+              <a:t>7/30/2021</a:t>
             </a:fld>
             <a:endParaRPr lang="en-US"/>
           </a:p>
@@ -5497,7 +5499,7 @@
           <a:p>
             <a:fld id="{440D235E-7DEE-46BF-B2F8-FEE76BCCEBEE}" type="datetimeFigureOut">
               <a:rPr lang="en-US" smtClean="0"/>
-              <a:t>7/22/2021</a:t>
+              <a:t>7/30/2021</a:t>
             </a:fld>
             <a:endParaRPr lang="en-US"/>
           </a:p>
@@ -5929,7 +5931,7 @@
           <a:p>
             <a:fld id="{440D235E-7DEE-46BF-B2F8-FEE76BCCEBEE}" type="datetimeFigureOut">
               <a:rPr lang="en-US" smtClean="0"/>
-              <a:t>7/22/2021</a:t>
+              <a:t>7/30/2021</a:t>
             </a:fld>
             <a:endParaRPr lang="en-US"/>
           </a:p>
@@ -6341,7 +6343,7 @@
           <a:p>
             <a:fld id="{440D235E-7DEE-46BF-B2F8-FEE76BCCEBEE}" type="datetimeFigureOut">
               <a:rPr lang="en-US" smtClean="0"/>
-              <a:t>7/22/2021</a:t>
+              <a:t>7/30/2021</a:t>
             </a:fld>
             <a:endParaRPr lang="en-US"/>
           </a:p>
@@ -6482,7 +6484,7 @@
           <a:p>
             <a:fld id="{440D235E-7DEE-46BF-B2F8-FEE76BCCEBEE}" type="datetimeFigureOut">
               <a:rPr lang="en-US" smtClean="0"/>
-              <a:t>7/22/2021</a:t>
+              <a:t>7/30/2021</a:t>
             </a:fld>
             <a:endParaRPr lang="en-US"/>
           </a:p>
@@ -6595,7 +6597,7 @@
           <a:p>
             <a:fld id="{440D235E-7DEE-46BF-B2F8-FEE76BCCEBEE}" type="datetimeFigureOut">
               <a:rPr lang="en-US" smtClean="0"/>
-              <a:t>7/22/2021</a:t>
+              <a:t>7/30/2021</a:t>
             </a:fld>
             <a:endParaRPr lang="en-US"/>
           </a:p>
@@ -6906,7 +6908,7 @@
           <a:p>
             <a:fld id="{440D235E-7DEE-46BF-B2F8-FEE76BCCEBEE}" type="datetimeFigureOut">
               <a:rPr lang="en-US" smtClean="0"/>
-              <a:t>7/22/2021</a:t>
+              <a:t>7/30/2021</a:t>
             </a:fld>
             <a:endParaRPr lang="en-US"/>
           </a:p>
@@ -7194,7 +7196,7 @@
           <a:p>
             <a:fld id="{440D235E-7DEE-46BF-B2F8-FEE76BCCEBEE}" type="datetimeFigureOut">
               <a:rPr lang="en-US" smtClean="0"/>
-              <a:t>7/22/2021</a:t>
+              <a:t>7/30/2021</a:t>
             </a:fld>
             <a:endParaRPr lang="en-US"/>
           </a:p>
@@ -7392,7 +7394,7 @@
           <a:p>
             <a:fld id="{440D235E-7DEE-46BF-B2F8-FEE76BCCEBEE}" type="datetimeFigureOut">
               <a:rPr lang="en-US" smtClean="0"/>
-              <a:t>7/22/2021</a:t>
+              <a:t>7/30/2021</a:t>
             </a:fld>
             <a:endParaRPr lang="en-US"/>
           </a:p>
@@ -7600,7 +7602,7 @@
           <a:p>
             <a:fld id="{440D235E-7DEE-46BF-B2F8-FEE76BCCEBEE}" type="datetimeFigureOut">
               <a:rPr lang="en-US" smtClean="0"/>
-              <a:t>7/22/2021</a:t>
+              <a:t>7/30/2021</a:t>
             </a:fld>
             <a:endParaRPr lang="en-US"/>
           </a:p>
@@ -10342,7 +10344,7 @@
           <a:p>
             <a:fld id="{440D235E-7DEE-46BF-B2F8-FEE76BCCEBEE}" type="datetimeFigureOut">
               <a:rPr lang="en-US" smtClean="0"/>
-              <a:t>7/22/2021</a:t>
+              <a:t>7/30/2021</a:t>
             </a:fld>
             <a:endParaRPr lang="en-US"/>
           </a:p>
@@ -10781,7 +10783,7 @@
           <a:p>
             <a:pPr algn="l" eaLnBrk="1" hangingPunct="1"/>
             <a:br>
-              <a:rPr lang="en-GB" b="1" u="sng" dirty="0">
+              <a:rPr lang="en-GB" b="1" dirty="0">
                 <a:solidFill>
                   <a:srgbClr val="000000"/>
                 </a:solidFill>
@@ -10792,7 +10794,7 @@
               </a:rPr>
             </a:br>
             <a:br>
-              <a:rPr lang="en-GB" b="1" u="sng" dirty="0">
+              <a:rPr lang="en-GB" b="1" dirty="0">
                 <a:solidFill>
                   <a:srgbClr val="000000"/>
                 </a:solidFill>
@@ -10803,7 +10805,7 @@
               </a:rPr>
             </a:br>
             <a:br>
-              <a:rPr lang="en-GB" b="1" u="sng" dirty="0">
+              <a:rPr lang="en-GB" b="1" dirty="0">
                 <a:solidFill>
                   <a:srgbClr val="000000"/>
                 </a:solidFill>
@@ -10814,7 +10816,7 @@
               </a:rPr>
             </a:br>
             <a:br>
-              <a:rPr lang="en-GB" b="1" u="sng" dirty="0">
+              <a:rPr lang="en-GB" b="1" dirty="0">
                 <a:solidFill>
                   <a:srgbClr val="000000"/>
                 </a:solidFill>
@@ -10825,7 +10827,7 @@
               </a:rPr>
             </a:br>
             <a:br>
-              <a:rPr lang="en-GB" b="1" u="sng" dirty="0">
+              <a:rPr lang="en-GB" b="1" dirty="0">
                 <a:solidFill>
                   <a:srgbClr val="000000"/>
                 </a:solidFill>
@@ -10836,7 +10838,7 @@
               </a:rPr>
             </a:br>
             <a:br>
-              <a:rPr lang="en-GB" b="1" u="sng" dirty="0">
+              <a:rPr lang="en-GB" b="1" dirty="0">
                 <a:solidFill>
                   <a:srgbClr val="000000"/>
                 </a:solidFill>
@@ -10847,7 +10849,7 @@
               </a:rPr>
             </a:br>
             <a:br>
-              <a:rPr lang="en-GB" b="1" u="sng" dirty="0">
+              <a:rPr lang="en-GB" b="1" dirty="0">
                 <a:solidFill>
                   <a:srgbClr val="000000"/>
                 </a:solidFill>
@@ -10858,7 +10860,7 @@
               </a:rPr>
             </a:br>
             <a:br>
-              <a:rPr lang="en-GB" b="1" u="sng" dirty="0">
+              <a:rPr lang="en-GB" b="1" dirty="0">
                 <a:solidFill>
                   <a:srgbClr val="000000"/>
                 </a:solidFill>
@@ -10869,7 +10871,7 @@
               </a:rPr>
             </a:br>
             <a:br>
-              <a:rPr lang="en-GB" b="1" u="sng" dirty="0">
+              <a:rPr lang="en-GB" b="1" dirty="0">
                 <a:solidFill>
                   <a:srgbClr val="000000"/>
                 </a:solidFill>
@@ -10880,7 +10882,7 @@
               </a:rPr>
             </a:br>
             <a:br>
-              <a:rPr lang="en-GB" b="1" u="sng" dirty="0">
+              <a:rPr lang="en-GB" b="1" dirty="0">
                 <a:solidFill>
                   <a:srgbClr val="000000"/>
                 </a:solidFill>
@@ -10891,7 +10893,7 @@
               </a:rPr>
             </a:br>
             <a:br>
-              <a:rPr lang="en-GB" b="1" u="sng" dirty="0">
+              <a:rPr lang="en-GB" b="1" dirty="0">
                 <a:solidFill>
                   <a:srgbClr val="000000"/>
                 </a:solidFill>
@@ -10902,7 +10904,7 @@
               </a:rPr>
             </a:br>
             <a:br>
-              <a:rPr lang="en-GB" b="1" u="sng" dirty="0">
+              <a:rPr lang="en-GB" b="1" dirty="0">
                 <a:solidFill>
                   <a:srgbClr val="000000"/>
                 </a:solidFill>
@@ -10913,7 +10915,7 @@
               </a:rPr>
             </a:br>
             <a:br>
-              <a:rPr lang="en-GB" b="1" u="sng" dirty="0">
+              <a:rPr lang="en-GB" b="1" dirty="0">
                 <a:solidFill>
                   <a:srgbClr val="000000"/>
                 </a:solidFill>
@@ -10924,7 +10926,7 @@
               </a:rPr>
             </a:br>
             <a:br>
-              <a:rPr lang="en-GB" b="1" u="sng" dirty="0">
+              <a:rPr lang="en-GB" b="1" dirty="0">
                 <a:solidFill>
                   <a:srgbClr val="000000"/>
                 </a:solidFill>
@@ -10935,7 +10937,7 @@
               </a:rPr>
             </a:br>
             <a:br>
-              <a:rPr lang="en-GB" b="1" u="sng" dirty="0">
+              <a:rPr lang="en-GB" b="1" dirty="0">
                 <a:solidFill>
                   <a:srgbClr val="000000"/>
                 </a:solidFill>
@@ -10946,7 +10948,7 @@
               </a:rPr>
             </a:br>
             <a:br>
-              <a:rPr lang="en-GB" b="1" u="sng" dirty="0">
+              <a:rPr lang="en-GB" b="1" dirty="0">
                 <a:solidFill>
                   <a:srgbClr val="000000"/>
                 </a:solidFill>
@@ -10957,7 +10959,7 @@
               </a:rPr>
             </a:br>
             <a:br>
-              <a:rPr lang="en-GB" b="1" u="sng" dirty="0">
+              <a:rPr lang="en-GB" b="1" dirty="0">
                 <a:solidFill>
                   <a:srgbClr val="000000"/>
                 </a:solidFill>
@@ -10968,7 +10970,7 @@
               </a:rPr>
             </a:br>
             <a:br>
-              <a:rPr lang="en-GB" b="1" u="sng" dirty="0">
+              <a:rPr lang="en-GB" b="1" dirty="0">
                 <a:solidFill>
                   <a:srgbClr val="000000"/>
                 </a:solidFill>
@@ -10979,7 +10981,7 @@
               </a:rPr>
             </a:br>
             <a:br>
-              <a:rPr lang="en-GB" b="1" u="sng" dirty="0">
+              <a:rPr lang="en-GB" b="1" dirty="0">
                 <a:solidFill>
                   <a:srgbClr val="000000"/>
                 </a:solidFill>
@@ -10990,7 +10992,7 @@
               </a:rPr>
             </a:br>
             <a:br>
-              <a:rPr lang="en-GB" b="1" u="sng" dirty="0">
+              <a:rPr lang="en-GB" b="1" dirty="0">
                 <a:solidFill>
                   <a:srgbClr val="000000"/>
                 </a:solidFill>
@@ -11000,19 +11002,43 @@
                 <a:cs typeface="Times New Roman" panose="02020603050405020304" pitchFamily="18" charset="0"/>
               </a:rPr>
             </a:br>
-            <a:br>
-              <a:rPr lang="en-GB" b="1" u="sng" dirty="0">
-                <a:solidFill>
-                  <a:srgbClr val="000000"/>
+            <a:r>
+              <a:rPr lang="en-US" dirty="0">
+                <a:ea typeface="Times New Roman" panose="02020603050405020304" pitchFamily="18" charset="0"/>
+                <a:cs typeface="Times New Roman" panose="02020603050405020304" pitchFamily="18" charset="0"/>
+              </a:rPr>
+              <a:t>S</a:t>
+            </a:r>
+            <a:r>
+              <a:rPr kumimoji="0" lang="en-US" altLang="en-US" sz="2400" b="1" i="0" strike="noStrike" cap="none" normalizeH="0" baseline="0" dirty="0">
+                <a:ln>
+                  <a:noFill/>
+                </a:ln>
+                <a:solidFill>
+                  <a:schemeClr val="tx1"/>
                 </a:solidFill>
                 <a:effectLst/>
                 <a:latin typeface="Verdana" panose="020B0604030504040204" pitchFamily="34" charset="0"/>
                 <a:ea typeface="Times New Roman" panose="02020603050405020304" pitchFamily="18" charset="0"/>
                 <a:cs typeface="Times New Roman" panose="02020603050405020304" pitchFamily="18" charset="0"/>
               </a:rPr>
-            </a:br>
-            <a:r>
-              <a:rPr kumimoji="0" lang="en-US" altLang="en-US" sz="2400" b="1" i="0" strike="noStrike" cap="none" normalizeH="0" baseline="0" dirty="0">
+              <a:t>patiotemporal modelling</a:t>
+            </a:r>
+            <a:r>
+              <a:rPr kumimoji="0" lang="en-GB" altLang="en-US" sz="2400" i="0" strike="noStrike" cap="none" normalizeH="0" baseline="0" dirty="0">
+                <a:ln>
+                  <a:noFill/>
+                </a:ln>
+                <a:solidFill>
+                  <a:srgbClr val="000000"/>
+                </a:solidFill>
+                <a:ea typeface="Times New Roman" panose="02020603050405020304" pitchFamily="18" charset="0"/>
+                <a:cs typeface="Times New Roman" panose="02020603050405020304" pitchFamily="18" charset="0"/>
+              </a:rPr>
+              <a:t> &amp; a</a:t>
+            </a:r>
+            <a:r>
+              <a:rPr kumimoji="0" lang="en-US" altLang="en-US" sz="2400" b="1" i="0" strike="noStrike" cap="none" normalizeH="0" baseline="0" dirty="0" err="1">
                 <a:ln>
                   <a:noFill/>
                 </a:ln>
@@ -11024,7 +11050,22 @@
                 <a:ea typeface="Times New Roman" panose="02020603050405020304" pitchFamily="18" charset="0"/>
                 <a:cs typeface="Times New Roman" panose="02020603050405020304" pitchFamily="18" charset="0"/>
               </a:rPr>
-              <a:t>Automated </a:t>
+              <a:t>utomated</a:t>
+            </a:r>
+            <a:r>
+              <a:rPr kumimoji="0" lang="en-US" altLang="en-US" sz="2400" b="1" i="0" strike="noStrike" cap="none" normalizeH="0" baseline="0" dirty="0">
+                <a:ln>
+                  <a:noFill/>
+                </a:ln>
+                <a:solidFill>
+                  <a:schemeClr val="tx1"/>
+                </a:solidFill>
+                <a:effectLst/>
+                <a:latin typeface="Verdana" panose="020B0604030504040204" pitchFamily="34" charset="0"/>
+                <a:ea typeface="Times New Roman" panose="02020603050405020304" pitchFamily="18" charset="0"/>
+                <a:cs typeface="Times New Roman" panose="02020603050405020304" pitchFamily="18" charset="0"/>
+              </a:rPr>
+              <a:t> </a:t>
             </a:r>
             <a:r>
               <a:rPr kumimoji="0" lang="en-US" altLang="en-US" sz="2400" b="1" i="1" strike="noStrike" cap="none" normalizeH="0" baseline="0" dirty="0">
@@ -11054,7 +11095,7 @@
                 <a:ea typeface="Times New Roman" panose="02020603050405020304" pitchFamily="18" charset="0"/>
                 <a:cs typeface="Times New Roman" panose="02020603050405020304" pitchFamily="18" charset="0"/>
               </a:rPr>
-              <a:t> sensors &amp; spatiotemporal modelling to monitor Harmful </a:t>
+              <a:t> sensors to monitor Harmful </a:t>
             </a:r>
             <a:r>
               <a:rPr lang="en-US" altLang="en-US" dirty="0">
@@ -11101,7 +11142,7 @@
               <a:t>looms(HABs)</a:t>
             </a:r>
             <a:br>
-              <a:rPr lang="en-GB" b="1" u="sng" dirty="0">
+              <a:rPr lang="en-GB" b="1" dirty="0">
                 <a:solidFill>
                   <a:srgbClr val="000000"/>
                 </a:solidFill>
@@ -11132,7 +11173,7 @@
                 <a:latin typeface="Calibri" panose="020F0502020204030204" pitchFamily="34" charset="0"/>
                 <a:ea typeface="Calibri" panose="020F0502020204030204" pitchFamily="34" charset="0"/>
               </a:rPr>
-              <a:t>				    - </a:t>
+              <a:t>				     </a:t>
             </a:r>
             <a:r>
               <a:rPr lang="en-GB" sz="1600" dirty="0">
@@ -11461,7 +11502,7 @@
           <a:bodyPr/>
           <a:lstStyle/>
           <a:p>
-            <a:pPr marL="514350" marR="0" lvl="0" indent="-514350" fontAlgn="base">
+            <a:pPr marL="514350" marR="0" lvl="0" indent="-514350" algn="just" fontAlgn="base">
               <a:lnSpc>
                 <a:spcPct val="107000"/>
               </a:lnSpc>
@@ -11510,7 +11551,7 @@
             </a:r>
           </a:p>
           <a:p>
-            <a:pPr marL="514350" marR="0" lvl="0" indent="-514350" fontAlgn="base">
+            <a:pPr marL="514350" marR="0" lvl="0" indent="-514350" algn="just" fontAlgn="base">
               <a:lnSpc>
                 <a:spcPct val="107000"/>
               </a:lnSpc>
@@ -11536,7 +11577,7 @@
             </a:endParaRPr>
           </a:p>
           <a:p>
-            <a:pPr marL="514350" marR="0" lvl="0" indent="-514350" fontAlgn="base">
+            <a:pPr marL="514350" marR="0" lvl="0" indent="-514350" algn="just" fontAlgn="base">
               <a:lnSpc>
                 <a:spcPct val="107000"/>
               </a:lnSpc>
@@ -11585,7 +11626,7 @@
             </a:r>
           </a:p>
           <a:p>
-            <a:pPr marL="514350" marR="0" lvl="0" indent="-514350" fontAlgn="base">
+            <a:pPr marL="514350" marR="0" lvl="0" indent="-514350" algn="just" fontAlgn="base">
               <a:lnSpc>
                 <a:spcPct val="107000"/>
               </a:lnSpc>
@@ -11611,7 +11652,7 @@
             </a:endParaRPr>
           </a:p>
           <a:p>
-            <a:pPr marL="514350" marR="0" lvl="0" indent="-514350" fontAlgn="base">
+            <a:pPr marL="514350" marR="0" lvl="0" indent="-514350" algn="just" fontAlgn="base">
               <a:lnSpc>
                 <a:spcPct val="107000"/>
               </a:lnSpc>
@@ -11710,7 +11751,7 @@
             </a:r>
           </a:p>
           <a:p>
-            <a:pPr marL="514350" marR="0" lvl="0" indent="-514350" fontAlgn="base">
+            <a:pPr marL="514350" marR="0" lvl="0" indent="-514350" algn="just" fontAlgn="base">
               <a:lnSpc>
                 <a:spcPct val="107000"/>
               </a:lnSpc>
@@ -11812,6 +11853,343 @@
 </file>
 
 <file path=ppt/slides/slide11.xml><?xml version="1.0" encoding="utf-8"?>
+<p:sld xmlns:a="http://schemas.openxmlformats.org/drawingml/2006/main" xmlns:r="http://schemas.openxmlformats.org/officeDocument/2006/relationships" xmlns:p="http://schemas.openxmlformats.org/presentationml/2006/main">
+  <p:cSld>
+    <p:spTree>
+      <p:nvGrpSpPr>
+        <p:cNvPr id="1" name=""/>
+        <p:cNvGrpSpPr/>
+        <p:nvPr/>
+      </p:nvGrpSpPr>
+      <p:grpSpPr>
+        <a:xfrm>
+          <a:off x="0" y="0"/>
+          <a:ext cx="0" cy="0"/>
+          <a:chOff x="0" y="0"/>
+          <a:chExt cx="0" cy="0"/>
+        </a:xfrm>
+      </p:grpSpPr>
+      <p:sp>
+        <p:nvSpPr>
+          <p:cNvPr id="3" name="Footer Placeholder 2">
+            <a:extLst>
+              <a:ext uri="{FF2B5EF4-FFF2-40B4-BE49-F238E27FC236}">
+                <a16:creationId xmlns:a16="http://schemas.microsoft.com/office/drawing/2014/main" id="{66EB83DB-C093-44A4-BE0E-2FD9B9A0E413}"/>
+              </a:ext>
+            </a:extLst>
+          </p:cNvPr>
+          <p:cNvSpPr>
+            <a:spLocks noGrp="1"/>
+          </p:cNvSpPr>
+          <p:nvPr>
+            <p:ph type="ftr" sz="quarter" idx="10"/>
+          </p:nvPr>
+        </p:nvSpPr>
+        <p:spPr/>
+        <p:txBody>
+          <a:bodyPr/>
+          <a:lstStyle/>
+          <a:p>
+            <a:pPr>
+              <a:defRPr/>
+            </a:pPr>
+            <a:endParaRPr lang="de-DE"/>
+          </a:p>
+          <a:p>
+            <a:pPr>
+              <a:defRPr/>
+            </a:pPr>
+            <a:endParaRPr lang="de-DE"/>
+          </a:p>
+        </p:txBody>
+      </p:sp>
+      <p:pic>
+        <p:nvPicPr>
+          <p:cNvPr id="11" name="Picture 10">
+            <a:extLst>
+              <a:ext uri="{FF2B5EF4-FFF2-40B4-BE49-F238E27FC236}">
+                <a16:creationId xmlns:a16="http://schemas.microsoft.com/office/drawing/2014/main" id="{AF844D58-D200-4A77-8829-793550CC1A47}"/>
+              </a:ext>
+            </a:extLst>
+          </p:cNvPr>
+          <p:cNvPicPr>
+            <a:picLocks noChangeAspect="1"/>
+          </p:cNvPicPr>
+          <p:nvPr/>
+        </p:nvPicPr>
+        <p:blipFill rotWithShape="1">
+          <a:blip r:embed="rId2">
+            <a:extLst>
+              <a:ext uri="{28A0092B-C50C-407E-A947-70E740481C1C}">
+                <a14:useLocalDpi xmlns:a14="http://schemas.microsoft.com/office/drawing/2010/main" val="0"/>
+              </a:ext>
+            </a:extLst>
+          </a:blip>
+          <a:srcRect l="11034" t="9122" r="10216" b="11824"/>
+          <a:stretch/>
+        </p:blipFill>
+        <p:spPr>
+          <a:xfrm>
+            <a:off x="411181" y="3871994"/>
+            <a:ext cx="7342483" cy="2870119"/>
+          </a:xfrm>
+          <a:prstGeom prst="rect">
+            <a:avLst/>
+          </a:prstGeom>
+        </p:spPr>
+      </p:pic>
+      <p:pic>
+        <p:nvPicPr>
+          <p:cNvPr id="13" name="Picture 12">
+            <a:extLst>
+              <a:ext uri="{FF2B5EF4-FFF2-40B4-BE49-F238E27FC236}">
+                <a16:creationId xmlns:a16="http://schemas.microsoft.com/office/drawing/2014/main" id="{A7E0EBCD-2975-4E4D-9210-F581B95C1B3C}"/>
+              </a:ext>
+            </a:extLst>
+          </p:cNvPr>
+          <p:cNvPicPr>
+            <a:picLocks noChangeAspect="1"/>
+          </p:cNvPicPr>
+          <p:nvPr/>
+        </p:nvPicPr>
+        <p:blipFill rotWithShape="1">
+          <a:blip r:embed="rId3">
+            <a:extLst>
+              <a:ext uri="{28A0092B-C50C-407E-A947-70E740481C1C}">
+                <a14:useLocalDpi xmlns:a14="http://schemas.microsoft.com/office/drawing/2010/main" val="0"/>
+              </a:ext>
+            </a:extLst>
+          </a:blip>
+          <a:srcRect l="9450" t="7438" r="11267" b="9106"/>
+          <a:stretch/>
+        </p:blipFill>
+        <p:spPr>
+          <a:xfrm>
+            <a:off x="278437" y="792751"/>
+            <a:ext cx="7249758" cy="3240360"/>
+          </a:xfrm>
+          <a:prstGeom prst="rect">
+            <a:avLst/>
+          </a:prstGeom>
+        </p:spPr>
+      </p:pic>
+      <p:sp>
+        <p:nvSpPr>
+          <p:cNvPr id="14" name="TextBox 13">
+            <a:extLst>
+              <a:ext uri="{FF2B5EF4-FFF2-40B4-BE49-F238E27FC236}">
+                <a16:creationId xmlns:a16="http://schemas.microsoft.com/office/drawing/2014/main" id="{09CCEDEF-1D60-47AD-AE7D-6EEEA4A02C21}"/>
+              </a:ext>
+            </a:extLst>
+          </p:cNvPr>
+          <p:cNvSpPr txBox="1"/>
+          <p:nvPr/>
+        </p:nvSpPr>
+        <p:spPr>
+          <a:xfrm>
+            <a:off x="250825" y="404664"/>
+            <a:ext cx="7891922" cy="264047"/>
+          </a:xfrm>
+          <a:prstGeom prst="rect">
+            <a:avLst/>
+          </a:prstGeom>
+          <a:noFill/>
+        </p:spPr>
+        <p:txBody>
+          <a:bodyPr wrap="square" rtlCol="0">
+            <a:spAutoFit/>
+          </a:bodyPr>
+          <a:lstStyle/>
+          <a:p>
+            <a:r>
+              <a:rPr lang="en-US" sz="1200" b="1" dirty="0">
+                <a:solidFill>
+                  <a:schemeClr val="tx1"/>
+                </a:solidFill>
+                <a:latin typeface="Verdana" panose="020B0604030504040204" pitchFamily="34" charset="0"/>
+                <a:ea typeface="Verdana" panose="020B0604030504040204" pitchFamily="34" charset="0"/>
+              </a:rPr>
+              <a:t>SAMPLE RESULTS: Time series Average of Chl-a conc. monthly 4-Km MODIS L3m </a:t>
+            </a:r>
+          </a:p>
+        </p:txBody>
+      </p:sp>
+    </p:spTree>
+    <p:extLst>
+      <p:ext uri="{BB962C8B-B14F-4D97-AF65-F5344CB8AC3E}">
+        <p14:creationId xmlns:p14="http://schemas.microsoft.com/office/powerpoint/2010/main" val="1611212814"/>
+      </p:ext>
+    </p:extLst>
+  </p:cSld>
+  <p:clrMapOvr>
+    <a:masterClrMapping/>
+  </p:clrMapOvr>
+</p:sld>
+</file>
+
+<file path=ppt/slides/slide12.xml><?xml version="1.0" encoding="utf-8"?>
+<p:sld xmlns:a="http://schemas.openxmlformats.org/drawingml/2006/main" xmlns:r="http://schemas.openxmlformats.org/officeDocument/2006/relationships" xmlns:p="http://schemas.openxmlformats.org/presentationml/2006/main">
+  <p:cSld>
+    <p:spTree>
+      <p:nvGrpSpPr>
+        <p:cNvPr id="1" name=""/>
+        <p:cNvGrpSpPr/>
+        <p:nvPr/>
+      </p:nvGrpSpPr>
+      <p:grpSpPr>
+        <a:xfrm>
+          <a:off x="0" y="0"/>
+          <a:ext cx="0" cy="0"/>
+          <a:chOff x="0" y="0"/>
+          <a:chExt cx="0" cy="0"/>
+        </a:xfrm>
+      </p:grpSpPr>
+      <p:sp>
+        <p:nvSpPr>
+          <p:cNvPr id="3" name="Footer Placeholder 2">
+            <a:extLst>
+              <a:ext uri="{FF2B5EF4-FFF2-40B4-BE49-F238E27FC236}">
+                <a16:creationId xmlns:a16="http://schemas.microsoft.com/office/drawing/2014/main" id="{5A80C4C2-3A47-4FB7-893E-F43CD50A2E89}"/>
+              </a:ext>
+            </a:extLst>
+          </p:cNvPr>
+          <p:cNvSpPr>
+            <a:spLocks noGrp="1"/>
+          </p:cNvSpPr>
+          <p:nvPr>
+            <p:ph type="ftr" sz="quarter" idx="10"/>
+          </p:nvPr>
+        </p:nvSpPr>
+        <p:spPr/>
+        <p:txBody>
+          <a:bodyPr/>
+          <a:lstStyle/>
+          <a:p>
+            <a:pPr>
+              <a:defRPr/>
+            </a:pPr>
+            <a:endParaRPr lang="de-DE"/>
+          </a:p>
+          <a:p>
+            <a:pPr>
+              <a:defRPr/>
+            </a:pPr>
+            <a:endParaRPr lang="de-DE"/>
+          </a:p>
+        </p:txBody>
+      </p:sp>
+      <p:sp>
+        <p:nvSpPr>
+          <p:cNvPr id="4" name="Title 3">
+            <a:extLst>
+              <a:ext uri="{FF2B5EF4-FFF2-40B4-BE49-F238E27FC236}">
+                <a16:creationId xmlns:a16="http://schemas.microsoft.com/office/drawing/2014/main" id="{B1C72CB4-91A7-4971-881D-8FA02E4E8D87}"/>
+              </a:ext>
+            </a:extLst>
+          </p:cNvPr>
+          <p:cNvSpPr>
+            <a:spLocks noGrp="1"/>
+          </p:cNvSpPr>
+          <p:nvPr>
+            <p:ph type="title"/>
+          </p:nvPr>
+        </p:nvSpPr>
+        <p:spPr/>
+        <p:txBody>
+          <a:bodyPr/>
+          <a:lstStyle/>
+          <a:p>
+            <a:r>
+              <a:rPr lang="en-US" sz="1800" dirty="0"/>
+              <a:t>Sample Results: Obtaining GPS Location for Sensors</a:t>
+            </a:r>
+          </a:p>
+        </p:txBody>
+      </p:sp>
+      <p:pic>
+        <p:nvPicPr>
+          <p:cNvPr id="12" name="Picture 11">
+            <a:extLst>
+              <a:ext uri="{FF2B5EF4-FFF2-40B4-BE49-F238E27FC236}">
+                <a16:creationId xmlns:a16="http://schemas.microsoft.com/office/drawing/2014/main" id="{49FB8949-2915-4657-85E4-BC4FDD55247A}"/>
+              </a:ext>
+            </a:extLst>
+          </p:cNvPr>
+          <p:cNvPicPr>
+            <a:picLocks noChangeAspect="1"/>
+          </p:cNvPicPr>
+          <p:nvPr/>
+        </p:nvPicPr>
+        <p:blipFill rotWithShape="1">
+          <a:blip r:embed="rId2">
+            <a:extLst>
+              <a:ext uri="{28A0092B-C50C-407E-A947-70E740481C1C}">
+                <a14:useLocalDpi xmlns:a14="http://schemas.microsoft.com/office/drawing/2010/main" val="0"/>
+              </a:ext>
+            </a:extLst>
+          </a:blip>
+          <a:srcRect r="62981" b="5003"/>
+          <a:stretch/>
+        </p:blipFill>
+        <p:spPr>
+          <a:xfrm>
+            <a:off x="250825" y="1485235"/>
+            <a:ext cx="3483001" cy="5025103"/>
+          </a:xfrm>
+          <a:prstGeom prst="rect">
+            <a:avLst/>
+          </a:prstGeom>
+        </p:spPr>
+      </p:pic>
+      <p:pic>
+        <p:nvPicPr>
+          <p:cNvPr id="15" name="Picture 14">
+            <a:extLst>
+              <a:ext uri="{FF2B5EF4-FFF2-40B4-BE49-F238E27FC236}">
+                <a16:creationId xmlns:a16="http://schemas.microsoft.com/office/drawing/2014/main" id="{A31B7F74-43E9-4EFA-9761-4FA72A892D81}"/>
+              </a:ext>
+            </a:extLst>
+          </p:cNvPr>
+          <p:cNvPicPr>
+            <a:picLocks noChangeAspect="1"/>
+          </p:cNvPicPr>
+          <p:nvPr/>
+        </p:nvPicPr>
+        <p:blipFill rotWithShape="1">
+          <a:blip r:embed="rId3">
+            <a:extLst>
+              <a:ext uri="{28A0092B-C50C-407E-A947-70E740481C1C}">
+                <a14:useLocalDpi xmlns:a14="http://schemas.microsoft.com/office/drawing/2010/main" val="0"/>
+              </a:ext>
+            </a:extLst>
+          </a:blip>
+          <a:srcRect r="61413" b="-790"/>
+          <a:stretch/>
+        </p:blipFill>
+        <p:spPr>
+          <a:xfrm>
+            <a:off x="5351904" y="1437204"/>
+            <a:ext cx="3513760" cy="5160148"/>
+          </a:xfrm>
+          <a:prstGeom prst="rect">
+            <a:avLst/>
+          </a:prstGeom>
+        </p:spPr>
+      </p:pic>
+    </p:spTree>
+    <p:extLst>
+      <p:ext uri="{BB962C8B-B14F-4D97-AF65-F5344CB8AC3E}">
+        <p14:creationId xmlns:p14="http://schemas.microsoft.com/office/powerpoint/2010/main" val="3101967655"/>
+      </p:ext>
+    </p:extLst>
+  </p:cSld>
+  <p:clrMapOvr>
+    <a:masterClrMapping/>
+  </p:clrMapOvr>
+</p:sld>
+</file>
+
+<file path=ppt/slides/slide13.xml><?xml version="1.0" encoding="utf-8"?>
 <p:sld xmlns:a="http://schemas.openxmlformats.org/drawingml/2006/main" xmlns:r="http://schemas.openxmlformats.org/officeDocument/2006/relationships" xmlns:p="http://schemas.openxmlformats.org/presentationml/2006/main">
   <p:cSld>
     <p:spTree>
@@ -12472,6 +12850,42 @@
           </a:graphicData>
         </a:graphic>
       </p:graphicFrame>
+      <p:pic>
+        <p:nvPicPr>
+          <p:cNvPr id="5" name="Picture 4">
+            <a:extLst>
+              <a:ext uri="{FF2B5EF4-FFF2-40B4-BE49-F238E27FC236}">
+                <a16:creationId xmlns:a16="http://schemas.microsoft.com/office/drawing/2014/main" id="{B1730DE2-9ACC-4211-8391-C583B120C23E}"/>
+              </a:ext>
+            </a:extLst>
+          </p:cNvPr>
+          <p:cNvPicPr>
+            <a:picLocks noChangeAspect="1"/>
+          </p:cNvPicPr>
+          <p:nvPr/>
+        </p:nvPicPr>
+        <p:blipFill>
+          <a:blip r:embed="rId2" cstate="print">
+            <a:extLst>
+              <a:ext uri="{28A0092B-C50C-407E-A947-70E740481C1C}">
+                <a14:useLocalDpi xmlns:a14="http://schemas.microsoft.com/office/drawing/2010/main" val="0"/>
+              </a:ext>
+            </a:extLst>
+          </a:blip>
+          <a:stretch>
+            <a:fillRect/>
+          </a:stretch>
+        </p:blipFill>
+        <p:spPr>
+          <a:xfrm>
+            <a:off x="3851920" y="1729857"/>
+            <a:ext cx="456346" cy="456346"/>
+          </a:xfrm>
+          <a:prstGeom prst="rect">
+            <a:avLst/>
+          </a:prstGeom>
+        </p:spPr>
+      </p:pic>
     </p:spTree>
     <p:extLst>
       <p:ext uri="{BB962C8B-B14F-4D97-AF65-F5344CB8AC3E}">
@@ -12485,7 +12899,7 @@
 </p:sld>
 </file>
 
-<file path=ppt/slides/slide12.xml><?xml version="1.0" encoding="utf-8"?>
+<file path=ppt/slides/slide14.xml><?xml version="1.0" encoding="utf-8"?>
 <p:sld xmlns:a="http://schemas.openxmlformats.org/drawingml/2006/main" xmlns:r="http://schemas.openxmlformats.org/officeDocument/2006/relationships" xmlns:p="http://schemas.openxmlformats.org/presentationml/2006/main">
   <p:cSld>
     <p:spTree>
@@ -12798,7 +13212,7 @@
           <a:bodyPr/>
           <a:lstStyle/>
           <a:p>
-            <a:pPr marL="342900" lvl="0" indent="-342900">
+            <a:pPr marL="342900" lvl="0" indent="-342900" algn="just">
               <a:buFont typeface="Arial" panose="020B0604020202020204" pitchFamily="34" charset="0"/>
               <a:buChar char="•"/>
             </a:pPr>
@@ -12832,13 +13246,21 @@
             <a:r>
               <a:rPr lang="en-US" b="0" dirty="0">
                 <a:solidFill>
+                  <a:srgbClr val="00B0F0"/>
+                </a:solidFill>
+              </a:rPr>
+              <a:t>massive fish </a:t>
+            </a:r>
+            <a:r>
+              <a:rPr lang="en-US" b="0" dirty="0">
+                <a:solidFill>
                   <a:schemeClr val="accent6">
                     <a:lumMod val="60000"/>
                     <a:lumOff val="40000"/>
                   </a:schemeClr>
                 </a:solidFill>
               </a:rPr>
-              <a:t>fish deaths</a:t>
+              <a:t>deaths</a:t>
             </a:r>
             <a:r>
               <a:rPr lang="en-US" b="0" dirty="0"/>
@@ -12846,31 +13268,40 @@
             </a:r>
           </a:p>
           <a:p>
-            <a:pPr marL="2557462" lvl="8" indent="0">
+            <a:pPr marL="2557462" lvl="8" indent="0" algn="just">
               <a:buNone/>
             </a:pPr>
             <a:r>
               <a:rPr lang="en-US" b="0" dirty="0"/>
-              <a:t>						- </a:t>
-            </a:r>
-            <a:r>
-              <a:rPr lang="da-DK" b="0" dirty="0"/>
-              <a:t> </a:t>
-            </a:r>
-            <a:r>
-              <a:rPr lang="da-DK" dirty="0"/>
-              <a:t>WHO</a:t>
-            </a:r>
-            <a:endParaRPr lang="en-US" b="0" dirty="0"/>
-          </a:p>
-          <a:p>
-            <a:pPr marL="342900" lvl="0" indent="-342900">
+              <a:t>						</a:t>
+            </a:r>
+            <a:r>
+              <a:rPr lang="en-US" sz="1800" dirty="0">
+                <a:latin typeface="Verdana" panose="020B0604030504040204" pitchFamily="34" charset="0"/>
+                <a:ea typeface="Verdana" panose="020B0604030504040204" pitchFamily="34" charset="0"/>
+              </a:rPr>
+              <a:t>- </a:t>
+            </a:r>
+            <a:r>
+              <a:rPr lang="da-DK" sz="1800" dirty="0">
+                <a:latin typeface="Verdana" panose="020B0604030504040204" pitchFamily="34" charset="0"/>
+                <a:ea typeface="Verdana" panose="020B0604030504040204" pitchFamily="34" charset="0"/>
+              </a:rPr>
+              <a:t> WHO</a:t>
+            </a:r>
+            <a:endParaRPr lang="en-US" sz="1800" dirty="0">
+              <a:latin typeface="Verdana" panose="020B0604030504040204" pitchFamily="34" charset="0"/>
+              <a:ea typeface="Verdana" panose="020B0604030504040204" pitchFamily="34" charset="0"/>
+            </a:endParaRPr>
+          </a:p>
+          <a:p>
+            <a:pPr marL="342900" lvl="0" indent="-342900" algn="just">
               <a:buFont typeface="Arial" panose="020B0604020202020204" pitchFamily="34" charset="0"/>
               <a:buChar char="•"/>
             </a:pPr>
             <a:r>
               <a:rPr lang="en-US" b="0" dirty="0"/>
-              <a:t>Hence, quantifying the detailed </a:t>
+              <a:t>Hence, quantifying the </a:t>
             </a:r>
             <a:r>
               <a:rPr lang="en-US" b="0" dirty="0">
@@ -12894,11 +13325,11 @@
             </a:r>
           </a:p>
           <a:p>
-            <a:pPr marL="0" lvl="0" indent="0"/>
+            <a:pPr marL="0" lvl="0" indent="0" algn="just"/>
             <a:endParaRPr lang="en-US" b="0" dirty="0"/>
           </a:p>
           <a:p>
-            <a:pPr marL="342900" indent="-342900">
+            <a:pPr marL="342900" indent="-342900" algn="just">
               <a:buFont typeface="Arial" panose="020B0604020202020204" pitchFamily="34" charset="0"/>
               <a:buChar char="•"/>
             </a:pPr>
@@ -13063,7 +13494,7 @@
           <a:bodyPr/>
           <a:lstStyle/>
           <a:p>
-            <a:pPr marL="342900" lvl="0" indent="-342900">
+            <a:pPr marL="342900" lvl="0" indent="-342900" algn="just">
               <a:buFont typeface="Arial" panose="020B0604020202020204" pitchFamily="34" charset="0"/>
               <a:buChar char="•"/>
             </a:pPr>
@@ -13168,14 +13599,14 @@
             </a:endParaRPr>
           </a:p>
           <a:p>
-            <a:pPr marL="342900" lvl="0" indent="-342900">
+            <a:pPr marL="342900" lvl="0" indent="-342900" algn="just">
               <a:buFont typeface="Arial" panose="020B0604020202020204" pitchFamily="34" charset="0"/>
               <a:buChar char="•"/>
             </a:pPr>
             <a:endParaRPr lang="en-US" sz="2200" b="0" dirty="0"/>
           </a:p>
           <a:p>
-            <a:pPr marL="342900" lvl="0" indent="-342900">
+            <a:pPr marL="342900" lvl="0" indent="-342900" algn="just">
               <a:buFont typeface="Arial" panose="020B0604020202020204" pitchFamily="34" charset="0"/>
               <a:buChar char="•"/>
             </a:pPr>
@@ -13200,14 +13631,14 @@
             </a:r>
           </a:p>
           <a:p>
-            <a:pPr marL="342900" lvl="0" indent="-342900">
+            <a:pPr marL="342900" lvl="0" indent="-342900" algn="just">
               <a:buFont typeface="Arial" panose="020B0604020202020204" pitchFamily="34" charset="0"/>
               <a:buChar char="•"/>
             </a:pPr>
             <a:endParaRPr lang="en-US" b="0" dirty="0"/>
           </a:p>
           <a:p>
-            <a:pPr marL="342900" lvl="0" indent="-342900">
+            <a:pPr marL="342900" lvl="0" indent="-342900" algn="just">
               <a:buFont typeface="Arial" panose="020B0604020202020204" pitchFamily="34" charset="0"/>
               <a:buChar char="•"/>
             </a:pPr>
@@ -13233,15 +13664,7 @@
             </a:r>
             <a:r>
               <a:rPr lang="en-US" b="0" dirty="0"/>
-              <a:t>calling for </a:t>
-            </a:r>
-            <a:r>
-              <a:rPr lang="en-US" b="0" dirty="0" err="1"/>
-              <a:t>immidiate</a:t>
-            </a:r>
-            <a:r>
-              <a:rPr lang="en-US" b="0" dirty="0"/>
-              <a:t> remedy actions.</a:t>
+              <a:t>calling for immediate remedy actions.</a:t>
             </a:r>
           </a:p>
         </p:txBody>
@@ -13472,6 +13895,46 @@
           </a:prstGeom>
         </p:spPr>
       </p:pic>
+      <p:sp>
+        <p:nvSpPr>
+          <p:cNvPr id="2" name="TextBox 1">
+            <a:extLst>
+              <a:ext uri="{FF2B5EF4-FFF2-40B4-BE49-F238E27FC236}">
+                <a16:creationId xmlns:a16="http://schemas.microsoft.com/office/drawing/2014/main" id="{FD3A12E8-D2BA-460F-BCD1-C1DBE53D5688}"/>
+              </a:ext>
+            </a:extLst>
+          </p:cNvPr>
+          <p:cNvSpPr txBox="1"/>
+          <p:nvPr/>
+        </p:nvSpPr>
+        <p:spPr>
+          <a:xfrm>
+            <a:off x="250825" y="4509120"/>
+            <a:ext cx="7849567" cy="360040"/>
+          </a:xfrm>
+          <a:prstGeom prst="rect">
+            <a:avLst/>
+          </a:prstGeom>
+          <a:noFill/>
+        </p:spPr>
+        <p:txBody>
+          <a:bodyPr wrap="square" rtlCol="0">
+            <a:spAutoFit/>
+          </a:bodyPr>
+          <a:lstStyle/>
+          <a:p>
+            <a:pPr algn="l"/>
+            <a:r>
+              <a:rPr lang="en-US" i="1" dirty="0">
+                <a:solidFill>
+                  <a:schemeClr val="tx1"/>
+                </a:solidFill>
+              </a:rPr>
+              <a:t>Image Source: Courtesy</a:t>
+            </a:r>
+          </a:p>
+        </p:txBody>
+      </p:sp>
     </p:spTree>
     <p:extLst>
       <p:ext uri="{BB962C8B-B14F-4D97-AF65-F5344CB8AC3E}">
@@ -13523,7 +13986,7 @@
           <a:bodyPr/>
           <a:lstStyle/>
           <a:p>
-            <a:pPr marL="342900" lvl="0" indent="-342900">
+            <a:pPr marL="342900" lvl="0" indent="-342900" algn="just">
               <a:buFont typeface="Arial" panose="020B0604020202020204" pitchFamily="34" charset="0"/>
               <a:buChar char="•"/>
             </a:pPr>
@@ -13533,13 +13996,13 @@
             </a:r>
           </a:p>
           <a:p>
-            <a:pPr marL="358775" lvl="2" indent="0">
+            <a:pPr marL="358775" lvl="2" indent="0" algn="just">
               <a:buNone/>
             </a:pPr>
             <a:endParaRPr lang="en-GB" sz="2100" b="0" dirty="0"/>
           </a:p>
           <a:p>
-            <a:pPr marL="512762" lvl="1" indent="-342900">
+            <a:pPr marL="512762" lvl="1" indent="-342900" algn="just">
               <a:spcBef>
                 <a:spcPct val="0"/>
               </a:spcBef>
@@ -13617,7 +14080,7 @@
             </a:r>
           </a:p>
           <a:p>
-            <a:pPr marL="512762" lvl="1" indent="-342900">
+            <a:pPr marL="512762" lvl="1" indent="-342900" algn="just">
               <a:spcBef>
                 <a:spcPct val="0"/>
               </a:spcBef>
@@ -13715,7 +14178,7 @@
             </a:endParaRPr>
           </a:p>
           <a:p>
-            <a:pPr marL="512762" lvl="1" indent="-342900">
+            <a:pPr marL="512762" lvl="1" indent="-342900" algn="just">
               <a:buFont typeface="Courier New" panose="02070309020205020404" pitchFamily="49" charset="0"/>
               <a:buChar char="o"/>
             </a:pPr>
@@ -13836,20 +14299,21 @@
             </a:r>
           </a:p>
           <a:p>
-            <a:pPr marL="512762" lvl="1" indent="-342900">
+            <a:pPr marL="512762" lvl="1" indent="-342900" algn="just">
               <a:buFont typeface="Courier New" panose="02070309020205020404" pitchFamily="49" charset="0"/>
               <a:buChar char="o"/>
             </a:pPr>
             <a:endParaRPr lang="en-GB" sz="2100" b="0" dirty="0"/>
           </a:p>
           <a:p>
-            <a:pPr marL="701675" lvl="2" indent="-342900">
+            <a:pPr marL="701675" lvl="2" indent="-342900" algn="just">
               <a:buFont typeface="Courier New" panose="02070309020205020404" pitchFamily="49" charset="0"/>
               <a:buChar char="o"/>
             </a:pPr>
             <a:endParaRPr lang="en-GB" sz="2100" b="0" dirty="0"/>
           </a:p>
           <a:p>
+            <a:pPr algn="just"/>
             <a:endParaRPr lang="en-US" dirty="0"/>
           </a:p>
         </p:txBody>
@@ -14597,7 +15061,7 @@
           <p:nvPr>
             <p:extLst>
               <p:ext uri="{D42A27DB-BD31-4B8C-83A1-F6EECF244321}">
-                <p14:modId xmlns:p14="http://schemas.microsoft.com/office/powerpoint/2010/main" val="822261853"/>
+                <p14:modId xmlns:p14="http://schemas.microsoft.com/office/powerpoint/2010/main" val="3385528737"/>
               </p:ext>
             </p:extLst>
           </p:nvPr>
@@ -14781,7 +15245,7 @@
                           <a:ea typeface="Verdana" panose="020B0604030504040204" pitchFamily="34" charset="0"/>
                           <a:cs typeface="Times New Roman" panose="02020603050405020304" pitchFamily="18" charset="0"/>
                         </a:rPr>
-                        <a:t>(10m, 16 days)</a:t>
+                        <a:t>(30m, 16 days)</a:t>
                       </a:r>
                     </a:p>
                   </a:txBody>
@@ -15559,7 +16023,7 @@
             <a:avLst/>
           </a:prstGeom>
           <a:solidFill>
-            <a:srgbClr val="92D050"/>
+            <a:srgbClr val="FFFF00"/>
           </a:solidFill>
           <a:ln w="6350">
             <a:solidFill>
@@ -15706,7 +16170,7 @@
             <a:avLst/>
           </a:prstGeom>
           <a:solidFill>
-            <a:srgbClr val="92D050"/>
+            <a:srgbClr val="FFFF00"/>
           </a:solidFill>
           <a:ln w="6350">
             <a:solidFill>
@@ -16603,7 +17067,7 @@
             <a:avLst/>
           </a:prstGeom>
           <a:solidFill>
-            <a:srgbClr val="92D050"/>
+            <a:srgbClr val="FFFF00"/>
           </a:solidFill>
         </p:spPr>
         <p:style>
@@ -16765,7 +17229,7 @@
             <a:avLst/>
           </a:prstGeom>
           <a:solidFill>
-            <a:srgbClr val="92D050"/>
+            <a:srgbClr val="FFFF00"/>
           </a:solidFill>
           <a:ln w="6350">
             <a:solidFill>
@@ -16840,7 +17304,7 @@
             <a:avLst/>
           </a:prstGeom>
           <a:solidFill>
-            <a:srgbClr val="92D050"/>
+            <a:srgbClr val="FFFF00"/>
           </a:solidFill>
           <a:ln w="6350">
             <a:solidFill>
@@ -17237,7 +17701,7 @@
             <a:avLst/>
           </a:prstGeom>
           <a:solidFill>
-            <a:srgbClr val="92D050"/>
+            <a:srgbClr val="FFFF00"/>
           </a:solidFill>
           <a:ln w="6350">
             <a:solidFill>
@@ -17602,12 +18066,15 @@
         </p:nvSpPr>
         <p:spPr>
           <a:xfrm>
-            <a:off x="7822037" y="4253442"/>
-            <a:ext cx="1152128" cy="406271"/>
+            <a:off x="7587578" y="4278995"/>
+            <a:ext cx="1424594" cy="436880"/>
           </a:xfrm>
           <a:prstGeom prst="flowChartDocument">
             <a:avLst/>
           </a:prstGeom>
+          <a:solidFill>
+            <a:srgbClr val="FFFF00"/>
+          </a:solidFill>
         </p:spPr>
         <p:style>
           <a:lnRef idx="2">
@@ -17631,8 +18098,14 @@
           <a:p>
             <a:pPr algn="ctr"/>
             <a:r>
-              <a:rPr lang="en-US" dirty="0"/>
-              <a:t>CDOM</a:t>
+              <a:rPr lang="en-US" sz="1400" dirty="0">
+                <a:solidFill>
+                  <a:schemeClr val="tx1"/>
+                </a:solidFill>
+                <a:latin typeface="Verdana" panose="020B0604030504040204" pitchFamily="34" charset="0"/>
+                <a:ea typeface="Verdana" panose="020B0604030504040204" pitchFamily="34" charset="0"/>
+              </a:rPr>
+              <a:t>CDOM/In-situ</a:t>
             </a:r>
           </a:p>
         </p:txBody>
@@ -18142,14 +18615,15 @@
             </a:extLst>
           </p:cNvPr>
           <p:cNvCxnSpPr>
+            <a:cxnSpLocks/>
             <a:stCxn id="119" idx="1"/>
           </p:cNvCxnSpPr>
           <p:nvPr/>
         </p:nvCxnSpPr>
         <p:spPr>
           <a:xfrm flipH="1" flipV="1">
-            <a:off x="7314911" y="4455778"/>
-            <a:ext cx="507126" cy="800"/>
+            <a:off x="7314911" y="4494226"/>
+            <a:ext cx="272667" cy="3209"/>
           </a:xfrm>
           <a:prstGeom prst="straightConnector1">
             <a:avLst/>

--- a/Dr. E Nduati, Superviser/Submissions/ENC222-0149_2017_OKOMO_JACOB_OKELLO_V3.pptx
+++ b/Dr. E Nduati, Superviser/Submissions/ENC222-0149_2017_OKOMO_JACOB_OKELLO_V3.pptx
@@ -6,10 +6,10 @@
     <p:sldMasterId id="2147483698" r:id="rId2"/>
   </p:sldMasterIdLst>
   <p:notesMasterIdLst>
-    <p:notesMasterId r:id="rId17"/>
+    <p:notesMasterId r:id="rId18"/>
   </p:notesMasterIdLst>
   <p:handoutMasterIdLst>
-    <p:handoutMasterId r:id="rId18"/>
+    <p:handoutMasterId r:id="rId19"/>
   </p:handoutMasterIdLst>
   <p:sldIdLst>
     <p:sldId id="325" r:id="rId3"/>
@@ -17,15 +17,16 @@
     <p:sldId id="331" r:id="rId5"/>
     <p:sldId id="332" r:id="rId6"/>
     <p:sldId id="333" r:id="rId7"/>
-    <p:sldId id="355" r:id="rId8"/>
-    <p:sldId id="356" r:id="rId9"/>
+    <p:sldId id="356" r:id="rId8"/>
+    <p:sldId id="355" r:id="rId9"/>
     <p:sldId id="358" r:id="rId10"/>
     <p:sldId id="334" r:id="rId11"/>
     <p:sldId id="335" r:id="rId12"/>
     <p:sldId id="360" r:id="rId13"/>
-    <p:sldId id="359" r:id="rId14"/>
-    <p:sldId id="353" r:id="rId15"/>
-    <p:sldId id="324" r:id="rId16"/>
+    <p:sldId id="361" r:id="rId14"/>
+    <p:sldId id="359" r:id="rId15"/>
+    <p:sldId id="353" r:id="rId16"/>
+    <p:sldId id="324" r:id="rId17"/>
   </p:sldIdLst>
   <p:sldSz cx="9144000" cy="6858000" type="screen4x3"/>
   <p:notesSz cx="6858000" cy="9947275"/>
@@ -2936,7 +2937,7 @@
                 <a:ea typeface="Verdana" panose="020B0604030504040204" pitchFamily="34" charset="0"/>
                 <a:cs typeface="Verdana" panose="020B0604030504040204" pitchFamily="34" charset="0"/>
               </a:rPr>
-              <a:t>30-Jul-21</a:t>
+              <a:t>10-Aug-21</a:t>
             </a:fld>
             <a:endParaRPr lang="de-DE" sz="1000" dirty="0">
               <a:solidFill>
@@ -5026,7 +5027,7 @@
           <a:p>
             <a:fld id="{440D235E-7DEE-46BF-B2F8-FEE76BCCEBEE}" type="datetimeFigureOut">
               <a:rPr lang="en-US" smtClean="0"/>
-              <a:t>7/30/2021</a:t>
+              <a:t>8/10/2021</a:t>
             </a:fld>
             <a:endParaRPr lang="en-US"/>
           </a:p>
@@ -5224,7 +5225,7 @@
           <a:p>
             <a:fld id="{440D235E-7DEE-46BF-B2F8-FEE76BCCEBEE}" type="datetimeFigureOut">
               <a:rPr lang="en-US" smtClean="0"/>
-              <a:t>7/30/2021</a:t>
+              <a:t>8/10/2021</a:t>
             </a:fld>
             <a:endParaRPr lang="en-US"/>
           </a:p>
@@ -5499,7 +5500,7 @@
           <a:p>
             <a:fld id="{440D235E-7DEE-46BF-B2F8-FEE76BCCEBEE}" type="datetimeFigureOut">
               <a:rPr lang="en-US" smtClean="0"/>
-              <a:t>7/30/2021</a:t>
+              <a:t>8/10/2021</a:t>
             </a:fld>
             <a:endParaRPr lang="en-US"/>
           </a:p>
@@ -5931,7 +5932,7 @@
           <a:p>
             <a:fld id="{440D235E-7DEE-46BF-B2F8-FEE76BCCEBEE}" type="datetimeFigureOut">
               <a:rPr lang="en-US" smtClean="0"/>
-              <a:t>7/30/2021</a:t>
+              <a:t>8/10/2021</a:t>
             </a:fld>
             <a:endParaRPr lang="en-US"/>
           </a:p>
@@ -6343,7 +6344,7 @@
           <a:p>
             <a:fld id="{440D235E-7DEE-46BF-B2F8-FEE76BCCEBEE}" type="datetimeFigureOut">
               <a:rPr lang="en-US" smtClean="0"/>
-              <a:t>7/30/2021</a:t>
+              <a:t>8/10/2021</a:t>
             </a:fld>
             <a:endParaRPr lang="en-US"/>
           </a:p>
@@ -6484,7 +6485,7 @@
           <a:p>
             <a:fld id="{440D235E-7DEE-46BF-B2F8-FEE76BCCEBEE}" type="datetimeFigureOut">
               <a:rPr lang="en-US" smtClean="0"/>
-              <a:t>7/30/2021</a:t>
+              <a:t>8/10/2021</a:t>
             </a:fld>
             <a:endParaRPr lang="en-US"/>
           </a:p>
@@ -6597,7 +6598,7 @@
           <a:p>
             <a:fld id="{440D235E-7DEE-46BF-B2F8-FEE76BCCEBEE}" type="datetimeFigureOut">
               <a:rPr lang="en-US" smtClean="0"/>
-              <a:t>7/30/2021</a:t>
+              <a:t>8/10/2021</a:t>
             </a:fld>
             <a:endParaRPr lang="en-US"/>
           </a:p>
@@ -6908,7 +6909,7 @@
           <a:p>
             <a:fld id="{440D235E-7DEE-46BF-B2F8-FEE76BCCEBEE}" type="datetimeFigureOut">
               <a:rPr lang="en-US" smtClean="0"/>
-              <a:t>7/30/2021</a:t>
+              <a:t>8/10/2021</a:t>
             </a:fld>
             <a:endParaRPr lang="en-US"/>
           </a:p>
@@ -7196,7 +7197,7 @@
           <a:p>
             <a:fld id="{440D235E-7DEE-46BF-B2F8-FEE76BCCEBEE}" type="datetimeFigureOut">
               <a:rPr lang="en-US" smtClean="0"/>
-              <a:t>7/30/2021</a:t>
+              <a:t>8/10/2021</a:t>
             </a:fld>
             <a:endParaRPr lang="en-US"/>
           </a:p>
@@ -7394,7 +7395,7 @@
           <a:p>
             <a:fld id="{440D235E-7DEE-46BF-B2F8-FEE76BCCEBEE}" type="datetimeFigureOut">
               <a:rPr lang="en-US" smtClean="0"/>
-              <a:t>7/30/2021</a:t>
+              <a:t>8/10/2021</a:t>
             </a:fld>
             <a:endParaRPr lang="en-US"/>
           </a:p>
@@ -7602,7 +7603,7 @@
           <a:p>
             <a:fld id="{440D235E-7DEE-46BF-B2F8-FEE76BCCEBEE}" type="datetimeFigureOut">
               <a:rPr lang="en-US" smtClean="0"/>
-              <a:t>7/30/2021</a:t>
+              <a:t>8/10/2021</a:t>
             </a:fld>
             <a:endParaRPr lang="en-US"/>
           </a:p>
@@ -10344,7 +10345,7 @@
           <a:p>
             <a:fld id="{440D235E-7DEE-46BF-B2F8-FEE76BCCEBEE}" type="datetimeFigureOut">
               <a:rPr lang="en-US" smtClean="0"/>
-              <a:t>7/30/2021</a:t>
+              <a:t>8/10/2021</a:t>
             </a:fld>
             <a:endParaRPr lang="en-US"/>
           </a:p>
@@ -10773,7 +10774,7 @@
         </p:nvSpPr>
         <p:spPr>
           <a:xfrm>
-            <a:off x="251520" y="332656"/>
+            <a:off x="107504" y="260648"/>
             <a:ext cx="7272808" cy="2061294"/>
           </a:xfrm>
         </p:spPr>
@@ -11035,10 +11036,10 @@
                 <a:ea typeface="Times New Roman" panose="02020603050405020304" pitchFamily="18" charset="0"/>
                 <a:cs typeface="Times New Roman" panose="02020603050405020304" pitchFamily="18" charset="0"/>
               </a:rPr>
-              <a:t> &amp; a</a:t>
-            </a:r>
-            <a:r>
-              <a:rPr kumimoji="0" lang="en-US" altLang="en-US" sz="2400" b="1" i="0" strike="noStrike" cap="none" normalizeH="0" baseline="0" dirty="0" err="1">
+              <a:t> &amp; </a:t>
+            </a:r>
+            <a:r>
+              <a:rPr kumimoji="0" lang="en-US" altLang="en-US" sz="2400" b="1" i="0" strike="noStrike" cap="none" normalizeH="0" baseline="0" dirty="0">
                 <a:ln>
                   <a:noFill/>
                 </a:ln>
@@ -11050,22 +11051,7 @@
                 <a:ea typeface="Times New Roman" panose="02020603050405020304" pitchFamily="18" charset="0"/>
                 <a:cs typeface="Times New Roman" panose="02020603050405020304" pitchFamily="18" charset="0"/>
               </a:rPr>
-              <a:t>utomated</a:t>
-            </a:r>
-            <a:r>
-              <a:rPr kumimoji="0" lang="en-US" altLang="en-US" sz="2400" b="1" i="0" strike="noStrike" cap="none" normalizeH="0" baseline="0" dirty="0">
-                <a:ln>
-                  <a:noFill/>
-                </a:ln>
-                <a:solidFill>
-                  <a:schemeClr val="tx1"/>
-                </a:solidFill>
-                <a:effectLst/>
-                <a:latin typeface="Verdana" panose="020B0604030504040204" pitchFamily="34" charset="0"/>
-                <a:ea typeface="Times New Roman" panose="02020603050405020304" pitchFamily="18" charset="0"/>
-                <a:cs typeface="Times New Roman" panose="02020603050405020304" pitchFamily="18" charset="0"/>
-              </a:rPr>
-              <a:t> </a:t>
+              <a:t>automated </a:t>
             </a:r>
             <a:r>
               <a:rPr kumimoji="0" lang="en-US" altLang="en-US" sz="2400" b="1" i="1" strike="noStrike" cap="none" normalizeH="0" baseline="0" dirty="0">
@@ -11697,7 +11683,7 @@
                 <a:effectLst/>
                 <a:cs typeface="Times New Roman" panose="02020603050405020304" pitchFamily="18" charset="0"/>
               </a:rPr>
-              <a:t>geo-tagged </a:t>
+              <a:t>geo-tagged water quality </a:t>
             </a:r>
             <a:r>
               <a:rPr lang="en-GB" b="0" dirty="0">
@@ -11707,7 +11693,7 @@
                 <a:effectLst/>
                 <a:cs typeface="Times New Roman" panose="02020603050405020304" pitchFamily="18" charset="0"/>
               </a:rPr>
-              <a:t>data in near-real time the </a:t>
+              <a:t>data in near-real time from the </a:t>
             </a:r>
             <a:r>
               <a:rPr lang="en-GB" b="0" i="1" dirty="0">
@@ -11732,22 +11718,12 @@
             <a:r>
               <a:rPr lang="en-GB" b="0" dirty="0">
                 <a:solidFill>
-                  <a:srgbClr val="00B0F0"/>
+                  <a:srgbClr val="000000"/>
                 </a:solidFill>
                 <a:effectLst/>
                 <a:cs typeface="Times New Roman" panose="02020603050405020304" pitchFamily="18" charset="0"/>
               </a:rPr>
-              <a:t>status </a:t>
-            </a:r>
-            <a:r>
-              <a:rPr lang="en-GB" b="0" dirty="0">
-                <a:solidFill>
-                  <a:srgbClr val="000000"/>
-                </a:solidFill>
-                <a:effectLst/>
-                <a:cs typeface="Times New Roman" panose="02020603050405020304" pitchFamily="18" charset="0"/>
-              </a:rPr>
-              <a:t>from the sensors.</a:t>
+              <a:t>sensors.</a:t>
             </a:r>
           </a:p>
           <a:p>
@@ -11930,43 +11906,8 @@
         </p:blipFill>
         <p:spPr>
           <a:xfrm>
-            <a:off x="411181" y="3871994"/>
-            <a:ext cx="7342483" cy="2870119"/>
-          </a:xfrm>
-          <a:prstGeom prst="rect">
-            <a:avLst/>
-          </a:prstGeom>
-        </p:spPr>
-      </p:pic>
-      <p:pic>
-        <p:nvPicPr>
-          <p:cNvPr id="13" name="Picture 12">
-            <a:extLst>
-              <a:ext uri="{FF2B5EF4-FFF2-40B4-BE49-F238E27FC236}">
-                <a16:creationId xmlns:a16="http://schemas.microsoft.com/office/drawing/2014/main" id="{A7E0EBCD-2975-4E4D-9210-F581B95C1B3C}"/>
-              </a:ext>
-            </a:extLst>
-          </p:cNvPr>
-          <p:cNvPicPr>
-            <a:picLocks noChangeAspect="1"/>
-          </p:cNvPicPr>
-          <p:nvPr/>
-        </p:nvPicPr>
-        <p:blipFill rotWithShape="1">
-          <a:blip r:embed="rId3">
-            <a:extLst>
-              <a:ext uri="{28A0092B-C50C-407E-A947-70E740481C1C}">
-                <a14:useLocalDpi xmlns:a14="http://schemas.microsoft.com/office/drawing/2010/main" val="0"/>
-              </a:ext>
-            </a:extLst>
-          </a:blip>
-          <a:srcRect l="9450" t="7438" r="11267" b="9106"/>
-          <a:stretch/>
-        </p:blipFill>
-        <p:spPr>
-          <a:xfrm>
-            <a:off x="278437" y="792751"/>
-            <a:ext cx="7249758" cy="3240360"/>
+            <a:off x="611560" y="1789324"/>
+            <a:ext cx="8289653" cy="3600400"/>
           </a:xfrm>
           <a:prstGeom prst="rect">
             <a:avLst/>
@@ -12049,7 +11990,7 @@
           <p:cNvPr id="3" name="Footer Placeholder 2">
             <a:extLst>
               <a:ext uri="{FF2B5EF4-FFF2-40B4-BE49-F238E27FC236}">
-                <a16:creationId xmlns:a16="http://schemas.microsoft.com/office/drawing/2014/main" id="{5A80C4C2-3A47-4FB7-893E-F43CD50A2E89}"/>
+                <a16:creationId xmlns:a16="http://schemas.microsoft.com/office/drawing/2014/main" id="{DDFB07F0-F9FB-4341-A7BA-5DCB2196D1B1}"/>
               </a:ext>
             </a:extLst>
           </p:cNvPr>
@@ -12083,7 +12024,7 @@
           <p:cNvPr id="4" name="Title 3">
             <a:extLst>
               <a:ext uri="{FF2B5EF4-FFF2-40B4-BE49-F238E27FC236}">
-                <a16:creationId xmlns:a16="http://schemas.microsoft.com/office/drawing/2014/main" id="{B1C72CB4-91A7-4971-881D-8FA02E4E8D87}"/>
+                <a16:creationId xmlns:a16="http://schemas.microsoft.com/office/drawing/2014/main" id="{1EFDCB09-98D3-4096-8215-5E6435B08409}"/>
               </a:ext>
             </a:extLst>
           </p:cNvPr>
@@ -12101,17 +12042,17 @@
           <a:p>
             <a:r>
               <a:rPr lang="en-US" sz="1800" dirty="0"/>
-              <a:t>Sample Results: Obtaining GPS Location for Sensors</a:t>
+              <a:t>L8 2015: No Bloom Reported (cl-g map) Vs LSWT Map at Bloom Event.</a:t>
             </a:r>
           </a:p>
         </p:txBody>
       </p:sp>
       <p:pic>
         <p:nvPicPr>
-          <p:cNvPr id="12" name="Picture 11">
+          <p:cNvPr id="14" name="Picture 13">
             <a:extLst>
               <a:ext uri="{FF2B5EF4-FFF2-40B4-BE49-F238E27FC236}">
-                <a16:creationId xmlns:a16="http://schemas.microsoft.com/office/drawing/2014/main" id="{49FB8949-2915-4657-85E4-BC4FDD55247A}"/>
+                <a16:creationId xmlns:a16="http://schemas.microsoft.com/office/drawing/2014/main" id="{8DD7875A-0246-4C26-9650-7B59ACFD995C}"/>
               </a:ext>
             </a:extLst>
           </p:cNvPr>
@@ -12128,13 +12069,13 @@
               </a:ext>
             </a:extLst>
           </a:blip>
-          <a:srcRect r="62981" b="5003"/>
+          <a:srcRect l="5834" t="6862" r="3963" b="13903"/>
           <a:stretch/>
         </p:blipFill>
         <p:spPr>
           <a:xfrm>
-            <a:off x="250825" y="1485235"/>
-            <a:ext cx="3483001" cy="5025103"/>
+            <a:off x="129714" y="1881134"/>
+            <a:ext cx="4514435" cy="3039926"/>
           </a:xfrm>
           <a:prstGeom prst="rect">
             <a:avLst/>
@@ -12143,10 +12084,10 @@
       </p:pic>
       <p:pic>
         <p:nvPicPr>
-          <p:cNvPr id="15" name="Picture 14">
+          <p:cNvPr id="9" name="Picture 8">
             <a:extLst>
               <a:ext uri="{FF2B5EF4-FFF2-40B4-BE49-F238E27FC236}">
-                <a16:creationId xmlns:a16="http://schemas.microsoft.com/office/drawing/2014/main" id="{A31B7F74-43E9-4EFA-9761-4FA72A892D81}"/>
+                <a16:creationId xmlns:a16="http://schemas.microsoft.com/office/drawing/2014/main" id="{574DB6D0-F8E7-4400-A173-C515727C5869}"/>
               </a:ext>
             </a:extLst>
           </p:cNvPr>
@@ -12163,13 +12104,13 @@
               </a:ext>
             </a:extLst>
           </a:blip>
-          <a:srcRect r="61413" b="-790"/>
+          <a:srcRect l="4784" t="4965" r="4319" b="12259"/>
           <a:stretch/>
         </p:blipFill>
         <p:spPr>
           <a:xfrm>
-            <a:off x="5351904" y="1437204"/>
-            <a:ext cx="3513760" cy="5160148"/>
+            <a:off x="4629565" y="1881134"/>
+            <a:ext cx="4514435" cy="3039926"/>
           </a:xfrm>
           <a:prstGeom prst="rect">
             <a:avLst/>
@@ -12179,7 +12120,7 @@
     </p:spTree>
     <p:extLst>
       <p:ext uri="{BB962C8B-B14F-4D97-AF65-F5344CB8AC3E}">
-        <p14:creationId xmlns:p14="http://schemas.microsoft.com/office/powerpoint/2010/main" val="3101967655"/>
+        <p14:creationId xmlns:p14="http://schemas.microsoft.com/office/powerpoint/2010/main" val="371186304"/>
       </p:ext>
     </p:extLst>
   </p:cSld>
@@ -12208,6 +12149,168 @@
       </p:grpSpPr>
       <p:sp>
         <p:nvSpPr>
+          <p:cNvPr id="3" name="Footer Placeholder 2">
+            <a:extLst>
+              <a:ext uri="{FF2B5EF4-FFF2-40B4-BE49-F238E27FC236}">
+                <a16:creationId xmlns:a16="http://schemas.microsoft.com/office/drawing/2014/main" id="{5A80C4C2-3A47-4FB7-893E-F43CD50A2E89}"/>
+              </a:ext>
+            </a:extLst>
+          </p:cNvPr>
+          <p:cNvSpPr>
+            <a:spLocks noGrp="1"/>
+          </p:cNvSpPr>
+          <p:nvPr>
+            <p:ph type="ftr" sz="quarter" idx="10"/>
+          </p:nvPr>
+        </p:nvSpPr>
+        <p:spPr/>
+        <p:txBody>
+          <a:bodyPr/>
+          <a:lstStyle/>
+          <a:p>
+            <a:pPr>
+              <a:defRPr/>
+            </a:pPr>
+            <a:endParaRPr lang="de-DE"/>
+          </a:p>
+          <a:p>
+            <a:pPr>
+              <a:defRPr/>
+            </a:pPr>
+            <a:endParaRPr lang="de-DE"/>
+          </a:p>
+        </p:txBody>
+      </p:sp>
+      <p:sp>
+        <p:nvSpPr>
+          <p:cNvPr id="4" name="Title 3">
+            <a:extLst>
+              <a:ext uri="{FF2B5EF4-FFF2-40B4-BE49-F238E27FC236}">
+                <a16:creationId xmlns:a16="http://schemas.microsoft.com/office/drawing/2014/main" id="{B1C72CB4-91A7-4971-881D-8FA02E4E8D87}"/>
+              </a:ext>
+            </a:extLst>
+          </p:cNvPr>
+          <p:cNvSpPr>
+            <a:spLocks noGrp="1"/>
+          </p:cNvSpPr>
+          <p:nvPr>
+            <p:ph type="title"/>
+          </p:nvPr>
+        </p:nvSpPr>
+        <p:spPr/>
+        <p:txBody>
+          <a:bodyPr/>
+          <a:lstStyle/>
+          <a:p>
+            <a:r>
+              <a:rPr lang="en-US" sz="1800" dirty="0"/>
+              <a:t>Obtaining GPS Location, Water Temp and Relative Humidity from Sensors.</a:t>
+            </a:r>
+          </a:p>
+        </p:txBody>
+      </p:sp>
+      <p:pic>
+        <p:nvPicPr>
+          <p:cNvPr id="15" name="Picture 14">
+            <a:extLst>
+              <a:ext uri="{FF2B5EF4-FFF2-40B4-BE49-F238E27FC236}">
+                <a16:creationId xmlns:a16="http://schemas.microsoft.com/office/drawing/2014/main" id="{A31B7F74-43E9-4EFA-9761-4FA72A892D81}"/>
+              </a:ext>
+            </a:extLst>
+          </p:cNvPr>
+          <p:cNvPicPr>
+            <a:picLocks noChangeAspect="1"/>
+          </p:cNvPicPr>
+          <p:nvPr/>
+        </p:nvPicPr>
+        <p:blipFill rotWithShape="1">
+          <a:blip r:embed="rId2">
+            <a:extLst>
+              <a:ext uri="{28A0092B-C50C-407E-A947-70E740481C1C}">
+                <a14:useLocalDpi xmlns:a14="http://schemas.microsoft.com/office/drawing/2010/main" val="0"/>
+              </a:ext>
+            </a:extLst>
+          </a:blip>
+          <a:srcRect r="61413" b="6806"/>
+          <a:stretch/>
+        </p:blipFill>
+        <p:spPr>
+          <a:xfrm>
+            <a:off x="395536" y="1478605"/>
+            <a:ext cx="3714829" cy="5044261"/>
+          </a:xfrm>
+          <a:prstGeom prst="rect">
+            <a:avLst/>
+          </a:prstGeom>
+        </p:spPr>
+      </p:pic>
+      <p:pic>
+        <p:nvPicPr>
+          <p:cNvPr id="7" name="Picture 6">
+            <a:extLst>
+              <a:ext uri="{FF2B5EF4-FFF2-40B4-BE49-F238E27FC236}">
+                <a16:creationId xmlns:a16="http://schemas.microsoft.com/office/drawing/2014/main" id="{89E429A7-9958-4E69-A70A-FDDB8422053B}"/>
+              </a:ext>
+            </a:extLst>
+          </p:cNvPr>
+          <p:cNvPicPr>
+            <a:picLocks noChangeAspect="1"/>
+          </p:cNvPicPr>
+          <p:nvPr/>
+        </p:nvPicPr>
+        <p:blipFill rotWithShape="1">
+          <a:blip r:embed="rId3">
+            <a:extLst>
+              <a:ext uri="{28A0092B-C50C-407E-A947-70E740481C1C}">
+                <a14:useLocalDpi xmlns:a14="http://schemas.microsoft.com/office/drawing/2010/main" val="0"/>
+              </a:ext>
+            </a:extLst>
+          </a:blip>
+          <a:srcRect b="18663"/>
+          <a:stretch/>
+        </p:blipFill>
+        <p:spPr>
+          <a:xfrm>
+            <a:off x="4427984" y="1478605"/>
+            <a:ext cx="4472940" cy="2001911"/>
+          </a:xfrm>
+          <a:prstGeom prst="rect">
+            <a:avLst/>
+          </a:prstGeom>
+        </p:spPr>
+      </p:pic>
+    </p:spTree>
+    <p:extLst>
+      <p:ext uri="{BB962C8B-B14F-4D97-AF65-F5344CB8AC3E}">
+        <p14:creationId xmlns:p14="http://schemas.microsoft.com/office/powerpoint/2010/main" val="3101967655"/>
+      </p:ext>
+    </p:extLst>
+  </p:cSld>
+  <p:clrMapOvr>
+    <a:masterClrMapping/>
+  </p:clrMapOvr>
+</p:sld>
+</file>
+
+<file path=ppt/slides/slide14.xml><?xml version="1.0" encoding="utf-8"?>
+<p:sld xmlns:a="http://schemas.openxmlformats.org/drawingml/2006/main" xmlns:r="http://schemas.openxmlformats.org/officeDocument/2006/relationships" xmlns:p="http://schemas.openxmlformats.org/presentationml/2006/main">
+  <p:cSld>
+    <p:spTree>
+      <p:nvGrpSpPr>
+        <p:cNvPr id="1" name=""/>
+        <p:cNvGrpSpPr/>
+        <p:nvPr/>
+      </p:nvGrpSpPr>
+      <p:grpSpPr>
+        <a:xfrm>
+          <a:off x="0" y="0"/>
+          <a:ext cx="0" cy="0"/>
+          <a:chOff x="0" y="0"/>
+          <a:chExt cx="0" cy="0"/>
+        </a:xfrm>
+      </p:grpSpPr>
+      <p:sp>
+        <p:nvSpPr>
           <p:cNvPr id="3" name="Footer Placeholder 2"/>
           <p:cNvSpPr>
             <a:spLocks noGrp="1"/>
@@ -12271,13 +12374,13 @@
           <p:nvPr>
             <p:extLst>
               <p:ext uri="{D42A27DB-BD31-4B8C-83A1-F6EECF244321}">
-                <p14:modId xmlns:p14="http://schemas.microsoft.com/office/powerpoint/2010/main" val="1993871778"/>
+                <p14:modId xmlns:p14="http://schemas.microsoft.com/office/powerpoint/2010/main" val="2989880261"/>
               </p:ext>
             </p:extLst>
           </p:nvPr>
         </p:nvGraphicFramePr>
         <p:xfrm>
-          <a:off x="107504" y="1700808"/>
+          <a:off x="102882" y="1700808"/>
           <a:ext cx="8928992" cy="3119732"/>
         </p:xfrm>
         <a:graphic>
@@ -12346,7 +12449,11 @@
                       <a:endParaRPr lang="en-US" dirty="0"/>
                     </a:p>
                   </a:txBody>
-                  <a:tcPr/>
+                  <a:tcPr>
+                    <a:solidFill>
+                      <a:srgbClr val="99FF66"/>
+                    </a:solidFill>
+                  </a:tcPr>
                 </a:tc>
                 <a:tc>
                   <a:txBody>
@@ -12359,7 +12466,11 @@
                       </a:r>
                     </a:p>
                   </a:txBody>
-                  <a:tcPr/>
+                  <a:tcPr>
+                    <a:solidFill>
+                      <a:srgbClr val="99FF66"/>
+                    </a:solidFill>
+                  </a:tcPr>
                 </a:tc>
                 <a:tc>
                   <a:txBody>
@@ -12367,13 +12478,16 @@
                     <a:lstStyle/>
                     <a:p>
                       <a:r>
-                        <a:rPr lang="en-US"/>
+                        <a:rPr lang="en-US" dirty="0"/>
                         <a:t>August</a:t>
                       </a:r>
-                      <a:endParaRPr lang="en-US" dirty="0"/>
                     </a:p>
                   </a:txBody>
-                  <a:tcPr/>
+                  <a:tcPr>
+                    <a:solidFill>
+                      <a:srgbClr val="99FF66"/>
+                    </a:solidFill>
+                  </a:tcPr>
                 </a:tc>
                 <a:tc>
                   <a:txBody>
@@ -12386,7 +12500,14 @@
                       </a:r>
                     </a:p>
                   </a:txBody>
-                  <a:tcPr/>
+                  <a:tcPr>
+                    <a:solidFill>
+                      <a:schemeClr val="accent6">
+                        <a:lumMod val="20000"/>
+                        <a:lumOff val="80000"/>
+                      </a:schemeClr>
+                    </a:solidFill>
+                  </a:tcPr>
                 </a:tc>
                 <a:tc>
                   <a:txBody>
@@ -12416,7 +12537,14 @@
                       </a:r>
                     </a:p>
                   </a:txBody>
-                  <a:tcPr/>
+                  <a:tcPr>
+                    <a:solidFill>
+                      <a:schemeClr val="accent6">
+                        <a:lumMod val="20000"/>
+                        <a:lumOff val="80000"/>
+                      </a:schemeClr>
+                    </a:solidFill>
+                  </a:tcPr>
                 </a:tc>
                 <a:tc>
                   <a:txBody>
@@ -12446,7 +12574,14 @@
                       </a:r>
                     </a:p>
                   </a:txBody>
-                  <a:tcPr/>
+                  <a:tcPr>
+                    <a:solidFill>
+                      <a:schemeClr val="accent6">
+                        <a:lumMod val="20000"/>
+                        <a:lumOff val="80000"/>
+                      </a:schemeClr>
+                    </a:solidFill>
+                  </a:tcPr>
                 </a:tc>
                 <a:tc>
                   <a:txBody>
@@ -12459,7 +12594,14 @@
                       </a:r>
                     </a:p>
                   </a:txBody>
-                  <a:tcPr/>
+                  <a:tcPr>
+                    <a:solidFill>
+                      <a:schemeClr val="accent6">
+                        <a:lumMod val="20000"/>
+                        <a:lumOff val="80000"/>
+                      </a:schemeClr>
+                    </a:solidFill>
+                  </a:tcPr>
                 </a:tc>
                 <a:extLst>
                   <a:ext uri="{0D108BD9-81ED-4DB2-BD59-A6C34878D82A}">
@@ -12479,7 +12621,11 @@
                       </a:r>
                     </a:p>
                   </a:txBody>
-                  <a:tcPr/>
+                  <a:tcPr>
+                    <a:solidFill>
+                      <a:srgbClr val="99FF66"/>
+                    </a:solidFill>
+                  </a:tcPr>
                 </a:tc>
                 <a:tc>
                   <a:txBody>
@@ -12516,21 +12662,42 @@
                       </a:r>
                     </a:p>
                   </a:txBody>
-                  <a:tcPr/>
+                  <a:tcPr>
+                    <a:solidFill>
+                      <a:srgbClr val="99FF66"/>
+                    </a:solidFill>
+                  </a:tcPr>
                 </a:tc>
                 <a:tc>
                   <a:txBody>
                     <a:bodyPr/>
                     <a:lstStyle/>
                     <a:p>
-                      <a:pPr lvl="0"/>
+                      <a:pPr marL="0" lvl="0" indent="0">
+                        <a:buFont typeface="Arial" panose="020B0604020202020204" pitchFamily="34" charset="0"/>
+                        <a:buNone/>
+                      </a:pPr>
                       <a:r>
                         <a:rPr lang="en-US" dirty="0"/>
                         <a:t>Data Acquisition</a:t>
                       </a:r>
                     </a:p>
+                    <a:p>
+                      <a:pPr marL="0" lvl="0" indent="0">
+                        <a:buFont typeface="Arial" panose="020B0604020202020204" pitchFamily="34" charset="0"/>
+                        <a:buNone/>
+                      </a:pPr>
+                      <a:r>
+                        <a:rPr lang="en-US" sz="1650" dirty="0"/>
+                        <a:t>Preliminary results</a:t>
+                      </a:r>
+                    </a:p>
                   </a:txBody>
-                  <a:tcPr/>
+                  <a:tcPr>
+                    <a:solidFill>
+                      <a:srgbClr val="99FF66"/>
+                    </a:solidFill>
+                  </a:tcPr>
                 </a:tc>
                 <a:tc gridSpan="4">
                   <a:txBody>
@@ -12543,7 +12710,14 @@
                       </a:r>
                     </a:p>
                   </a:txBody>
-                  <a:tcPr/>
+                  <a:tcPr>
+                    <a:solidFill>
+                      <a:schemeClr val="accent6">
+                        <a:lumMod val="20000"/>
+                        <a:lumOff val="80000"/>
+                      </a:schemeClr>
+                    </a:solidFill>
+                  </a:tcPr>
                 </a:tc>
                 <a:tc hMerge="1">
                   <a:txBody>
@@ -12593,7 +12767,11 @@
                       </a:r>
                     </a:p>
                   </a:txBody>
-                  <a:tcPr/>
+                  <a:tcPr>
+                    <a:solidFill>
+                      <a:srgbClr val="99FF66"/>
+                    </a:solidFill>
+                  </a:tcPr>
                 </a:tc>
                 <a:tc gridSpan="2">
                   <a:txBody>
@@ -12630,7 +12808,11 @@
                       </a:r>
                     </a:p>
                   </a:txBody>
-                  <a:tcPr/>
+                  <a:tcPr>
+                    <a:solidFill>
+                      <a:srgbClr val="99FF66"/>
+                    </a:solidFill>
+                  </a:tcPr>
                 </a:tc>
                 <a:tc hMerge="1">
                   <a:txBody>
@@ -12683,14 +12865,21 @@
                       </a:pPr>
                       <a:r>
                         <a:rPr lang="en-US" dirty="0"/>
-                        <a:t>Chl-a spatiotemporal Maps</a:t>
+                        <a:t>LSWT spatiotemporal Maps</a:t>
                       </a:r>
                     </a:p>
                     <a:p>
                       <a:endParaRPr lang="en-US" dirty="0"/>
                     </a:p>
                   </a:txBody>
-                  <a:tcPr/>
+                  <a:tcPr>
+                    <a:solidFill>
+                      <a:schemeClr val="accent6">
+                        <a:lumMod val="20000"/>
+                        <a:lumOff val="80000"/>
+                      </a:schemeClr>
+                    </a:solidFill>
+                  </a:tcPr>
                 </a:tc>
                 <a:tc hMerge="1">
                   <a:txBody>
@@ -12720,7 +12909,14 @@
                       <a:endParaRPr lang="en-US"/>
                     </a:p>
                   </a:txBody>
-                  <a:tcPr/>
+                  <a:tcPr>
+                    <a:solidFill>
+                      <a:schemeClr val="accent6">
+                        <a:lumMod val="20000"/>
+                        <a:lumOff val="80000"/>
+                      </a:schemeClr>
+                    </a:solidFill>
+                  </a:tcPr>
                 </a:tc>
                 <a:extLst>
                   <a:ext uri="{0D108BD9-81ED-4DB2-BD59-A6C34878D82A}">
@@ -12741,7 +12937,11 @@
                       <a:endParaRPr lang="en-US" dirty="0"/>
                     </a:p>
                   </a:txBody>
-                  <a:tcPr/>
+                  <a:tcPr>
+                    <a:solidFill>
+                      <a:srgbClr val="99FF66"/>
+                    </a:solidFill>
+                  </a:tcPr>
                 </a:tc>
                 <a:tc>
                   <a:txBody>
@@ -12778,7 +12978,11 @@
                       </a:r>
                     </a:p>
                   </a:txBody>
-                  <a:tcPr/>
+                  <a:tcPr>
+                    <a:solidFill>
+                      <a:srgbClr val="99FF66"/>
+                    </a:solidFill>
+                  </a:tcPr>
                 </a:tc>
                 <a:tc>
                   <a:txBody>
@@ -12792,7 +12996,11 @@
                       </a:r>
                     </a:p>
                   </a:txBody>
-                  <a:tcPr/>
+                  <a:tcPr>
+                    <a:solidFill>
+                      <a:srgbClr val="99FF66"/>
+                    </a:solidFill>
+                  </a:tcPr>
                 </a:tc>
                 <a:tc gridSpan="2">
                   <a:txBody>
@@ -12805,7 +13013,14 @@
                       </a:r>
                     </a:p>
                   </a:txBody>
-                  <a:tcPr/>
+                  <a:tcPr>
+                    <a:solidFill>
+                      <a:schemeClr val="accent6">
+                        <a:lumMod val="20000"/>
+                        <a:lumOff val="80000"/>
+                      </a:schemeClr>
+                    </a:solidFill>
+                  </a:tcPr>
                 </a:tc>
                 <a:tc hMerge="1">
                   <a:txBody>
@@ -12824,11 +13039,18 @@
                     <a:p>
                       <a:r>
                         <a:rPr lang="en-US" dirty="0"/>
-                        <a:t>Full Data Acquisition</a:t>
+                        <a:t>Full Data Acquisition and Dissemination</a:t>
                       </a:r>
                     </a:p>
                   </a:txBody>
-                  <a:tcPr/>
+                  <a:tcPr>
+                    <a:solidFill>
+                      <a:schemeClr val="accent6">
+                        <a:lumMod val="20000"/>
+                        <a:lumOff val="80000"/>
+                      </a:schemeClr>
+                    </a:solidFill>
+                  </a:tcPr>
                 </a:tc>
                 <a:tc hMerge="1">
                   <a:txBody>
@@ -12850,42 +13072,148 @@
           </a:graphicData>
         </a:graphic>
       </p:graphicFrame>
-      <p:pic>
-        <p:nvPicPr>
-          <p:cNvPr id="5" name="Picture 4">
+      <p:sp>
+        <p:nvSpPr>
+          <p:cNvPr id="2" name="Rectangle 1">
             <a:extLst>
               <a:ext uri="{FF2B5EF4-FFF2-40B4-BE49-F238E27FC236}">
-                <a16:creationId xmlns:a16="http://schemas.microsoft.com/office/drawing/2014/main" id="{B1730DE2-9ACC-4211-8391-C583B120C23E}"/>
+                <a16:creationId xmlns:a16="http://schemas.microsoft.com/office/drawing/2014/main" id="{7C6EB88E-CC0A-494B-90B2-435F5C4E81D1}"/>
               </a:ext>
             </a:extLst>
           </p:cNvPr>
-          <p:cNvPicPr>
-            <a:picLocks noChangeAspect="1"/>
-          </p:cNvPicPr>
+          <p:cNvSpPr/>
           <p:nvPr/>
-        </p:nvPicPr>
-        <p:blipFill>
-          <a:blip r:embed="rId2" cstate="print">
-            <a:extLst>
-              <a:ext uri="{28A0092B-C50C-407E-A947-70E740481C1C}">
-                <a14:useLocalDpi xmlns:a14="http://schemas.microsoft.com/office/drawing/2010/main" val="0"/>
-              </a:ext>
-            </a:extLst>
-          </a:blip>
-          <a:stretch>
-            <a:fillRect/>
-          </a:stretch>
-        </p:blipFill>
-        <p:spPr>
+        </p:nvSpPr>
+        <p:spPr bwMode="auto">
           <a:xfrm>
-            <a:off x="3851920" y="1729857"/>
-            <a:ext cx="456346" cy="456346"/>
+            <a:off x="107504" y="1646317"/>
+            <a:ext cx="4760710" cy="3239414"/>
           </a:xfrm>
           <a:prstGeom prst="rect">
             <a:avLst/>
           </a:prstGeom>
+          <a:noFill/>
+          <a:ln w="12700" cap="flat" cmpd="sng" algn="ctr">
+            <a:solidFill>
+              <a:srgbClr val="00B050"/>
+            </a:solidFill>
+            <a:prstDash val="lgDash"/>
+            <a:round/>
+            <a:headEnd type="none" w="med" len="med"/>
+            <a:tailEnd type="none" w="med" len="med"/>
+          </a:ln>
+          <a:effectLst/>
         </p:spPr>
-      </p:pic>
+        <p:txBody>
+          <a:bodyPr vert="horz" wrap="none" lIns="91440" tIns="45720" rIns="91440" bIns="45720" numCol="1" rtlCol="0" anchor="ctr" anchorCtr="0" compatLnSpc="1">
+            <a:prstTxWarp prst="textNoShape">
+              <a:avLst/>
+            </a:prstTxWarp>
+          </a:bodyPr>
+          <a:lstStyle/>
+          <a:p>
+            <a:pPr marL="0" marR="0" indent="0" algn="ctr" defTabSz="449263" rtl="0" eaLnBrk="1" fontAlgn="base" latinLnBrk="0" hangingPunct="1">
+              <a:lnSpc>
+                <a:spcPct val="93000"/>
+              </a:lnSpc>
+              <a:spcBef>
+                <a:spcPct val="0"/>
+              </a:spcBef>
+              <a:spcAft>
+                <a:spcPct val="0"/>
+              </a:spcAft>
+              <a:buClr>
+                <a:srgbClr val="000000"/>
+              </a:buClr>
+              <a:buSzPct val="100000"/>
+              <a:buFont typeface="Arial" charset="0"/>
+              <a:buNone/>
+              <a:tabLst/>
+            </a:pPr>
+            <a:endParaRPr kumimoji="0" lang="en-US" sz="1800" b="0" i="0" u="none" strike="noStrike" cap="none" normalizeH="0" baseline="0">
+              <a:ln>
+                <a:noFill/>
+              </a:ln>
+              <a:solidFill>
+                <a:schemeClr val="bg1"/>
+              </a:solidFill>
+              <a:effectLst/>
+              <a:latin typeface="Arial" charset="0"/>
+            </a:endParaRPr>
+          </a:p>
+        </p:txBody>
+      </p:sp>
+      <p:sp>
+        <p:nvSpPr>
+          <p:cNvPr id="7" name="Rectangle 6">
+            <a:extLst>
+              <a:ext uri="{FF2B5EF4-FFF2-40B4-BE49-F238E27FC236}">
+                <a16:creationId xmlns:a16="http://schemas.microsoft.com/office/drawing/2014/main" id="{17F11EDD-EA69-4108-87C0-EBB1D1E293A0}"/>
+              </a:ext>
+            </a:extLst>
+          </p:cNvPr>
+          <p:cNvSpPr/>
+          <p:nvPr/>
+        </p:nvSpPr>
+        <p:spPr bwMode="auto">
+          <a:xfrm>
+            <a:off x="4853779" y="1640967"/>
+            <a:ext cx="4178095" cy="3239414"/>
+          </a:xfrm>
+          <a:prstGeom prst="rect">
+            <a:avLst/>
+          </a:prstGeom>
+          <a:noFill/>
+          <a:ln w="12700" cap="flat" cmpd="sng" algn="ctr">
+            <a:solidFill>
+              <a:srgbClr val="0070C0"/>
+            </a:solidFill>
+            <a:prstDash val="lgDash"/>
+            <a:round/>
+            <a:headEnd type="none" w="med" len="med"/>
+            <a:tailEnd type="none" w="med" len="med"/>
+          </a:ln>
+          <a:effectLst/>
+        </p:spPr>
+        <p:txBody>
+          <a:bodyPr vert="horz" wrap="none" lIns="91440" tIns="45720" rIns="91440" bIns="45720" numCol="1" rtlCol="0" anchor="ctr" anchorCtr="0" compatLnSpc="1">
+            <a:prstTxWarp prst="textNoShape">
+              <a:avLst/>
+            </a:prstTxWarp>
+          </a:bodyPr>
+          <a:lstStyle/>
+          <a:p>
+            <a:pPr marL="0" marR="0" indent="0" algn="ctr" defTabSz="449263" rtl="0" eaLnBrk="1" fontAlgn="base" latinLnBrk="0" hangingPunct="1">
+              <a:lnSpc>
+                <a:spcPct val="93000"/>
+              </a:lnSpc>
+              <a:spcBef>
+                <a:spcPct val="0"/>
+              </a:spcBef>
+              <a:spcAft>
+                <a:spcPct val="0"/>
+              </a:spcAft>
+              <a:buClr>
+                <a:srgbClr val="000000"/>
+              </a:buClr>
+              <a:buSzPct val="100000"/>
+              <a:buFont typeface="Arial" charset="0"/>
+              <a:buNone/>
+              <a:tabLst/>
+            </a:pPr>
+            <a:endParaRPr kumimoji="0" lang="en-US" sz="1800" b="0" i="0" u="none" strike="noStrike" cap="none" normalizeH="0" baseline="0">
+              <a:ln>
+                <a:noFill/>
+              </a:ln>
+              <a:solidFill>
+                <a:schemeClr val="bg1"/>
+              </a:solidFill>
+              <a:effectLst/>
+              <a:latin typeface="Arial" charset="0"/>
+            </a:endParaRPr>
+          </a:p>
+        </p:txBody>
+      </p:sp>
     </p:spTree>
     <p:extLst>
       <p:ext uri="{BB962C8B-B14F-4D97-AF65-F5344CB8AC3E}">
@@ -12899,7 +13227,7 @@
 </p:sld>
 </file>
 
-<file path=ppt/slides/slide14.xml><?xml version="1.0" encoding="utf-8"?>
+<file path=ppt/slides/slide15.xml><?xml version="1.0" encoding="utf-8"?>
 <p:sld xmlns:a="http://schemas.openxmlformats.org/drawingml/2006/main" xmlns:r="http://schemas.openxmlformats.org/officeDocument/2006/relationships" xmlns:p="http://schemas.openxmlformats.org/presentationml/2006/main">
   <p:cSld>
     <p:spTree>
@@ -13212,95 +13540,119 @@
           <a:bodyPr/>
           <a:lstStyle/>
           <a:p>
+            <a:pPr marL="342900" indent="-342900" algn="just">
+              <a:buFont typeface="Arial" panose="020B0604020202020204" pitchFamily="34" charset="0"/>
+              <a:buChar char="•"/>
+            </a:pPr>
+            <a:r>
+              <a:rPr lang="en-US" b="0" dirty="0"/>
+              <a:t>Toxic Cyanobacteria-rich Harmful Algal Blooms (CyanoHABs) , a phenomenon which turns water bodies </a:t>
+            </a:r>
+            <a:r>
+              <a:rPr lang="en-US" dirty="0"/>
+              <a:t>dark blue-green </a:t>
+            </a:r>
+            <a:r>
+              <a:rPr lang="en-US" b="0" dirty="0"/>
+              <a:t>due to eutrophication; potentially </a:t>
+            </a:r>
+            <a:r>
+              <a:rPr lang="en-US" b="0" dirty="0">
+                <a:solidFill>
+                  <a:schemeClr val="accent6">
+                    <a:lumMod val="60000"/>
+                    <a:lumOff val="40000"/>
+                  </a:schemeClr>
+                </a:solidFill>
+              </a:rPr>
+              <a:t>harming humans and animal</a:t>
+            </a:r>
+            <a:r>
+              <a:rPr lang="en-US" b="0" dirty="0"/>
+              <a:t>, e.g., Unsightly nuisance, acute liver damage when ingested, irritation, </a:t>
+            </a:r>
+            <a:r>
+              <a:rPr lang="en-US" b="0" dirty="0">
+                <a:solidFill>
+                  <a:srgbClr val="00B0F0"/>
+                </a:solidFill>
+              </a:rPr>
+              <a:t>massive fish </a:t>
+            </a:r>
+            <a:r>
+              <a:rPr lang="en-US" b="0" dirty="0">
+                <a:solidFill>
+                  <a:schemeClr val="accent6">
+                    <a:lumMod val="60000"/>
+                    <a:lumOff val="40000"/>
+                  </a:schemeClr>
+                </a:solidFill>
+              </a:rPr>
+              <a:t>deaths</a:t>
+            </a:r>
+            <a:r>
+              <a:rPr lang="en-US" b="0" dirty="0"/>
+              <a:t>, etc.</a:t>
+            </a:r>
+            <a:r>
+              <a:rPr lang="en-US" sz="2000" dirty="0">
+                <a:latin typeface="Verdana" panose="020B0604030504040204" pitchFamily="34" charset="0"/>
+                <a:ea typeface="Verdana" panose="020B0604030504040204" pitchFamily="34" charset="0"/>
+              </a:rPr>
+              <a:t> 								</a:t>
+            </a:r>
+            <a:r>
+              <a:rPr lang="en-US" b="0" dirty="0">
+                <a:effectLst/>
+                <a:cs typeface="Times New Roman" panose="02020603050405020304" pitchFamily="18" charset="0"/>
+              </a:rPr>
+              <a:t>(</a:t>
+            </a:r>
+            <a:r>
+              <a:rPr lang="en-US" b="0" dirty="0" err="1">
+                <a:effectLst/>
+                <a:cs typeface="Times New Roman" panose="02020603050405020304" pitchFamily="18" charset="0"/>
+              </a:rPr>
+              <a:t>Santoleri</a:t>
+            </a:r>
+            <a:r>
+              <a:rPr lang="en-US" b="0" dirty="0">
+                <a:effectLst/>
+                <a:cs typeface="Times New Roman" panose="02020603050405020304" pitchFamily="18" charset="0"/>
+              </a:rPr>
+              <a:t> et al., 2003), WHO</a:t>
+            </a:r>
+          </a:p>
+          <a:p>
+            <a:pPr marL="342900" indent="-342900" algn="just">
+              <a:buFont typeface="Arial" panose="020B0604020202020204" pitchFamily="34" charset="0"/>
+              <a:buChar char="•"/>
+            </a:pPr>
+            <a:r>
+              <a:rPr lang="en-US" sz="1050" b="0" dirty="0">
+                <a:effectLst/>
+                <a:latin typeface="Verdana" panose="020B0604030504040204" pitchFamily="34" charset="0"/>
+                <a:ea typeface="Calibri" panose="020F0502020204030204" pitchFamily="34" charset="0"/>
+                <a:cs typeface="Times New Roman" panose="02020603050405020304" pitchFamily="18" charset="0"/>
+              </a:rPr>
+              <a:t>Development, stability, and density of the phenomenon are related to some environmental factors Lake Surface Water Temperature (LSWT), Lake Surface Air Temperature (LSAT), Sea Surface Temperature (SST) &amp; adequate nutrient concentration, enough sunlight, warm temperatures              			             (Tang et al, 2006) </a:t>
+            </a:r>
+            <a:r>
+              <a:rPr lang="en-US" sz="1050" b="0" dirty="0"/>
+              <a:t>	</a:t>
+            </a:r>
+            <a:r>
+              <a:rPr lang="en-US" b="0" dirty="0"/>
+              <a:t>					</a:t>
+            </a:r>
+          </a:p>
+          <a:p>
             <a:pPr marL="342900" lvl="0" indent="-342900" algn="just">
               <a:buFont typeface="Arial" panose="020B0604020202020204" pitchFamily="34" charset="0"/>
               <a:buChar char="•"/>
             </a:pPr>
             <a:r>
               <a:rPr lang="en-US" b="0" dirty="0"/>
-              <a:t>Toxic Cyanobacteria-rich Harmful Algal Blooms (CyanoHABs) , a phenomenon in which the water body e.g. lakes turns </a:t>
-            </a:r>
-            <a:r>
-              <a:rPr lang="en-US" dirty="0"/>
-              <a:t>dark blue-green </a:t>
-            </a:r>
-            <a:r>
-              <a:rPr lang="en-US" b="0" dirty="0"/>
-              <a:t>due to excessive algal growth; potentially </a:t>
-            </a:r>
-            <a:r>
-              <a:rPr lang="en-US" b="0" dirty="0">
-                <a:solidFill>
-                  <a:schemeClr val="accent6">
-                    <a:lumMod val="60000"/>
-                    <a:lumOff val="40000"/>
-                  </a:schemeClr>
-                </a:solidFill>
-              </a:rPr>
-              <a:t>harming humans and animal</a:t>
-            </a:r>
-            <a:r>
-              <a:rPr lang="en-US" b="0" dirty="0"/>
-              <a:t>, e.g., Unsightly nuisance, acute liver damage when ingested, irritation, </a:t>
-            </a:r>
-            <a:r>
-              <a:rPr lang="en-US" b="0" dirty="0">
-                <a:solidFill>
-                  <a:srgbClr val="00B0F0"/>
-                </a:solidFill>
-              </a:rPr>
-              <a:t>massive fish </a:t>
-            </a:r>
-            <a:r>
-              <a:rPr lang="en-US" b="0" dirty="0">
-                <a:solidFill>
-                  <a:schemeClr val="accent6">
-                    <a:lumMod val="60000"/>
-                    <a:lumOff val="40000"/>
-                  </a:schemeClr>
-                </a:solidFill>
-              </a:rPr>
-              <a:t>deaths</a:t>
-            </a:r>
-            <a:r>
-              <a:rPr lang="en-US" b="0" dirty="0"/>
-              <a:t>, etc.</a:t>
-            </a:r>
-          </a:p>
-          <a:p>
-            <a:pPr marL="2557462" lvl="8" indent="0" algn="just">
-              <a:buNone/>
-            </a:pPr>
-            <a:r>
-              <a:rPr lang="en-US" b="0" dirty="0"/>
-              <a:t>						</a:t>
-            </a:r>
-            <a:r>
-              <a:rPr lang="en-US" sz="1800" dirty="0">
-                <a:latin typeface="Verdana" panose="020B0604030504040204" pitchFamily="34" charset="0"/>
-                <a:ea typeface="Verdana" panose="020B0604030504040204" pitchFamily="34" charset="0"/>
-              </a:rPr>
-              <a:t>- </a:t>
-            </a:r>
-            <a:r>
-              <a:rPr lang="da-DK" sz="1800" dirty="0">
-                <a:latin typeface="Verdana" panose="020B0604030504040204" pitchFamily="34" charset="0"/>
-                <a:ea typeface="Verdana" panose="020B0604030504040204" pitchFamily="34" charset="0"/>
-              </a:rPr>
-              <a:t> WHO</a:t>
-            </a:r>
-            <a:endParaRPr lang="en-US" sz="1800" dirty="0">
-              <a:latin typeface="Verdana" panose="020B0604030504040204" pitchFamily="34" charset="0"/>
-              <a:ea typeface="Verdana" panose="020B0604030504040204" pitchFamily="34" charset="0"/>
-            </a:endParaRPr>
-          </a:p>
-          <a:p>
-            <a:pPr marL="342900" lvl="0" indent="-342900" algn="just">
-              <a:buFont typeface="Arial" panose="020B0604020202020204" pitchFamily="34" charset="0"/>
-              <a:buChar char="•"/>
-            </a:pPr>
-            <a:r>
-              <a:rPr lang="en-US" b="0" dirty="0"/>
               <a:t>Hence, quantifying the </a:t>
             </a:r>
             <a:r>
@@ -13313,7 +13665,7 @@
             </a:r>
             <a:r>
               <a:rPr lang="en-US" b="0" dirty="0"/>
-              <a:t> in L. Victoria on a regular basis is of great significance, which requires high spatiotemporal resolution monitoring abilities- (</a:t>
+              <a:t> in L. Victoria is of great significance, which requires high spatiotemporal resolution monitoring.	(</a:t>
             </a:r>
             <a:r>
               <a:rPr lang="en-US" b="0" dirty="0" err="1"/>
@@ -13627,8 +13979,32 @@
             </a:r>
             <a:r>
               <a:rPr lang="en-US" b="0" dirty="0"/>
-              <a:t>Clean Water and Sanitation.</a:t>
-            </a:r>
+              <a:t>Clean Water and Sanitation.				       (</a:t>
+            </a:r>
+            <a:r>
+              <a:rPr lang="en-US" sz="1800" b="0" dirty="0" err="1">
+                <a:effectLst/>
+                <a:cs typeface="Times New Roman" panose="02020603050405020304" pitchFamily="18" charset="0"/>
+              </a:rPr>
+              <a:t>Hecky</a:t>
+            </a:r>
+            <a:r>
+              <a:rPr lang="en-US" sz="1800" b="0" dirty="0">
+                <a:effectLst/>
+                <a:cs typeface="Times New Roman" panose="02020603050405020304" pitchFamily="18" charset="0"/>
+              </a:rPr>
+              <a:t> et al., 2010</a:t>
+            </a:r>
+            <a:r>
+              <a:rPr lang="en-US" sz="1800" b="0" dirty="0">
+                <a:effectLst/>
+                <a:latin typeface="Verdana" panose="020B0604030504040204" pitchFamily="34" charset="0"/>
+                <a:ea typeface="Calibri" panose="020F0502020204030204" pitchFamily="34" charset="0"/>
+                <a:cs typeface="Times New Roman" panose="02020603050405020304" pitchFamily="18" charset="0"/>
+              </a:rPr>
+              <a:t>)</a:t>
+            </a:r>
+            <a:endParaRPr lang="en-US" b="0" dirty="0"/>
           </a:p>
           <a:p>
             <a:pPr marL="342900" lvl="0" indent="-342900" algn="just">
@@ -13652,7 +14028,19 @@
             </a:r>
             <a:r>
               <a:rPr lang="en-US" b="0" dirty="0"/>
-              <a:t> wide spread spatiotemporal monitoring, and automated in-situ sensors will play a big deal in return. This would inform the </a:t>
+              <a:t> wide spread </a:t>
+            </a:r>
+            <a:r>
+              <a:rPr lang="en-US" b="0" dirty="0">
+                <a:solidFill>
+                  <a:srgbClr val="00B0F0"/>
+                </a:solidFill>
+              </a:rPr>
+              <a:t>spatiotemporal</a:t>
+            </a:r>
+            <a:r>
+              <a:rPr lang="en-US" b="0" dirty="0"/>
+              <a:t> monitoring, and automated in-situ sensors will play a big deal in return. This would inform the </a:t>
             </a:r>
             <a:r>
               <a:rPr lang="en-US" b="0" dirty="0">
@@ -13851,8 +14239,8 @@
         </p:blipFill>
         <p:spPr>
           <a:xfrm>
-            <a:off x="4572000" y="1484783"/>
-            <a:ext cx="4418307" cy="2876189"/>
+            <a:off x="4551681" y="3970670"/>
+            <a:ext cx="4527696" cy="2520280"/>
           </a:xfrm>
           <a:prstGeom prst="rect">
             <a:avLst/>
@@ -13887,8 +14275,8 @@
         </p:blipFill>
         <p:spPr>
           <a:xfrm>
-            <a:off x="250826" y="1484783"/>
-            <a:ext cx="4195686" cy="2880321"/>
+            <a:off x="4569583" y="1463504"/>
+            <a:ext cx="4499821" cy="2551911"/>
           </a:xfrm>
           <a:prstGeom prst="rect">
             <a:avLst/>
@@ -13909,7 +14297,7 @@
         </p:nvSpPr>
         <p:spPr>
           <a:xfrm>
-            <a:off x="250825" y="4509120"/>
+            <a:off x="250824" y="6446205"/>
             <a:ext cx="7849567" cy="360040"/>
           </a:xfrm>
           <a:prstGeom prst="rect">
@@ -13930,11 +14318,90 @@
                   <a:schemeClr val="tx1"/>
                 </a:solidFill>
               </a:rPr>
-              <a:t>Image Source: Courtesy</a:t>
-            </a:r>
-          </a:p>
-        </p:txBody>
-      </p:sp>
+              <a:t>Image Sources: Standard Media KE, KMFRI, </a:t>
+            </a:r>
+            <a:r>
+              <a:rPr lang="en-US" i="1" dirty="0" err="1">
+                <a:solidFill>
+                  <a:schemeClr val="tx1"/>
+                </a:solidFill>
+              </a:rPr>
+              <a:t>allAfricawaters</a:t>
+            </a:r>
+            <a:endParaRPr lang="en-US" i="1" dirty="0">
+              <a:solidFill>
+                <a:schemeClr val="tx1"/>
+              </a:solidFill>
+            </a:endParaRPr>
+          </a:p>
+        </p:txBody>
+      </p:sp>
+      <p:pic>
+        <p:nvPicPr>
+          <p:cNvPr id="6" name="Picture 5">
+            <a:extLst>
+              <a:ext uri="{FF2B5EF4-FFF2-40B4-BE49-F238E27FC236}">
+                <a16:creationId xmlns:a16="http://schemas.microsoft.com/office/drawing/2014/main" id="{3CDBE6E8-EB86-443D-9046-5EE993C79BB7}"/>
+              </a:ext>
+            </a:extLst>
+          </p:cNvPr>
+          <p:cNvPicPr>
+            <a:picLocks noChangeAspect="1"/>
+          </p:cNvPicPr>
+          <p:nvPr/>
+        </p:nvPicPr>
+        <p:blipFill>
+          <a:blip r:embed="rId4"/>
+          <a:stretch>
+            <a:fillRect/>
+          </a:stretch>
+        </p:blipFill>
+        <p:spPr>
+          <a:xfrm>
+            <a:off x="248409" y="1460923"/>
+            <a:ext cx="4321174" cy="2555062"/>
+          </a:xfrm>
+          <a:prstGeom prst="rect">
+            <a:avLst/>
+          </a:prstGeom>
+        </p:spPr>
+      </p:pic>
+      <p:pic>
+        <p:nvPicPr>
+          <p:cNvPr id="7" name="Picture 6">
+            <a:extLst>
+              <a:ext uri="{FF2B5EF4-FFF2-40B4-BE49-F238E27FC236}">
+                <a16:creationId xmlns:a16="http://schemas.microsoft.com/office/drawing/2014/main" id="{5EF8870B-68B6-4088-8724-C91CAC4F2139}"/>
+              </a:ext>
+            </a:extLst>
+          </p:cNvPr>
+          <p:cNvPicPr>
+            <a:picLocks noChangeAspect="1"/>
+          </p:cNvPicPr>
+          <p:nvPr/>
+        </p:nvPicPr>
+        <p:blipFill>
+          <a:blip r:embed="rId5" cstate="print">
+            <a:extLst>
+              <a:ext uri="{28A0092B-C50C-407E-A947-70E740481C1C}">
+                <a14:useLocalDpi xmlns:a14="http://schemas.microsoft.com/office/drawing/2010/main" val="0"/>
+              </a:ext>
+            </a:extLst>
+          </a:blip>
+          <a:stretch>
+            <a:fillRect/>
+          </a:stretch>
+        </p:blipFill>
+        <p:spPr>
+          <a:xfrm>
+            <a:off x="273562" y="3994427"/>
+            <a:ext cx="4278119" cy="2520281"/>
+          </a:xfrm>
+          <a:prstGeom prst="rect">
+            <a:avLst/>
+          </a:prstGeom>
+        </p:spPr>
+      </p:pic>
     </p:spTree>
     <p:extLst>
       <p:ext uri="{BB962C8B-B14F-4D97-AF65-F5344CB8AC3E}">
@@ -13992,7 +14459,7 @@
             </a:pPr>
             <a:r>
               <a:rPr lang="en-GB" sz="2200" b="0" dirty="0"/>
-              <a:t>To monitor and  report the occurrence of Harmful Algal Blooms(HABs) and Cyanobacteria in Lake Victoria.</a:t>
+              <a:t>To detect, monitor and report the occurrence of Harmful Algal Blooms(HABs) and Cyanobacteria in Lake Victoria.</a:t>
             </a:r>
           </a:p>
           <a:p>
@@ -14052,7 +14519,7 @@
                 <a:ea typeface="Verdana" panose="020B0604030504040204" pitchFamily="34" charset="0"/>
                 <a:cs typeface="Times New Roman" panose="02020603050405020304" pitchFamily="18" charset="0"/>
               </a:rPr>
-              <a:t>) concentration &amp; Cyanotoxins from L8 OLI </a:t>
+              <a:t>) concentration from L8 OLI </a:t>
             </a:r>
             <a:r>
               <a:rPr lang="en-GB" altLang="en-US" sz="2300" dirty="0">
@@ -14410,6 +14877,370 @@
           <a:chExt cx="0" cy="0"/>
         </a:xfrm>
       </p:grpSpPr>
+      <p:pic>
+        <p:nvPicPr>
+          <p:cNvPr id="125" name="Picture 124">
+            <a:extLst>
+              <a:ext uri="{FF2B5EF4-FFF2-40B4-BE49-F238E27FC236}">
+                <a16:creationId xmlns:a16="http://schemas.microsoft.com/office/drawing/2014/main" id="{61FE3E37-BFE3-4835-A324-1BC61B8A67E3}"/>
+              </a:ext>
+            </a:extLst>
+          </p:cNvPr>
+          <p:cNvPicPr>
+            <a:picLocks noChangeAspect="1"/>
+          </p:cNvPicPr>
+          <p:nvPr/>
+        </p:nvPicPr>
+        <p:blipFill>
+          <a:blip r:embed="rId2"/>
+          <a:stretch>
+            <a:fillRect/>
+          </a:stretch>
+        </p:blipFill>
+        <p:spPr>
+          <a:xfrm>
+            <a:off x="755576" y="1484784"/>
+            <a:ext cx="7128792" cy="5013388"/>
+          </a:xfrm>
+          <a:prstGeom prst="rect">
+            <a:avLst/>
+          </a:prstGeom>
+        </p:spPr>
+      </p:pic>
+      <p:sp>
+        <p:nvSpPr>
+          <p:cNvPr id="126" name="Title 3">
+            <a:extLst>
+              <a:ext uri="{FF2B5EF4-FFF2-40B4-BE49-F238E27FC236}">
+                <a16:creationId xmlns:a16="http://schemas.microsoft.com/office/drawing/2014/main" id="{018E18F1-E6E1-4D5B-90AC-4A871AF89720}"/>
+              </a:ext>
+            </a:extLst>
+          </p:cNvPr>
+          <p:cNvSpPr>
+            <a:spLocks noGrp="1"/>
+          </p:cNvSpPr>
+          <p:nvPr>
+            <p:ph type="title"/>
+          </p:nvPr>
+        </p:nvSpPr>
+        <p:spPr>
+          <a:xfrm>
+            <a:off x="254075" y="488950"/>
+            <a:ext cx="6877050" cy="838200"/>
+          </a:xfrm>
+        </p:spPr>
+        <p:txBody>
+          <a:bodyPr/>
+          <a:lstStyle/>
+          <a:p>
+            <a:r>
+              <a:rPr lang="en-US" dirty="0"/>
+              <a:t> Study Area</a:t>
+            </a:r>
+          </a:p>
+        </p:txBody>
+      </p:sp>
+      <p:pic>
+        <p:nvPicPr>
+          <p:cNvPr id="6" name="Picture 5">
+            <a:extLst>
+              <a:ext uri="{FF2B5EF4-FFF2-40B4-BE49-F238E27FC236}">
+                <a16:creationId xmlns:a16="http://schemas.microsoft.com/office/drawing/2014/main" id="{4E73CC12-6930-4CA9-8234-B23432DEF4B4}"/>
+              </a:ext>
+            </a:extLst>
+          </p:cNvPr>
+          <p:cNvPicPr>
+            <a:picLocks noChangeAspect="1"/>
+          </p:cNvPicPr>
+          <p:nvPr/>
+        </p:nvPicPr>
+        <p:blipFill rotWithShape="1">
+          <a:blip r:embed="rId3" cstate="print">
+            <a:extLst>
+              <a:ext uri="{28A0092B-C50C-407E-A947-70E740481C1C}">
+                <a14:useLocalDpi xmlns:a14="http://schemas.microsoft.com/office/drawing/2010/main" val="0"/>
+              </a:ext>
+            </a:extLst>
+          </a:blip>
+          <a:srcRect l="21166" t="14300" r="24847" b="24801"/>
+          <a:stretch/>
+        </p:blipFill>
+        <p:spPr>
+          <a:xfrm>
+            <a:off x="971600" y="1689418"/>
+            <a:ext cx="1406997" cy="1226427"/>
+          </a:xfrm>
+          <a:prstGeom prst="rect">
+            <a:avLst/>
+          </a:prstGeom>
+        </p:spPr>
+      </p:pic>
+      <p:sp>
+        <p:nvSpPr>
+          <p:cNvPr id="7" name="TextBox 6">
+            <a:extLst>
+              <a:ext uri="{FF2B5EF4-FFF2-40B4-BE49-F238E27FC236}">
+                <a16:creationId xmlns:a16="http://schemas.microsoft.com/office/drawing/2014/main" id="{DB9D14D3-2663-4DCC-8BB3-3BFD7EB6311D}"/>
+              </a:ext>
+            </a:extLst>
+          </p:cNvPr>
+          <p:cNvSpPr txBox="1"/>
+          <p:nvPr/>
+        </p:nvSpPr>
+        <p:spPr>
+          <a:xfrm>
+            <a:off x="3491880" y="3287465"/>
+            <a:ext cx="2808312" cy="349968"/>
+          </a:xfrm>
+          <a:prstGeom prst="rect">
+            <a:avLst/>
+          </a:prstGeom>
+          <a:noFill/>
+        </p:spPr>
+        <p:txBody>
+          <a:bodyPr wrap="square" rtlCol="0">
+            <a:spAutoFit/>
+          </a:bodyPr>
+          <a:lstStyle/>
+          <a:p>
+            <a:r>
+              <a:rPr lang="en-US" dirty="0">
+                <a:solidFill>
+                  <a:schemeClr val="tx2">
+                    <a:lumMod val="65000"/>
+                    <a:lumOff val="35000"/>
+                  </a:schemeClr>
+                </a:solidFill>
+                <a:latin typeface="Verdana" panose="020B0604030504040204" pitchFamily="34" charset="0"/>
+                <a:ea typeface="Verdana" panose="020B0604030504040204" pitchFamily="34" charset="0"/>
+              </a:rPr>
+              <a:t>NYANZA GULF</a:t>
+            </a:r>
+          </a:p>
+        </p:txBody>
+      </p:sp>
+      <p:sp>
+        <p:nvSpPr>
+          <p:cNvPr id="9" name="Flowchart: Connector 8">
+            <a:extLst>
+              <a:ext uri="{FF2B5EF4-FFF2-40B4-BE49-F238E27FC236}">
+                <a16:creationId xmlns:a16="http://schemas.microsoft.com/office/drawing/2014/main" id="{B35A8915-D32B-4B90-83A7-027173C07C1F}"/>
+              </a:ext>
+            </a:extLst>
+          </p:cNvPr>
+          <p:cNvSpPr/>
+          <p:nvPr/>
+        </p:nvSpPr>
+        <p:spPr bwMode="auto">
+          <a:xfrm>
+            <a:off x="3491880" y="6021288"/>
+            <a:ext cx="72008" cy="72008"/>
+          </a:xfrm>
+          <a:prstGeom prst="flowChartConnector">
+            <a:avLst/>
+          </a:prstGeom>
+          <a:solidFill>
+            <a:schemeClr val="bg1">
+              <a:lumMod val="85000"/>
+            </a:schemeClr>
+          </a:solidFill>
+          <a:ln w="19050" cap="flat" cmpd="sng" algn="ctr">
+            <a:solidFill>
+              <a:schemeClr val="tx1"/>
+            </a:solidFill>
+            <a:prstDash val="solid"/>
+            <a:round/>
+            <a:headEnd type="none" w="med" len="med"/>
+            <a:tailEnd type="none" w="med" len="med"/>
+          </a:ln>
+          <a:effectLst/>
+        </p:spPr>
+        <p:txBody>
+          <a:bodyPr vert="horz" wrap="none" lIns="91440" tIns="45720" rIns="91440" bIns="45720" numCol="1" rtlCol="0" anchor="ctr" anchorCtr="0" compatLnSpc="1">
+            <a:prstTxWarp prst="textNoShape">
+              <a:avLst/>
+            </a:prstTxWarp>
+          </a:bodyPr>
+          <a:lstStyle/>
+          <a:p>
+            <a:pPr marL="0" marR="0" indent="0" algn="ctr" defTabSz="449263" rtl="0" eaLnBrk="1" fontAlgn="base" latinLnBrk="0" hangingPunct="1">
+              <a:lnSpc>
+                <a:spcPct val="93000"/>
+              </a:lnSpc>
+              <a:spcBef>
+                <a:spcPct val="0"/>
+              </a:spcBef>
+              <a:spcAft>
+                <a:spcPct val="0"/>
+              </a:spcAft>
+              <a:buClr>
+                <a:srgbClr val="000000"/>
+              </a:buClr>
+              <a:buSzPct val="100000"/>
+              <a:buFont typeface="Arial" charset="0"/>
+              <a:buNone/>
+              <a:tabLst/>
+            </a:pPr>
+            <a:endParaRPr kumimoji="0" lang="en-US" sz="1800" b="0" i="0" u="none" strike="noStrike" cap="none" normalizeH="0" baseline="0" dirty="0">
+              <a:ln>
+                <a:noFill/>
+              </a:ln>
+              <a:solidFill>
+                <a:schemeClr val="bg1"/>
+              </a:solidFill>
+              <a:effectLst/>
+              <a:latin typeface="Arial" charset="0"/>
+            </a:endParaRPr>
+          </a:p>
+        </p:txBody>
+      </p:sp>
+      <p:sp>
+        <p:nvSpPr>
+          <p:cNvPr id="12" name="TextBox 11">
+            <a:extLst>
+              <a:ext uri="{FF2B5EF4-FFF2-40B4-BE49-F238E27FC236}">
+                <a16:creationId xmlns:a16="http://schemas.microsoft.com/office/drawing/2014/main" id="{A7332133-5343-49E2-8A88-D408DC4877B8}"/>
+              </a:ext>
+            </a:extLst>
+          </p:cNvPr>
+          <p:cNvSpPr txBox="1"/>
+          <p:nvPr/>
+        </p:nvSpPr>
+        <p:spPr>
+          <a:xfrm>
+            <a:off x="3325876" y="6021288"/>
+            <a:ext cx="1080120" cy="249748"/>
+          </a:xfrm>
+          <a:prstGeom prst="rect">
+            <a:avLst/>
+          </a:prstGeom>
+          <a:noFill/>
+        </p:spPr>
+        <p:txBody>
+          <a:bodyPr wrap="square" rtlCol="0">
+            <a:spAutoFit/>
+          </a:bodyPr>
+          <a:lstStyle/>
+          <a:p>
+            <a:r>
+              <a:rPr lang="en-US" sz="1100" b="1" dirty="0">
+                <a:solidFill>
+                  <a:schemeClr val="tx2">
+                    <a:lumMod val="85000"/>
+                    <a:lumOff val="15000"/>
+                  </a:schemeClr>
+                </a:solidFill>
+                <a:latin typeface="Verdana" panose="020B0604030504040204" pitchFamily="34" charset="0"/>
+                <a:ea typeface="Verdana" panose="020B0604030504040204" pitchFamily="34" charset="0"/>
+              </a:rPr>
+              <a:t>Homabay</a:t>
+            </a:r>
+          </a:p>
+        </p:txBody>
+      </p:sp>
+      <p:sp>
+        <p:nvSpPr>
+          <p:cNvPr id="11" name="Teardrop 10">
+            <a:extLst>
+              <a:ext uri="{FF2B5EF4-FFF2-40B4-BE49-F238E27FC236}">
+                <a16:creationId xmlns:a16="http://schemas.microsoft.com/office/drawing/2014/main" id="{08F23F71-9B1F-40CC-BDA2-A7199878AA72}"/>
+              </a:ext>
+            </a:extLst>
+          </p:cNvPr>
+          <p:cNvSpPr/>
+          <p:nvPr/>
+        </p:nvSpPr>
+        <p:spPr bwMode="auto">
+          <a:xfrm rot="8547518">
+            <a:off x="6329337" y="1798381"/>
+            <a:ext cx="131631" cy="140397"/>
+          </a:xfrm>
+          <a:prstGeom prst="teardrop">
+            <a:avLst/>
+          </a:prstGeom>
+          <a:solidFill>
+            <a:srgbClr val="FF0000"/>
+          </a:solidFill>
+          <a:ln w="9525" cap="flat" cmpd="sng" algn="ctr">
+            <a:solidFill>
+              <a:schemeClr val="tx1"/>
+            </a:solidFill>
+            <a:prstDash val="solid"/>
+            <a:round/>
+            <a:headEnd type="none" w="med" len="med"/>
+            <a:tailEnd type="none" w="med" len="med"/>
+          </a:ln>
+          <a:effectLst/>
+        </p:spPr>
+        <p:txBody>
+          <a:bodyPr vert="horz" wrap="none" lIns="91440" tIns="45720" rIns="91440" bIns="45720" numCol="1" rtlCol="0" anchor="ctr" anchorCtr="0" compatLnSpc="1">
+            <a:prstTxWarp prst="textNoShape">
+              <a:avLst/>
+            </a:prstTxWarp>
+          </a:bodyPr>
+          <a:lstStyle/>
+          <a:p>
+            <a:pPr marL="0" marR="0" indent="0" algn="ctr" defTabSz="449263" rtl="0" eaLnBrk="1" fontAlgn="base" latinLnBrk="0" hangingPunct="1">
+              <a:lnSpc>
+                <a:spcPct val="93000"/>
+              </a:lnSpc>
+              <a:spcBef>
+                <a:spcPct val="0"/>
+              </a:spcBef>
+              <a:spcAft>
+                <a:spcPct val="0"/>
+              </a:spcAft>
+              <a:buClr>
+                <a:srgbClr val="000000"/>
+              </a:buClr>
+              <a:buSzPct val="100000"/>
+              <a:buFont typeface="Arial" charset="0"/>
+              <a:buNone/>
+              <a:tabLst/>
+            </a:pPr>
+            <a:endParaRPr kumimoji="0" lang="en-US" sz="1800" b="0" i="0" u="none" strike="noStrike" cap="none" normalizeH="0" baseline="0">
+              <a:ln>
+                <a:noFill/>
+              </a:ln>
+              <a:solidFill>
+                <a:schemeClr val="bg1"/>
+              </a:solidFill>
+              <a:effectLst/>
+              <a:latin typeface="Arial" charset="0"/>
+            </a:endParaRPr>
+          </a:p>
+        </p:txBody>
+      </p:sp>
+    </p:spTree>
+    <p:extLst>
+      <p:ext uri="{BB962C8B-B14F-4D97-AF65-F5344CB8AC3E}">
+        <p14:creationId xmlns:p14="http://schemas.microsoft.com/office/powerpoint/2010/main" val="2533332010"/>
+      </p:ext>
+    </p:extLst>
+  </p:cSld>
+  <p:clrMapOvr>
+    <a:masterClrMapping/>
+  </p:clrMapOvr>
+</p:sld>
+</file>
+
+<file path=ppt/slides/slide7.xml><?xml version="1.0" encoding="utf-8"?>
+<p:sld xmlns:a="http://schemas.openxmlformats.org/drawingml/2006/main" xmlns:r="http://schemas.openxmlformats.org/officeDocument/2006/relationships" xmlns:p="http://schemas.openxmlformats.org/presentationml/2006/main">
+  <p:cSld>
+    <p:spTree>
+      <p:nvGrpSpPr>
+        <p:cNvPr id="1" name=""/>
+        <p:cNvGrpSpPr/>
+        <p:nvPr/>
+      </p:nvGrpSpPr>
+      <p:grpSpPr>
+        <a:xfrm>
+          <a:off x="0" y="0"/>
+          <a:ext cx="0" cy="0"/>
+          <a:chOff x="0" y="0"/>
+          <a:chExt cx="0" cy="0"/>
+        </a:xfrm>
+      </p:grpSpPr>
       <p:sp>
         <p:nvSpPr>
           <p:cNvPr id="3" name="Footer Placeholder 2">
@@ -14487,14 +15318,14 @@
           <p:nvPr>
             <p:extLst>
               <p:ext uri="{D42A27DB-BD31-4B8C-83A1-F6EECF244321}">
-                <p14:modId xmlns:p14="http://schemas.microsoft.com/office/powerpoint/2010/main" val="2671266825"/>
+                <p14:modId xmlns:p14="http://schemas.microsoft.com/office/powerpoint/2010/main" val="2699241091"/>
               </p:ext>
             </p:extLst>
           </p:nvPr>
         </p:nvGraphicFramePr>
         <p:xfrm>
-          <a:off x="220876" y="4723356"/>
-          <a:ext cx="8641656" cy="1956682"/>
+          <a:off x="235851" y="4672529"/>
+          <a:ext cx="8641656" cy="2170042"/>
         </p:xfrm>
         <a:graphic>
           <a:graphicData uri="http://schemas.openxmlformats.org/drawingml/2006/table">
@@ -14503,14 +15334,14 @@
                 <a:tableStyleId>{5C22544A-7EE6-4342-B048-85BDC9FD1C3A}</a:tableStyleId>
               </a:tblPr>
               <a:tblGrid>
-                <a:gridCol w="1892535">
+                <a:gridCol w="2478916">
                   <a:extLst>
                     <a:ext uri="{9D8B030D-6E8A-4147-A177-3AD203B41FA5}">
                       <a16:colId xmlns:a16="http://schemas.microsoft.com/office/drawing/2014/main" val="1221596245"/>
                     </a:ext>
                   </a:extLst>
                 </a:gridCol>
-                <a:gridCol w="4016513">
+                <a:gridCol w="3430132">
                   <a:extLst>
                     <a:ext uri="{9D8B030D-6E8A-4147-A177-3AD203B41FA5}">
                       <a16:colId xmlns:a16="http://schemas.microsoft.com/office/drawing/2014/main" val="1784707699"/>
@@ -14680,12 +15511,12 @@
                         </a:spcAft>
                       </a:pPr>
                       <a:r>
-                        <a:rPr lang="en-US" sz="1400" b="1">
+                        <a:rPr lang="en-US" sz="1400" b="1" dirty="0">
                           <a:effectLst/>
                         </a:rPr>
                         <a:t>Geocomputation &amp; Processing</a:t>
                       </a:r>
-                      <a:endParaRPr lang="en-US" sz="1400" b="1">
+                      <a:endParaRPr lang="en-US" sz="1400" b="1" dirty="0">
                         <a:effectLst/>
                         <a:latin typeface="Verdana" panose="020B0604030504040204" pitchFamily="34" charset="0"/>
                         <a:ea typeface="Verdana" panose="020B0604030504040204" pitchFamily="34" charset="0"/>
@@ -14754,7 +15585,7 @@
                         <a:rPr lang="en-US" sz="1400" b="1" dirty="0">
                           <a:effectLst/>
                         </a:rPr>
-                        <a:t>QGIS, R &amp; Python</a:t>
+                        <a:t>QGIS/ArcMap, R &amp; Python</a:t>
                       </a:r>
                       <a:endParaRPr lang="en-US" sz="1400" b="1" dirty="0">
                         <a:effectLst/>
@@ -15061,7 +15892,7 @@
           <p:nvPr>
             <p:extLst>
               <p:ext uri="{D42A27DB-BD31-4B8C-83A1-F6EECF244321}">
-                <p14:modId xmlns:p14="http://schemas.microsoft.com/office/powerpoint/2010/main" val="3385528737"/>
+                <p14:modId xmlns:p14="http://schemas.microsoft.com/office/powerpoint/2010/main" val="1562721619"/>
               </p:ext>
             </p:extLst>
           </p:nvPr>
@@ -15296,7 +16127,7 @@
                         <a:rPr lang="en-US" sz="1400" b="1" dirty="0">
                           <a:effectLst/>
                         </a:rPr>
-                        <a:t>(2015-2020</a:t>
+                        <a:t>(2015-2021</a:t>
                       </a:r>
                       <a:r>
                         <a:rPr lang="en-US" sz="1400" b="1" dirty="0">
@@ -15449,7 +16280,7 @@
                         <a:rPr lang="en-US" sz="1400" b="1" dirty="0">
                           <a:effectLst/>
                         </a:rPr>
-                        <a:t>(2015-2020)</a:t>
+                        <a:t>(2015-2021)</a:t>
                       </a:r>
                       <a:endParaRPr lang="en-US" sz="1400" b="1" dirty="0">
                         <a:effectLst/>
@@ -15552,7 +16383,7 @@
                         <a:rPr lang="en-US" sz="1400" b="1" dirty="0">
                           <a:effectLst/>
                         </a:rPr>
-                        <a:t>Kenya Marine &amp; Fisheries Research Institute-KMFRI (2015-2020)</a:t>
+                        <a:t>Kenya Marine &amp; Fisheries Research Institute-KMFRI (2015-2021)</a:t>
                       </a:r>
                       <a:endParaRPr lang="en-US" sz="1400" b="1" dirty="0">
                         <a:effectLst/>
@@ -15850,99 +16681,6 @@
 </p:sld>
 </file>
 
-<file path=ppt/slides/slide7.xml><?xml version="1.0" encoding="utf-8"?>
-<p:sld xmlns:a="http://schemas.openxmlformats.org/drawingml/2006/main" xmlns:r="http://schemas.openxmlformats.org/officeDocument/2006/relationships" xmlns:p="http://schemas.openxmlformats.org/presentationml/2006/main">
-  <p:cSld>
-    <p:spTree>
-      <p:nvGrpSpPr>
-        <p:cNvPr id="1" name=""/>
-        <p:cNvGrpSpPr/>
-        <p:nvPr/>
-      </p:nvGrpSpPr>
-      <p:grpSpPr>
-        <a:xfrm>
-          <a:off x="0" y="0"/>
-          <a:ext cx="0" cy="0"/>
-          <a:chOff x="0" y="0"/>
-          <a:chExt cx="0" cy="0"/>
-        </a:xfrm>
-      </p:grpSpPr>
-      <p:pic>
-        <p:nvPicPr>
-          <p:cNvPr id="125" name="Picture 124">
-            <a:extLst>
-              <a:ext uri="{FF2B5EF4-FFF2-40B4-BE49-F238E27FC236}">
-                <a16:creationId xmlns:a16="http://schemas.microsoft.com/office/drawing/2014/main" id="{61FE3E37-BFE3-4835-A324-1BC61B8A67E3}"/>
-              </a:ext>
-            </a:extLst>
-          </p:cNvPr>
-          <p:cNvPicPr>
-            <a:picLocks noChangeAspect="1"/>
-          </p:cNvPicPr>
-          <p:nvPr/>
-        </p:nvPicPr>
-        <p:blipFill>
-          <a:blip r:embed="rId2"/>
-          <a:stretch>
-            <a:fillRect/>
-          </a:stretch>
-        </p:blipFill>
-        <p:spPr>
-          <a:xfrm>
-            <a:off x="755576" y="1484784"/>
-            <a:ext cx="7128792" cy="5013388"/>
-          </a:xfrm>
-          <a:prstGeom prst="rect">
-            <a:avLst/>
-          </a:prstGeom>
-        </p:spPr>
-      </p:pic>
-      <p:sp>
-        <p:nvSpPr>
-          <p:cNvPr id="126" name="Title 3">
-            <a:extLst>
-              <a:ext uri="{FF2B5EF4-FFF2-40B4-BE49-F238E27FC236}">
-                <a16:creationId xmlns:a16="http://schemas.microsoft.com/office/drawing/2014/main" id="{018E18F1-E6E1-4D5B-90AC-4A871AF89720}"/>
-              </a:ext>
-            </a:extLst>
-          </p:cNvPr>
-          <p:cNvSpPr>
-            <a:spLocks noGrp="1"/>
-          </p:cNvSpPr>
-          <p:nvPr>
-            <p:ph type="title"/>
-          </p:nvPr>
-        </p:nvSpPr>
-        <p:spPr>
-          <a:xfrm>
-            <a:off x="254075" y="488950"/>
-            <a:ext cx="6877050" cy="838200"/>
-          </a:xfrm>
-        </p:spPr>
-        <p:txBody>
-          <a:bodyPr/>
-          <a:lstStyle/>
-          <a:p>
-            <a:r>
-              <a:rPr lang="en-US" dirty="0"/>
-              <a:t> Study Area</a:t>
-            </a:r>
-          </a:p>
-        </p:txBody>
-      </p:sp>
-    </p:spTree>
-    <p:extLst>
-      <p:ext uri="{BB962C8B-B14F-4D97-AF65-F5344CB8AC3E}">
-        <p14:creationId xmlns:p14="http://schemas.microsoft.com/office/powerpoint/2010/main" val="2533332010"/>
-      </p:ext>
-    </p:extLst>
-  </p:cSld>
-  <p:clrMapOvr>
-    <a:masterClrMapping/>
-  </p:clrMapOvr>
-</p:sld>
-</file>
-
 <file path=ppt/slides/slide8.xml><?xml version="1.0" encoding="utf-8"?>
 <p:sld xmlns:a="http://schemas.openxmlformats.org/drawingml/2006/main" xmlns:r="http://schemas.openxmlformats.org/officeDocument/2006/relationships" xmlns:p="http://schemas.openxmlformats.org/presentationml/2006/main">
   <p:cSld>
@@ -15971,7 +16709,6 @@
           </p:cNvPr>
           <p:cNvCxnSpPr>
             <a:cxnSpLocks/>
-            <a:endCxn id="8" idx="0"/>
           </p:cNvCxnSpPr>
           <p:nvPr/>
         </p:nvCxnSpPr>
@@ -16023,7 +16760,7 @@
             <a:avLst/>
           </a:prstGeom>
           <a:solidFill>
-            <a:srgbClr val="FFFF00"/>
+            <a:srgbClr val="FFFF99"/>
           </a:solidFill>
           <a:ln w="6350">
             <a:solidFill>
@@ -16073,153 +16810,6 @@
                 <a:cs typeface="Times New Roman" panose="02020603050405020304" pitchFamily="18" charset="0"/>
               </a:rPr>
               <a:t>B5 NIR</a:t>
-            </a:r>
-          </a:p>
-        </p:txBody>
-      </p:sp>
-      <p:sp>
-        <p:nvSpPr>
-          <p:cNvPr id="7" name="Rectangle 6">
-            <a:extLst>
-              <a:ext uri="{FF2B5EF4-FFF2-40B4-BE49-F238E27FC236}">
-                <a16:creationId xmlns:a16="http://schemas.microsoft.com/office/drawing/2014/main" id="{7AB0E8CC-6D87-4E38-B455-DE8BACED3783}"/>
-              </a:ext>
-            </a:extLst>
-          </p:cNvPr>
-          <p:cNvSpPr/>
-          <p:nvPr/>
-        </p:nvSpPr>
-        <p:spPr>
-          <a:xfrm>
-            <a:off x="3574627" y="3123306"/>
-            <a:ext cx="1741170" cy="429260"/>
-          </a:xfrm>
-          <a:prstGeom prst="rect">
-            <a:avLst/>
-          </a:prstGeom>
-          <a:ln w="6350">
-            <a:solidFill>
-              <a:srgbClr val="00B0F0"/>
-            </a:solidFill>
-          </a:ln>
-        </p:spPr>
-        <p:style>
-          <a:lnRef idx="2">
-            <a:schemeClr val="accent6"/>
-          </a:lnRef>
-          <a:fillRef idx="1">
-            <a:schemeClr val="lt1"/>
-          </a:fillRef>
-          <a:effectRef idx="0">
-            <a:schemeClr val="accent6"/>
-          </a:effectRef>
-          <a:fontRef idx="minor">
-            <a:schemeClr val="dk1"/>
-          </a:fontRef>
-        </p:style>
-        <p:txBody>
-          <a:bodyPr rot="0" spcFirstLastPara="0" vert="horz" wrap="square" lIns="91440" tIns="45720" rIns="91440" bIns="45720" numCol="1" spcCol="0" rtlCol="0" fromWordArt="0" anchor="ctr" anchorCtr="0" forceAA="0" compatLnSpc="1">
-            <a:prstTxWarp prst="textNoShape">
-              <a:avLst/>
-            </a:prstTxWarp>
-            <a:noAutofit/>
-          </a:bodyPr>
-          <a:lstStyle/>
-          <a:p>
-            <a:pPr marL="0" marR="0" algn="ctr">
-              <a:lnSpc>
-                <a:spcPct val="100000"/>
-              </a:lnSpc>
-              <a:spcBef>
-                <a:spcPts val="0"/>
-              </a:spcBef>
-              <a:spcAft>
-                <a:spcPts val="800"/>
-              </a:spcAft>
-            </a:pPr>
-            <a:r>
-              <a:rPr lang="en-US" sz="1000" b="1" dirty="0">
-                <a:effectLst/>
-                <a:latin typeface="Verdana" panose="020B0604030504040204" pitchFamily="34" charset="0"/>
-                <a:ea typeface="Calibri" panose="020F0502020204030204" pitchFamily="34" charset="0"/>
-                <a:cs typeface="Times New Roman" panose="02020603050405020304" pitchFamily="18" charset="0"/>
-              </a:rPr>
-              <a:t>Proportional of Vegetation(Pv)</a:t>
-            </a:r>
-          </a:p>
-        </p:txBody>
-      </p:sp>
-      <p:sp>
-        <p:nvSpPr>
-          <p:cNvPr id="8" name="Rectangle 7">
-            <a:extLst>
-              <a:ext uri="{FF2B5EF4-FFF2-40B4-BE49-F238E27FC236}">
-                <a16:creationId xmlns:a16="http://schemas.microsoft.com/office/drawing/2014/main" id="{75DAF2E6-F64B-4EC3-8E6C-318BEDDB98DC}"/>
-              </a:ext>
-            </a:extLst>
-          </p:cNvPr>
-          <p:cNvSpPr/>
-          <p:nvPr/>
-        </p:nvSpPr>
-        <p:spPr>
-          <a:xfrm>
-            <a:off x="921802" y="2192179"/>
-            <a:ext cx="1057910" cy="254000"/>
-          </a:xfrm>
-          <a:prstGeom prst="rect">
-            <a:avLst/>
-          </a:prstGeom>
-          <a:solidFill>
-            <a:srgbClr val="FFFF00"/>
-          </a:solidFill>
-          <a:ln w="6350">
-            <a:solidFill>
-              <a:srgbClr val="00B0F0"/>
-            </a:solidFill>
-          </a:ln>
-        </p:spPr>
-        <p:style>
-          <a:lnRef idx="2">
-            <a:schemeClr val="accent6"/>
-          </a:lnRef>
-          <a:fillRef idx="1">
-            <a:schemeClr val="lt1"/>
-          </a:fillRef>
-          <a:effectRef idx="0">
-            <a:schemeClr val="accent6"/>
-          </a:effectRef>
-          <a:fontRef idx="minor">
-            <a:schemeClr val="dk1"/>
-          </a:fontRef>
-        </p:style>
-        <p:txBody>
-          <a:bodyPr rot="0" spcFirstLastPara="0" vert="horz" wrap="square" lIns="91440" tIns="45720" rIns="91440" bIns="45720" numCol="1" spcCol="0" rtlCol="0" fromWordArt="0" anchor="ctr" anchorCtr="0" forceAA="0" compatLnSpc="1">
-            <a:prstTxWarp prst="textNoShape">
-              <a:avLst/>
-            </a:prstTxWarp>
-            <a:noAutofit/>
-          </a:bodyPr>
-          <a:lstStyle/>
-          <a:p>
-            <a:pPr marL="0" marR="0" algn="ctr">
-              <a:lnSpc>
-                <a:spcPct val="150000"/>
-              </a:lnSpc>
-              <a:spcBef>
-                <a:spcPts val="0"/>
-              </a:spcBef>
-              <a:spcAft>
-                <a:spcPts val="800"/>
-              </a:spcAft>
-            </a:pPr>
-            <a:r>
-              <a:rPr lang="en-US" sz="1000" b="1" dirty="0">
-                <a:effectLst/>
-                <a:latin typeface="Verdana" panose="020B0604030504040204" pitchFamily="34" charset="0"/>
-                <a:ea typeface="Calibri" panose="020F0502020204030204" pitchFamily="34" charset="0"/>
-                <a:cs typeface="Times New Roman" panose="02020603050405020304" pitchFamily="18" charset="0"/>
-              </a:rPr>
-              <a:t>TIRS B10</a:t>
             </a:r>
           </a:p>
         </p:txBody>
@@ -16377,50 +16967,6 @@
           </a:fontRef>
         </p:style>
       </p:cxnSp>
-      <p:cxnSp>
-        <p:nvCxnSpPr>
-          <p:cNvPr id="13" name="Connector: Elbow 12">
-            <a:extLst>
-              <a:ext uri="{FF2B5EF4-FFF2-40B4-BE49-F238E27FC236}">
-                <a16:creationId xmlns:a16="http://schemas.microsoft.com/office/drawing/2014/main" id="{39CBCA95-9A6E-4ABD-B02D-94BBD9DACB32}"/>
-              </a:ext>
-            </a:extLst>
-          </p:cNvPr>
-          <p:cNvCxnSpPr>
-            <a:cxnSpLocks/>
-            <a:endCxn id="7" idx="1"/>
-          </p:cNvCxnSpPr>
-          <p:nvPr/>
-        </p:nvCxnSpPr>
-        <p:spPr>
-          <a:xfrm rot="10800000" flipV="1">
-            <a:off x="3574627" y="2785450"/>
-            <a:ext cx="373844" cy="552486"/>
-          </a:xfrm>
-          <a:prstGeom prst="bentConnector3">
-            <a:avLst>
-              <a:gd name="adj1" fmla="val 161149"/>
-            </a:avLst>
-          </a:prstGeom>
-          <a:ln>
-            <a:tailEnd type="triangle"/>
-          </a:ln>
-        </p:spPr>
-        <p:style>
-          <a:lnRef idx="1">
-            <a:schemeClr val="accent1"/>
-          </a:lnRef>
-          <a:fillRef idx="0">
-            <a:schemeClr val="accent1"/>
-          </a:fillRef>
-          <a:effectRef idx="0">
-            <a:schemeClr val="accent1"/>
-          </a:effectRef>
-          <a:fontRef idx="minor">
-            <a:schemeClr val="tx1"/>
-          </a:fontRef>
-        </p:style>
-      </p:cxnSp>
       <p:sp>
         <p:nvSpPr>
           <p:cNvPr id="15" name="Rectangle 14">
@@ -16597,7 +17143,7 @@
         </p:nvSpPr>
         <p:spPr>
           <a:xfrm>
-            <a:off x="6127701" y="5472109"/>
+            <a:off x="6180960" y="5511802"/>
             <a:ext cx="2218055" cy="436880"/>
           </a:xfrm>
           <a:prstGeom prst="rect">
@@ -16791,13 +17337,16 @@
               </a:ext>
             </a:extLst>
           </p:cNvPr>
-          <p:cNvCxnSpPr/>
+          <p:cNvCxnSpPr>
+            <a:cxnSpLocks/>
+            <a:stCxn id="108" idx="2"/>
+          </p:cNvCxnSpPr>
           <p:nvPr/>
         </p:nvCxnSpPr>
         <p:spPr>
-          <a:xfrm>
-            <a:off x="1450757" y="3222635"/>
-            <a:ext cx="0" cy="548640"/>
+          <a:xfrm flipH="1">
+            <a:off x="1432489" y="3507202"/>
+            <a:ext cx="0" cy="264073"/>
           </a:xfrm>
           <a:prstGeom prst="straightConnector1">
             <a:avLst/>
@@ -16830,13 +17379,15 @@
               </a:ext>
             </a:extLst>
           </p:cNvPr>
-          <p:cNvCxnSpPr/>
+          <p:cNvCxnSpPr>
+            <a:cxnSpLocks/>
+          </p:cNvCxnSpPr>
           <p:nvPr/>
         </p:nvCxnSpPr>
         <p:spPr>
           <a:xfrm>
-            <a:off x="1475680" y="2463505"/>
-            <a:ext cx="0" cy="457200"/>
+            <a:off x="1432488" y="2424089"/>
+            <a:ext cx="0" cy="548640"/>
           </a:xfrm>
           <a:prstGeom prst="straightConnector1">
             <a:avLst/>
@@ -16920,7 +17471,7 @@
         </p:nvCxnSpPr>
         <p:spPr bwMode="auto">
           <a:xfrm>
-            <a:off x="6920663" y="1914684"/>
+            <a:off x="6934679" y="1914684"/>
             <a:ext cx="0" cy="274320"/>
           </a:xfrm>
           <a:prstGeom prst="straightConnector1">
@@ -17176,7 +17727,7 @@
         </p:nvCxnSpPr>
         <p:spPr bwMode="auto">
           <a:xfrm>
-            <a:off x="3520222" y="1914684"/>
+            <a:off x="3520222" y="1931194"/>
             <a:ext cx="0" cy="274320"/>
           </a:xfrm>
           <a:prstGeom prst="straightConnector1">
@@ -17229,7 +17780,7 @@
             <a:avLst/>
           </a:prstGeom>
           <a:solidFill>
-            <a:srgbClr val="FFFF00"/>
+            <a:srgbClr val="FFFF99"/>
           </a:solidFill>
           <a:ln w="6350">
             <a:solidFill>
@@ -17278,7 +17829,7 @@
                 <a:ea typeface="Calibri" panose="020F0502020204030204" pitchFamily="34" charset="0"/>
                 <a:cs typeface="Times New Roman" panose="02020603050405020304" pitchFamily="18" charset="0"/>
               </a:rPr>
-              <a:t>B2 GREEN</a:t>
+              <a:t>B3 GREEN</a:t>
             </a:r>
           </a:p>
         </p:txBody>
@@ -17304,7 +17855,7 @@
             <a:avLst/>
           </a:prstGeom>
           <a:solidFill>
-            <a:srgbClr val="FFFF00"/>
+            <a:srgbClr val="FFFF99"/>
           </a:solidFill>
           <a:ln w="6350">
             <a:solidFill>
@@ -17511,13 +18062,16 @@
               </a:ext>
             </a:extLst>
           </p:cNvPr>
-          <p:cNvCxnSpPr/>
+          <p:cNvCxnSpPr>
+            <a:cxnSpLocks/>
+            <a:stCxn id="55" idx="2"/>
+          </p:cNvCxnSpPr>
           <p:nvPr/>
         </p:nvCxnSpPr>
         <p:spPr bwMode="auto">
-          <a:xfrm>
-            <a:off x="4421546" y="3588395"/>
-            <a:ext cx="0" cy="182880"/>
+          <a:xfrm flipH="1">
+            <a:off x="4421546" y="3552567"/>
+            <a:ext cx="0" cy="218708"/>
           </a:xfrm>
           <a:prstGeom prst="straightConnector1">
             <a:avLst/>
@@ -17527,7 +18081,7 @@
           </a:solidFill>
           <a:ln w="9525" cap="flat" cmpd="sng" algn="ctr">
             <a:solidFill>
-              <a:schemeClr val="tx1"/>
+              <a:schemeClr val="accent5"/>
             </a:solidFill>
             <a:prstDash val="solid"/>
             <a:round/>
@@ -17607,6 +18161,12 @@
           <a:prstGeom prst="flowChartPredefinedProcess">
             <a:avLst/>
           </a:prstGeom>
+          <a:solidFill>
+            <a:schemeClr val="accent1">
+              <a:lumMod val="20000"/>
+              <a:lumOff val="80000"/>
+            </a:schemeClr>
+          </a:solidFill>
         </p:spPr>
         <p:style>
           <a:lnRef idx="2">
@@ -17701,7 +18261,7 @@
             <a:avLst/>
           </a:prstGeom>
           <a:solidFill>
-            <a:srgbClr val="FFFF00"/>
+            <a:srgbClr val="FFFF99"/>
           </a:solidFill>
           <a:ln w="6350">
             <a:solidFill>
@@ -17847,6 +18407,12 @@
           <a:prstGeom prst="flowChartPredefinedProcess">
             <a:avLst/>
           </a:prstGeom>
+          <a:solidFill>
+            <a:schemeClr val="accent1">
+              <a:lumMod val="20000"/>
+              <a:lumOff val="80000"/>
+            </a:schemeClr>
+          </a:solidFill>
         </p:spPr>
         <p:style>
           <a:lnRef idx="2">
@@ -17932,13 +18498,12 @@
           </p:cNvPr>
           <p:cNvCxnSpPr>
             <a:cxnSpLocks/>
-            <a:stCxn id="97" idx="1"/>
           </p:cNvCxnSpPr>
           <p:nvPr/>
         </p:nvCxnSpPr>
         <p:spPr>
           <a:xfrm rot="10800000" flipV="1">
-            <a:off x="6654200" y="539354"/>
+            <a:off x="6654200" y="552694"/>
             <a:ext cx="560958" cy="446301"/>
           </a:xfrm>
           <a:prstGeom prst="bentConnector3">
@@ -17976,12 +18541,18 @@
         </p:nvSpPr>
         <p:spPr>
           <a:xfrm>
-            <a:off x="683568" y="2925554"/>
-            <a:ext cx="1818410" cy="621790"/>
+            <a:off x="623771" y="2943971"/>
+            <a:ext cx="1782224" cy="563231"/>
           </a:xfrm>
           <a:prstGeom prst="rect">
             <a:avLst/>
           </a:prstGeom>
+          <a:solidFill>
+            <a:schemeClr val="accent1">
+              <a:lumMod val="40000"/>
+              <a:lumOff val="60000"/>
+            </a:schemeClr>
+          </a:solidFill>
           <a:ln w="6350">
             <a:solidFill>
               <a:srgbClr val="00B0F0"/>
@@ -18029,25 +18600,7 @@
                 <a:ea typeface="Calibri" panose="020F0502020204030204" pitchFamily="34" charset="0"/>
                 <a:cs typeface="Times New Roman" panose="02020603050405020304" pitchFamily="18" charset="0"/>
               </a:rPr>
-              <a:t>TOA DN to At-Sensor Radiance(</a:t>
-            </a:r>
-            <a:r>
-              <a:rPr lang="en-US" sz="1000" b="1" dirty="0" err="1">
-                <a:effectLst/>
-                <a:latin typeface="Verdana" panose="020B0604030504040204" pitchFamily="34" charset="0"/>
-                <a:ea typeface="Calibri" panose="020F0502020204030204" pitchFamily="34" charset="0"/>
-                <a:cs typeface="Times New Roman" panose="02020603050405020304" pitchFamily="18" charset="0"/>
-              </a:rPr>
-              <a:t>Lλ</a:t>
-            </a:r>
-            <a:r>
-              <a:rPr lang="en-US" sz="1000" b="1" dirty="0">
-                <a:effectLst/>
-                <a:latin typeface="Verdana" panose="020B0604030504040204" pitchFamily="34" charset="0"/>
-                <a:ea typeface="Calibri" panose="020F0502020204030204" pitchFamily="34" charset="0"/>
-                <a:cs typeface="Times New Roman" panose="02020603050405020304" pitchFamily="18" charset="0"/>
-              </a:rPr>
-              <a:t>)</a:t>
+              <a:t>TOA DN to At-Sensor Radiance(Lλ)</a:t>
             </a:r>
           </a:p>
         </p:txBody>
@@ -18073,7 +18626,7 @@
             <a:avLst/>
           </a:prstGeom>
           <a:solidFill>
-            <a:srgbClr val="FFFF00"/>
+            <a:srgbClr val="FFFF99"/>
           </a:solidFill>
         </p:spPr>
         <p:style>
@@ -18124,8 +18677,8 @@
         </p:nvSpPr>
         <p:spPr>
           <a:xfrm>
-            <a:off x="3174211" y="5360019"/>
-            <a:ext cx="1285824" cy="603885"/>
+            <a:off x="4088326" y="5532740"/>
+            <a:ext cx="805839" cy="436880"/>
           </a:xfrm>
           <a:prstGeom prst="flowChartProcess">
             <a:avLst/>
@@ -18160,7 +18713,7 @@
                 <a:latin typeface="Verdana" panose="020B0604030504040204" pitchFamily="34" charset="0"/>
                 <a:ea typeface="Verdana" panose="020B0604030504040204" pitchFamily="34" charset="0"/>
               </a:rPr>
-              <a:t>Above Threshold</a:t>
+              <a:t>Above</a:t>
             </a:r>
           </a:p>
         </p:txBody>
@@ -18176,19 +18729,18 @@
           </p:cNvPr>
           <p:cNvCxnSpPr>
             <a:cxnSpLocks/>
-            <a:stCxn id="133" idx="1"/>
-            <a:endCxn id="49" idx="1"/>
           </p:cNvCxnSpPr>
           <p:nvPr/>
         </p:nvCxnSpPr>
         <p:spPr>
-          <a:xfrm rot="10800000">
-            <a:off x="1210384" y="1325262"/>
-            <a:ext cx="265296" cy="4323555"/>
+          <a:xfrm rot="10800000" flipH="1">
+            <a:off x="884877" y="3986773"/>
+            <a:ext cx="2007144" cy="1731339"/>
           </a:xfrm>
-          <a:prstGeom prst="bentConnector3">
+          <a:prstGeom prst="bentConnector4">
             <a:avLst>
-              <a:gd name="adj1" fmla="val 453167"/>
+              <a:gd name="adj1" fmla="val -28072"/>
+              <a:gd name="adj2" fmla="val 118411"/>
             </a:avLst>
           </a:prstGeom>
           <a:ln>
@@ -18225,8 +18777,8 @@
         </p:nvSpPr>
         <p:spPr>
           <a:xfrm>
-            <a:off x="1475680" y="5346873"/>
-            <a:ext cx="1433730" cy="603885"/>
+            <a:off x="896957" y="5553841"/>
+            <a:ext cx="930592" cy="352802"/>
           </a:xfrm>
           <a:prstGeom prst="flowChartProcess">
             <a:avLst/>
@@ -18261,95 +18813,11 @@
                 <a:latin typeface="Verdana" panose="020B0604030504040204" pitchFamily="34" charset="0"/>
                 <a:ea typeface="Verdana" panose="020B0604030504040204" pitchFamily="34" charset="0"/>
               </a:rPr>
-              <a:t>Below Threshold</a:t>
-            </a:r>
-          </a:p>
-        </p:txBody>
-      </p:sp>
-      <p:cxnSp>
-        <p:nvCxnSpPr>
-          <p:cNvPr id="138" name="Straight Arrow Connector 137">
-            <a:extLst>
-              <a:ext uri="{FF2B5EF4-FFF2-40B4-BE49-F238E27FC236}">
-                <a16:creationId xmlns:a16="http://schemas.microsoft.com/office/drawing/2014/main" id="{F6F0C278-CF3F-4356-8D8F-0B0CA52C5672}"/>
-              </a:ext>
-            </a:extLst>
-          </p:cNvPr>
-          <p:cNvCxnSpPr>
-            <a:cxnSpLocks/>
-            <a:stCxn id="16" idx="2"/>
-            <a:endCxn id="120" idx="0"/>
-          </p:cNvCxnSpPr>
-          <p:nvPr/>
-        </p:nvCxnSpPr>
-        <p:spPr>
-          <a:xfrm>
-            <a:off x="2931257" y="5062937"/>
-            <a:ext cx="885866" cy="297082"/>
-          </a:xfrm>
-          <a:prstGeom prst="straightConnector1">
-            <a:avLst/>
-          </a:prstGeom>
-          <a:ln>
-            <a:tailEnd type="triangle"/>
-          </a:ln>
-        </p:spPr>
-        <p:style>
-          <a:lnRef idx="1">
-            <a:schemeClr val="accent1"/>
-          </a:lnRef>
-          <a:fillRef idx="0">
-            <a:schemeClr val="accent1"/>
-          </a:fillRef>
-          <a:effectRef idx="0">
-            <a:schemeClr val="accent1"/>
-          </a:effectRef>
-          <a:fontRef idx="minor">
-            <a:schemeClr val="tx1"/>
-          </a:fontRef>
-        </p:style>
-      </p:cxnSp>
-      <p:cxnSp>
-        <p:nvCxnSpPr>
-          <p:cNvPr id="140" name="Straight Arrow Connector 139">
-            <a:extLst>
-              <a:ext uri="{FF2B5EF4-FFF2-40B4-BE49-F238E27FC236}">
-                <a16:creationId xmlns:a16="http://schemas.microsoft.com/office/drawing/2014/main" id="{A06BEED9-C2DB-40FA-A3D8-EDACFBC2A7D9}"/>
-              </a:ext>
-            </a:extLst>
-          </p:cNvPr>
-          <p:cNvCxnSpPr>
-            <a:cxnSpLocks/>
-          </p:cNvCxnSpPr>
-          <p:nvPr/>
-        </p:nvCxnSpPr>
-        <p:spPr>
-          <a:xfrm flipH="1">
-            <a:off x="2298883" y="5060704"/>
-            <a:ext cx="664760" cy="286169"/>
-          </a:xfrm>
-          <a:prstGeom prst="straightConnector1">
-            <a:avLst/>
-          </a:prstGeom>
-          <a:ln>
-            <a:tailEnd type="triangle"/>
-          </a:ln>
-        </p:spPr>
-        <p:style>
-          <a:lnRef idx="1">
-            <a:schemeClr val="accent1"/>
-          </a:lnRef>
-          <a:fillRef idx="0">
-            <a:schemeClr val="accent1"/>
-          </a:fillRef>
-          <a:effectRef idx="0">
-            <a:schemeClr val="accent1"/>
-          </a:effectRef>
-          <a:fontRef idx="minor">
-            <a:schemeClr val="tx1"/>
-          </a:fontRef>
-        </p:style>
-      </p:cxnSp>
+              <a:t>Below</a:t>
+            </a:r>
+          </a:p>
+        </p:txBody>
+      </p:sp>
       <p:sp>
         <p:nvSpPr>
           <p:cNvPr id="146" name="Flowchart: Predefined Process 145">
@@ -18364,12 +18832,18 @@
         </p:nvSpPr>
         <p:spPr>
           <a:xfrm>
-            <a:off x="6690338" y="2934506"/>
-            <a:ext cx="2058126" cy="603885"/>
+            <a:off x="6654200" y="2940384"/>
+            <a:ext cx="2094264" cy="598007"/>
           </a:xfrm>
           <a:prstGeom prst="flowChartPredefinedProcess">
             <a:avLst/>
           </a:prstGeom>
+          <a:solidFill>
+            <a:schemeClr val="accent1">
+              <a:lumMod val="40000"/>
+              <a:lumOff val="60000"/>
+            </a:schemeClr>
+          </a:solidFill>
           <a:ln w="6350">
             <a:solidFill>
               <a:srgbClr val="00B0F0"/>
@@ -18417,26 +18891,23 @@
                 <a:ea typeface="Calibri" panose="020F0502020204030204" pitchFamily="34" charset="0"/>
                 <a:cs typeface="Times New Roman" panose="02020603050405020304" pitchFamily="18" charset="0"/>
               </a:rPr>
-              <a:t>Basic Chl-a algorithm(log</a:t>
-            </a:r>
-            <a:r>
-              <a:rPr lang="en-US" sz="1050" b="1" baseline="-25000" dirty="0">
+              <a:t>Basic </a:t>
+            </a:r>
+            <a:r>
+              <a:rPr lang="en-US" sz="1050" b="1">
                 <a:effectLst/>
                 <a:latin typeface="Verdana" panose="020B0604030504040204" pitchFamily="34" charset="0"/>
                 <a:ea typeface="Calibri" panose="020F0502020204030204" pitchFamily="34" charset="0"/>
                 <a:cs typeface="Times New Roman" panose="02020603050405020304" pitchFamily="18" charset="0"/>
               </a:rPr>
-              <a:t>10</a:t>
-            </a:r>
-            <a:r>
-              <a:rPr lang="en-US" sz="1050" b="1" dirty="0">
-                <a:effectLst/>
-                <a:latin typeface="Verdana" panose="020B0604030504040204" pitchFamily="34" charset="0"/>
-                <a:ea typeface="Calibri" panose="020F0502020204030204" pitchFamily="34" charset="0"/>
-                <a:cs typeface="Times New Roman" panose="02020603050405020304" pitchFamily="18" charset="0"/>
-              </a:rPr>
-              <a:t>)</a:t>
-            </a:r>
+              <a:t>Chl-a algorithms</a:t>
+            </a:r>
+            <a:endParaRPr lang="en-US" sz="1050" b="1" dirty="0">
+              <a:effectLst/>
+              <a:latin typeface="Verdana" panose="020B0604030504040204" pitchFamily="34" charset="0"/>
+              <a:ea typeface="Calibri" panose="020F0502020204030204" pitchFamily="34" charset="0"/>
+              <a:cs typeface="Times New Roman" panose="02020603050405020304" pitchFamily="18" charset="0"/>
+            </a:endParaRPr>
           </a:p>
         </p:txBody>
       </p:sp>
@@ -18458,8 +18929,8 @@
         </p:nvCxnSpPr>
         <p:spPr>
           <a:xfrm rot="16200000" flipH="1">
-            <a:off x="7102408" y="2317513"/>
-            <a:ext cx="491502" cy="742484"/>
+            <a:off x="7090434" y="2329486"/>
+            <a:ext cx="497380" cy="724415"/>
           </a:xfrm>
           <a:prstGeom prst="bentConnector3">
             <a:avLst/>
@@ -18499,7 +18970,7 @@
         </p:nvCxnSpPr>
         <p:spPr>
           <a:xfrm rot="5400000">
-            <a:off x="7999360" y="2131286"/>
+            <a:off x="8024506" y="2121488"/>
             <a:ext cx="234677" cy="896760"/>
           </a:xfrm>
           <a:prstGeom prst="bentConnector2">
@@ -18539,49 +19010,6 @@
           <a:xfrm>
             <a:off x="7314911" y="3551537"/>
             <a:ext cx="0" cy="1920572"/>
-          </a:xfrm>
-          <a:prstGeom prst="straightConnector1">
-            <a:avLst/>
-          </a:prstGeom>
-          <a:ln>
-            <a:tailEnd type="triangle"/>
-          </a:ln>
-        </p:spPr>
-        <p:style>
-          <a:lnRef idx="1">
-            <a:schemeClr val="accent1"/>
-          </a:lnRef>
-          <a:fillRef idx="0">
-            <a:schemeClr val="accent1"/>
-          </a:fillRef>
-          <a:effectRef idx="0">
-            <a:schemeClr val="accent1"/>
-          </a:effectRef>
-          <a:fontRef idx="minor">
-            <a:schemeClr val="tx1"/>
-          </a:fontRef>
-        </p:style>
-      </p:cxnSp>
-      <p:cxnSp>
-        <p:nvCxnSpPr>
-          <p:cNvPr id="20" name="Straight Arrow Connector 19">
-            <a:extLst>
-              <a:ext uri="{FF2B5EF4-FFF2-40B4-BE49-F238E27FC236}">
-                <a16:creationId xmlns:a16="http://schemas.microsoft.com/office/drawing/2014/main" id="{8754BBE7-F6D7-46E7-A8E3-DBE6378DBD00}"/>
-              </a:ext>
-            </a:extLst>
-          </p:cNvPr>
-          <p:cNvCxnSpPr>
-            <a:cxnSpLocks/>
-            <a:stCxn id="120" idx="3"/>
-            <a:endCxn id="17" idx="1"/>
-          </p:cNvCxnSpPr>
-          <p:nvPr/>
-        </p:nvCxnSpPr>
-        <p:spPr>
-          <a:xfrm>
-            <a:off x="4460035" y="5661962"/>
-            <a:ext cx="1667666" cy="28587"/>
           </a:xfrm>
           <a:prstGeom prst="straightConnector1">
             <a:avLst/>
@@ -18661,7 +19089,7 @@
         </p:nvSpPr>
         <p:spPr>
           <a:xfrm>
-            <a:off x="4241186" y="6260986"/>
+            <a:off x="4934367" y="6308878"/>
             <a:ext cx="1667666" cy="359386"/>
           </a:xfrm>
           <a:prstGeom prst="rect">
@@ -18737,13 +19165,547 @@
         </p:nvCxnSpPr>
         <p:spPr>
           <a:xfrm flipV="1">
-            <a:off x="5908852" y="5908989"/>
-            <a:ext cx="1327877" cy="531690"/>
+            <a:off x="6602033" y="5948682"/>
+            <a:ext cx="687955" cy="539889"/>
           </a:xfrm>
           <a:prstGeom prst="bentConnector2">
             <a:avLst/>
           </a:prstGeom>
           <a:ln>
+            <a:tailEnd type="triangle"/>
+          </a:ln>
+        </p:spPr>
+        <p:style>
+          <a:lnRef idx="1">
+            <a:schemeClr val="accent1"/>
+          </a:lnRef>
+          <a:fillRef idx="0">
+            <a:schemeClr val="accent1"/>
+          </a:fillRef>
+          <a:effectRef idx="0">
+            <a:schemeClr val="accent1"/>
+          </a:effectRef>
+          <a:fontRef idx="minor">
+            <a:schemeClr val="tx1"/>
+          </a:fontRef>
+        </p:style>
+      </p:cxnSp>
+      <p:sp>
+        <p:nvSpPr>
+          <p:cNvPr id="55" name="Rectangle 54">
+            <a:extLst>
+              <a:ext uri="{FF2B5EF4-FFF2-40B4-BE49-F238E27FC236}">
+                <a16:creationId xmlns:a16="http://schemas.microsoft.com/office/drawing/2014/main" id="{C8D08C0C-5180-48E8-9272-582B3486F680}"/>
+              </a:ext>
+            </a:extLst>
+          </p:cNvPr>
+          <p:cNvSpPr/>
+          <p:nvPr/>
+        </p:nvSpPr>
+        <p:spPr>
+          <a:xfrm>
+            <a:off x="3574626" y="2999301"/>
+            <a:ext cx="1746031" cy="553266"/>
+          </a:xfrm>
+          <a:prstGeom prst="rect">
+            <a:avLst/>
+          </a:prstGeom>
+          <a:solidFill>
+            <a:schemeClr val="accent1">
+              <a:lumMod val="40000"/>
+              <a:lumOff val="60000"/>
+            </a:schemeClr>
+          </a:solidFill>
+          <a:ln w="6350">
+            <a:solidFill>
+              <a:srgbClr val="00B0F0"/>
+            </a:solidFill>
+          </a:ln>
+        </p:spPr>
+        <p:style>
+          <a:lnRef idx="2">
+            <a:schemeClr val="accent6"/>
+          </a:lnRef>
+          <a:fillRef idx="1">
+            <a:schemeClr val="lt1"/>
+          </a:fillRef>
+          <a:effectRef idx="0">
+            <a:schemeClr val="accent6"/>
+          </a:effectRef>
+          <a:fontRef idx="minor">
+            <a:schemeClr val="dk1"/>
+          </a:fontRef>
+        </p:style>
+        <p:txBody>
+          <a:bodyPr rot="0" spcFirstLastPara="0" vert="horz" wrap="square" lIns="91440" tIns="45720" rIns="91440" bIns="45720" numCol="1" spcCol="0" rtlCol="0" fromWordArt="0" anchor="ctr" anchorCtr="0" forceAA="0" compatLnSpc="1">
+            <a:prstTxWarp prst="textNoShape">
+              <a:avLst/>
+            </a:prstTxWarp>
+            <a:noAutofit/>
+          </a:bodyPr>
+          <a:lstStyle/>
+          <a:p>
+            <a:pPr marL="0" marR="0" algn="ctr">
+              <a:lnSpc>
+                <a:spcPct val="100000"/>
+              </a:lnSpc>
+              <a:spcBef>
+                <a:spcPts val="0"/>
+              </a:spcBef>
+              <a:spcAft>
+                <a:spcPts val="800"/>
+              </a:spcAft>
+            </a:pPr>
+            <a:r>
+              <a:rPr lang="en-US" sz="1000" b="1" dirty="0">
+                <a:effectLst/>
+                <a:latin typeface="Verdana" panose="020B0604030504040204" pitchFamily="34" charset="0"/>
+                <a:ea typeface="Calibri" panose="020F0502020204030204" pitchFamily="34" charset="0"/>
+                <a:cs typeface="Times New Roman" panose="02020603050405020304" pitchFamily="18" charset="0"/>
+              </a:rPr>
+              <a:t>Proportional of Vegetation(Pv)</a:t>
+            </a:r>
+          </a:p>
+        </p:txBody>
+      </p:sp>
+      <p:cxnSp>
+        <p:nvCxnSpPr>
+          <p:cNvPr id="40" name="Connector: Elbow 39">
+            <a:extLst>
+              <a:ext uri="{FF2B5EF4-FFF2-40B4-BE49-F238E27FC236}">
+                <a16:creationId xmlns:a16="http://schemas.microsoft.com/office/drawing/2014/main" id="{1B4E016D-0810-48AB-A499-497F4D1689B3}"/>
+              </a:ext>
+            </a:extLst>
+          </p:cNvPr>
+          <p:cNvCxnSpPr>
+            <a:cxnSpLocks/>
+          </p:cNvCxnSpPr>
+          <p:nvPr/>
+        </p:nvCxnSpPr>
+        <p:spPr>
+          <a:xfrm rot="10800000" flipH="1" flipV="1">
+            <a:off x="3948471" y="2796429"/>
+            <a:ext cx="200409" cy="974846"/>
+          </a:xfrm>
+          <a:prstGeom prst="bentConnector4">
+            <a:avLst>
+              <a:gd name="adj1" fmla="val -255446"/>
+              <a:gd name="adj2" fmla="val 83555"/>
+            </a:avLst>
+          </a:prstGeom>
+          <a:ln>
+            <a:tailEnd type="triangle"/>
+          </a:ln>
+        </p:spPr>
+        <p:style>
+          <a:lnRef idx="1">
+            <a:schemeClr val="accent1"/>
+          </a:lnRef>
+          <a:fillRef idx="0">
+            <a:schemeClr val="accent1"/>
+          </a:fillRef>
+          <a:effectRef idx="0">
+            <a:schemeClr val="accent1"/>
+          </a:effectRef>
+          <a:fontRef idx="minor">
+            <a:schemeClr val="tx1"/>
+          </a:fontRef>
+        </p:style>
+      </p:cxnSp>
+      <p:sp>
+        <p:nvSpPr>
+          <p:cNvPr id="83" name="Rectangle 82">
+            <a:extLst>
+              <a:ext uri="{FF2B5EF4-FFF2-40B4-BE49-F238E27FC236}">
+                <a16:creationId xmlns:a16="http://schemas.microsoft.com/office/drawing/2014/main" id="{12B6E9D9-25A5-4CDD-B570-EE9966DFB3A5}"/>
+              </a:ext>
+            </a:extLst>
+          </p:cNvPr>
+          <p:cNvSpPr/>
+          <p:nvPr/>
+        </p:nvSpPr>
+        <p:spPr>
+          <a:xfrm>
+            <a:off x="921802" y="2192179"/>
+            <a:ext cx="1057910" cy="254000"/>
+          </a:xfrm>
+          <a:prstGeom prst="rect">
+            <a:avLst/>
+          </a:prstGeom>
+          <a:solidFill>
+            <a:srgbClr val="FFFF99"/>
+          </a:solidFill>
+          <a:ln w="6350">
+            <a:solidFill>
+              <a:srgbClr val="00B0F0"/>
+            </a:solidFill>
+          </a:ln>
+        </p:spPr>
+        <p:style>
+          <a:lnRef idx="2">
+            <a:schemeClr val="accent6"/>
+          </a:lnRef>
+          <a:fillRef idx="1">
+            <a:schemeClr val="lt1"/>
+          </a:fillRef>
+          <a:effectRef idx="0">
+            <a:schemeClr val="accent6"/>
+          </a:effectRef>
+          <a:fontRef idx="minor">
+            <a:schemeClr val="dk1"/>
+          </a:fontRef>
+        </p:style>
+        <p:txBody>
+          <a:bodyPr rot="0" spcFirstLastPara="0" vert="horz" wrap="square" lIns="91440" tIns="45720" rIns="91440" bIns="45720" numCol="1" spcCol="0" rtlCol="0" fromWordArt="0" anchor="ctr" anchorCtr="0" forceAA="0" compatLnSpc="1">
+            <a:prstTxWarp prst="textNoShape">
+              <a:avLst/>
+            </a:prstTxWarp>
+            <a:noAutofit/>
+          </a:bodyPr>
+          <a:lstStyle/>
+          <a:p>
+            <a:pPr marL="0" marR="0" algn="ctr">
+              <a:lnSpc>
+                <a:spcPct val="150000"/>
+              </a:lnSpc>
+              <a:spcBef>
+                <a:spcPts val="0"/>
+              </a:spcBef>
+              <a:spcAft>
+                <a:spcPts val="800"/>
+              </a:spcAft>
+            </a:pPr>
+            <a:r>
+              <a:rPr lang="en-US" sz="1000" b="1" dirty="0">
+                <a:effectLst/>
+                <a:latin typeface="Verdana" panose="020B0604030504040204" pitchFamily="34" charset="0"/>
+                <a:ea typeface="Calibri" panose="020F0502020204030204" pitchFamily="34" charset="0"/>
+                <a:cs typeface="Times New Roman" panose="02020603050405020304" pitchFamily="18" charset="0"/>
+              </a:rPr>
+              <a:t>TIRS B10</a:t>
+            </a:r>
+          </a:p>
+        </p:txBody>
+      </p:sp>
+      <p:cxnSp>
+        <p:nvCxnSpPr>
+          <p:cNvPr id="70" name="Connector: Elbow 69">
+            <a:extLst>
+              <a:ext uri="{FF2B5EF4-FFF2-40B4-BE49-F238E27FC236}">
+                <a16:creationId xmlns:a16="http://schemas.microsoft.com/office/drawing/2014/main" id="{B731915E-B021-43CD-A43D-62D38DE668E4}"/>
+              </a:ext>
+            </a:extLst>
+          </p:cNvPr>
+          <p:cNvCxnSpPr>
+            <a:cxnSpLocks/>
+            <a:stCxn id="120" idx="3"/>
+            <a:endCxn id="17" idx="1"/>
+          </p:cNvCxnSpPr>
+          <p:nvPr/>
+        </p:nvCxnSpPr>
+        <p:spPr>
+          <a:xfrm flipV="1">
+            <a:off x="4894165" y="5730242"/>
+            <a:ext cx="1286795" cy="20938"/>
+          </a:xfrm>
+          <a:prstGeom prst="bentConnector3">
+            <a:avLst>
+              <a:gd name="adj1" fmla="val 50000"/>
+            </a:avLst>
+          </a:prstGeom>
+          <a:ln>
+            <a:tailEnd type="triangle"/>
+          </a:ln>
+        </p:spPr>
+        <p:style>
+          <a:lnRef idx="1">
+            <a:schemeClr val="accent1"/>
+          </a:lnRef>
+          <a:fillRef idx="0">
+            <a:schemeClr val="accent1"/>
+          </a:fillRef>
+          <a:effectRef idx="0">
+            <a:schemeClr val="accent1"/>
+          </a:effectRef>
+          <a:fontRef idx="minor">
+            <a:schemeClr val="tx1"/>
+          </a:fontRef>
+        </p:style>
+      </p:cxnSp>
+      <p:sp>
+        <p:nvSpPr>
+          <p:cNvPr id="86" name="Flowchart: Decision 85">
+            <a:extLst>
+              <a:ext uri="{FF2B5EF4-FFF2-40B4-BE49-F238E27FC236}">
+                <a16:creationId xmlns:a16="http://schemas.microsoft.com/office/drawing/2014/main" id="{ADA50F59-C9B1-4121-BCF0-CF073FED8844}"/>
+              </a:ext>
+            </a:extLst>
+          </p:cNvPr>
+          <p:cNvSpPr/>
+          <p:nvPr/>
+        </p:nvSpPr>
+        <p:spPr>
+          <a:xfrm>
+            <a:off x="1836773" y="5329724"/>
+            <a:ext cx="2218054" cy="821551"/>
+          </a:xfrm>
+          <a:prstGeom prst="flowChartDecision">
+            <a:avLst/>
+          </a:prstGeom>
+          <a:solidFill>
+            <a:schemeClr val="bg1">
+              <a:lumMod val="75000"/>
+            </a:schemeClr>
+          </a:solidFill>
+        </p:spPr>
+        <p:style>
+          <a:lnRef idx="2">
+            <a:schemeClr val="accent1">
+              <a:shade val="50000"/>
+            </a:schemeClr>
+          </a:lnRef>
+          <a:fillRef idx="1">
+            <a:schemeClr val="accent1"/>
+          </a:fillRef>
+          <a:effectRef idx="0">
+            <a:schemeClr val="accent1"/>
+          </a:effectRef>
+          <a:fontRef idx="minor">
+            <a:schemeClr val="lt1"/>
+          </a:fontRef>
+        </p:style>
+        <p:txBody>
+          <a:bodyPr rtlCol="0" anchor="ctr"/>
+          <a:lstStyle/>
+          <a:p>
+            <a:pPr algn="ctr"/>
+            <a:r>
+              <a:rPr lang="en-US" sz="1600" dirty="0">
+                <a:solidFill>
+                  <a:srgbClr val="FFFF66"/>
+                </a:solidFill>
+              </a:rPr>
+              <a:t>Threshold</a:t>
+            </a:r>
+          </a:p>
+        </p:txBody>
+      </p:sp>
+      <p:cxnSp>
+        <p:nvCxnSpPr>
+          <p:cNvPr id="105" name="Straight Arrow Connector 104">
+            <a:extLst>
+              <a:ext uri="{FF2B5EF4-FFF2-40B4-BE49-F238E27FC236}">
+                <a16:creationId xmlns:a16="http://schemas.microsoft.com/office/drawing/2014/main" id="{F5E88F2D-ED0C-4CB9-9A1C-8DD160B5983F}"/>
+              </a:ext>
+            </a:extLst>
+          </p:cNvPr>
+          <p:cNvCxnSpPr>
+            <a:cxnSpLocks/>
+            <a:stCxn id="16" idx="2"/>
+            <a:endCxn id="86" idx="0"/>
+          </p:cNvCxnSpPr>
+          <p:nvPr/>
+        </p:nvCxnSpPr>
+        <p:spPr>
+          <a:xfrm>
+            <a:off x="2931257" y="5062937"/>
+            <a:ext cx="0" cy="266787"/>
+          </a:xfrm>
+          <a:prstGeom prst="straightConnector1">
+            <a:avLst/>
+          </a:prstGeom>
+          <a:ln>
+            <a:tailEnd type="triangle"/>
+          </a:ln>
+        </p:spPr>
+        <p:style>
+          <a:lnRef idx="1">
+            <a:schemeClr val="accent1"/>
+          </a:lnRef>
+          <a:fillRef idx="0">
+            <a:schemeClr val="accent1"/>
+          </a:fillRef>
+          <a:effectRef idx="0">
+            <a:schemeClr val="accent1"/>
+          </a:effectRef>
+          <a:fontRef idx="minor">
+            <a:schemeClr val="tx1"/>
+          </a:fontRef>
+        </p:style>
+      </p:cxnSp>
+      <p:sp>
+        <p:nvSpPr>
+          <p:cNvPr id="114" name="Rectangle: Rounded Corners 113">
+            <a:extLst>
+              <a:ext uri="{FF2B5EF4-FFF2-40B4-BE49-F238E27FC236}">
+                <a16:creationId xmlns:a16="http://schemas.microsoft.com/office/drawing/2014/main" id="{F36A6003-5430-4FB7-A82E-B8823AD45F4B}"/>
+              </a:ext>
+            </a:extLst>
+          </p:cNvPr>
+          <p:cNvSpPr/>
+          <p:nvPr/>
+        </p:nvSpPr>
+        <p:spPr>
+          <a:xfrm>
+            <a:off x="7804294" y="4918513"/>
+            <a:ext cx="1104691" cy="362779"/>
+          </a:xfrm>
+          <a:prstGeom prst="roundRect">
+            <a:avLst/>
+          </a:prstGeom>
+          <a:solidFill>
+            <a:srgbClr val="65C967"/>
+          </a:solidFill>
+        </p:spPr>
+        <p:style>
+          <a:lnRef idx="2">
+            <a:schemeClr val="accent1">
+              <a:shade val="50000"/>
+            </a:schemeClr>
+          </a:lnRef>
+          <a:fillRef idx="1">
+            <a:schemeClr val="accent1"/>
+          </a:fillRef>
+          <a:effectRef idx="0">
+            <a:schemeClr val="accent1"/>
+          </a:effectRef>
+          <a:fontRef idx="minor">
+            <a:schemeClr val="lt1"/>
+          </a:fontRef>
+        </p:style>
+        <p:txBody>
+          <a:bodyPr rtlCol="0" anchor="ctr"/>
+          <a:lstStyle/>
+          <a:p>
+            <a:pPr algn="ctr"/>
+            <a:r>
+              <a:rPr lang="en-US" sz="1000" dirty="0"/>
+              <a:t>Objective 1</a:t>
+            </a:r>
+          </a:p>
+        </p:txBody>
+      </p:sp>
+      <p:sp>
+        <p:nvSpPr>
+          <p:cNvPr id="126" name="Rectangle: Rounded Corners 125">
+            <a:extLst>
+              <a:ext uri="{FF2B5EF4-FFF2-40B4-BE49-F238E27FC236}">
+                <a16:creationId xmlns:a16="http://schemas.microsoft.com/office/drawing/2014/main" id="{01EB46E5-0462-4A3F-A60E-723F70469247}"/>
+              </a:ext>
+            </a:extLst>
+          </p:cNvPr>
+          <p:cNvSpPr/>
+          <p:nvPr/>
+        </p:nvSpPr>
+        <p:spPr>
+          <a:xfrm>
+            <a:off x="5062011" y="4907225"/>
+            <a:ext cx="1104691" cy="362779"/>
+          </a:xfrm>
+          <a:prstGeom prst="roundRect">
+            <a:avLst/>
+          </a:prstGeom>
+          <a:solidFill>
+            <a:srgbClr val="65C967"/>
+          </a:solidFill>
+        </p:spPr>
+        <p:style>
+          <a:lnRef idx="2">
+            <a:schemeClr val="accent1">
+              <a:shade val="50000"/>
+            </a:schemeClr>
+          </a:lnRef>
+          <a:fillRef idx="1">
+            <a:schemeClr val="accent1"/>
+          </a:fillRef>
+          <a:effectRef idx="0">
+            <a:schemeClr val="accent1"/>
+          </a:effectRef>
+          <a:fontRef idx="minor">
+            <a:schemeClr val="lt1"/>
+          </a:fontRef>
+        </p:style>
+        <p:txBody>
+          <a:bodyPr rtlCol="0" anchor="ctr"/>
+          <a:lstStyle/>
+          <a:p>
+            <a:pPr algn="ctr"/>
+            <a:r>
+              <a:rPr lang="en-US" sz="1000" dirty="0"/>
+              <a:t>Objective 2</a:t>
+            </a:r>
+          </a:p>
+        </p:txBody>
+      </p:sp>
+      <p:cxnSp>
+        <p:nvCxnSpPr>
+          <p:cNvPr id="121" name="Connector: Elbow 120">
+            <a:extLst>
+              <a:ext uri="{FF2B5EF4-FFF2-40B4-BE49-F238E27FC236}">
+                <a16:creationId xmlns:a16="http://schemas.microsoft.com/office/drawing/2014/main" id="{D375C40C-8FC1-4F75-8C38-61DBB17A61EA}"/>
+              </a:ext>
+            </a:extLst>
+          </p:cNvPr>
+          <p:cNvCxnSpPr>
+            <a:cxnSpLocks/>
+            <a:stCxn id="120" idx="0"/>
+            <a:endCxn id="126" idx="1"/>
+          </p:cNvCxnSpPr>
+          <p:nvPr/>
+        </p:nvCxnSpPr>
+        <p:spPr>
+          <a:xfrm rot="5400000" flipH="1" flipV="1">
+            <a:off x="4554566" y="5025296"/>
+            <a:ext cx="444125" cy="570765"/>
+          </a:xfrm>
+          <a:prstGeom prst="bentConnector2">
+            <a:avLst/>
+          </a:prstGeom>
+          <a:ln>
+            <a:prstDash val="dash"/>
+            <a:tailEnd type="triangle"/>
+          </a:ln>
+        </p:spPr>
+        <p:style>
+          <a:lnRef idx="1">
+            <a:schemeClr val="accent1"/>
+          </a:lnRef>
+          <a:fillRef idx="0">
+            <a:schemeClr val="accent1"/>
+          </a:fillRef>
+          <a:effectRef idx="0">
+            <a:schemeClr val="accent1"/>
+          </a:effectRef>
+          <a:fontRef idx="minor">
+            <a:schemeClr val="tx1"/>
+          </a:fontRef>
+        </p:style>
+      </p:cxnSp>
+      <p:cxnSp>
+        <p:nvCxnSpPr>
+          <p:cNvPr id="129" name="Straight Arrow Connector 128">
+            <a:extLst>
+              <a:ext uri="{FF2B5EF4-FFF2-40B4-BE49-F238E27FC236}">
+                <a16:creationId xmlns:a16="http://schemas.microsoft.com/office/drawing/2014/main" id="{33D963F2-0DD1-40F4-920B-D64BA69D77DA}"/>
+              </a:ext>
+            </a:extLst>
+          </p:cNvPr>
+          <p:cNvCxnSpPr>
+            <a:cxnSpLocks/>
+            <a:endCxn id="114" idx="1"/>
+          </p:cNvCxnSpPr>
+          <p:nvPr/>
+        </p:nvCxnSpPr>
+        <p:spPr>
+          <a:xfrm>
+            <a:off x="7314911" y="5074225"/>
+            <a:ext cx="489383" cy="0"/>
+          </a:xfrm>
+          <a:prstGeom prst="straightConnector1">
+            <a:avLst/>
+          </a:prstGeom>
+          <a:ln>
+            <a:prstDash val="dashDot"/>
             <a:tailEnd type="triangle"/>
           </a:ln>
         </p:spPr>
@@ -18881,16 +19843,20 @@
           </p:cNvPr>
           <p:cNvCxnSpPr>
             <a:cxnSpLocks/>
+            <a:endCxn id="8" idx="0"/>
           </p:cNvCxnSpPr>
           <p:nvPr/>
         </p:nvCxnSpPr>
         <p:spPr>
-          <a:xfrm rot="16200000" flipH="1">
-            <a:off x="6465348" y="5463909"/>
-            <a:ext cx="337468" cy="743050"/>
+          <a:xfrm flipV="1">
+            <a:off x="6040621" y="5416334"/>
+            <a:ext cx="1448159" cy="196352"/>
           </a:xfrm>
-          <a:prstGeom prst="bentConnector2">
-            <a:avLst/>
+          <a:prstGeom prst="bentConnector4">
+            <a:avLst>
+              <a:gd name="adj1" fmla="val 33318"/>
+              <a:gd name="adj2" fmla="val 162435"/>
+            </a:avLst>
           </a:prstGeom>
           <a:ln>
             <a:solidFill>
@@ -19654,41 +20620,6 @@
       </p:cxnSp>
       <p:pic>
         <p:nvPicPr>
-          <p:cNvPr id="103" name="Picture 102">
-            <a:extLst>
-              <a:ext uri="{FF2B5EF4-FFF2-40B4-BE49-F238E27FC236}">
-                <a16:creationId xmlns:a16="http://schemas.microsoft.com/office/drawing/2014/main" id="{83DFBEC4-02B0-4EE5-BF4D-61251ABC0ED9}"/>
-              </a:ext>
-            </a:extLst>
-          </p:cNvPr>
-          <p:cNvPicPr>
-            <a:picLocks noChangeAspect="1"/>
-          </p:cNvPicPr>
-          <p:nvPr/>
-        </p:nvPicPr>
-        <p:blipFill rotWithShape="1">
-          <a:blip r:embed="rId6" cstate="print">
-            <a:extLst>
-              <a:ext uri="{28A0092B-C50C-407E-A947-70E740481C1C}">
-                <a14:useLocalDpi xmlns:a14="http://schemas.microsoft.com/office/drawing/2010/main" val="0"/>
-              </a:ext>
-            </a:extLst>
-          </a:blip>
-          <a:srcRect b="16891"/>
-          <a:stretch/>
-        </p:blipFill>
-        <p:spPr>
-          <a:xfrm>
-            <a:off x="5984848" y="5389089"/>
-            <a:ext cx="555414" cy="493508"/>
-          </a:xfrm>
-          <a:prstGeom prst="rect">
-            <a:avLst/>
-          </a:prstGeom>
-        </p:spPr>
-      </p:pic>
-      <p:pic>
-        <p:nvPicPr>
           <p:cNvPr id="105" name="Picture 104">
             <a:extLst>
               <a:ext uri="{FF2B5EF4-FFF2-40B4-BE49-F238E27FC236}">
@@ -19702,7 +20633,7 @@
           <p:nvPr/>
         </p:nvPicPr>
         <p:blipFill>
-          <a:blip r:embed="rId7" cstate="print">
+          <a:blip r:embed="rId6" cstate="print">
             <a:extLst>
               <a:ext uri="{28A0092B-C50C-407E-A947-70E740481C1C}">
                 <a14:useLocalDpi xmlns:a14="http://schemas.microsoft.com/office/drawing/2010/main" val="0"/>
@@ -19833,14 +20764,12 @@
               </a:ext>
             </a:extLst>
           </p:cNvPr>
-          <p:cNvCxnSpPr>
-            <a:stCxn id="103" idx="0"/>
-          </p:cNvCxnSpPr>
+          <p:cNvCxnSpPr/>
           <p:nvPr/>
         </p:nvCxnSpPr>
         <p:spPr bwMode="auto">
           <a:xfrm flipH="1" flipV="1">
-            <a:off x="6236797" y="5198859"/>
+            <a:off x="5724128" y="5203127"/>
             <a:ext cx="0" cy="190230"/>
           </a:xfrm>
           <a:prstGeom prst="line">
@@ -20107,6 +21036,145 @@
           </a:p>
         </p:txBody>
       </p:sp>
+      <p:sp>
+        <p:nvSpPr>
+          <p:cNvPr id="26" name="Rectangle: Rounded Corners 25">
+            <a:extLst>
+              <a:ext uri="{FF2B5EF4-FFF2-40B4-BE49-F238E27FC236}">
+                <a16:creationId xmlns:a16="http://schemas.microsoft.com/office/drawing/2014/main" id="{0CD2CFFE-4AC6-4809-8D9A-033EF8CCF51B}"/>
+              </a:ext>
+            </a:extLst>
+          </p:cNvPr>
+          <p:cNvSpPr/>
+          <p:nvPr/>
+        </p:nvSpPr>
+        <p:spPr>
+          <a:xfrm>
+            <a:off x="8102942" y="6381328"/>
+            <a:ext cx="966344" cy="308184"/>
+          </a:xfrm>
+          <a:prstGeom prst="roundRect">
+            <a:avLst/>
+          </a:prstGeom>
+          <a:solidFill>
+            <a:srgbClr val="65C967"/>
+          </a:solidFill>
+        </p:spPr>
+        <p:style>
+          <a:lnRef idx="2">
+            <a:schemeClr val="accent1">
+              <a:shade val="50000"/>
+            </a:schemeClr>
+          </a:lnRef>
+          <a:fillRef idx="1">
+            <a:schemeClr val="accent1"/>
+          </a:fillRef>
+          <a:effectRef idx="0">
+            <a:schemeClr val="accent1"/>
+          </a:effectRef>
+          <a:fontRef idx="minor">
+            <a:schemeClr val="lt1"/>
+          </a:fontRef>
+        </p:style>
+        <p:txBody>
+          <a:bodyPr rtlCol="0" anchor="ctr"/>
+          <a:lstStyle/>
+          <a:p>
+            <a:pPr algn="ctr"/>
+            <a:r>
+              <a:rPr lang="en-US" sz="1000" dirty="0"/>
+              <a:t>Objective 3</a:t>
+            </a:r>
+          </a:p>
+        </p:txBody>
+      </p:sp>
+      <p:pic>
+        <p:nvPicPr>
+          <p:cNvPr id="34" name="Picture 33">
+            <a:extLst>
+              <a:ext uri="{FF2B5EF4-FFF2-40B4-BE49-F238E27FC236}">
+                <a16:creationId xmlns:a16="http://schemas.microsoft.com/office/drawing/2014/main" id="{C8CF7418-F68C-4027-90F3-3F54FCAFBA9F}"/>
+              </a:ext>
+            </a:extLst>
+          </p:cNvPr>
+          <p:cNvPicPr>
+            <a:picLocks noChangeAspect="1"/>
+          </p:cNvPicPr>
+          <p:nvPr/>
+        </p:nvPicPr>
+        <p:blipFill rotWithShape="1">
+          <a:blip r:embed="rId7" cstate="print">
+            <a:extLst>
+              <a:ext uri="{28A0092B-C50C-407E-A947-70E740481C1C}">
+                <a14:useLocalDpi xmlns:a14="http://schemas.microsoft.com/office/drawing/2010/main" val="0"/>
+              </a:ext>
+            </a:extLst>
+          </a:blip>
+          <a:srcRect b="16891"/>
+          <a:stretch/>
+        </p:blipFill>
+        <p:spPr>
+          <a:xfrm>
+            <a:off x="5485207" y="5365932"/>
+            <a:ext cx="555414" cy="493508"/>
+          </a:xfrm>
+          <a:prstGeom prst="rect">
+            <a:avLst/>
+          </a:prstGeom>
+        </p:spPr>
+      </p:pic>
+      <p:cxnSp>
+        <p:nvCxnSpPr>
+          <p:cNvPr id="18" name="Connector: Elbow 17">
+            <a:extLst>
+              <a:ext uri="{FF2B5EF4-FFF2-40B4-BE49-F238E27FC236}">
+                <a16:creationId xmlns:a16="http://schemas.microsoft.com/office/drawing/2014/main" id="{90B6814F-2D47-4B5A-B5FB-185E2C929D44}"/>
+              </a:ext>
+            </a:extLst>
+          </p:cNvPr>
+          <p:cNvCxnSpPr>
+            <a:stCxn id="8" idx="3"/>
+            <a:endCxn id="26" idx="0"/>
+          </p:cNvCxnSpPr>
+          <p:nvPr/>
+        </p:nvCxnSpPr>
+        <p:spPr bwMode="auto">
+          <a:xfrm>
+            <a:off x="7971952" y="5835434"/>
+            <a:ext cx="614162" cy="545894"/>
+          </a:xfrm>
+          <a:prstGeom prst="bentConnector2">
+            <a:avLst/>
+          </a:prstGeom>
+          <a:solidFill>
+            <a:schemeClr val="accent2"/>
+          </a:solidFill>
+          <a:ln w="9525" cap="flat" cmpd="sng" algn="ctr">
+            <a:solidFill>
+              <a:schemeClr val="accent1">
+                <a:lumMod val="60000"/>
+                <a:lumOff val="40000"/>
+              </a:schemeClr>
+            </a:solidFill>
+            <a:prstDash val="sysDash"/>
+            <a:round/>
+            <a:headEnd type="none" w="med" len="med"/>
+            <a:tailEnd type="triangle"/>
+          </a:ln>
+          <a:effectLst/>
+          <a:extLst>
+            <a:ext uri="{AF507438-7753-43E0-B8FC-AC1667EBCBE1}">
+              <a14:hiddenEffects xmlns:a14="http://schemas.microsoft.com/office/drawing/2010/main">
+                <a:effectLst>
+                  <a:outerShdw dist="35921" dir="2700000" algn="ctr" rotWithShape="0">
+                    <a:schemeClr val="bg2"/>
+                  </a:outerShdw>
+                </a:effectLst>
+              </a14:hiddenEffects>
+            </a:ext>
+          </a:extLst>
+        </p:spPr>
+      </p:cxnSp>
     </p:spTree>
     <p:extLst>
       <p:ext uri="{BB962C8B-B14F-4D97-AF65-F5344CB8AC3E}">

--- a/Dr. E Nduati, Superviser/Submissions/ENC222-0149_2017_OKOMO_JACOB_OKELLO_V3.pptx
+++ b/Dr. E Nduati, Superviser/Submissions/ENC222-0149_2017_OKOMO_JACOB_OKELLO_V3.pptx
@@ -2937,7 +2937,7 @@
                 <a:ea typeface="Verdana" panose="020B0604030504040204" pitchFamily="34" charset="0"/>
                 <a:cs typeface="Verdana" panose="020B0604030504040204" pitchFamily="34" charset="0"/>
               </a:rPr>
-              <a:t>10-Aug-21</a:t>
+              <a:t>24-Sep-21</a:t>
             </a:fld>
             <a:endParaRPr lang="de-DE" sz="1000" dirty="0">
               <a:solidFill>
@@ -5027,7 +5027,7 @@
           <a:p>
             <a:fld id="{440D235E-7DEE-46BF-B2F8-FEE76BCCEBEE}" type="datetimeFigureOut">
               <a:rPr lang="en-US" smtClean="0"/>
-              <a:t>8/10/2021</a:t>
+              <a:t>9/24/2021</a:t>
             </a:fld>
             <a:endParaRPr lang="en-US"/>
           </a:p>
@@ -5225,7 +5225,7 @@
           <a:p>
             <a:fld id="{440D235E-7DEE-46BF-B2F8-FEE76BCCEBEE}" type="datetimeFigureOut">
               <a:rPr lang="en-US" smtClean="0"/>
-              <a:t>8/10/2021</a:t>
+              <a:t>9/24/2021</a:t>
             </a:fld>
             <a:endParaRPr lang="en-US"/>
           </a:p>
@@ -5500,7 +5500,7 @@
           <a:p>
             <a:fld id="{440D235E-7DEE-46BF-B2F8-FEE76BCCEBEE}" type="datetimeFigureOut">
               <a:rPr lang="en-US" smtClean="0"/>
-              <a:t>8/10/2021</a:t>
+              <a:t>9/24/2021</a:t>
             </a:fld>
             <a:endParaRPr lang="en-US"/>
           </a:p>
@@ -5932,7 +5932,7 @@
           <a:p>
             <a:fld id="{440D235E-7DEE-46BF-B2F8-FEE76BCCEBEE}" type="datetimeFigureOut">
               <a:rPr lang="en-US" smtClean="0"/>
-              <a:t>8/10/2021</a:t>
+              <a:t>9/24/2021</a:t>
             </a:fld>
             <a:endParaRPr lang="en-US"/>
           </a:p>
@@ -6344,7 +6344,7 @@
           <a:p>
             <a:fld id="{440D235E-7DEE-46BF-B2F8-FEE76BCCEBEE}" type="datetimeFigureOut">
               <a:rPr lang="en-US" smtClean="0"/>
-              <a:t>8/10/2021</a:t>
+              <a:t>9/24/2021</a:t>
             </a:fld>
             <a:endParaRPr lang="en-US"/>
           </a:p>
@@ -6485,7 +6485,7 @@
           <a:p>
             <a:fld id="{440D235E-7DEE-46BF-B2F8-FEE76BCCEBEE}" type="datetimeFigureOut">
               <a:rPr lang="en-US" smtClean="0"/>
-              <a:t>8/10/2021</a:t>
+              <a:t>9/24/2021</a:t>
             </a:fld>
             <a:endParaRPr lang="en-US"/>
           </a:p>
@@ -6598,7 +6598,7 @@
           <a:p>
             <a:fld id="{440D235E-7DEE-46BF-B2F8-FEE76BCCEBEE}" type="datetimeFigureOut">
               <a:rPr lang="en-US" smtClean="0"/>
-              <a:t>8/10/2021</a:t>
+              <a:t>9/24/2021</a:t>
             </a:fld>
             <a:endParaRPr lang="en-US"/>
           </a:p>
@@ -6909,7 +6909,7 @@
           <a:p>
             <a:fld id="{440D235E-7DEE-46BF-B2F8-FEE76BCCEBEE}" type="datetimeFigureOut">
               <a:rPr lang="en-US" smtClean="0"/>
-              <a:t>8/10/2021</a:t>
+              <a:t>9/24/2021</a:t>
             </a:fld>
             <a:endParaRPr lang="en-US"/>
           </a:p>
@@ -7197,7 +7197,7 @@
           <a:p>
             <a:fld id="{440D235E-7DEE-46BF-B2F8-FEE76BCCEBEE}" type="datetimeFigureOut">
               <a:rPr lang="en-US" smtClean="0"/>
-              <a:t>8/10/2021</a:t>
+              <a:t>9/24/2021</a:t>
             </a:fld>
             <a:endParaRPr lang="en-US"/>
           </a:p>
@@ -7395,7 +7395,7 @@
           <a:p>
             <a:fld id="{440D235E-7DEE-46BF-B2F8-FEE76BCCEBEE}" type="datetimeFigureOut">
               <a:rPr lang="en-US" smtClean="0"/>
-              <a:t>8/10/2021</a:t>
+              <a:t>9/24/2021</a:t>
             </a:fld>
             <a:endParaRPr lang="en-US"/>
           </a:p>
@@ -7603,7 +7603,7 @@
           <a:p>
             <a:fld id="{440D235E-7DEE-46BF-B2F8-FEE76BCCEBEE}" type="datetimeFigureOut">
               <a:rPr lang="en-US" smtClean="0"/>
-              <a:t>8/10/2021</a:t>
+              <a:t>9/24/2021</a:t>
             </a:fld>
             <a:endParaRPr lang="en-US"/>
           </a:p>
@@ -10345,7 +10345,7 @@
           <a:p>
             <a:fld id="{440D235E-7DEE-46BF-B2F8-FEE76BCCEBEE}" type="datetimeFigureOut">
               <a:rPr lang="en-US" smtClean="0"/>
-              <a:t>8/10/2021</a:t>
+              <a:t>9/24/2021</a:t>
             </a:fld>
             <a:endParaRPr lang="en-US"/>
           </a:p>

--- a/Dr. E Nduati, Superviser/Submissions/ENC222-0149_2017_OKOMO_JACOB_OKELLO_V3.pptx
+++ b/Dr. E Nduati, Superviser/Submissions/ENC222-0149_2017_OKOMO_JACOB_OKELLO_V3.pptx
@@ -2937,7 +2937,7 @@
                 <a:ea typeface="Verdana" panose="020B0604030504040204" pitchFamily="34" charset="0"/>
                 <a:cs typeface="Verdana" panose="020B0604030504040204" pitchFamily="34" charset="0"/>
               </a:rPr>
-              <a:t>24-Sep-21</a:t>
+              <a:t>27-Sep-21</a:t>
             </a:fld>
             <a:endParaRPr lang="de-DE" sz="1000" dirty="0">
               <a:solidFill>
@@ -5027,7 +5027,7 @@
           <a:p>
             <a:fld id="{440D235E-7DEE-46BF-B2F8-FEE76BCCEBEE}" type="datetimeFigureOut">
               <a:rPr lang="en-US" smtClean="0"/>
-              <a:t>9/24/2021</a:t>
+              <a:t>9/27/2021</a:t>
             </a:fld>
             <a:endParaRPr lang="en-US"/>
           </a:p>
@@ -5225,7 +5225,7 @@
           <a:p>
             <a:fld id="{440D235E-7DEE-46BF-B2F8-FEE76BCCEBEE}" type="datetimeFigureOut">
               <a:rPr lang="en-US" smtClean="0"/>
-              <a:t>9/24/2021</a:t>
+              <a:t>9/27/2021</a:t>
             </a:fld>
             <a:endParaRPr lang="en-US"/>
           </a:p>
@@ -5500,7 +5500,7 @@
           <a:p>
             <a:fld id="{440D235E-7DEE-46BF-B2F8-FEE76BCCEBEE}" type="datetimeFigureOut">
               <a:rPr lang="en-US" smtClean="0"/>
-              <a:t>9/24/2021</a:t>
+              <a:t>9/27/2021</a:t>
             </a:fld>
             <a:endParaRPr lang="en-US"/>
           </a:p>
@@ -5932,7 +5932,7 @@
           <a:p>
             <a:fld id="{440D235E-7DEE-46BF-B2F8-FEE76BCCEBEE}" type="datetimeFigureOut">
               <a:rPr lang="en-US" smtClean="0"/>
-              <a:t>9/24/2021</a:t>
+              <a:t>9/27/2021</a:t>
             </a:fld>
             <a:endParaRPr lang="en-US"/>
           </a:p>
@@ -6344,7 +6344,7 @@
           <a:p>
             <a:fld id="{440D235E-7DEE-46BF-B2F8-FEE76BCCEBEE}" type="datetimeFigureOut">
               <a:rPr lang="en-US" smtClean="0"/>
-              <a:t>9/24/2021</a:t>
+              <a:t>9/27/2021</a:t>
             </a:fld>
             <a:endParaRPr lang="en-US"/>
           </a:p>
@@ -6485,7 +6485,7 @@
           <a:p>
             <a:fld id="{440D235E-7DEE-46BF-B2F8-FEE76BCCEBEE}" type="datetimeFigureOut">
               <a:rPr lang="en-US" smtClean="0"/>
-              <a:t>9/24/2021</a:t>
+              <a:t>9/27/2021</a:t>
             </a:fld>
             <a:endParaRPr lang="en-US"/>
           </a:p>
@@ -6598,7 +6598,7 @@
           <a:p>
             <a:fld id="{440D235E-7DEE-46BF-B2F8-FEE76BCCEBEE}" type="datetimeFigureOut">
               <a:rPr lang="en-US" smtClean="0"/>
-              <a:t>9/24/2021</a:t>
+              <a:t>9/27/2021</a:t>
             </a:fld>
             <a:endParaRPr lang="en-US"/>
           </a:p>
@@ -6909,7 +6909,7 @@
           <a:p>
             <a:fld id="{440D235E-7DEE-46BF-B2F8-FEE76BCCEBEE}" type="datetimeFigureOut">
               <a:rPr lang="en-US" smtClean="0"/>
-              <a:t>9/24/2021</a:t>
+              <a:t>9/27/2021</a:t>
             </a:fld>
             <a:endParaRPr lang="en-US"/>
           </a:p>
@@ -7197,7 +7197,7 @@
           <a:p>
             <a:fld id="{440D235E-7DEE-46BF-B2F8-FEE76BCCEBEE}" type="datetimeFigureOut">
               <a:rPr lang="en-US" smtClean="0"/>
-              <a:t>9/24/2021</a:t>
+              <a:t>9/27/2021</a:t>
             </a:fld>
             <a:endParaRPr lang="en-US"/>
           </a:p>
@@ -7395,7 +7395,7 @@
           <a:p>
             <a:fld id="{440D235E-7DEE-46BF-B2F8-FEE76BCCEBEE}" type="datetimeFigureOut">
               <a:rPr lang="en-US" smtClean="0"/>
-              <a:t>9/24/2021</a:t>
+              <a:t>9/27/2021</a:t>
             </a:fld>
             <a:endParaRPr lang="en-US"/>
           </a:p>
@@ -7603,7 +7603,7 @@
           <a:p>
             <a:fld id="{440D235E-7DEE-46BF-B2F8-FEE76BCCEBEE}" type="datetimeFigureOut">
               <a:rPr lang="en-US" smtClean="0"/>
-              <a:t>9/24/2021</a:t>
+              <a:t>9/27/2021</a:t>
             </a:fld>
             <a:endParaRPr lang="en-US"/>
           </a:p>
@@ -10345,7 +10345,7 @@
           <a:p>
             <a:fld id="{440D235E-7DEE-46BF-B2F8-FEE76BCCEBEE}" type="datetimeFigureOut">
               <a:rPr lang="en-US" smtClean="0"/>
-              <a:t>9/24/2021</a:t>
+              <a:t>9/27/2021</a:t>
             </a:fld>
             <a:endParaRPr lang="en-US"/>
           </a:p>
@@ -17124,7 +17124,7 @@
                 <a:ea typeface="Calibri" panose="020F0502020204030204" pitchFamily="34" charset="0"/>
                 <a:cs typeface="Times New Roman" panose="02020603050405020304" pitchFamily="18" charset="0"/>
               </a:rPr>
-              <a:t>Estimate Lake Surface Water Temp (LSWT) </a:t>
+              <a:t>Estimate Lake Surface Air Temp (LSAT) </a:t>
             </a:r>
           </a:p>
         </p:txBody>
@@ -18143,105 +18143,6 @@
       </p:cxnSp>
       <p:sp>
         <p:nvSpPr>
-          <p:cNvPr id="80" name="Flowchart: Predefined Process 79">
-            <a:extLst>
-              <a:ext uri="{FF2B5EF4-FFF2-40B4-BE49-F238E27FC236}">
-                <a16:creationId xmlns:a16="http://schemas.microsoft.com/office/drawing/2014/main" id="{E6B97B55-4F68-4472-B159-F38E16978B92}"/>
-              </a:ext>
-            </a:extLst>
-          </p:cNvPr>
-          <p:cNvSpPr/>
-          <p:nvPr/>
-        </p:nvSpPr>
-        <p:spPr>
-          <a:xfrm>
-            <a:off x="7215158" y="1054079"/>
-            <a:ext cx="1693690" cy="485891"/>
-          </a:xfrm>
-          <a:prstGeom prst="flowChartPredefinedProcess">
-            <a:avLst/>
-          </a:prstGeom>
-          <a:solidFill>
-            <a:schemeClr val="accent1">
-              <a:lumMod val="20000"/>
-              <a:lumOff val="80000"/>
-            </a:schemeClr>
-          </a:solidFill>
-        </p:spPr>
-        <p:style>
-          <a:lnRef idx="2">
-            <a:schemeClr val="accent6"/>
-          </a:lnRef>
-          <a:fillRef idx="1">
-            <a:schemeClr val="lt1"/>
-          </a:fillRef>
-          <a:effectRef idx="0">
-            <a:schemeClr val="accent6"/>
-          </a:effectRef>
-          <a:fontRef idx="minor">
-            <a:schemeClr val="dk1"/>
-          </a:fontRef>
-        </p:style>
-        <p:txBody>
-          <a:bodyPr rtlCol="0" anchor="ctr"/>
-          <a:lstStyle/>
-          <a:p>
-            <a:pPr algn="ctr"/>
-            <a:r>
-              <a:rPr lang="en-US" sz="1100" b="1" dirty="0">
-                <a:latin typeface="Verdana" panose="020B0604030504040204" pitchFamily="34" charset="0"/>
-                <a:ea typeface="Verdana" panose="020B0604030504040204" pitchFamily="34" charset="0"/>
-              </a:rPr>
-              <a:t>Geometric Corrections</a:t>
-            </a:r>
-          </a:p>
-        </p:txBody>
-      </p:sp>
-      <p:cxnSp>
-        <p:nvCxnSpPr>
-          <p:cNvPr id="87" name="Connector: Elbow 86">
-            <a:extLst>
-              <a:ext uri="{FF2B5EF4-FFF2-40B4-BE49-F238E27FC236}">
-                <a16:creationId xmlns:a16="http://schemas.microsoft.com/office/drawing/2014/main" id="{7FF90A85-13A2-49AB-8C51-BF37996F533C}"/>
-              </a:ext>
-            </a:extLst>
-          </p:cNvPr>
-          <p:cNvCxnSpPr>
-            <a:cxnSpLocks/>
-          </p:cNvCxnSpPr>
-          <p:nvPr/>
-        </p:nvCxnSpPr>
-        <p:spPr>
-          <a:xfrm>
-            <a:off x="4811254" y="2767039"/>
-            <a:ext cx="2478734" cy="1263451"/>
-          </a:xfrm>
-          <a:prstGeom prst="bentConnector3">
-            <a:avLst>
-              <a:gd name="adj1" fmla="val 50000"/>
-            </a:avLst>
-          </a:prstGeom>
-          <a:ln>
-            <a:tailEnd type="triangle"/>
-          </a:ln>
-        </p:spPr>
-        <p:style>
-          <a:lnRef idx="1">
-            <a:schemeClr val="accent1"/>
-          </a:lnRef>
-          <a:fillRef idx="0">
-            <a:schemeClr val="accent1"/>
-          </a:fillRef>
-          <a:effectRef idx="0">
-            <a:schemeClr val="accent1"/>
-          </a:effectRef>
-          <a:fontRef idx="minor">
-            <a:schemeClr val="tx1"/>
-          </a:fontRef>
-        </p:style>
-      </p:cxnSp>
-      <p:sp>
-        <p:nvSpPr>
           <p:cNvPr id="88" name="Rectangle 87">
             <a:extLst>
               <a:ext uri="{FF2B5EF4-FFF2-40B4-BE49-F238E27FC236}">
@@ -18401,7 +18302,7 @@
         </p:nvSpPr>
         <p:spPr>
           <a:xfrm>
-            <a:off x="7215158" y="296409"/>
+            <a:off x="7118339" y="464863"/>
             <a:ext cx="1693690" cy="485891"/>
           </a:xfrm>
           <a:prstGeom prst="flowChartPredefinedProcess">
@@ -18454,63 +18355,22 @@
           </p:cNvPr>
           <p:cNvCxnSpPr>
             <a:cxnSpLocks/>
-          </p:cNvCxnSpPr>
-          <p:nvPr/>
-        </p:nvCxnSpPr>
-        <p:spPr>
-          <a:xfrm rot="10800000">
-            <a:off x="6093242" y="1167451"/>
-            <a:ext cx="1121916" cy="129574"/>
-          </a:xfrm>
-          <a:prstGeom prst="bentConnector4">
-            <a:avLst>
-              <a:gd name="adj1" fmla="val 44515"/>
-              <a:gd name="adj2" fmla="val 236667"/>
-            </a:avLst>
-          </a:prstGeom>
-          <a:ln>
-            <a:tailEnd type="triangle"/>
-          </a:ln>
-        </p:spPr>
-        <p:style>
-          <a:lnRef idx="1">
-            <a:schemeClr val="accent1"/>
-          </a:lnRef>
-          <a:fillRef idx="0">
-            <a:schemeClr val="accent1"/>
-          </a:fillRef>
-          <a:effectRef idx="0">
-            <a:schemeClr val="accent1"/>
-          </a:effectRef>
-          <a:fontRef idx="minor">
-            <a:schemeClr val="tx1"/>
-          </a:fontRef>
-        </p:style>
-      </p:cxnSp>
-      <p:cxnSp>
-        <p:nvCxnSpPr>
-          <p:cNvPr id="104" name="Connector: Elbow 103">
-            <a:extLst>
-              <a:ext uri="{FF2B5EF4-FFF2-40B4-BE49-F238E27FC236}">
-                <a16:creationId xmlns:a16="http://schemas.microsoft.com/office/drawing/2014/main" id="{2E282FB1-B601-430F-87B6-7DA5B5D8B34C}"/>
-              </a:ext>
-            </a:extLst>
-          </p:cNvPr>
-          <p:cNvCxnSpPr>
-            <a:cxnSpLocks/>
+            <a:stCxn id="97" idx="1"/>
+            <a:endCxn id="54" idx="0"/>
           </p:cNvCxnSpPr>
           <p:nvPr/>
         </p:nvCxnSpPr>
         <p:spPr>
           <a:xfrm rot="10800000" flipV="1">
-            <a:off x="6654200" y="552694"/>
-            <a:ext cx="560958" cy="446301"/>
+            <a:off x="6093243" y="707809"/>
+            <a:ext cx="1025097" cy="459642"/>
           </a:xfrm>
-          <a:prstGeom prst="bentConnector3">
-            <a:avLst>
-              <a:gd name="adj1" fmla="val 89030"/>
-            </a:avLst>
+          <a:prstGeom prst="bentConnector2">
+            <a:avLst/>
           </a:prstGeom>
+          <a:ln>
+            <a:tailEnd type="triangle"/>
+          </a:ln>
         </p:spPr>
         <p:style>
           <a:lnRef idx="1">
@@ -18600,7 +18460,25 @@
                 <a:ea typeface="Calibri" panose="020F0502020204030204" pitchFamily="34" charset="0"/>
                 <a:cs typeface="Times New Roman" panose="02020603050405020304" pitchFamily="18" charset="0"/>
               </a:rPr>
-              <a:t>TOA DN to At-Sensor Radiance(Lλ)</a:t>
+              <a:t>TOA DN to At-Sensor Radiance(</a:t>
+            </a:r>
+            <a:r>
+              <a:rPr lang="en-US" sz="1000" b="1" i="1" dirty="0">
+                <a:effectLst/>
+                <a:latin typeface="Verdana" panose="020B0604030504040204" pitchFamily="34" charset="0"/>
+                <a:ea typeface="Calibri" panose="020F0502020204030204" pitchFamily="34" charset="0"/>
+                <a:cs typeface="Times New Roman" panose="02020603050405020304" pitchFamily="18" charset="0"/>
+              </a:rPr>
+              <a:t>Lλ</a:t>
+            </a:r>
+            <a:r>
+              <a:rPr lang="en-US" sz="1000" b="1" dirty="0">
+                <a:effectLst/>
+                <a:latin typeface="Verdana" panose="020B0604030504040204" pitchFamily="34" charset="0"/>
+                <a:ea typeface="Calibri" panose="020F0502020204030204" pitchFamily="34" charset="0"/>
+                <a:cs typeface="Times New Roman" panose="02020603050405020304" pitchFamily="18" charset="0"/>
+              </a:rPr>
+              <a:t>)</a:t>
             </a:r>
           </a:p>
         </p:txBody>
@@ -18619,8 +18497,8 @@
         </p:nvSpPr>
         <p:spPr>
           <a:xfrm>
-            <a:off x="7587578" y="4278995"/>
-            <a:ext cx="1424594" cy="436880"/>
+            <a:off x="7559602" y="4306410"/>
+            <a:ext cx="1321405" cy="393315"/>
           </a:xfrm>
           <a:prstGeom prst="flowChartDocument">
             <a:avLst/>
@@ -18658,7 +18536,7 @@
                 <a:latin typeface="Verdana" panose="020B0604030504040204" pitchFamily="34" charset="0"/>
                 <a:ea typeface="Verdana" panose="020B0604030504040204" pitchFamily="34" charset="0"/>
               </a:rPr>
-              <a:t>CDOM/In-situ</a:t>
+              <a:t>Validation</a:t>
             </a:r>
           </a:p>
         </p:txBody>
@@ -18832,7 +18710,7 @@
         </p:nvSpPr>
         <p:spPr>
           <a:xfrm>
-            <a:off x="6654200" y="2940384"/>
+            <a:off x="6610734" y="2939894"/>
             <a:ext cx="2094264" cy="598007"/>
           </a:xfrm>
           <a:prstGeom prst="flowChartPredefinedProcess">
@@ -18886,28 +18764,30 @@
             </a:pPr>
             <a:r>
               <a:rPr lang="en-US" sz="1050" b="1" dirty="0">
+                <a:latin typeface="Verdana" panose="020B0604030504040204" pitchFamily="34" charset="0"/>
+                <a:ea typeface="Calibri" panose="020F0502020204030204" pitchFamily="34" charset="0"/>
+                <a:cs typeface="Times New Roman" panose="02020603050405020304" pitchFamily="18" charset="0"/>
+              </a:rPr>
+              <a:t>Ocean Color </a:t>
+            </a:r>
+            <a:r>
+              <a:rPr lang="en-US" sz="1050" b="1" i="1" dirty="0">
                 <a:effectLst/>
                 <a:latin typeface="Verdana" panose="020B0604030504040204" pitchFamily="34" charset="0"/>
                 <a:ea typeface="Calibri" panose="020F0502020204030204" pitchFamily="34" charset="0"/>
                 <a:cs typeface="Times New Roman" panose="02020603050405020304" pitchFamily="18" charset="0"/>
               </a:rPr>
-              <a:t>Basic </a:t>
-            </a:r>
-            <a:r>
-              <a:rPr lang="en-US" sz="1050" b="1">
+              <a:t>Chl-a</a:t>
+            </a:r>
+            <a:r>
+              <a:rPr lang="en-US" sz="1050" b="1" dirty="0">
                 <a:effectLst/>
                 <a:latin typeface="Verdana" panose="020B0604030504040204" pitchFamily="34" charset="0"/>
                 <a:ea typeface="Calibri" panose="020F0502020204030204" pitchFamily="34" charset="0"/>
                 <a:cs typeface="Times New Roman" panose="02020603050405020304" pitchFamily="18" charset="0"/>
               </a:rPr>
-              <a:t>Chl-a algorithms</a:t>
-            </a:r>
-            <a:endParaRPr lang="en-US" sz="1050" b="1" dirty="0">
-              <a:effectLst/>
-              <a:latin typeface="Verdana" panose="020B0604030504040204" pitchFamily="34" charset="0"/>
-              <a:ea typeface="Calibri" panose="020F0502020204030204" pitchFamily="34" charset="0"/>
-              <a:cs typeface="Times New Roman" panose="02020603050405020304" pitchFamily="18" charset="0"/>
-            </a:endParaRPr>
+              <a:t> algorithms</a:t>
+            </a:r>
           </a:p>
         </p:txBody>
       </p:sp>
@@ -18929,8 +18809,8 @@
         </p:nvCxnSpPr>
         <p:spPr>
           <a:xfrm rot="16200000" flipH="1">
-            <a:off x="7090434" y="2329486"/>
-            <a:ext cx="497380" cy="724415"/>
+            <a:off x="7068946" y="2350974"/>
+            <a:ext cx="496890" cy="680949"/>
           </a:xfrm>
           <a:prstGeom prst="bentConnector3">
             <a:avLst/>
@@ -18970,7 +18850,7 @@
         </p:nvCxnSpPr>
         <p:spPr>
           <a:xfrm rot="5400000">
-            <a:off x="8024506" y="2121488"/>
+            <a:off x="7982068" y="2132691"/>
             <a:ext cx="234677" cy="896760"/>
           </a:xfrm>
           <a:prstGeom prst="bentConnector2">
@@ -19044,14 +18924,13 @@
           </p:cNvPr>
           <p:cNvCxnSpPr>
             <a:cxnSpLocks/>
-            <a:stCxn id="119" idx="1"/>
           </p:cNvCxnSpPr>
           <p:nvPr/>
         </p:nvCxnSpPr>
         <p:spPr>
-          <a:xfrm flipH="1" flipV="1">
-            <a:off x="7314911" y="4494226"/>
-            <a:ext cx="272667" cy="3209"/>
+          <a:xfrm flipH="1">
+            <a:off x="7289987" y="4462582"/>
+            <a:ext cx="272666" cy="18574"/>
           </a:xfrm>
           <a:prstGeom prst="straightConnector1">
             <a:avLst/>
@@ -19089,7 +18968,7 @@
         </p:nvSpPr>
         <p:spPr>
           <a:xfrm>
-            <a:off x="4934367" y="6308878"/>
+            <a:off x="3598171" y="6333003"/>
             <a:ext cx="1667666" cy="359386"/>
           </a:xfrm>
           <a:prstGeom prst="rect">
@@ -19147,49 +19026,6 @@
           </a:p>
         </p:txBody>
       </p:sp>
-      <p:cxnSp>
-        <p:nvCxnSpPr>
-          <p:cNvPr id="38" name="Connector: Elbow 37">
-            <a:extLst>
-              <a:ext uri="{FF2B5EF4-FFF2-40B4-BE49-F238E27FC236}">
-                <a16:creationId xmlns:a16="http://schemas.microsoft.com/office/drawing/2014/main" id="{09A68EB0-35E3-43A4-95D7-7AAEB133E69F}"/>
-              </a:ext>
-            </a:extLst>
-          </p:cNvPr>
-          <p:cNvCxnSpPr>
-            <a:cxnSpLocks/>
-            <a:stCxn id="64" idx="3"/>
-            <a:endCxn id="17" idx="2"/>
-          </p:cNvCxnSpPr>
-          <p:nvPr/>
-        </p:nvCxnSpPr>
-        <p:spPr>
-          <a:xfrm flipV="1">
-            <a:off x="6602033" y="5948682"/>
-            <a:ext cx="687955" cy="539889"/>
-          </a:xfrm>
-          <a:prstGeom prst="bentConnector2">
-            <a:avLst/>
-          </a:prstGeom>
-          <a:ln>
-            <a:tailEnd type="triangle"/>
-          </a:ln>
-        </p:spPr>
-        <p:style>
-          <a:lnRef idx="1">
-            <a:schemeClr val="accent1"/>
-          </a:lnRef>
-          <a:fillRef idx="0">
-            <a:schemeClr val="accent1"/>
-          </a:fillRef>
-          <a:effectRef idx="0">
-            <a:schemeClr val="accent1"/>
-          </a:effectRef>
-          <a:fontRef idx="minor">
-            <a:schemeClr val="tx1"/>
-          </a:fontRef>
-        </p:style>
-      </p:cxnSp>
       <p:sp>
         <p:nvSpPr>
           <p:cNvPr id="55" name="Rectangle 54">
@@ -19263,7 +19099,25 @@
                 <a:ea typeface="Calibri" panose="020F0502020204030204" pitchFamily="34" charset="0"/>
                 <a:cs typeface="Times New Roman" panose="02020603050405020304" pitchFamily="18" charset="0"/>
               </a:rPr>
-              <a:t>Proportional of Vegetation(Pv)</a:t>
+              <a:t>Proportional of Vegetation(</a:t>
+            </a:r>
+            <a:r>
+              <a:rPr lang="en-US" sz="1000" b="1" i="1" dirty="0">
+                <a:effectLst/>
+                <a:latin typeface="Verdana" panose="020B0604030504040204" pitchFamily="34" charset="0"/>
+                <a:ea typeface="Calibri" panose="020F0502020204030204" pitchFamily="34" charset="0"/>
+                <a:cs typeface="Times New Roman" panose="02020603050405020304" pitchFamily="18" charset="0"/>
+              </a:rPr>
+              <a:t>Pv</a:t>
+            </a:r>
+            <a:r>
+              <a:rPr lang="en-US" sz="1000" b="1" dirty="0">
+                <a:effectLst/>
+                <a:latin typeface="Verdana" panose="020B0604030504040204" pitchFamily="34" charset="0"/>
+                <a:ea typeface="Calibri" panose="020F0502020204030204" pitchFamily="34" charset="0"/>
+                <a:cs typeface="Times New Roman" panose="02020603050405020304" pitchFamily="18" charset="0"/>
+              </a:rPr>
+              <a:t>)</a:t>
             </a:r>
           </a:p>
         </p:txBody>
@@ -19706,6 +19560,48 @@
           </a:prstGeom>
           <a:ln>
             <a:prstDash val="dashDot"/>
+            <a:tailEnd type="triangle"/>
+          </a:ln>
+        </p:spPr>
+        <p:style>
+          <a:lnRef idx="1">
+            <a:schemeClr val="accent1"/>
+          </a:lnRef>
+          <a:fillRef idx="0">
+            <a:schemeClr val="accent1"/>
+          </a:fillRef>
+          <a:effectRef idx="0">
+            <a:schemeClr val="accent1"/>
+          </a:effectRef>
+          <a:fontRef idx="minor">
+            <a:schemeClr val="tx1"/>
+          </a:fontRef>
+        </p:style>
+      </p:cxnSp>
+      <p:cxnSp>
+        <p:nvCxnSpPr>
+          <p:cNvPr id="63" name="Connector: Elbow 62">
+            <a:extLst>
+              <a:ext uri="{FF2B5EF4-FFF2-40B4-BE49-F238E27FC236}">
+                <a16:creationId xmlns:a16="http://schemas.microsoft.com/office/drawing/2014/main" id="{7412E559-CB58-4AA0-97BA-8647F57056F6}"/>
+              </a:ext>
+            </a:extLst>
+          </p:cNvPr>
+          <p:cNvCxnSpPr>
+            <a:cxnSpLocks/>
+            <a:stCxn id="64" idx="3"/>
+          </p:cNvCxnSpPr>
+          <p:nvPr/>
+        </p:nvCxnSpPr>
+        <p:spPr>
+          <a:xfrm flipV="1">
+            <a:off x="5265837" y="5751182"/>
+            <a:ext cx="266447" cy="761514"/>
+          </a:xfrm>
+          <a:prstGeom prst="bentConnector2">
+            <a:avLst/>
+          </a:prstGeom>
+          <a:ln>
             <a:tailEnd type="triangle"/>
           </a:ln>
         </p:spPr>

--- a/Dr. E Nduati, Superviser/Submissions/ENC222-0149_2017_OKOMO_JACOB_OKELLO_V3.pptx
+++ b/Dr. E Nduati, Superviser/Submissions/ENC222-0149_2017_OKOMO_JACOB_OKELLO_V3.pptx
@@ -6,10 +6,10 @@
     <p:sldMasterId id="2147483698" r:id="rId2"/>
   </p:sldMasterIdLst>
   <p:notesMasterIdLst>
-    <p:notesMasterId r:id="rId18"/>
+    <p:notesMasterId r:id="rId23"/>
   </p:notesMasterIdLst>
   <p:handoutMasterIdLst>
-    <p:handoutMasterId r:id="rId19"/>
+    <p:handoutMasterId r:id="rId24"/>
   </p:handoutMasterIdLst>
   <p:sldIdLst>
     <p:sldId id="325" r:id="rId3"/>
@@ -21,12 +21,17 @@
     <p:sldId id="355" r:id="rId9"/>
     <p:sldId id="358" r:id="rId10"/>
     <p:sldId id="334" r:id="rId11"/>
-    <p:sldId id="335" r:id="rId12"/>
-    <p:sldId id="360" r:id="rId13"/>
-    <p:sldId id="361" r:id="rId14"/>
-    <p:sldId id="359" r:id="rId15"/>
-    <p:sldId id="353" r:id="rId16"/>
-    <p:sldId id="324" r:id="rId17"/>
+    <p:sldId id="365" r:id="rId12"/>
+    <p:sldId id="335" r:id="rId13"/>
+    <p:sldId id="362" r:id="rId14"/>
+    <p:sldId id="363" r:id="rId15"/>
+    <p:sldId id="364" r:id="rId16"/>
+    <p:sldId id="367" r:id="rId17"/>
+    <p:sldId id="370" r:id="rId18"/>
+    <p:sldId id="368" r:id="rId19"/>
+    <p:sldId id="359" r:id="rId20"/>
+    <p:sldId id="353" r:id="rId21"/>
+    <p:sldId id="324" r:id="rId22"/>
   </p:sldIdLst>
   <p:sldSz cx="9144000" cy="6858000" type="screen4x3"/>
   <p:notesSz cx="6858000" cy="9947275"/>
@@ -2937,7 +2942,7 @@
                 <a:ea typeface="Verdana" panose="020B0604030504040204" pitchFamily="34" charset="0"/>
                 <a:cs typeface="Verdana" panose="020B0604030504040204" pitchFamily="34" charset="0"/>
               </a:rPr>
-              <a:t>27-Sep-21</a:t>
+              <a:t>6-Oct-21</a:t>
             </a:fld>
             <a:endParaRPr lang="de-DE" sz="1000" dirty="0">
               <a:solidFill>
@@ -5027,7 +5032,7 @@
           <a:p>
             <a:fld id="{440D235E-7DEE-46BF-B2F8-FEE76BCCEBEE}" type="datetimeFigureOut">
               <a:rPr lang="en-US" smtClean="0"/>
-              <a:t>9/27/2021</a:t>
+              <a:t>10/6/2021</a:t>
             </a:fld>
             <a:endParaRPr lang="en-US"/>
           </a:p>
@@ -5225,7 +5230,7 @@
           <a:p>
             <a:fld id="{440D235E-7DEE-46BF-B2F8-FEE76BCCEBEE}" type="datetimeFigureOut">
               <a:rPr lang="en-US" smtClean="0"/>
-              <a:t>9/27/2021</a:t>
+              <a:t>10/6/2021</a:t>
             </a:fld>
             <a:endParaRPr lang="en-US"/>
           </a:p>
@@ -5500,7 +5505,7 @@
           <a:p>
             <a:fld id="{440D235E-7DEE-46BF-B2F8-FEE76BCCEBEE}" type="datetimeFigureOut">
               <a:rPr lang="en-US" smtClean="0"/>
-              <a:t>9/27/2021</a:t>
+              <a:t>10/6/2021</a:t>
             </a:fld>
             <a:endParaRPr lang="en-US"/>
           </a:p>
@@ -5932,7 +5937,7 @@
           <a:p>
             <a:fld id="{440D235E-7DEE-46BF-B2F8-FEE76BCCEBEE}" type="datetimeFigureOut">
               <a:rPr lang="en-US" smtClean="0"/>
-              <a:t>9/27/2021</a:t>
+              <a:t>10/6/2021</a:t>
             </a:fld>
             <a:endParaRPr lang="en-US"/>
           </a:p>
@@ -6344,7 +6349,7 @@
           <a:p>
             <a:fld id="{440D235E-7DEE-46BF-B2F8-FEE76BCCEBEE}" type="datetimeFigureOut">
               <a:rPr lang="en-US" smtClean="0"/>
-              <a:t>9/27/2021</a:t>
+              <a:t>10/6/2021</a:t>
             </a:fld>
             <a:endParaRPr lang="en-US"/>
           </a:p>
@@ -6485,7 +6490,7 @@
           <a:p>
             <a:fld id="{440D235E-7DEE-46BF-B2F8-FEE76BCCEBEE}" type="datetimeFigureOut">
               <a:rPr lang="en-US" smtClean="0"/>
-              <a:t>9/27/2021</a:t>
+              <a:t>10/6/2021</a:t>
             </a:fld>
             <a:endParaRPr lang="en-US"/>
           </a:p>
@@ -6598,7 +6603,7 @@
           <a:p>
             <a:fld id="{440D235E-7DEE-46BF-B2F8-FEE76BCCEBEE}" type="datetimeFigureOut">
               <a:rPr lang="en-US" smtClean="0"/>
-              <a:t>9/27/2021</a:t>
+              <a:t>10/6/2021</a:t>
             </a:fld>
             <a:endParaRPr lang="en-US"/>
           </a:p>
@@ -6909,7 +6914,7 @@
           <a:p>
             <a:fld id="{440D235E-7DEE-46BF-B2F8-FEE76BCCEBEE}" type="datetimeFigureOut">
               <a:rPr lang="en-US" smtClean="0"/>
-              <a:t>9/27/2021</a:t>
+              <a:t>10/6/2021</a:t>
             </a:fld>
             <a:endParaRPr lang="en-US"/>
           </a:p>
@@ -7197,7 +7202,7 @@
           <a:p>
             <a:fld id="{440D235E-7DEE-46BF-B2F8-FEE76BCCEBEE}" type="datetimeFigureOut">
               <a:rPr lang="en-US" smtClean="0"/>
-              <a:t>9/27/2021</a:t>
+              <a:t>10/6/2021</a:t>
             </a:fld>
             <a:endParaRPr lang="en-US"/>
           </a:p>
@@ -7395,7 +7400,7 @@
           <a:p>
             <a:fld id="{440D235E-7DEE-46BF-B2F8-FEE76BCCEBEE}" type="datetimeFigureOut">
               <a:rPr lang="en-US" smtClean="0"/>
-              <a:t>9/27/2021</a:t>
+              <a:t>10/6/2021</a:t>
             </a:fld>
             <a:endParaRPr lang="en-US"/>
           </a:p>
@@ -7603,7 +7608,7 @@
           <a:p>
             <a:fld id="{440D235E-7DEE-46BF-B2F8-FEE76BCCEBEE}" type="datetimeFigureOut">
               <a:rPr lang="en-US" smtClean="0"/>
-              <a:t>9/27/2021</a:t>
+              <a:t>10/6/2021</a:t>
             </a:fld>
             <a:endParaRPr lang="en-US"/>
           </a:p>
@@ -10345,7 +10350,7 @@
           <a:p>
             <a:fld id="{440D235E-7DEE-46BF-B2F8-FEE76BCCEBEE}" type="datetimeFigureOut">
               <a:rPr lang="en-US" smtClean="0"/>
-              <a:t>9/27/2021</a:t>
+              <a:t>10/6/2021</a:t>
             </a:fld>
             <a:endParaRPr lang="en-US"/>
           </a:p>
@@ -11469,296 +11474,10 @@
       </p:grpSpPr>
       <p:sp>
         <p:nvSpPr>
-          <p:cNvPr id="2" name="Text Placeholder 1">
+          <p:cNvPr id="3" name="Footer Placeholder 2">
             <a:extLst>
               <a:ext uri="{FF2B5EF4-FFF2-40B4-BE49-F238E27FC236}">
-                <a16:creationId xmlns:a16="http://schemas.microsoft.com/office/drawing/2014/main" id="{327FB035-4EC4-45C3-8B2F-AED423F29F13}"/>
-              </a:ext>
-            </a:extLst>
-          </p:cNvPr>
-          <p:cNvSpPr>
-            <a:spLocks noGrp="1"/>
-          </p:cNvSpPr>
-          <p:nvPr>
-            <p:ph type="body" idx="1"/>
-          </p:nvPr>
-        </p:nvSpPr>
-        <p:spPr/>
-        <p:txBody>
-          <a:bodyPr/>
-          <a:lstStyle/>
-          <a:p>
-            <a:pPr marL="514350" marR="0" lvl="0" indent="-514350" algn="just" fontAlgn="base">
-              <a:lnSpc>
-                <a:spcPct val="107000"/>
-              </a:lnSpc>
-              <a:spcBef>
-                <a:spcPts val="0"/>
-              </a:spcBef>
-              <a:spcAft>
-                <a:spcPts val="0"/>
-              </a:spcAft>
-              <a:buSzPts val="1000"/>
-              <a:buFont typeface="+mj-lt"/>
-              <a:buAutoNum type="romanUcPeriod"/>
-              <a:tabLst>
-                <a:tab pos="457200" algn="l"/>
-              </a:tabLst>
-            </a:pPr>
-            <a:r>
-              <a:rPr lang="en-GB" b="0" dirty="0">
-                <a:solidFill>
-                  <a:srgbClr val="000000"/>
-                </a:solidFill>
-                <a:effectLst/>
-                <a:cs typeface="Times New Roman" panose="02020603050405020304" pitchFamily="18" charset="0"/>
-              </a:rPr>
-              <a:t>Chlorophyl-a Geographical</a:t>
-            </a:r>
-            <a:r>
-              <a:rPr lang="en-GB" b="0" dirty="0">
-                <a:solidFill>
-                  <a:srgbClr val="00B0F0"/>
-                </a:solidFill>
-                <a:effectLst/>
-                <a:cs typeface="Times New Roman" panose="02020603050405020304" pitchFamily="18" charset="0"/>
-              </a:rPr>
-              <a:t> Maps </a:t>
-            </a:r>
-            <a:r>
-              <a:rPr lang="en-GB" b="0" dirty="0">
-                <a:solidFill>
-                  <a:srgbClr val="000000"/>
-                </a:solidFill>
-                <a:effectLst/>
-                <a:cs typeface="Times New Roman" panose="02020603050405020304" pitchFamily="18" charset="0"/>
-              </a:rPr>
-              <a:t>associating the occurrence of the Harmful Algal Blooms and Cyanobacteria.</a:t>
-            </a:r>
-          </a:p>
-          <a:p>
-            <a:pPr marL="514350" marR="0" lvl="0" indent="-514350" algn="just" fontAlgn="base">
-              <a:lnSpc>
-                <a:spcPct val="107000"/>
-              </a:lnSpc>
-              <a:spcBef>
-                <a:spcPts val="0"/>
-              </a:spcBef>
-              <a:spcAft>
-                <a:spcPts val="0"/>
-              </a:spcAft>
-              <a:buSzPts val="1000"/>
-              <a:buFont typeface="+mj-lt"/>
-              <a:buAutoNum type="romanUcPeriod"/>
-              <a:tabLst>
-                <a:tab pos="457200" algn="l"/>
-              </a:tabLst>
-            </a:pPr>
-            <a:endParaRPr lang="en-GB" b="0" dirty="0">
-              <a:solidFill>
-                <a:srgbClr val="000000"/>
-              </a:solidFill>
-              <a:effectLst/>
-              <a:cs typeface="Times New Roman" panose="02020603050405020304" pitchFamily="18" charset="0"/>
-            </a:endParaRPr>
-          </a:p>
-          <a:p>
-            <a:pPr marL="514350" marR="0" lvl="0" indent="-514350" algn="just" fontAlgn="base">
-              <a:lnSpc>
-                <a:spcPct val="107000"/>
-              </a:lnSpc>
-              <a:spcBef>
-                <a:spcPts val="0"/>
-              </a:spcBef>
-              <a:spcAft>
-                <a:spcPts val="0"/>
-              </a:spcAft>
-              <a:buSzPts val="1000"/>
-              <a:buFont typeface="+mj-lt"/>
-              <a:buAutoNum type="romanUcPeriod"/>
-              <a:tabLst>
-                <a:tab pos="457200" algn="l"/>
-              </a:tabLst>
-            </a:pPr>
-            <a:r>
-              <a:rPr lang="en-GB" b="0" dirty="0">
-                <a:solidFill>
-                  <a:srgbClr val="000000"/>
-                </a:solidFill>
-                <a:effectLst/>
-                <a:cs typeface="Times New Roman" panose="02020603050405020304" pitchFamily="18" charset="0"/>
-              </a:rPr>
-              <a:t>Lake Surface Water Temperature(</a:t>
-            </a:r>
-            <a:r>
-              <a:rPr lang="en-GB" b="0" dirty="0">
-                <a:solidFill>
-                  <a:srgbClr val="00B0F0"/>
-                </a:solidFill>
-                <a:effectLst/>
-                <a:cs typeface="Times New Roman" panose="02020603050405020304" pitchFamily="18" charset="0"/>
-              </a:rPr>
-              <a:t>LSWT</a:t>
-            </a:r>
-            <a:r>
-              <a:rPr lang="en-GB" b="0" dirty="0">
-                <a:solidFill>
-                  <a:srgbClr val="000000"/>
-                </a:solidFill>
-                <a:effectLst/>
-                <a:cs typeface="Times New Roman" panose="02020603050405020304" pitchFamily="18" charset="0"/>
-              </a:rPr>
-              <a:t>) Maps associating the presence of HABs.</a:t>
-            </a:r>
-          </a:p>
-          <a:p>
-            <a:pPr marL="514350" marR="0" lvl="0" indent="-514350" algn="just" fontAlgn="base">
-              <a:lnSpc>
-                <a:spcPct val="107000"/>
-              </a:lnSpc>
-              <a:spcBef>
-                <a:spcPts val="0"/>
-              </a:spcBef>
-              <a:spcAft>
-                <a:spcPts val="0"/>
-              </a:spcAft>
-              <a:buSzPts val="1000"/>
-              <a:buFont typeface="+mj-lt"/>
-              <a:buAutoNum type="romanUcPeriod"/>
-              <a:tabLst>
-                <a:tab pos="457200" algn="l"/>
-              </a:tabLst>
-            </a:pPr>
-            <a:endParaRPr lang="en-GB" b="0" dirty="0">
-              <a:solidFill>
-                <a:srgbClr val="000000"/>
-              </a:solidFill>
-              <a:effectLst/>
-              <a:cs typeface="Times New Roman" panose="02020603050405020304" pitchFamily="18" charset="0"/>
-            </a:endParaRPr>
-          </a:p>
-          <a:p>
-            <a:pPr marL="514350" marR="0" lvl="0" indent="-514350" algn="just" fontAlgn="base">
-              <a:lnSpc>
-                <a:spcPct val="107000"/>
-              </a:lnSpc>
-              <a:spcBef>
-                <a:spcPts val="0"/>
-              </a:spcBef>
-              <a:spcAft>
-                <a:spcPts val="0"/>
-              </a:spcAft>
-              <a:buSzPts val="1000"/>
-              <a:buFont typeface="+mj-lt"/>
-              <a:buAutoNum type="romanUcPeriod"/>
-              <a:tabLst>
-                <a:tab pos="457200" algn="l"/>
-              </a:tabLst>
-            </a:pPr>
-            <a:r>
-              <a:rPr lang="en-GB" b="0" dirty="0">
-                <a:solidFill>
-                  <a:srgbClr val="00B0F0"/>
-                </a:solidFill>
-                <a:effectLst/>
-                <a:cs typeface="Times New Roman" panose="02020603050405020304" pitchFamily="18" charset="0"/>
-              </a:rPr>
-              <a:t>Autonomous</a:t>
-            </a:r>
-            <a:r>
-              <a:rPr lang="en-GB" b="0" dirty="0">
-                <a:solidFill>
-                  <a:srgbClr val="000000"/>
-                </a:solidFill>
-                <a:effectLst/>
-                <a:cs typeface="Times New Roman" panose="02020603050405020304" pitchFamily="18" charset="0"/>
-              </a:rPr>
-              <a:t> system that monitors and reports </a:t>
-            </a:r>
-            <a:r>
-              <a:rPr lang="en-GB" b="0" dirty="0">
-                <a:solidFill>
-                  <a:srgbClr val="00B0F0"/>
-                </a:solidFill>
-                <a:effectLst/>
-                <a:cs typeface="Times New Roman" panose="02020603050405020304" pitchFamily="18" charset="0"/>
-              </a:rPr>
-              <a:t>geo-tagged water quality </a:t>
-            </a:r>
-            <a:r>
-              <a:rPr lang="en-GB" b="0" dirty="0">
-                <a:solidFill>
-                  <a:srgbClr val="000000"/>
-                </a:solidFill>
-                <a:effectLst/>
-                <a:cs typeface="Times New Roman" panose="02020603050405020304" pitchFamily="18" charset="0"/>
-              </a:rPr>
-              <a:t>data in near-real time from the </a:t>
-            </a:r>
-            <a:r>
-              <a:rPr lang="en-GB" b="0" i="1" dirty="0">
-                <a:solidFill>
-                  <a:srgbClr val="00B0F0"/>
-                </a:solidFill>
-                <a:effectLst/>
-                <a:cs typeface="Times New Roman" panose="02020603050405020304" pitchFamily="18" charset="0"/>
-              </a:rPr>
-              <a:t>in-situ</a:t>
-            </a:r>
-            <a:r>
-              <a:rPr lang="en-GB" b="0" i="1" dirty="0">
-                <a:solidFill>
-                  <a:srgbClr val="000000"/>
-                </a:solidFill>
-                <a:effectLst/>
-                <a:cs typeface="Times New Roman" panose="02020603050405020304" pitchFamily="18" charset="0"/>
-              </a:rPr>
-              <a:t> </a:t>
-            </a:r>
-            <a:r>
-              <a:rPr lang="en-GB" b="0" dirty="0">
-                <a:solidFill>
-                  <a:srgbClr val="000000"/>
-                </a:solidFill>
-                <a:effectLst/>
-                <a:cs typeface="Times New Roman" panose="02020603050405020304" pitchFamily="18" charset="0"/>
-              </a:rPr>
-              <a:t>sensors.</a:t>
-            </a:r>
-          </a:p>
-          <a:p>
-            <a:pPr marL="514350" marR="0" lvl="0" indent="-514350" algn="just" fontAlgn="base">
-              <a:lnSpc>
-                <a:spcPct val="107000"/>
-              </a:lnSpc>
-              <a:spcBef>
-                <a:spcPts val="0"/>
-              </a:spcBef>
-              <a:spcAft>
-                <a:spcPts val="0"/>
-              </a:spcAft>
-              <a:buSzPts val="1000"/>
-              <a:buFont typeface="+mj-lt"/>
-              <a:buAutoNum type="romanUcPeriod"/>
-              <a:tabLst>
-                <a:tab pos="457200" algn="l"/>
-              </a:tabLst>
-            </a:pPr>
-            <a:endParaRPr lang="en-US" b="0" dirty="0">
-              <a:solidFill>
-                <a:srgbClr val="000000"/>
-              </a:solidFill>
-              <a:effectLst/>
-            </a:endParaRPr>
-          </a:p>
-        </p:txBody>
-      </p:sp>
-      <p:sp>
-        <p:nvSpPr>
-          <p:cNvPr id="3" name="Footer Placeholder 2">
-            <a:extLst>
-              <a:ext uri="{FF2B5EF4-FFF2-40B4-BE49-F238E27FC236}">
-                <a16:creationId xmlns:a16="http://schemas.microsoft.com/office/drawing/2014/main" id="{5D13DC20-297E-417D-8DFC-DC2FCABB764B}"/>
+                <a16:creationId xmlns:a16="http://schemas.microsoft.com/office/drawing/2014/main" id="{C19E1D6A-AED0-46BC-82AC-C8D1BA6972C4}"/>
               </a:ext>
             </a:extLst>
           </p:cNvPr>
@@ -11792,7 +11511,7 @@
           <p:cNvPr id="4" name="Title 3">
             <a:extLst>
               <a:ext uri="{FF2B5EF4-FFF2-40B4-BE49-F238E27FC236}">
-                <a16:creationId xmlns:a16="http://schemas.microsoft.com/office/drawing/2014/main" id="{5EDBB8AF-905E-406C-B321-B53DDA2D2878}"/>
+                <a16:creationId xmlns:a16="http://schemas.microsoft.com/office/drawing/2014/main" id="{AB7FE6BB-4A2A-4434-BCEB-E1F26FF54478}"/>
               </a:ext>
             </a:extLst>
           </p:cNvPr>
@@ -11810,15 +11529,105 @@
           <a:p>
             <a:r>
               <a:rPr lang="en-US" dirty="0"/>
-              <a:t>Expected Results</a:t>
-            </a:r>
+              <a:t>HAB reported dates, from 2015</a:t>
+            </a:r>
+          </a:p>
+        </p:txBody>
+      </p:sp>
+      <p:pic>
+        <p:nvPicPr>
+          <p:cNvPr id="6" name="Picture 5">
+            <a:extLst>
+              <a:ext uri="{FF2B5EF4-FFF2-40B4-BE49-F238E27FC236}">
+                <a16:creationId xmlns:a16="http://schemas.microsoft.com/office/drawing/2014/main" id="{8BFAB6D1-EFCF-4635-A7EE-FEBE3AE09A11}"/>
+              </a:ext>
+            </a:extLst>
+          </p:cNvPr>
+          <p:cNvPicPr>
+            <a:picLocks noChangeAspect="1"/>
+          </p:cNvPicPr>
+          <p:nvPr/>
+        </p:nvPicPr>
+        <p:blipFill>
+          <a:blip r:embed="rId2"/>
+          <a:stretch>
+            <a:fillRect/>
+          </a:stretch>
+        </p:blipFill>
+        <p:spPr>
+          <a:xfrm>
+            <a:off x="70893" y="1484784"/>
+            <a:ext cx="9002214" cy="4321063"/>
+          </a:xfrm>
+          <a:prstGeom prst="rect">
+            <a:avLst/>
+          </a:prstGeom>
+        </p:spPr>
+      </p:pic>
+      <p:sp>
+        <p:nvSpPr>
+          <p:cNvPr id="8" name="TextBox 7">
+            <a:extLst>
+              <a:ext uri="{FF2B5EF4-FFF2-40B4-BE49-F238E27FC236}">
+                <a16:creationId xmlns:a16="http://schemas.microsoft.com/office/drawing/2014/main" id="{B4B86C9A-A813-45E3-8397-19E6F197C67D}"/>
+              </a:ext>
+            </a:extLst>
+          </p:cNvPr>
+          <p:cNvSpPr txBox="1"/>
+          <p:nvPr/>
+        </p:nvSpPr>
+        <p:spPr>
+          <a:xfrm>
+            <a:off x="377788" y="5599893"/>
+            <a:ext cx="8388424" cy="411908"/>
+          </a:xfrm>
+          <a:prstGeom prst="rect">
+            <a:avLst/>
+          </a:prstGeom>
+          <a:noFill/>
+        </p:spPr>
+        <p:txBody>
+          <a:bodyPr wrap="square">
+            <a:spAutoFit/>
+          </a:bodyPr>
+          <a:lstStyle/>
+          <a:p>
+            <a:pPr marL="0" marR="0" algn="just">
+              <a:lnSpc>
+                <a:spcPct val="150000"/>
+              </a:lnSpc>
+              <a:spcBef>
+                <a:spcPts val="0"/>
+              </a:spcBef>
+              <a:spcAft>
+                <a:spcPts val="800"/>
+              </a:spcAft>
+            </a:pPr>
+            <a:r>
+              <a:rPr lang="en-GB" sz="1600" i="1" dirty="0">
+                <a:solidFill>
+                  <a:srgbClr val="000000"/>
+                </a:solidFill>
+                <a:effectLst/>
+                <a:latin typeface="Verdana" panose="020B0604030504040204" pitchFamily="34" charset="0"/>
+                <a:ea typeface="Calibri" panose="020F0502020204030204" pitchFamily="34" charset="0"/>
+                <a:cs typeface="Times New Roman" panose="02020603050405020304" pitchFamily="18" charset="0"/>
+              </a:rPr>
+              <a:t>Table 3: HABs reported in Lake Victoria, (KMFRI, NASA Earth Data)</a:t>
+            </a:r>
+            <a:endParaRPr lang="en-US" sz="1600" dirty="0">
+              <a:effectLst/>
+              <a:latin typeface="Verdana" panose="020B0604030504040204" pitchFamily="34" charset="0"/>
+              <a:ea typeface="Calibri" panose="020F0502020204030204" pitchFamily="34" charset="0"/>
+              <a:cs typeface="Times New Roman" panose="02020603050405020304" pitchFamily="18" charset="0"/>
+            </a:endParaRPr>
           </a:p>
         </p:txBody>
       </p:sp>
     </p:spTree>
     <p:extLst>
       <p:ext uri="{BB962C8B-B14F-4D97-AF65-F5344CB8AC3E}">
-        <p14:creationId xmlns:p14="http://schemas.microsoft.com/office/powerpoint/2010/main" val="136174935"/>
+        <p14:creationId xmlns:p14="http://schemas.microsoft.com/office/powerpoint/2010/main" val="1345908033"/>
       </p:ext>
     </p:extLst>
   </p:cSld>
@@ -11850,7 +11659,7 @@
           <p:cNvPr id="3" name="Footer Placeholder 2">
             <a:extLst>
               <a:ext uri="{FF2B5EF4-FFF2-40B4-BE49-F238E27FC236}">
-                <a16:creationId xmlns:a16="http://schemas.microsoft.com/office/drawing/2014/main" id="{66EB83DB-C093-44A4-BE0E-2FD9B9A0E413}"/>
+                <a16:creationId xmlns:a16="http://schemas.microsoft.com/office/drawing/2014/main" id="{5D13DC20-297E-417D-8DFC-DC2FCABB764B}"/>
               </a:ext>
             </a:extLst>
           </p:cNvPr>
@@ -11879,21 +11688,47 @@
           </a:p>
         </p:txBody>
       </p:sp>
+      <p:sp>
+        <p:nvSpPr>
+          <p:cNvPr id="4" name="Title 3">
+            <a:extLst>
+              <a:ext uri="{FF2B5EF4-FFF2-40B4-BE49-F238E27FC236}">
+                <a16:creationId xmlns:a16="http://schemas.microsoft.com/office/drawing/2014/main" id="{5EDBB8AF-905E-406C-B321-B53DDA2D2878}"/>
+              </a:ext>
+            </a:extLst>
+          </p:cNvPr>
+          <p:cNvSpPr>
+            <a:spLocks noGrp="1"/>
+          </p:cNvSpPr>
+          <p:nvPr>
+            <p:ph type="title"/>
+          </p:nvPr>
+        </p:nvSpPr>
+        <p:spPr/>
+        <p:txBody>
+          <a:bodyPr/>
+          <a:lstStyle/>
+          <a:p>
+            <a:r>
+              <a:rPr lang="en-US" dirty="0"/>
+              <a:t>Results (a) : Chl-a Distribution Maps</a:t>
+            </a:r>
+          </a:p>
+        </p:txBody>
+      </p:sp>
       <p:pic>
         <p:nvPicPr>
-          <p:cNvPr id="11" name="Picture 10">
+          <p:cNvPr id="5" name="Picture 4">
             <a:extLst>
               <a:ext uri="{FF2B5EF4-FFF2-40B4-BE49-F238E27FC236}">
-                <a16:creationId xmlns:a16="http://schemas.microsoft.com/office/drawing/2014/main" id="{AF844D58-D200-4A77-8829-793550CC1A47}"/>
+                <a16:creationId xmlns:a16="http://schemas.microsoft.com/office/drawing/2014/main" id="{C37B6ED4-AB11-4AED-AD58-744214B02346}"/>
               </a:ext>
             </a:extLst>
           </p:cNvPr>
-          <p:cNvPicPr>
-            <a:picLocks noChangeAspect="1"/>
-          </p:cNvPicPr>
+          <p:cNvPicPr/>
           <p:nvPr/>
         </p:nvPicPr>
-        <p:blipFill rotWithShape="1">
+        <p:blipFill>
           <a:blip r:embed="rId2">
             <a:extLst>
               <a:ext uri="{28A0092B-C50C-407E-A947-70E740481C1C}">
@@ -11901,64 +11736,368 @@
               </a:ext>
             </a:extLst>
           </a:blip>
-          <a:srcRect l="11034" t="9122" r="10216" b="11824"/>
-          <a:stretch/>
+          <a:stretch>
+            <a:fillRect/>
+          </a:stretch>
         </p:blipFill>
         <p:spPr>
           <a:xfrm>
-            <a:off x="611560" y="1789324"/>
-            <a:ext cx="8289653" cy="3600400"/>
+            <a:off x="4564379" y="1789625"/>
+            <a:ext cx="4479665" cy="2156315"/>
           </a:xfrm>
           <a:prstGeom prst="rect">
             <a:avLst/>
           </a:prstGeom>
         </p:spPr>
       </p:pic>
-      <p:sp>
-        <p:nvSpPr>
-          <p:cNvPr id="14" name="TextBox 13">
+      <p:pic>
+        <p:nvPicPr>
+          <p:cNvPr id="6" name="Picture 5">
             <a:extLst>
               <a:ext uri="{FF2B5EF4-FFF2-40B4-BE49-F238E27FC236}">
-                <a16:creationId xmlns:a16="http://schemas.microsoft.com/office/drawing/2014/main" id="{09CCEDEF-1D60-47AD-AE7D-6EEEA4A02C21}"/>
+                <a16:creationId xmlns:a16="http://schemas.microsoft.com/office/drawing/2014/main" id="{D191DE64-93AE-45D6-8F0C-663FAC921125}"/>
               </a:ext>
             </a:extLst>
           </p:cNvPr>
-          <p:cNvSpPr txBox="1"/>
+          <p:cNvPicPr/>
           <p:nvPr/>
-        </p:nvSpPr>
+        </p:nvPicPr>
+        <p:blipFill>
+          <a:blip r:embed="rId3" cstate="print">
+            <a:extLst>
+              <a:ext uri="{28A0092B-C50C-407E-A947-70E740481C1C}">
+                <a14:useLocalDpi xmlns:a14="http://schemas.microsoft.com/office/drawing/2010/main" val="0"/>
+              </a:ext>
+            </a:extLst>
+          </a:blip>
+          <a:stretch>
+            <a:fillRect/>
+          </a:stretch>
+        </p:blipFill>
         <p:spPr>
           <a:xfrm>
-            <a:off x="250825" y="404664"/>
-            <a:ext cx="7891922" cy="264047"/>
+            <a:off x="99954" y="1789625"/>
+            <a:ext cx="4210685" cy="1976740"/>
           </a:xfrm>
           <a:prstGeom prst="rect">
             <a:avLst/>
           </a:prstGeom>
-          <a:noFill/>
         </p:spPr>
-        <p:txBody>
-          <a:bodyPr wrap="square" rtlCol="0">
-            <a:spAutoFit/>
+      </p:pic>
+      <p:pic>
+        <p:nvPicPr>
+          <p:cNvPr id="7" name="Picture 6">
+            <a:extLst>
+              <a:ext uri="{FF2B5EF4-FFF2-40B4-BE49-F238E27FC236}">
+                <a16:creationId xmlns:a16="http://schemas.microsoft.com/office/drawing/2014/main" id="{96D6B2FD-E33A-48DE-9670-E9E099D8F2D4}"/>
+              </a:ext>
+            </a:extLst>
+          </p:cNvPr>
+          <p:cNvPicPr/>
+          <p:nvPr/>
+        </p:nvPicPr>
+        <p:blipFill>
+          <a:blip r:embed="rId4">
+            <a:extLst>
+              <a:ext uri="{28A0092B-C50C-407E-A947-70E740481C1C}">
+                <a14:useLocalDpi xmlns:a14="http://schemas.microsoft.com/office/drawing/2010/main" val="0"/>
+              </a:ext>
+            </a:extLst>
+          </a:blip>
+          <a:stretch>
+            <a:fillRect/>
+          </a:stretch>
+        </p:blipFill>
+        <p:spPr>
+          <a:xfrm>
+            <a:off x="4924765" y="4236818"/>
+            <a:ext cx="3960441" cy="2389407"/>
+          </a:xfrm>
+          <a:prstGeom prst="rect">
+            <a:avLst/>
+          </a:prstGeom>
+        </p:spPr>
+      </p:pic>
+      <p:pic>
+        <p:nvPicPr>
+          <p:cNvPr id="8" name="Picture 7">
+            <a:extLst>
+              <a:ext uri="{FF2B5EF4-FFF2-40B4-BE49-F238E27FC236}">
+                <a16:creationId xmlns:a16="http://schemas.microsoft.com/office/drawing/2014/main" id="{E3A10324-357A-4E6D-A96C-188D36ACB60E}"/>
+              </a:ext>
+            </a:extLst>
+          </p:cNvPr>
+          <p:cNvPicPr/>
+          <p:nvPr/>
+        </p:nvPicPr>
+        <p:blipFill>
+          <a:blip r:embed="rId5">
+            <a:extLst>
+              <a:ext uri="{28A0092B-C50C-407E-A947-70E740481C1C}">
+                <a14:useLocalDpi xmlns:a14="http://schemas.microsoft.com/office/drawing/2010/main" val="0"/>
+              </a:ext>
+            </a:extLst>
+          </a:blip>
+          <a:stretch>
+            <a:fillRect/>
+          </a:stretch>
+        </p:blipFill>
+        <p:spPr>
+          <a:xfrm>
+            <a:off x="179151" y="4201204"/>
+            <a:ext cx="3960441" cy="2439327"/>
+          </a:xfrm>
+          <a:prstGeom prst="rect">
+            <a:avLst/>
+          </a:prstGeom>
+        </p:spPr>
+      </p:pic>
+      <p:sp>
+        <p:nvSpPr>
+          <p:cNvPr id="9" name="Text Box 2">
+            <a:extLst>
+              <a:ext uri="{FF2B5EF4-FFF2-40B4-BE49-F238E27FC236}">
+                <a16:creationId xmlns:a16="http://schemas.microsoft.com/office/drawing/2014/main" id="{3947DF7D-7B56-4EDB-94DA-085ECF80627C}"/>
+              </a:ext>
+            </a:extLst>
+          </p:cNvPr>
+          <p:cNvSpPr txBox="1">
+            <a:spLocks noChangeArrowheads="1"/>
+          </p:cNvSpPr>
+          <p:nvPr/>
+        </p:nvSpPr>
+        <p:spPr bwMode="auto">
+          <a:xfrm>
+            <a:off x="7689" y="1437132"/>
+            <a:ext cx="8877518" cy="275944"/>
+          </a:xfrm>
+          <a:prstGeom prst="rect">
+            <a:avLst/>
+          </a:prstGeom>
+          <a:solidFill>
+            <a:schemeClr val="accent2">
+              <a:lumMod val="75000"/>
+            </a:schemeClr>
+          </a:solidFill>
+          <a:ln w="9525">
+            <a:solidFill>
+              <a:schemeClr val="bg1"/>
+            </a:solidFill>
+            <a:miter lim="800000"/>
+            <a:headEnd/>
+            <a:tailEnd/>
+          </a:ln>
+        </p:spPr>
+        <p:txBody>
+          <a:bodyPr rot="0" vert="horz" wrap="square" lIns="91440" tIns="45720" rIns="91440" bIns="45720" anchor="t" anchorCtr="0">
+            <a:noAutofit/>
           </a:bodyPr>
           <a:lstStyle/>
           <a:p>
-            <a:r>
-              <a:rPr lang="en-US" sz="1200" b="1" dirty="0">
-                <a:solidFill>
-                  <a:schemeClr val="tx1"/>
-                </a:solidFill>
+            <a:pPr marL="0" marR="0" indent="457200" algn="just">
+              <a:lnSpc>
+                <a:spcPct val="150000"/>
+              </a:lnSpc>
+              <a:spcBef>
+                <a:spcPts val="0"/>
+              </a:spcBef>
+              <a:spcAft>
+                <a:spcPts val="800"/>
+              </a:spcAft>
+            </a:pPr>
+            <a:r>
+              <a:rPr lang="en-US" sz="1100" b="1" dirty="0">
+                <a:effectLst/>
                 <a:latin typeface="Verdana" panose="020B0604030504040204" pitchFamily="34" charset="0"/>
-                <a:ea typeface="Verdana" panose="020B0604030504040204" pitchFamily="34" charset="0"/>
+                <a:ea typeface="Calibri" panose="020F0502020204030204" pitchFamily="34" charset="0"/>
+                <a:cs typeface="Times New Roman" panose="02020603050405020304" pitchFamily="18" charset="0"/>
               </a:rPr>
-              <a:t>SAMPLE RESULTS: Time series Average of Chl-a conc. monthly 4-Km MODIS L3m </a:t>
-            </a:r>
+              <a:t>12</a:t>
+            </a:r>
+            <a:r>
+              <a:rPr lang="en-US" sz="1100" b="1" baseline="30000" dirty="0">
+                <a:effectLst/>
+                <a:latin typeface="Verdana" panose="020B0604030504040204" pitchFamily="34" charset="0"/>
+                <a:ea typeface="Calibri" panose="020F0502020204030204" pitchFamily="34" charset="0"/>
+                <a:cs typeface="Times New Roman" panose="02020603050405020304" pitchFamily="18" charset="0"/>
+              </a:rPr>
+              <a:t>th</a:t>
+            </a:r>
+            <a:r>
+              <a:rPr lang="en-US" sz="1100" b="1" dirty="0">
+                <a:effectLst/>
+                <a:latin typeface="Verdana" panose="020B0604030504040204" pitchFamily="34" charset="0"/>
+                <a:ea typeface="Calibri" panose="020F0502020204030204" pitchFamily="34" charset="0"/>
+                <a:cs typeface="Times New Roman" panose="02020603050405020304" pitchFamily="18" charset="0"/>
+              </a:rPr>
+              <a:t> January 2015						23</a:t>
+            </a:r>
+            <a:r>
+              <a:rPr lang="en-US" sz="1100" b="1" baseline="30000" dirty="0">
+                <a:effectLst/>
+                <a:latin typeface="Verdana" panose="020B0604030504040204" pitchFamily="34" charset="0"/>
+                <a:ea typeface="Calibri" panose="020F0502020204030204" pitchFamily="34" charset="0"/>
+                <a:cs typeface="Times New Roman" panose="02020603050405020304" pitchFamily="18" charset="0"/>
+              </a:rPr>
+              <a:t>rd</a:t>
+            </a:r>
+            <a:r>
+              <a:rPr lang="en-US" sz="1100" b="1" dirty="0">
+                <a:effectLst/>
+                <a:latin typeface="Verdana" panose="020B0604030504040204" pitchFamily="34" charset="0"/>
+                <a:ea typeface="Calibri" panose="020F0502020204030204" pitchFamily="34" charset="0"/>
+                <a:cs typeface="Times New Roman" panose="02020603050405020304" pitchFamily="18" charset="0"/>
+              </a:rPr>
+              <a:t> July 2016</a:t>
+            </a:r>
+            <a:endParaRPr lang="en-US" sz="1100" dirty="0">
+              <a:effectLst/>
+              <a:latin typeface="Verdana" panose="020B0604030504040204" pitchFamily="34" charset="0"/>
+              <a:ea typeface="Calibri" panose="020F0502020204030204" pitchFamily="34" charset="0"/>
+              <a:cs typeface="Times New Roman" panose="02020603050405020304" pitchFamily="18" charset="0"/>
+            </a:endParaRPr>
+          </a:p>
+          <a:p>
+            <a:pPr marL="0" marR="0" algn="just">
+              <a:lnSpc>
+                <a:spcPct val="150000"/>
+              </a:lnSpc>
+              <a:spcBef>
+                <a:spcPts val="0"/>
+              </a:spcBef>
+              <a:spcAft>
+                <a:spcPts val="800"/>
+              </a:spcAft>
+            </a:pPr>
+            <a:r>
+              <a:rPr lang="en-US" sz="1100" b="1" dirty="0">
+                <a:effectLst/>
+                <a:latin typeface="Verdana" panose="020B0604030504040204" pitchFamily="34" charset="0"/>
+                <a:ea typeface="Calibri" panose="020F0502020204030204" pitchFamily="34" charset="0"/>
+                <a:cs typeface="Times New Roman" panose="02020603050405020304" pitchFamily="18" charset="0"/>
+              </a:rPr>
+              <a:t> </a:t>
+            </a:r>
+            <a:endParaRPr lang="en-US" sz="1100" dirty="0">
+              <a:effectLst/>
+              <a:latin typeface="Verdana" panose="020B0604030504040204" pitchFamily="34" charset="0"/>
+              <a:ea typeface="Calibri" panose="020F0502020204030204" pitchFamily="34" charset="0"/>
+              <a:cs typeface="Times New Roman" panose="02020603050405020304" pitchFamily="18" charset="0"/>
+            </a:endParaRPr>
+          </a:p>
+        </p:txBody>
+      </p:sp>
+      <p:sp>
+        <p:nvSpPr>
+          <p:cNvPr id="10" name="Text Box 2">
+            <a:extLst>
+              <a:ext uri="{FF2B5EF4-FFF2-40B4-BE49-F238E27FC236}">
+                <a16:creationId xmlns:a16="http://schemas.microsoft.com/office/drawing/2014/main" id="{E814F8CF-4820-4805-828C-63339AF98FD1}"/>
+              </a:ext>
+            </a:extLst>
+          </p:cNvPr>
+          <p:cNvSpPr txBox="1">
+            <a:spLocks noChangeArrowheads="1"/>
+          </p:cNvSpPr>
+          <p:nvPr/>
+        </p:nvSpPr>
+        <p:spPr bwMode="auto">
+          <a:xfrm>
+            <a:off x="7688" y="4001530"/>
+            <a:ext cx="8877518" cy="275944"/>
+          </a:xfrm>
+          <a:prstGeom prst="rect">
+            <a:avLst/>
+          </a:prstGeom>
+          <a:solidFill>
+            <a:schemeClr val="accent2">
+              <a:lumMod val="75000"/>
+            </a:schemeClr>
+          </a:solidFill>
+          <a:ln w="9525">
+            <a:solidFill>
+              <a:schemeClr val="bg1"/>
+            </a:solidFill>
+            <a:miter lim="800000"/>
+            <a:headEnd/>
+            <a:tailEnd/>
+          </a:ln>
+        </p:spPr>
+        <p:txBody>
+          <a:bodyPr rot="0" vert="horz" wrap="square" lIns="91440" tIns="45720" rIns="91440" bIns="45720" anchor="t" anchorCtr="0">
+            <a:noAutofit/>
+          </a:bodyPr>
+          <a:lstStyle/>
+          <a:p>
+            <a:pPr marL="0" marR="0" indent="457200" algn="just">
+              <a:lnSpc>
+                <a:spcPct val="150000"/>
+              </a:lnSpc>
+              <a:spcBef>
+                <a:spcPts val="0"/>
+              </a:spcBef>
+              <a:spcAft>
+                <a:spcPts val="800"/>
+              </a:spcAft>
+            </a:pPr>
+            <a:r>
+              <a:rPr lang="en-US" sz="1100" b="1" dirty="0">
+                <a:effectLst/>
+                <a:latin typeface="Verdana" panose="020B0604030504040204" pitchFamily="34" charset="0"/>
+                <a:ea typeface="Calibri" panose="020F0502020204030204" pitchFamily="34" charset="0"/>
+                <a:cs typeface="Times New Roman" panose="02020603050405020304" pitchFamily="18" charset="0"/>
+              </a:rPr>
+              <a:t>04</a:t>
+            </a:r>
+            <a:r>
+              <a:rPr lang="en-US" sz="1100" b="1" baseline="30000" dirty="0">
+                <a:effectLst/>
+                <a:latin typeface="Verdana" panose="020B0604030504040204" pitchFamily="34" charset="0"/>
+                <a:ea typeface="Calibri" panose="020F0502020204030204" pitchFamily="34" charset="0"/>
+                <a:cs typeface="Times New Roman" panose="02020603050405020304" pitchFamily="18" charset="0"/>
+              </a:rPr>
+              <a:t>th</a:t>
+            </a:r>
+            <a:r>
+              <a:rPr lang="en-US" sz="1100" b="1" dirty="0">
+                <a:effectLst/>
+                <a:latin typeface="Verdana" panose="020B0604030504040204" pitchFamily="34" charset="0"/>
+                <a:ea typeface="Calibri" panose="020F0502020204030204" pitchFamily="34" charset="0"/>
+                <a:cs typeface="Times New Roman" panose="02020603050405020304" pitchFamily="18" charset="0"/>
+              </a:rPr>
+              <a:t> August 2017						27</a:t>
+            </a:r>
+            <a:r>
+              <a:rPr lang="en-US" sz="1100" b="1" baseline="30000" dirty="0">
+                <a:effectLst/>
+                <a:latin typeface="Verdana" panose="020B0604030504040204" pitchFamily="34" charset="0"/>
+                <a:ea typeface="Calibri" panose="020F0502020204030204" pitchFamily="34" charset="0"/>
+                <a:cs typeface="Times New Roman" panose="02020603050405020304" pitchFamily="18" charset="0"/>
+              </a:rPr>
+              <a:t>th</a:t>
+            </a:r>
+            <a:r>
+              <a:rPr lang="en-US" sz="1100" b="1" dirty="0">
+                <a:effectLst/>
+                <a:latin typeface="Verdana" panose="020B0604030504040204" pitchFamily="34" charset="0"/>
+                <a:ea typeface="Calibri" panose="020F0502020204030204" pitchFamily="34" charset="0"/>
+                <a:cs typeface="Times New Roman" panose="02020603050405020304" pitchFamily="18" charset="0"/>
+              </a:rPr>
+              <a:t> January 2018</a:t>
+            </a:r>
+            <a:endParaRPr lang="en-US" sz="1100" dirty="0">
+              <a:effectLst/>
+              <a:latin typeface="Verdana" panose="020B0604030504040204" pitchFamily="34" charset="0"/>
+              <a:ea typeface="Calibri" panose="020F0502020204030204" pitchFamily="34" charset="0"/>
+              <a:cs typeface="Times New Roman" panose="02020603050405020304" pitchFamily="18" charset="0"/>
+            </a:endParaRPr>
           </a:p>
         </p:txBody>
       </p:sp>
     </p:spTree>
     <p:extLst>
       <p:ext uri="{BB962C8B-B14F-4D97-AF65-F5344CB8AC3E}">
-        <p14:creationId xmlns:p14="http://schemas.microsoft.com/office/powerpoint/2010/main" val="1611212814"/>
+        <p14:creationId xmlns:p14="http://schemas.microsoft.com/office/powerpoint/2010/main" val="136174935"/>
       </p:ext>
     </p:extLst>
   </p:cSld>
@@ -11990,7 +12129,7 @@
           <p:cNvPr id="3" name="Footer Placeholder 2">
             <a:extLst>
               <a:ext uri="{FF2B5EF4-FFF2-40B4-BE49-F238E27FC236}">
-                <a16:creationId xmlns:a16="http://schemas.microsoft.com/office/drawing/2014/main" id="{DDFB07F0-F9FB-4341-A7BA-5DCB2196D1B1}"/>
+                <a16:creationId xmlns:a16="http://schemas.microsoft.com/office/drawing/2014/main" id="{2667A4B4-3BFC-4981-AB3C-AEB7E9C7014D}"/>
               </a:ext>
             </a:extLst>
           </p:cNvPr>
@@ -12024,7 +12163,7 @@
           <p:cNvPr id="4" name="Title 3">
             <a:extLst>
               <a:ext uri="{FF2B5EF4-FFF2-40B4-BE49-F238E27FC236}">
-                <a16:creationId xmlns:a16="http://schemas.microsoft.com/office/drawing/2014/main" id="{1EFDCB09-98D3-4096-8215-5E6435B08409}"/>
+                <a16:creationId xmlns:a16="http://schemas.microsoft.com/office/drawing/2014/main" id="{5C313AD9-406C-42A3-B707-5E5C3490137A}"/>
               </a:ext>
             </a:extLst>
           </p:cNvPr>
@@ -12041,27 +12180,25 @@
           <a:lstStyle/>
           <a:p>
             <a:r>
-              <a:rPr lang="en-US" sz="1800" dirty="0"/>
-              <a:t>L8 2015: No Bloom Reported (cl-g map) Vs LSWT Map at Bloom Event.</a:t>
+              <a:rPr lang="en-US" dirty="0"/>
+              <a:t>Chl-a Distribution Maps, Cont’d</a:t>
             </a:r>
           </a:p>
         </p:txBody>
       </p:sp>
       <p:pic>
         <p:nvPicPr>
-          <p:cNvPr id="14" name="Picture 13">
+          <p:cNvPr id="5" name="Picture 4">
             <a:extLst>
               <a:ext uri="{FF2B5EF4-FFF2-40B4-BE49-F238E27FC236}">
-                <a16:creationId xmlns:a16="http://schemas.microsoft.com/office/drawing/2014/main" id="{8DD7875A-0246-4C26-9650-7B59ACFD995C}"/>
+                <a16:creationId xmlns:a16="http://schemas.microsoft.com/office/drawing/2014/main" id="{71A85095-2B39-4285-8B58-0372EB78949B}"/>
               </a:ext>
             </a:extLst>
           </p:cNvPr>
-          <p:cNvPicPr>
-            <a:picLocks noChangeAspect="1"/>
-          </p:cNvPicPr>
+          <p:cNvPicPr/>
           <p:nvPr/>
         </p:nvPicPr>
-        <p:blipFill rotWithShape="1">
+        <p:blipFill>
           <a:blip r:embed="rId2">
             <a:extLst>
               <a:ext uri="{28A0092B-C50C-407E-A947-70E740481C1C}">
@@ -12069,34 +12206,149 @@
               </a:ext>
             </a:extLst>
           </a:blip>
-          <a:srcRect l="5834" t="6862" r="3963" b="13903"/>
-          <a:stretch/>
+          <a:stretch>
+            <a:fillRect/>
+          </a:stretch>
         </p:blipFill>
         <p:spPr>
           <a:xfrm>
-            <a:off x="129714" y="1881134"/>
-            <a:ext cx="4514435" cy="3039926"/>
+            <a:off x="239008" y="1818630"/>
+            <a:ext cx="4180644" cy="2384854"/>
           </a:xfrm>
           <a:prstGeom prst="rect">
             <a:avLst/>
           </a:prstGeom>
         </p:spPr>
       </p:pic>
+      <p:sp>
+        <p:nvSpPr>
+          <p:cNvPr id="6" name="Text Box 2">
+            <a:extLst>
+              <a:ext uri="{FF2B5EF4-FFF2-40B4-BE49-F238E27FC236}">
+                <a16:creationId xmlns:a16="http://schemas.microsoft.com/office/drawing/2014/main" id="{0FB55E6C-5947-4047-880B-5CEF46075B9F}"/>
+              </a:ext>
+            </a:extLst>
+          </p:cNvPr>
+          <p:cNvSpPr txBox="1">
+            <a:spLocks noChangeArrowheads="1"/>
+          </p:cNvSpPr>
+          <p:nvPr/>
+        </p:nvSpPr>
+        <p:spPr bwMode="auto">
+          <a:xfrm>
+            <a:off x="251520" y="1390015"/>
+            <a:ext cx="8712968" cy="310793"/>
+          </a:xfrm>
+          <a:prstGeom prst="rect">
+            <a:avLst/>
+          </a:prstGeom>
+          <a:solidFill>
+            <a:schemeClr val="accent2">
+              <a:lumMod val="75000"/>
+            </a:schemeClr>
+          </a:solidFill>
+          <a:ln w="9525">
+            <a:solidFill>
+              <a:schemeClr val="bg1"/>
+            </a:solidFill>
+            <a:miter lim="800000"/>
+            <a:headEnd/>
+            <a:tailEnd/>
+          </a:ln>
+        </p:spPr>
+        <p:txBody>
+          <a:bodyPr rot="0" vert="horz" wrap="square" lIns="91440" tIns="45720" rIns="91440" bIns="45720" anchor="t" anchorCtr="0">
+            <a:noAutofit/>
+          </a:bodyPr>
+          <a:lstStyle/>
+          <a:p>
+            <a:pPr marL="0" marR="0" indent="457200" algn="just">
+              <a:lnSpc>
+                <a:spcPct val="150000"/>
+              </a:lnSpc>
+              <a:spcBef>
+                <a:spcPts val="0"/>
+              </a:spcBef>
+              <a:spcAft>
+                <a:spcPts val="800"/>
+              </a:spcAft>
+            </a:pPr>
+            <a:r>
+              <a:rPr lang="en-GB" sz="1100" b="1" dirty="0">
+                <a:effectLst/>
+                <a:latin typeface="Verdana" panose="020B0604030504040204" pitchFamily="34" charset="0"/>
+                <a:ea typeface="Calibri" panose="020F0502020204030204" pitchFamily="34" charset="0"/>
+                <a:cs typeface="Times New Roman" panose="02020603050405020304" pitchFamily="18" charset="0"/>
+              </a:rPr>
+              <a:t>18</a:t>
+            </a:r>
+            <a:r>
+              <a:rPr lang="en-GB" sz="1100" b="1" baseline="30000" dirty="0">
+                <a:effectLst/>
+                <a:latin typeface="Verdana" panose="020B0604030504040204" pitchFamily="34" charset="0"/>
+                <a:ea typeface="Calibri" panose="020F0502020204030204" pitchFamily="34" charset="0"/>
+                <a:cs typeface="Times New Roman" panose="02020603050405020304" pitchFamily="18" charset="0"/>
+              </a:rPr>
+              <a:t>th</a:t>
+            </a:r>
+            <a:r>
+              <a:rPr lang="en-GB" sz="1100" b="1" dirty="0">
+                <a:effectLst/>
+                <a:latin typeface="Verdana" panose="020B0604030504040204" pitchFamily="34" charset="0"/>
+                <a:ea typeface="Calibri" panose="020F0502020204030204" pitchFamily="34" charset="0"/>
+                <a:cs typeface="Times New Roman" panose="02020603050405020304" pitchFamily="18" charset="0"/>
+              </a:rPr>
+              <a:t> August</a:t>
+            </a:r>
+            <a:r>
+              <a:rPr lang="en-US" sz="1100" b="1" dirty="0">
+                <a:effectLst/>
+                <a:latin typeface="Verdana" panose="020B0604030504040204" pitchFamily="34" charset="0"/>
+                <a:ea typeface="Calibri" panose="020F0502020204030204" pitchFamily="34" charset="0"/>
+                <a:cs typeface="Times New Roman" panose="02020603050405020304" pitchFamily="18" charset="0"/>
+              </a:rPr>
+              <a:t> 2019						29</a:t>
+            </a:r>
+            <a:r>
+              <a:rPr lang="en-US" sz="1100" b="1" baseline="30000" dirty="0">
+                <a:effectLst/>
+                <a:latin typeface="Verdana" panose="020B0604030504040204" pitchFamily="34" charset="0"/>
+                <a:ea typeface="Calibri" panose="020F0502020204030204" pitchFamily="34" charset="0"/>
+                <a:cs typeface="Times New Roman" panose="02020603050405020304" pitchFamily="18" charset="0"/>
+              </a:rPr>
+              <a:t>th</a:t>
+            </a:r>
+            <a:r>
+              <a:rPr lang="en-US" sz="1100" b="1" dirty="0">
+                <a:effectLst/>
+                <a:latin typeface="Verdana" panose="020B0604030504040204" pitchFamily="34" charset="0"/>
+                <a:ea typeface="Calibri" panose="020F0502020204030204" pitchFamily="34" charset="0"/>
+                <a:cs typeface="Times New Roman" panose="02020603050405020304" pitchFamily="18" charset="0"/>
+              </a:rPr>
+              <a:t> August 2020</a:t>
+            </a:r>
+            <a:endParaRPr lang="en-US" sz="1100" dirty="0">
+              <a:effectLst/>
+              <a:latin typeface="Verdana" panose="020B0604030504040204" pitchFamily="34" charset="0"/>
+              <a:ea typeface="Calibri" panose="020F0502020204030204" pitchFamily="34" charset="0"/>
+              <a:cs typeface="Times New Roman" panose="02020603050405020304" pitchFamily="18" charset="0"/>
+            </a:endParaRPr>
+          </a:p>
+        </p:txBody>
+      </p:sp>
       <p:pic>
         <p:nvPicPr>
-          <p:cNvPr id="9" name="Picture 8">
+          <p:cNvPr id="7" name="Picture 6">
             <a:extLst>
               <a:ext uri="{FF2B5EF4-FFF2-40B4-BE49-F238E27FC236}">
-                <a16:creationId xmlns:a16="http://schemas.microsoft.com/office/drawing/2014/main" id="{574DB6D0-F8E7-4400-A173-C515727C5869}"/>
+                <a16:creationId xmlns:a16="http://schemas.microsoft.com/office/drawing/2014/main" id="{F2E6DFEC-B841-4AE8-AE3D-AA4EC65CF2ED}"/>
               </a:ext>
             </a:extLst>
           </p:cNvPr>
-          <p:cNvPicPr>
-            <a:picLocks noChangeAspect="1"/>
-          </p:cNvPicPr>
+          <p:cNvPicPr/>
           <p:nvPr/>
         </p:nvPicPr>
-        <p:blipFill rotWithShape="1">
+        <p:blipFill>
           <a:blip r:embed="rId3">
             <a:extLst>
               <a:ext uri="{28A0092B-C50C-407E-A947-70E740481C1C}">
@@ -12104,13 +12356,14 @@
               </a:ext>
             </a:extLst>
           </a:blip>
-          <a:srcRect l="4784" t="4965" r="4319" b="12259"/>
-          <a:stretch/>
+          <a:stretch>
+            <a:fillRect/>
+          </a:stretch>
         </p:blipFill>
         <p:spPr>
           <a:xfrm>
-            <a:off x="4629565" y="1881134"/>
-            <a:ext cx="4514435" cy="3039926"/>
+            <a:off x="4591430" y="1853478"/>
+            <a:ext cx="3941010" cy="2007570"/>
           </a:xfrm>
           <a:prstGeom prst="rect">
             <a:avLst/>
@@ -12120,7 +12373,7 @@
     </p:spTree>
     <p:extLst>
       <p:ext uri="{BB962C8B-B14F-4D97-AF65-F5344CB8AC3E}">
-        <p14:creationId xmlns:p14="http://schemas.microsoft.com/office/powerpoint/2010/main" val="371186304"/>
+        <p14:creationId xmlns:p14="http://schemas.microsoft.com/office/powerpoint/2010/main" val="1393766135"/>
       </p:ext>
     </p:extLst>
   </p:cSld>
@@ -12131,6 +12384,1131 @@
 </file>
 
 <file path=ppt/slides/slide13.xml><?xml version="1.0" encoding="utf-8"?>
+<p:sld xmlns:a="http://schemas.openxmlformats.org/drawingml/2006/main" xmlns:r="http://schemas.openxmlformats.org/officeDocument/2006/relationships" xmlns:p="http://schemas.openxmlformats.org/presentationml/2006/main">
+  <p:cSld>
+    <p:spTree>
+      <p:nvGrpSpPr>
+        <p:cNvPr id="1" name=""/>
+        <p:cNvGrpSpPr/>
+        <p:nvPr/>
+      </p:nvGrpSpPr>
+      <p:grpSpPr>
+        <a:xfrm>
+          <a:off x="0" y="0"/>
+          <a:ext cx="0" cy="0"/>
+          <a:chOff x="0" y="0"/>
+          <a:chExt cx="0" cy="0"/>
+        </a:xfrm>
+      </p:grpSpPr>
+      <p:sp>
+        <p:nvSpPr>
+          <p:cNvPr id="3" name="Footer Placeholder 2">
+            <a:extLst>
+              <a:ext uri="{FF2B5EF4-FFF2-40B4-BE49-F238E27FC236}">
+                <a16:creationId xmlns:a16="http://schemas.microsoft.com/office/drawing/2014/main" id="{A491E189-E63F-4204-B87A-D2D23D76B5AC}"/>
+              </a:ext>
+            </a:extLst>
+          </p:cNvPr>
+          <p:cNvSpPr>
+            <a:spLocks noGrp="1"/>
+          </p:cNvSpPr>
+          <p:nvPr>
+            <p:ph type="ftr" sz="quarter" idx="10"/>
+          </p:nvPr>
+        </p:nvSpPr>
+        <p:spPr/>
+        <p:txBody>
+          <a:bodyPr/>
+          <a:lstStyle/>
+          <a:p>
+            <a:pPr>
+              <a:defRPr/>
+            </a:pPr>
+            <a:endParaRPr lang="de-DE"/>
+          </a:p>
+          <a:p>
+            <a:pPr>
+              <a:defRPr/>
+            </a:pPr>
+            <a:endParaRPr lang="de-DE"/>
+          </a:p>
+        </p:txBody>
+      </p:sp>
+      <p:sp>
+        <p:nvSpPr>
+          <p:cNvPr id="4" name="Title 3">
+            <a:extLst>
+              <a:ext uri="{FF2B5EF4-FFF2-40B4-BE49-F238E27FC236}">
+                <a16:creationId xmlns:a16="http://schemas.microsoft.com/office/drawing/2014/main" id="{80533785-EE5D-480B-98CF-E8AE7DD94DF0}"/>
+              </a:ext>
+            </a:extLst>
+          </p:cNvPr>
+          <p:cNvSpPr>
+            <a:spLocks noGrp="1"/>
+          </p:cNvSpPr>
+          <p:nvPr>
+            <p:ph type="title"/>
+          </p:nvPr>
+        </p:nvSpPr>
+        <p:spPr/>
+        <p:txBody>
+          <a:bodyPr/>
+          <a:lstStyle/>
+          <a:p>
+            <a:r>
+              <a:rPr lang="en-US" dirty="0"/>
+              <a:t>Accuracy Assessment of Chl-a Estimates</a:t>
+            </a:r>
+          </a:p>
+        </p:txBody>
+      </p:sp>
+      <p:pic>
+        <p:nvPicPr>
+          <p:cNvPr id="8" name="Picture 7">
+            <a:extLst>
+              <a:ext uri="{FF2B5EF4-FFF2-40B4-BE49-F238E27FC236}">
+                <a16:creationId xmlns:a16="http://schemas.microsoft.com/office/drawing/2014/main" id="{9A56B2DF-A35B-4CC6-861A-E4BDADCA7468}"/>
+              </a:ext>
+            </a:extLst>
+          </p:cNvPr>
+          <p:cNvPicPr>
+            <a:picLocks noChangeAspect="1"/>
+          </p:cNvPicPr>
+          <p:nvPr/>
+        </p:nvPicPr>
+        <p:blipFill>
+          <a:blip r:embed="rId2"/>
+          <a:stretch>
+            <a:fillRect/>
+          </a:stretch>
+        </p:blipFill>
+        <p:spPr>
+          <a:xfrm>
+            <a:off x="1475656" y="1394837"/>
+            <a:ext cx="5868988" cy="5175313"/>
+          </a:xfrm>
+          <a:prstGeom prst="rect">
+            <a:avLst/>
+          </a:prstGeom>
+        </p:spPr>
+      </p:pic>
+    </p:spTree>
+    <p:extLst>
+      <p:ext uri="{BB962C8B-B14F-4D97-AF65-F5344CB8AC3E}">
+        <p14:creationId xmlns:p14="http://schemas.microsoft.com/office/powerpoint/2010/main" val="1139345409"/>
+      </p:ext>
+    </p:extLst>
+  </p:cSld>
+  <p:clrMapOvr>
+    <a:masterClrMapping/>
+  </p:clrMapOvr>
+</p:sld>
+</file>
+
+<file path=ppt/slides/slide14.xml><?xml version="1.0" encoding="utf-8"?>
+<p:sld xmlns:a="http://schemas.openxmlformats.org/drawingml/2006/main" xmlns:r="http://schemas.openxmlformats.org/officeDocument/2006/relationships" xmlns:p="http://schemas.openxmlformats.org/presentationml/2006/main">
+  <p:cSld>
+    <p:spTree>
+      <p:nvGrpSpPr>
+        <p:cNvPr id="1" name=""/>
+        <p:cNvGrpSpPr/>
+        <p:nvPr/>
+      </p:nvGrpSpPr>
+      <p:grpSpPr>
+        <a:xfrm>
+          <a:off x="0" y="0"/>
+          <a:ext cx="0" cy="0"/>
+          <a:chOff x="0" y="0"/>
+          <a:chExt cx="0" cy="0"/>
+        </a:xfrm>
+      </p:grpSpPr>
+      <p:sp>
+        <p:nvSpPr>
+          <p:cNvPr id="3" name="Footer Placeholder 2">
+            <a:extLst>
+              <a:ext uri="{FF2B5EF4-FFF2-40B4-BE49-F238E27FC236}">
+                <a16:creationId xmlns:a16="http://schemas.microsoft.com/office/drawing/2014/main" id="{95EA1951-75C7-4A1F-BB72-D70EA9C77CFA}"/>
+              </a:ext>
+            </a:extLst>
+          </p:cNvPr>
+          <p:cNvSpPr>
+            <a:spLocks noGrp="1"/>
+          </p:cNvSpPr>
+          <p:nvPr>
+            <p:ph type="ftr" sz="quarter" idx="10"/>
+          </p:nvPr>
+        </p:nvSpPr>
+        <p:spPr/>
+        <p:txBody>
+          <a:bodyPr/>
+          <a:lstStyle/>
+          <a:p>
+            <a:pPr>
+              <a:defRPr/>
+            </a:pPr>
+            <a:endParaRPr lang="de-DE"/>
+          </a:p>
+          <a:p>
+            <a:pPr>
+              <a:defRPr/>
+            </a:pPr>
+            <a:endParaRPr lang="de-DE"/>
+          </a:p>
+        </p:txBody>
+      </p:sp>
+      <p:sp>
+        <p:nvSpPr>
+          <p:cNvPr id="4" name="Title 3">
+            <a:extLst>
+              <a:ext uri="{FF2B5EF4-FFF2-40B4-BE49-F238E27FC236}">
+                <a16:creationId xmlns:a16="http://schemas.microsoft.com/office/drawing/2014/main" id="{505640D1-97F1-4BCA-A982-0D9DCAAE9DD6}"/>
+              </a:ext>
+            </a:extLst>
+          </p:cNvPr>
+          <p:cNvSpPr>
+            <a:spLocks noGrp="1"/>
+          </p:cNvSpPr>
+          <p:nvPr>
+            <p:ph type="title"/>
+          </p:nvPr>
+        </p:nvSpPr>
+        <p:spPr/>
+        <p:txBody>
+          <a:bodyPr/>
+          <a:lstStyle/>
+          <a:p>
+            <a:r>
+              <a:rPr lang="en-US" dirty="0"/>
+              <a:t>Accuracy Assessment of Chl-a Estimates</a:t>
+            </a:r>
+          </a:p>
+        </p:txBody>
+      </p:sp>
+      <p:pic>
+        <p:nvPicPr>
+          <p:cNvPr id="6" name="Picture 5">
+            <a:extLst>
+              <a:ext uri="{FF2B5EF4-FFF2-40B4-BE49-F238E27FC236}">
+                <a16:creationId xmlns:a16="http://schemas.microsoft.com/office/drawing/2014/main" id="{376955B2-880A-4DA1-8679-548388D4E97B}"/>
+              </a:ext>
+            </a:extLst>
+          </p:cNvPr>
+          <p:cNvPicPr>
+            <a:picLocks noChangeAspect="1"/>
+          </p:cNvPicPr>
+          <p:nvPr/>
+        </p:nvPicPr>
+        <p:blipFill>
+          <a:blip r:embed="rId2"/>
+          <a:stretch>
+            <a:fillRect/>
+          </a:stretch>
+        </p:blipFill>
+        <p:spPr>
+          <a:xfrm>
+            <a:off x="395536" y="1628800"/>
+            <a:ext cx="7849567" cy="3956563"/>
+          </a:xfrm>
+          <a:prstGeom prst="rect">
+            <a:avLst/>
+          </a:prstGeom>
+        </p:spPr>
+      </p:pic>
+    </p:spTree>
+    <p:extLst>
+      <p:ext uri="{BB962C8B-B14F-4D97-AF65-F5344CB8AC3E}">
+        <p14:creationId xmlns:p14="http://schemas.microsoft.com/office/powerpoint/2010/main" val="3630527653"/>
+      </p:ext>
+    </p:extLst>
+  </p:cSld>
+  <p:clrMapOvr>
+    <a:masterClrMapping/>
+  </p:clrMapOvr>
+</p:sld>
+</file>
+
+<file path=ppt/slides/slide15.xml><?xml version="1.0" encoding="utf-8"?>
+<p:sld xmlns:a="http://schemas.openxmlformats.org/drawingml/2006/main" xmlns:r="http://schemas.openxmlformats.org/officeDocument/2006/relationships" xmlns:p="http://schemas.openxmlformats.org/presentationml/2006/main">
+  <p:cSld>
+    <p:spTree>
+      <p:nvGrpSpPr>
+        <p:cNvPr id="1" name=""/>
+        <p:cNvGrpSpPr/>
+        <p:nvPr/>
+      </p:nvGrpSpPr>
+      <p:grpSpPr>
+        <a:xfrm>
+          <a:off x="0" y="0"/>
+          <a:ext cx="0" cy="0"/>
+          <a:chOff x="0" y="0"/>
+          <a:chExt cx="0" cy="0"/>
+        </a:xfrm>
+      </p:grpSpPr>
+      <p:sp>
+        <p:nvSpPr>
+          <p:cNvPr id="3" name="Footer Placeholder 2">
+            <a:extLst>
+              <a:ext uri="{FF2B5EF4-FFF2-40B4-BE49-F238E27FC236}">
+                <a16:creationId xmlns:a16="http://schemas.microsoft.com/office/drawing/2014/main" id="{EEC1BEBA-C7C7-4BA8-9B61-04B08F33DC05}"/>
+              </a:ext>
+            </a:extLst>
+          </p:cNvPr>
+          <p:cNvSpPr>
+            <a:spLocks noGrp="1"/>
+          </p:cNvSpPr>
+          <p:nvPr>
+            <p:ph type="ftr" sz="quarter" idx="10"/>
+          </p:nvPr>
+        </p:nvSpPr>
+        <p:spPr/>
+        <p:txBody>
+          <a:bodyPr/>
+          <a:lstStyle/>
+          <a:p>
+            <a:pPr>
+              <a:defRPr/>
+            </a:pPr>
+            <a:endParaRPr lang="de-DE"/>
+          </a:p>
+          <a:p>
+            <a:pPr>
+              <a:defRPr/>
+            </a:pPr>
+            <a:endParaRPr lang="de-DE"/>
+          </a:p>
+        </p:txBody>
+      </p:sp>
+      <p:sp>
+        <p:nvSpPr>
+          <p:cNvPr id="4" name="Title 3">
+            <a:extLst>
+              <a:ext uri="{FF2B5EF4-FFF2-40B4-BE49-F238E27FC236}">
+                <a16:creationId xmlns:a16="http://schemas.microsoft.com/office/drawing/2014/main" id="{957992EE-5593-42AF-BDE7-585C6DF2A9A6}"/>
+              </a:ext>
+            </a:extLst>
+          </p:cNvPr>
+          <p:cNvSpPr>
+            <a:spLocks noGrp="1"/>
+          </p:cNvSpPr>
+          <p:nvPr>
+            <p:ph type="title"/>
+          </p:nvPr>
+        </p:nvSpPr>
+        <p:spPr>
+          <a:xfrm>
+            <a:off x="254074" y="488950"/>
+            <a:ext cx="7774309" cy="838200"/>
+          </a:xfrm>
+        </p:spPr>
+        <p:txBody>
+          <a:bodyPr/>
+          <a:lstStyle/>
+          <a:p>
+            <a:r>
+              <a:rPr lang="en-US" sz="2000" dirty="0"/>
+              <a:t>Results (b): High LSAT recorded during bloom Events</a:t>
+            </a:r>
+          </a:p>
+        </p:txBody>
+      </p:sp>
+      <p:pic>
+        <p:nvPicPr>
+          <p:cNvPr id="5" name="Picture 4">
+            <a:extLst>
+              <a:ext uri="{FF2B5EF4-FFF2-40B4-BE49-F238E27FC236}">
+                <a16:creationId xmlns:a16="http://schemas.microsoft.com/office/drawing/2014/main" id="{137E4FA8-5583-4D00-9A8D-73C4002D0EA9}"/>
+              </a:ext>
+            </a:extLst>
+          </p:cNvPr>
+          <p:cNvPicPr/>
+          <p:nvPr/>
+        </p:nvPicPr>
+        <p:blipFill>
+          <a:blip r:embed="rId2">
+            <a:extLst>
+              <a:ext uri="{28A0092B-C50C-407E-A947-70E740481C1C}">
+                <a14:useLocalDpi xmlns:a14="http://schemas.microsoft.com/office/drawing/2010/main" val="0"/>
+              </a:ext>
+            </a:extLst>
+          </a:blip>
+          <a:stretch>
+            <a:fillRect/>
+          </a:stretch>
+        </p:blipFill>
+        <p:spPr>
+          <a:xfrm>
+            <a:off x="486971" y="1874176"/>
+            <a:ext cx="3672831" cy="2052697"/>
+          </a:xfrm>
+          <a:prstGeom prst="rect">
+            <a:avLst/>
+          </a:prstGeom>
+        </p:spPr>
+      </p:pic>
+      <p:pic>
+        <p:nvPicPr>
+          <p:cNvPr id="6" name="Picture 5">
+            <a:extLst>
+              <a:ext uri="{FF2B5EF4-FFF2-40B4-BE49-F238E27FC236}">
+                <a16:creationId xmlns:a16="http://schemas.microsoft.com/office/drawing/2014/main" id="{D6CDE159-D989-4FC6-86A2-7B6BB4287D54}"/>
+              </a:ext>
+            </a:extLst>
+          </p:cNvPr>
+          <p:cNvPicPr/>
+          <p:nvPr/>
+        </p:nvPicPr>
+        <p:blipFill>
+          <a:blip r:embed="rId3">
+            <a:extLst>
+              <a:ext uri="{28A0092B-C50C-407E-A947-70E740481C1C}">
+                <a14:useLocalDpi xmlns:a14="http://schemas.microsoft.com/office/drawing/2010/main" val="0"/>
+              </a:ext>
+            </a:extLst>
+          </a:blip>
+          <a:stretch>
+            <a:fillRect/>
+          </a:stretch>
+        </p:blipFill>
+        <p:spPr>
+          <a:xfrm>
+            <a:off x="4984200" y="1874176"/>
+            <a:ext cx="3692678" cy="1929792"/>
+          </a:xfrm>
+          <a:prstGeom prst="rect">
+            <a:avLst/>
+          </a:prstGeom>
+        </p:spPr>
+      </p:pic>
+      <p:sp>
+        <p:nvSpPr>
+          <p:cNvPr id="7" name="Text Box 2">
+            <a:extLst>
+              <a:ext uri="{FF2B5EF4-FFF2-40B4-BE49-F238E27FC236}">
+                <a16:creationId xmlns:a16="http://schemas.microsoft.com/office/drawing/2014/main" id="{6FA34B6E-7E09-4136-AB43-408C01C26CBC}"/>
+              </a:ext>
+            </a:extLst>
+          </p:cNvPr>
+          <p:cNvSpPr txBox="1">
+            <a:spLocks noChangeArrowheads="1"/>
+          </p:cNvSpPr>
+          <p:nvPr/>
+        </p:nvSpPr>
+        <p:spPr bwMode="auto">
+          <a:xfrm>
+            <a:off x="231320" y="1484285"/>
+            <a:ext cx="8661160" cy="360040"/>
+          </a:xfrm>
+          <a:prstGeom prst="rect">
+            <a:avLst/>
+          </a:prstGeom>
+          <a:solidFill>
+            <a:schemeClr val="accent2">
+              <a:lumMod val="75000"/>
+            </a:schemeClr>
+          </a:solidFill>
+          <a:ln w="9525">
+            <a:solidFill>
+              <a:schemeClr val="bg1"/>
+            </a:solidFill>
+            <a:miter lim="800000"/>
+            <a:headEnd/>
+            <a:tailEnd/>
+          </a:ln>
+        </p:spPr>
+        <p:txBody>
+          <a:bodyPr rot="0" vert="horz" wrap="square" lIns="91440" tIns="45720" rIns="91440" bIns="45720" anchor="t" anchorCtr="0">
+            <a:noAutofit/>
+          </a:bodyPr>
+          <a:lstStyle/>
+          <a:p>
+            <a:pPr marL="0" marR="0" indent="457200" algn="just">
+              <a:lnSpc>
+                <a:spcPct val="150000"/>
+              </a:lnSpc>
+              <a:spcBef>
+                <a:spcPts val="0"/>
+              </a:spcBef>
+              <a:spcAft>
+                <a:spcPts val="800"/>
+              </a:spcAft>
+            </a:pPr>
+            <a:r>
+              <a:rPr lang="en-US" sz="1100" b="1" dirty="0">
+                <a:effectLst/>
+                <a:latin typeface="Verdana" panose="020B0604030504040204" pitchFamily="34" charset="0"/>
+                <a:ea typeface="Calibri" panose="020F0502020204030204" pitchFamily="34" charset="0"/>
+                <a:cs typeface="Times New Roman" panose="02020603050405020304" pitchFamily="18" charset="0"/>
+              </a:rPr>
+              <a:t>12</a:t>
+            </a:r>
+            <a:r>
+              <a:rPr lang="en-US" sz="1100" b="1" baseline="30000" dirty="0">
+                <a:effectLst/>
+                <a:latin typeface="Verdana" panose="020B0604030504040204" pitchFamily="34" charset="0"/>
+                <a:ea typeface="Calibri" panose="020F0502020204030204" pitchFamily="34" charset="0"/>
+                <a:cs typeface="Times New Roman" panose="02020603050405020304" pitchFamily="18" charset="0"/>
+              </a:rPr>
+              <a:t>th</a:t>
+            </a:r>
+            <a:r>
+              <a:rPr lang="en-US" sz="1100" b="1" dirty="0">
+                <a:effectLst/>
+                <a:latin typeface="Verdana" panose="020B0604030504040204" pitchFamily="34" charset="0"/>
+                <a:ea typeface="Calibri" panose="020F0502020204030204" pitchFamily="34" charset="0"/>
+                <a:cs typeface="Times New Roman" panose="02020603050405020304" pitchFamily="18" charset="0"/>
+              </a:rPr>
+              <a:t> January 2015								23</a:t>
+            </a:r>
+            <a:r>
+              <a:rPr lang="en-US" sz="1100" b="1" baseline="30000" dirty="0">
+                <a:effectLst/>
+                <a:latin typeface="Verdana" panose="020B0604030504040204" pitchFamily="34" charset="0"/>
+                <a:ea typeface="Calibri" panose="020F0502020204030204" pitchFamily="34" charset="0"/>
+                <a:cs typeface="Times New Roman" panose="02020603050405020304" pitchFamily="18" charset="0"/>
+              </a:rPr>
+              <a:t>rd</a:t>
+            </a:r>
+            <a:r>
+              <a:rPr lang="en-US" sz="1100" b="1" dirty="0">
+                <a:effectLst/>
+                <a:latin typeface="Verdana" panose="020B0604030504040204" pitchFamily="34" charset="0"/>
+                <a:ea typeface="Calibri" panose="020F0502020204030204" pitchFamily="34" charset="0"/>
+                <a:cs typeface="Times New Roman" panose="02020603050405020304" pitchFamily="18" charset="0"/>
+              </a:rPr>
+              <a:t> July 2016</a:t>
+            </a:r>
+            <a:endParaRPr lang="en-US" sz="1100" dirty="0">
+              <a:effectLst/>
+              <a:latin typeface="Verdana" panose="020B0604030504040204" pitchFamily="34" charset="0"/>
+              <a:ea typeface="Calibri" panose="020F0502020204030204" pitchFamily="34" charset="0"/>
+              <a:cs typeface="Times New Roman" panose="02020603050405020304" pitchFamily="18" charset="0"/>
+            </a:endParaRPr>
+          </a:p>
+          <a:p>
+            <a:pPr marL="0" marR="0" algn="just">
+              <a:lnSpc>
+                <a:spcPct val="150000"/>
+              </a:lnSpc>
+              <a:spcBef>
+                <a:spcPts val="0"/>
+              </a:spcBef>
+              <a:spcAft>
+                <a:spcPts val="800"/>
+              </a:spcAft>
+            </a:pPr>
+            <a:r>
+              <a:rPr lang="en-US" sz="1100" b="1" dirty="0">
+                <a:effectLst/>
+                <a:latin typeface="Verdana" panose="020B0604030504040204" pitchFamily="34" charset="0"/>
+                <a:ea typeface="Calibri" panose="020F0502020204030204" pitchFamily="34" charset="0"/>
+                <a:cs typeface="Times New Roman" panose="02020603050405020304" pitchFamily="18" charset="0"/>
+              </a:rPr>
+              <a:t> </a:t>
+            </a:r>
+            <a:endParaRPr lang="en-US" sz="1100" dirty="0">
+              <a:effectLst/>
+              <a:latin typeface="Verdana" panose="020B0604030504040204" pitchFamily="34" charset="0"/>
+              <a:ea typeface="Calibri" panose="020F0502020204030204" pitchFamily="34" charset="0"/>
+              <a:cs typeface="Times New Roman" panose="02020603050405020304" pitchFamily="18" charset="0"/>
+            </a:endParaRPr>
+          </a:p>
+        </p:txBody>
+      </p:sp>
+      <p:pic>
+        <p:nvPicPr>
+          <p:cNvPr id="8" name="Picture 7">
+            <a:extLst>
+              <a:ext uri="{FF2B5EF4-FFF2-40B4-BE49-F238E27FC236}">
+                <a16:creationId xmlns:a16="http://schemas.microsoft.com/office/drawing/2014/main" id="{8D60558A-CC19-47B6-AE06-8B8CB212AEE0}"/>
+              </a:ext>
+            </a:extLst>
+          </p:cNvPr>
+          <p:cNvPicPr/>
+          <p:nvPr/>
+        </p:nvPicPr>
+        <p:blipFill>
+          <a:blip r:embed="rId4">
+            <a:extLst>
+              <a:ext uri="{28A0092B-C50C-407E-A947-70E740481C1C}">
+                <a14:useLocalDpi xmlns:a14="http://schemas.microsoft.com/office/drawing/2010/main" val="0"/>
+              </a:ext>
+            </a:extLst>
+          </a:blip>
+          <a:stretch>
+            <a:fillRect/>
+          </a:stretch>
+        </p:blipFill>
+        <p:spPr>
+          <a:xfrm>
+            <a:off x="4984200" y="4396518"/>
+            <a:ext cx="3908280" cy="2113820"/>
+          </a:xfrm>
+          <a:prstGeom prst="rect">
+            <a:avLst/>
+          </a:prstGeom>
+        </p:spPr>
+      </p:pic>
+      <p:pic>
+        <p:nvPicPr>
+          <p:cNvPr id="9" name="Picture 8">
+            <a:extLst>
+              <a:ext uri="{FF2B5EF4-FFF2-40B4-BE49-F238E27FC236}">
+                <a16:creationId xmlns:a16="http://schemas.microsoft.com/office/drawing/2014/main" id="{AE037A6D-5DBE-4A1D-94D4-9F04877654DB}"/>
+              </a:ext>
+            </a:extLst>
+          </p:cNvPr>
+          <p:cNvPicPr/>
+          <p:nvPr/>
+        </p:nvPicPr>
+        <p:blipFill>
+          <a:blip r:embed="rId5">
+            <a:extLst>
+              <a:ext uri="{28A0092B-C50C-407E-A947-70E740481C1C}">
+                <a14:useLocalDpi xmlns:a14="http://schemas.microsoft.com/office/drawing/2010/main" val="0"/>
+              </a:ext>
+            </a:extLst>
+          </a:blip>
+          <a:stretch>
+            <a:fillRect/>
+          </a:stretch>
+        </p:blipFill>
+        <p:spPr>
+          <a:xfrm>
+            <a:off x="611560" y="4341715"/>
+            <a:ext cx="3772788" cy="2168623"/>
+          </a:xfrm>
+          <a:prstGeom prst="rect">
+            <a:avLst/>
+          </a:prstGeom>
+        </p:spPr>
+      </p:pic>
+      <p:sp>
+        <p:nvSpPr>
+          <p:cNvPr id="10" name="Text Box 2">
+            <a:extLst>
+              <a:ext uri="{FF2B5EF4-FFF2-40B4-BE49-F238E27FC236}">
+                <a16:creationId xmlns:a16="http://schemas.microsoft.com/office/drawing/2014/main" id="{80E05C20-1F82-4F5A-968E-051DE1DF3138}"/>
+              </a:ext>
+            </a:extLst>
+          </p:cNvPr>
+          <p:cNvSpPr txBox="1">
+            <a:spLocks noChangeArrowheads="1"/>
+          </p:cNvSpPr>
+          <p:nvPr/>
+        </p:nvSpPr>
+        <p:spPr bwMode="auto">
+          <a:xfrm>
+            <a:off x="250825" y="3981676"/>
+            <a:ext cx="8641655" cy="360039"/>
+          </a:xfrm>
+          <a:prstGeom prst="rect">
+            <a:avLst/>
+          </a:prstGeom>
+          <a:solidFill>
+            <a:schemeClr val="accent2">
+              <a:lumMod val="75000"/>
+            </a:schemeClr>
+          </a:solidFill>
+          <a:ln w="9525">
+            <a:solidFill>
+              <a:schemeClr val="bg1"/>
+            </a:solidFill>
+            <a:miter lim="800000"/>
+            <a:headEnd/>
+            <a:tailEnd/>
+          </a:ln>
+        </p:spPr>
+        <p:txBody>
+          <a:bodyPr rot="0" vert="horz" wrap="square" lIns="91440" tIns="45720" rIns="91440" bIns="45720" anchor="t" anchorCtr="0">
+            <a:noAutofit/>
+          </a:bodyPr>
+          <a:lstStyle/>
+          <a:p>
+            <a:pPr marL="0" marR="0" indent="457200" algn="just">
+              <a:lnSpc>
+                <a:spcPct val="150000"/>
+              </a:lnSpc>
+              <a:spcBef>
+                <a:spcPts val="0"/>
+              </a:spcBef>
+              <a:spcAft>
+                <a:spcPts val="800"/>
+              </a:spcAft>
+            </a:pPr>
+            <a:r>
+              <a:rPr lang="en-US" sz="1100" b="1" dirty="0">
+                <a:effectLst/>
+                <a:latin typeface="Verdana" panose="020B0604030504040204" pitchFamily="34" charset="0"/>
+                <a:ea typeface="Calibri" panose="020F0502020204030204" pitchFamily="34" charset="0"/>
+                <a:cs typeface="Times New Roman" panose="02020603050405020304" pitchFamily="18" charset="0"/>
+              </a:rPr>
+              <a:t>04</a:t>
+            </a:r>
+            <a:r>
+              <a:rPr lang="en-US" sz="1100" b="1" baseline="30000" dirty="0">
+                <a:effectLst/>
+                <a:latin typeface="Verdana" panose="020B0604030504040204" pitchFamily="34" charset="0"/>
+                <a:ea typeface="Calibri" panose="020F0502020204030204" pitchFamily="34" charset="0"/>
+                <a:cs typeface="Times New Roman" panose="02020603050405020304" pitchFamily="18" charset="0"/>
+              </a:rPr>
+              <a:t>th</a:t>
+            </a:r>
+            <a:r>
+              <a:rPr lang="en-US" sz="1100" b="1" dirty="0">
+                <a:effectLst/>
+                <a:latin typeface="Verdana" panose="020B0604030504040204" pitchFamily="34" charset="0"/>
+                <a:ea typeface="Calibri" panose="020F0502020204030204" pitchFamily="34" charset="0"/>
+                <a:cs typeface="Times New Roman" panose="02020603050405020304" pitchFamily="18" charset="0"/>
+              </a:rPr>
+              <a:t> August 2017								27</a:t>
+            </a:r>
+            <a:r>
+              <a:rPr lang="en-US" sz="1100" b="1" baseline="30000" dirty="0">
+                <a:effectLst/>
+                <a:latin typeface="Verdana" panose="020B0604030504040204" pitchFamily="34" charset="0"/>
+                <a:ea typeface="Calibri" panose="020F0502020204030204" pitchFamily="34" charset="0"/>
+                <a:cs typeface="Times New Roman" panose="02020603050405020304" pitchFamily="18" charset="0"/>
+              </a:rPr>
+              <a:t>th</a:t>
+            </a:r>
+            <a:r>
+              <a:rPr lang="en-US" sz="1100" b="1" dirty="0">
+                <a:effectLst/>
+                <a:latin typeface="Verdana" panose="020B0604030504040204" pitchFamily="34" charset="0"/>
+                <a:ea typeface="Calibri" panose="020F0502020204030204" pitchFamily="34" charset="0"/>
+                <a:cs typeface="Times New Roman" panose="02020603050405020304" pitchFamily="18" charset="0"/>
+              </a:rPr>
+              <a:t> January 2018</a:t>
+            </a:r>
+            <a:endParaRPr lang="en-US" sz="1100" dirty="0">
+              <a:effectLst/>
+              <a:latin typeface="Verdana" panose="020B0604030504040204" pitchFamily="34" charset="0"/>
+              <a:ea typeface="Calibri" panose="020F0502020204030204" pitchFamily="34" charset="0"/>
+              <a:cs typeface="Times New Roman" panose="02020603050405020304" pitchFamily="18" charset="0"/>
+            </a:endParaRPr>
+          </a:p>
+        </p:txBody>
+      </p:sp>
+    </p:spTree>
+    <p:extLst>
+      <p:ext uri="{BB962C8B-B14F-4D97-AF65-F5344CB8AC3E}">
+        <p14:creationId xmlns:p14="http://schemas.microsoft.com/office/powerpoint/2010/main" val="3416787565"/>
+      </p:ext>
+    </p:extLst>
+  </p:cSld>
+  <p:clrMapOvr>
+    <a:masterClrMapping/>
+  </p:clrMapOvr>
+</p:sld>
+</file>
+
+<file path=ppt/slides/slide16.xml><?xml version="1.0" encoding="utf-8"?>
+<p:sld xmlns:a="http://schemas.openxmlformats.org/drawingml/2006/main" xmlns:r="http://schemas.openxmlformats.org/officeDocument/2006/relationships" xmlns:p="http://schemas.openxmlformats.org/presentationml/2006/main">
+  <p:cSld>
+    <p:spTree>
+      <p:nvGrpSpPr>
+        <p:cNvPr id="1" name=""/>
+        <p:cNvGrpSpPr/>
+        <p:nvPr/>
+      </p:nvGrpSpPr>
+      <p:grpSpPr>
+        <a:xfrm>
+          <a:off x="0" y="0"/>
+          <a:ext cx="0" cy="0"/>
+          <a:chOff x="0" y="0"/>
+          <a:chExt cx="0" cy="0"/>
+        </a:xfrm>
+      </p:grpSpPr>
+      <p:sp>
+        <p:nvSpPr>
+          <p:cNvPr id="3" name="Footer Placeholder 2">
+            <a:extLst>
+              <a:ext uri="{FF2B5EF4-FFF2-40B4-BE49-F238E27FC236}">
+                <a16:creationId xmlns:a16="http://schemas.microsoft.com/office/drawing/2014/main" id="{775CFEB5-0338-494B-B745-5FE344AE284B}"/>
+              </a:ext>
+            </a:extLst>
+          </p:cNvPr>
+          <p:cNvSpPr>
+            <a:spLocks noGrp="1"/>
+          </p:cNvSpPr>
+          <p:nvPr>
+            <p:ph type="ftr" sz="quarter" idx="10"/>
+          </p:nvPr>
+        </p:nvSpPr>
+        <p:spPr/>
+        <p:txBody>
+          <a:bodyPr/>
+          <a:lstStyle/>
+          <a:p>
+            <a:pPr>
+              <a:defRPr/>
+            </a:pPr>
+            <a:endParaRPr lang="de-DE"/>
+          </a:p>
+          <a:p>
+            <a:pPr>
+              <a:defRPr/>
+            </a:pPr>
+            <a:endParaRPr lang="de-DE"/>
+          </a:p>
+        </p:txBody>
+      </p:sp>
+      <p:sp>
+        <p:nvSpPr>
+          <p:cNvPr id="4" name="Title 3">
+            <a:extLst>
+              <a:ext uri="{FF2B5EF4-FFF2-40B4-BE49-F238E27FC236}">
+                <a16:creationId xmlns:a16="http://schemas.microsoft.com/office/drawing/2014/main" id="{595C461A-F53F-4F0D-AD15-727208A6E98E}"/>
+              </a:ext>
+            </a:extLst>
+          </p:cNvPr>
+          <p:cNvSpPr>
+            <a:spLocks noGrp="1"/>
+          </p:cNvSpPr>
+          <p:nvPr>
+            <p:ph type="title"/>
+          </p:nvPr>
+        </p:nvSpPr>
+        <p:spPr>
+          <a:xfrm>
+            <a:off x="229568" y="462111"/>
+            <a:ext cx="7774310" cy="838200"/>
+          </a:xfrm>
+        </p:spPr>
+        <p:txBody>
+          <a:bodyPr/>
+          <a:lstStyle/>
+          <a:p>
+            <a:r>
+              <a:rPr lang="en-US" sz="2000" dirty="0"/>
+              <a:t>Results (b): High LSAT recorded during bloom Events</a:t>
+            </a:r>
+          </a:p>
+        </p:txBody>
+      </p:sp>
+      <p:pic>
+        <p:nvPicPr>
+          <p:cNvPr id="5" name="Picture 4">
+            <a:extLst>
+              <a:ext uri="{FF2B5EF4-FFF2-40B4-BE49-F238E27FC236}">
+                <a16:creationId xmlns:a16="http://schemas.microsoft.com/office/drawing/2014/main" id="{A7AD5DBA-0C92-47DD-97B4-6D1A3B1D4786}"/>
+              </a:ext>
+            </a:extLst>
+          </p:cNvPr>
+          <p:cNvPicPr/>
+          <p:nvPr/>
+        </p:nvPicPr>
+        <p:blipFill>
+          <a:blip r:embed="rId2">
+            <a:extLst>
+              <a:ext uri="{28A0092B-C50C-407E-A947-70E740481C1C}">
+                <a14:useLocalDpi xmlns:a14="http://schemas.microsoft.com/office/drawing/2010/main" val="0"/>
+              </a:ext>
+            </a:extLst>
+          </a:blip>
+          <a:stretch>
+            <a:fillRect/>
+          </a:stretch>
+        </p:blipFill>
+        <p:spPr>
+          <a:xfrm>
+            <a:off x="4788024" y="2197723"/>
+            <a:ext cx="4150311" cy="2188857"/>
+          </a:xfrm>
+          <a:prstGeom prst="rect">
+            <a:avLst/>
+          </a:prstGeom>
+        </p:spPr>
+      </p:pic>
+      <p:pic>
+        <p:nvPicPr>
+          <p:cNvPr id="6" name="Picture 5">
+            <a:extLst>
+              <a:ext uri="{FF2B5EF4-FFF2-40B4-BE49-F238E27FC236}">
+                <a16:creationId xmlns:a16="http://schemas.microsoft.com/office/drawing/2014/main" id="{D8365E33-CFB3-4975-BC0B-33F3644261D1}"/>
+              </a:ext>
+            </a:extLst>
+          </p:cNvPr>
+          <p:cNvPicPr/>
+          <p:nvPr/>
+        </p:nvPicPr>
+        <p:blipFill>
+          <a:blip r:embed="rId3">
+            <a:extLst>
+              <a:ext uri="{28A0092B-C50C-407E-A947-70E740481C1C}">
+                <a14:useLocalDpi xmlns:a14="http://schemas.microsoft.com/office/drawing/2010/main" val="0"/>
+              </a:ext>
+            </a:extLst>
+          </a:blip>
+          <a:stretch>
+            <a:fillRect/>
+          </a:stretch>
+        </p:blipFill>
+        <p:spPr>
+          <a:xfrm>
+            <a:off x="238962" y="2159213"/>
+            <a:ext cx="4307803" cy="2188857"/>
+          </a:xfrm>
+          <a:prstGeom prst="rect">
+            <a:avLst/>
+          </a:prstGeom>
+        </p:spPr>
+      </p:pic>
+      <p:sp>
+        <p:nvSpPr>
+          <p:cNvPr id="7" name="Text Box 2">
+            <a:extLst>
+              <a:ext uri="{FF2B5EF4-FFF2-40B4-BE49-F238E27FC236}">
+                <a16:creationId xmlns:a16="http://schemas.microsoft.com/office/drawing/2014/main" id="{899A9B2A-9663-454C-B2A7-AF030A3E4B9D}"/>
+              </a:ext>
+            </a:extLst>
+          </p:cNvPr>
+          <p:cNvSpPr txBox="1">
+            <a:spLocks noChangeArrowheads="1"/>
+          </p:cNvSpPr>
+          <p:nvPr/>
+        </p:nvSpPr>
+        <p:spPr bwMode="auto">
+          <a:xfrm>
+            <a:off x="250824" y="1481562"/>
+            <a:ext cx="8641655" cy="315148"/>
+          </a:xfrm>
+          <a:prstGeom prst="rect">
+            <a:avLst/>
+          </a:prstGeom>
+          <a:solidFill>
+            <a:schemeClr val="accent2">
+              <a:lumMod val="75000"/>
+            </a:schemeClr>
+          </a:solidFill>
+          <a:ln w="9525">
+            <a:solidFill>
+              <a:schemeClr val="bg1"/>
+            </a:solidFill>
+            <a:miter lim="800000"/>
+            <a:headEnd/>
+            <a:tailEnd/>
+          </a:ln>
+        </p:spPr>
+        <p:txBody>
+          <a:bodyPr rot="0" vert="horz" wrap="square" lIns="91440" tIns="45720" rIns="91440" bIns="45720" anchor="t" anchorCtr="0">
+            <a:noAutofit/>
+          </a:bodyPr>
+          <a:lstStyle/>
+          <a:p>
+            <a:pPr marL="0" marR="0" algn="just">
+              <a:lnSpc>
+                <a:spcPct val="150000"/>
+              </a:lnSpc>
+              <a:spcBef>
+                <a:spcPts val="0"/>
+              </a:spcBef>
+              <a:spcAft>
+                <a:spcPts val="800"/>
+              </a:spcAft>
+            </a:pPr>
+            <a:r>
+              <a:rPr lang="en-GB" sz="1100" b="1" dirty="0">
+                <a:effectLst/>
+                <a:latin typeface="Verdana" panose="020B0604030504040204" pitchFamily="34" charset="0"/>
+                <a:ea typeface="Calibri" panose="020F0502020204030204" pitchFamily="34" charset="0"/>
+                <a:cs typeface="Times New Roman" panose="02020603050405020304" pitchFamily="18" charset="0"/>
+              </a:rPr>
+              <a:t>18</a:t>
+            </a:r>
+            <a:r>
+              <a:rPr lang="en-GB" sz="1100" b="1" baseline="30000" dirty="0">
+                <a:effectLst/>
+                <a:latin typeface="Verdana" panose="020B0604030504040204" pitchFamily="34" charset="0"/>
+                <a:ea typeface="Calibri" panose="020F0502020204030204" pitchFamily="34" charset="0"/>
+                <a:cs typeface="Times New Roman" panose="02020603050405020304" pitchFamily="18" charset="0"/>
+              </a:rPr>
+              <a:t>th</a:t>
+            </a:r>
+            <a:r>
+              <a:rPr lang="en-GB" sz="1100" b="1" dirty="0">
+                <a:effectLst/>
+                <a:latin typeface="Verdana" panose="020B0604030504040204" pitchFamily="34" charset="0"/>
+                <a:ea typeface="Calibri" panose="020F0502020204030204" pitchFamily="34" charset="0"/>
+                <a:cs typeface="Times New Roman" panose="02020603050405020304" pitchFamily="18" charset="0"/>
+              </a:rPr>
+              <a:t> August</a:t>
+            </a:r>
+            <a:r>
+              <a:rPr lang="en-US" sz="1100" b="1" dirty="0">
+                <a:effectLst/>
+                <a:latin typeface="Verdana" panose="020B0604030504040204" pitchFamily="34" charset="0"/>
+                <a:ea typeface="Calibri" panose="020F0502020204030204" pitchFamily="34" charset="0"/>
+                <a:cs typeface="Times New Roman" panose="02020603050405020304" pitchFamily="18" charset="0"/>
+              </a:rPr>
+              <a:t> 2019								29</a:t>
+            </a:r>
+            <a:r>
+              <a:rPr lang="en-US" sz="1100" b="1" baseline="30000" dirty="0">
+                <a:effectLst/>
+                <a:latin typeface="Verdana" panose="020B0604030504040204" pitchFamily="34" charset="0"/>
+                <a:ea typeface="Calibri" panose="020F0502020204030204" pitchFamily="34" charset="0"/>
+                <a:cs typeface="Times New Roman" panose="02020603050405020304" pitchFamily="18" charset="0"/>
+              </a:rPr>
+              <a:t>th</a:t>
+            </a:r>
+            <a:r>
+              <a:rPr lang="en-US" sz="1100" b="1" dirty="0">
+                <a:effectLst/>
+                <a:latin typeface="Verdana" panose="020B0604030504040204" pitchFamily="34" charset="0"/>
+                <a:ea typeface="Calibri" panose="020F0502020204030204" pitchFamily="34" charset="0"/>
+                <a:cs typeface="Times New Roman" panose="02020603050405020304" pitchFamily="18" charset="0"/>
+              </a:rPr>
+              <a:t> August 2020</a:t>
+            </a:r>
+            <a:endParaRPr lang="en-US" sz="1100" dirty="0">
+              <a:effectLst/>
+              <a:latin typeface="Verdana" panose="020B0604030504040204" pitchFamily="34" charset="0"/>
+              <a:ea typeface="Calibri" panose="020F0502020204030204" pitchFamily="34" charset="0"/>
+              <a:cs typeface="Times New Roman" panose="02020603050405020304" pitchFamily="18" charset="0"/>
+            </a:endParaRPr>
+          </a:p>
+        </p:txBody>
+      </p:sp>
+    </p:spTree>
+    <p:extLst>
+      <p:ext uri="{BB962C8B-B14F-4D97-AF65-F5344CB8AC3E}">
+        <p14:creationId xmlns:p14="http://schemas.microsoft.com/office/powerpoint/2010/main" val="2213839143"/>
+      </p:ext>
+    </p:extLst>
+  </p:cSld>
+  <p:clrMapOvr>
+    <a:masterClrMapping/>
+  </p:clrMapOvr>
+</p:sld>
+</file>
+
+<file path=ppt/slides/slide17.xml><?xml version="1.0" encoding="utf-8"?>
+<p:sld xmlns:a="http://schemas.openxmlformats.org/drawingml/2006/main" xmlns:r="http://schemas.openxmlformats.org/officeDocument/2006/relationships" xmlns:p="http://schemas.openxmlformats.org/presentationml/2006/main">
+  <p:cSld>
+    <p:spTree>
+      <p:nvGrpSpPr>
+        <p:cNvPr id="1" name=""/>
+        <p:cNvGrpSpPr/>
+        <p:nvPr/>
+      </p:nvGrpSpPr>
+      <p:grpSpPr>
+        <a:xfrm>
+          <a:off x="0" y="0"/>
+          <a:ext cx="0" cy="0"/>
+          <a:chOff x="0" y="0"/>
+          <a:chExt cx="0" cy="0"/>
+        </a:xfrm>
+      </p:grpSpPr>
+      <p:sp>
+        <p:nvSpPr>
+          <p:cNvPr id="2" name="Text Placeholder 1">
+            <a:extLst>
+              <a:ext uri="{FF2B5EF4-FFF2-40B4-BE49-F238E27FC236}">
+                <a16:creationId xmlns:a16="http://schemas.microsoft.com/office/drawing/2014/main" id="{F6C78122-A407-4A78-8580-0C76086B41C3}"/>
+              </a:ext>
+            </a:extLst>
+          </p:cNvPr>
+          <p:cNvSpPr>
+            <a:spLocks noGrp="1"/>
+          </p:cNvSpPr>
+          <p:nvPr>
+            <p:ph type="body" idx="1"/>
+          </p:nvPr>
+        </p:nvSpPr>
+        <p:spPr/>
+        <p:txBody>
+          <a:bodyPr/>
+          <a:lstStyle/>
+          <a:p>
+            <a:r>
+              <a:rPr lang="en-US" b="0" dirty="0"/>
+              <a:t>- Still having problems with getting a better reference data </a:t>
+            </a:r>
+          </a:p>
+        </p:txBody>
+      </p:sp>
+      <p:sp>
+        <p:nvSpPr>
+          <p:cNvPr id="3" name="Footer Placeholder 2">
+            <a:extLst>
+              <a:ext uri="{FF2B5EF4-FFF2-40B4-BE49-F238E27FC236}">
+                <a16:creationId xmlns:a16="http://schemas.microsoft.com/office/drawing/2014/main" id="{664D7FC3-2917-4635-B745-F9F2067AEC69}"/>
+              </a:ext>
+            </a:extLst>
+          </p:cNvPr>
+          <p:cNvSpPr>
+            <a:spLocks noGrp="1"/>
+          </p:cNvSpPr>
+          <p:nvPr>
+            <p:ph type="ftr" sz="quarter" idx="10"/>
+          </p:nvPr>
+        </p:nvSpPr>
+        <p:spPr/>
+        <p:txBody>
+          <a:bodyPr/>
+          <a:lstStyle/>
+          <a:p>
+            <a:pPr>
+              <a:defRPr/>
+            </a:pPr>
+            <a:endParaRPr lang="de-DE"/>
+          </a:p>
+          <a:p>
+            <a:pPr>
+              <a:defRPr/>
+            </a:pPr>
+            <a:endParaRPr lang="de-DE"/>
+          </a:p>
+        </p:txBody>
+      </p:sp>
+      <p:sp>
+        <p:nvSpPr>
+          <p:cNvPr id="4" name="Title 3">
+            <a:extLst>
+              <a:ext uri="{FF2B5EF4-FFF2-40B4-BE49-F238E27FC236}">
+                <a16:creationId xmlns:a16="http://schemas.microsoft.com/office/drawing/2014/main" id="{BC521D47-1ADE-4348-A195-7AD3DF8A727F}"/>
+              </a:ext>
+            </a:extLst>
+          </p:cNvPr>
+          <p:cNvSpPr>
+            <a:spLocks noGrp="1"/>
+          </p:cNvSpPr>
+          <p:nvPr>
+            <p:ph type="title"/>
+          </p:nvPr>
+        </p:nvSpPr>
+        <p:spPr>
+          <a:xfrm>
+            <a:off x="254074" y="488950"/>
+            <a:ext cx="7126237" cy="838200"/>
+          </a:xfrm>
+        </p:spPr>
+        <p:txBody>
+          <a:bodyPr/>
+          <a:lstStyle/>
+          <a:p>
+            <a:r>
+              <a:rPr lang="en-US" dirty="0"/>
+              <a:t>Accuracy assessment for LSAT Estimates</a:t>
+            </a:r>
+          </a:p>
+        </p:txBody>
+      </p:sp>
+    </p:spTree>
+    <p:extLst>
+      <p:ext uri="{BB962C8B-B14F-4D97-AF65-F5344CB8AC3E}">
+        <p14:creationId xmlns:p14="http://schemas.microsoft.com/office/powerpoint/2010/main" val="1528379698"/>
+      </p:ext>
+    </p:extLst>
+  </p:cSld>
+  <p:clrMapOvr>
+    <a:masterClrMapping/>
+  </p:clrMapOvr>
+</p:sld>
+</file>
+
+<file path=ppt/slides/slide18.xml><?xml version="1.0" encoding="utf-8"?>
 <p:sld xmlns:a="http://schemas.openxmlformats.org/drawingml/2006/main" xmlns:r="http://schemas.openxmlformats.org/officeDocument/2006/relationships" xmlns:p="http://schemas.openxmlformats.org/presentationml/2006/main">
   <p:cSld>
     <p:spTree>
@@ -12292,7 +13670,7 @@
 </p:sld>
 </file>
 
-<file path=ppt/slides/slide14.xml><?xml version="1.0" encoding="utf-8"?>
+<file path=ppt/slides/slide19.xml><?xml version="1.0" encoding="utf-8"?>
 <p:sld xmlns:a="http://schemas.openxmlformats.org/drawingml/2006/main" xmlns:r="http://schemas.openxmlformats.org/officeDocument/2006/relationships" xmlns:p="http://schemas.openxmlformats.org/presentationml/2006/main">
   <p:cSld>
     <p:spTree>
@@ -12374,14 +13752,14 @@
           <p:nvPr>
             <p:extLst>
               <p:ext uri="{D42A27DB-BD31-4B8C-83A1-F6EECF244321}">
-                <p14:modId xmlns:p14="http://schemas.microsoft.com/office/powerpoint/2010/main" val="2989880261"/>
+                <p14:modId xmlns:p14="http://schemas.microsoft.com/office/powerpoint/2010/main" val="2955364723"/>
               </p:ext>
             </p:extLst>
           </p:nvPr>
         </p:nvGraphicFramePr>
         <p:xfrm>
           <a:off x="102882" y="1700808"/>
-          <a:ext cx="8928992" cy="3119732"/>
+          <a:ext cx="8928992" cy="3352039"/>
         </p:xfrm>
         <a:graphic>
           <a:graphicData uri="http://schemas.openxmlformats.org/drawingml/2006/table">
@@ -12706,7 +14084,15 @@
                     <a:p>
                       <a:r>
                         <a:rPr lang="en-US" dirty="0"/>
-                        <a:t>Chl-a spatiotemporal Maps</a:t>
+                        <a:t>Chl-a spatiotemporal Maps - </a:t>
+                      </a:r>
+                      <a:r>
+                        <a:rPr lang="en-US" dirty="0">
+                          <a:solidFill>
+                            <a:schemeClr val="bg1"/>
+                          </a:solidFill>
+                        </a:rPr>
+                        <a:t>Done</a:t>
                       </a:r>
                     </a:p>
                   </a:txBody>
@@ -12865,7 +14251,15 @@
                       </a:pPr>
                       <a:r>
                         <a:rPr lang="en-US" dirty="0"/>
-                        <a:t>LSWT spatiotemporal Maps</a:t>
+                        <a:t>LSAT spatiotemporal Maps -</a:t>
+                      </a:r>
+                      <a:r>
+                        <a:rPr lang="en-US" dirty="0">
+                          <a:solidFill>
+                            <a:schemeClr val="bg1"/>
+                          </a:solidFill>
+                        </a:rPr>
+                        <a:t>Done</a:t>
                       </a:r>
                     </a:p>
                     <a:p>
@@ -13227,7 +14621,397 @@
 </p:sld>
 </file>
 
-<file path=ppt/slides/slide15.xml><?xml version="1.0" encoding="utf-8"?>
+<file path=ppt/slides/slide2.xml><?xml version="1.0" encoding="utf-8"?>
+<p:sld xmlns:a="http://schemas.openxmlformats.org/drawingml/2006/main" xmlns:r="http://schemas.openxmlformats.org/officeDocument/2006/relationships" xmlns:p="http://schemas.openxmlformats.org/presentationml/2006/main">
+  <p:cSld>
+    <p:spTree>
+      <p:nvGrpSpPr>
+        <p:cNvPr id="1" name=""/>
+        <p:cNvGrpSpPr/>
+        <p:nvPr/>
+      </p:nvGrpSpPr>
+      <p:grpSpPr>
+        <a:xfrm>
+          <a:off x="0" y="0"/>
+          <a:ext cx="0" cy="0"/>
+          <a:chOff x="0" y="0"/>
+          <a:chExt cx="0" cy="0"/>
+        </a:xfrm>
+      </p:grpSpPr>
+      <p:sp>
+        <p:nvSpPr>
+          <p:cNvPr id="2" name="Text Placeholder 1">
+            <a:extLst>
+              <a:ext uri="{FF2B5EF4-FFF2-40B4-BE49-F238E27FC236}">
+                <a16:creationId xmlns:a16="http://schemas.microsoft.com/office/drawing/2014/main" id="{C68A5470-9702-47CF-8379-7842B2A3E04E}"/>
+              </a:ext>
+            </a:extLst>
+          </p:cNvPr>
+          <p:cNvSpPr>
+            <a:spLocks noGrp="1"/>
+          </p:cNvSpPr>
+          <p:nvPr>
+            <p:ph type="body" idx="1"/>
+          </p:nvPr>
+        </p:nvSpPr>
+        <p:spPr/>
+        <p:txBody>
+          <a:bodyPr/>
+          <a:lstStyle/>
+          <a:p>
+            <a:pPr marL="342900" indent="-342900" algn="just">
+              <a:spcAft>
+                <a:spcPts val="0"/>
+              </a:spcAft>
+              <a:buFont typeface="Arial" panose="020B0604020202020204" pitchFamily="34" charset="0"/>
+              <a:buChar char="•"/>
+            </a:pPr>
+            <a:r>
+              <a:rPr lang="en-US" b="0" dirty="0"/>
+              <a:t>Harmful Algal Blooms (HABs), a phenomena which turns water bodies </a:t>
+            </a:r>
+            <a:r>
+              <a:rPr lang="en-US" b="0" dirty="0">
+                <a:solidFill>
+                  <a:srgbClr val="00B0F0"/>
+                </a:solidFill>
+              </a:rPr>
+              <a:t>dark blue-green </a:t>
+            </a:r>
+            <a:r>
+              <a:rPr lang="en-US" b="0" dirty="0"/>
+              <a:t>due to eutrophication; potentially </a:t>
+            </a:r>
+            <a:r>
+              <a:rPr lang="en-US" b="0" dirty="0">
+                <a:solidFill>
+                  <a:schemeClr val="accent6">
+                    <a:lumMod val="60000"/>
+                    <a:lumOff val="40000"/>
+                  </a:schemeClr>
+                </a:solidFill>
+              </a:rPr>
+              <a:t>harming humans </a:t>
+            </a:r>
+            <a:r>
+              <a:rPr lang="en-US" b="0" dirty="0"/>
+              <a:t>and animals e.g., </a:t>
+            </a:r>
+            <a:r>
+              <a:rPr lang="en-US" b="0" dirty="0">
+                <a:solidFill>
+                  <a:srgbClr val="00B0F0"/>
+                </a:solidFill>
+              </a:rPr>
+              <a:t>massive fish </a:t>
+            </a:r>
+            <a:r>
+              <a:rPr lang="en-US" b="0" dirty="0">
+                <a:solidFill>
+                  <a:schemeClr val="accent6">
+                    <a:lumMod val="60000"/>
+                    <a:lumOff val="40000"/>
+                  </a:schemeClr>
+                </a:solidFill>
+              </a:rPr>
+              <a:t>deaths</a:t>
+            </a:r>
+            <a:r>
+              <a:rPr lang="en-US" b="0" dirty="0"/>
+              <a:t>, etc.</a:t>
+            </a:r>
+            <a:r>
+              <a:rPr lang="en-US" sz="2000" dirty="0">
+                <a:latin typeface="Verdana" panose="020B0604030504040204" pitchFamily="34" charset="0"/>
+                <a:ea typeface="Verdana" panose="020B0604030504040204" pitchFamily="34" charset="0"/>
+              </a:rPr>
+              <a:t> 		</a:t>
+            </a:r>
+            <a:r>
+              <a:rPr lang="en-US" dirty="0"/>
+              <a:t>        				     </a:t>
+            </a:r>
+            <a:r>
+              <a:rPr lang="en-US" sz="1800" b="0" i="1" dirty="0">
+                <a:effectLst/>
+                <a:cs typeface="Times New Roman" panose="02020603050405020304" pitchFamily="18" charset="0"/>
+              </a:rPr>
+              <a:t>(</a:t>
+            </a:r>
+            <a:r>
+              <a:rPr lang="en-US" sz="1800" b="0" i="1" dirty="0" err="1">
+                <a:effectLst/>
+                <a:cs typeface="Times New Roman" panose="02020603050405020304" pitchFamily="18" charset="0"/>
+              </a:rPr>
+              <a:t>Santoleri</a:t>
+            </a:r>
+            <a:r>
+              <a:rPr lang="en-US" sz="1800" b="0" i="1" dirty="0">
+                <a:effectLst/>
+                <a:cs typeface="Times New Roman" panose="02020603050405020304" pitchFamily="18" charset="0"/>
+              </a:rPr>
+              <a:t> et al., 2003), WHO</a:t>
+            </a:r>
+          </a:p>
+          <a:p>
+            <a:pPr marL="342900" indent="-342900" algn="just">
+              <a:spcAft>
+                <a:spcPts val="0"/>
+              </a:spcAft>
+              <a:buFont typeface="Arial" panose="020B0604020202020204" pitchFamily="34" charset="0"/>
+              <a:buChar char="•"/>
+            </a:pPr>
+            <a:r>
+              <a:rPr lang="en-US" sz="1800" b="0" dirty="0">
+                <a:effectLst/>
+                <a:latin typeface="Verdana" panose="020B0604030504040204" pitchFamily="34" charset="0"/>
+                <a:ea typeface="Calibri" panose="020F0502020204030204" pitchFamily="34" charset="0"/>
+                <a:cs typeface="Times New Roman" panose="02020603050405020304" pitchFamily="18" charset="0"/>
+              </a:rPr>
+              <a:t>Development, stability, and density of the phenomenon affect some environmental factors Lake Surface Air Temperature (</a:t>
+            </a:r>
+            <a:r>
+              <a:rPr lang="en-US" sz="1800" b="0" dirty="0">
+                <a:solidFill>
+                  <a:srgbClr val="00B0F0"/>
+                </a:solidFill>
+                <a:effectLst/>
+                <a:latin typeface="Verdana" panose="020B0604030504040204" pitchFamily="34" charset="0"/>
+                <a:ea typeface="Calibri" panose="020F0502020204030204" pitchFamily="34" charset="0"/>
+                <a:cs typeface="Times New Roman" panose="02020603050405020304" pitchFamily="18" charset="0"/>
+              </a:rPr>
+              <a:t>LSAT</a:t>
+            </a:r>
+            <a:r>
+              <a:rPr lang="en-US" sz="1800" b="0" dirty="0">
+                <a:effectLst/>
+                <a:latin typeface="Verdana" panose="020B0604030504040204" pitchFamily="34" charset="0"/>
+                <a:ea typeface="Calibri" panose="020F0502020204030204" pitchFamily="34" charset="0"/>
+                <a:cs typeface="Times New Roman" panose="02020603050405020304" pitchFamily="18" charset="0"/>
+              </a:rPr>
+              <a:t>), Sea Surface Temperature (</a:t>
+            </a:r>
+            <a:r>
+              <a:rPr lang="en-US" sz="1800" b="0" dirty="0">
+                <a:solidFill>
+                  <a:srgbClr val="00B0F0"/>
+                </a:solidFill>
+                <a:effectLst/>
+                <a:latin typeface="Verdana" panose="020B0604030504040204" pitchFamily="34" charset="0"/>
+                <a:ea typeface="Calibri" panose="020F0502020204030204" pitchFamily="34" charset="0"/>
+                <a:cs typeface="Times New Roman" panose="02020603050405020304" pitchFamily="18" charset="0"/>
+              </a:rPr>
+              <a:t>SST</a:t>
+            </a:r>
+            <a:r>
+              <a:rPr lang="en-US" sz="1800" b="0" dirty="0">
+                <a:effectLst/>
+                <a:latin typeface="Verdana" panose="020B0604030504040204" pitchFamily="34" charset="0"/>
+                <a:ea typeface="Calibri" panose="020F0502020204030204" pitchFamily="34" charset="0"/>
+                <a:cs typeface="Times New Roman" panose="02020603050405020304" pitchFamily="18" charset="0"/>
+              </a:rPr>
+              <a:t>) 			        </a:t>
+            </a:r>
+            <a:r>
+              <a:rPr lang="en-US" sz="1800" b="0" i="1" dirty="0">
+                <a:effectLst/>
+                <a:latin typeface="Verdana" panose="020B0604030504040204" pitchFamily="34" charset="0"/>
+                <a:ea typeface="Calibri" panose="020F0502020204030204" pitchFamily="34" charset="0"/>
+                <a:cs typeface="Times New Roman" panose="02020603050405020304" pitchFamily="18" charset="0"/>
+              </a:rPr>
+              <a:t>(Tang et al, 2006</a:t>
+            </a:r>
+            <a:r>
+              <a:rPr lang="en-US" sz="1800" b="0" i="1" dirty="0">
+                <a:ea typeface="Calibri" panose="020F0502020204030204" pitchFamily="34" charset="0"/>
+                <a:cs typeface="Times New Roman" panose="02020603050405020304" pitchFamily="18" charset="0"/>
+              </a:rPr>
+              <a:t>)</a:t>
+            </a:r>
+          </a:p>
+          <a:p>
+            <a:pPr marL="342900" indent="-342900" algn="just">
+              <a:spcAft>
+                <a:spcPts val="0"/>
+              </a:spcAft>
+              <a:buFont typeface="Arial" panose="020B0604020202020204" pitchFamily="34" charset="0"/>
+              <a:buChar char="•"/>
+            </a:pPr>
+            <a:endParaRPr lang="en-US" sz="1800" b="0" dirty="0"/>
+          </a:p>
+          <a:p>
+            <a:pPr marL="342900" lvl="0" indent="-342900" algn="just">
+              <a:spcAft>
+                <a:spcPts val="0"/>
+              </a:spcAft>
+              <a:buFont typeface="Arial" panose="020B0604020202020204" pitchFamily="34" charset="0"/>
+              <a:buChar char="•"/>
+            </a:pPr>
+            <a:r>
+              <a:rPr lang="en-US" b="0" dirty="0"/>
+              <a:t>Hence, quantifying the </a:t>
+            </a:r>
+            <a:r>
+              <a:rPr lang="en-US" b="0" dirty="0">
+                <a:solidFill>
+                  <a:srgbClr val="00B0F0"/>
+                </a:solidFill>
+              </a:rPr>
+              <a:t>spatial distributions of HABs</a:t>
+            </a:r>
+            <a:r>
+              <a:rPr lang="en-US" b="0" dirty="0"/>
+              <a:t> in L. Victoria is of great significance, which requires high spatiotemporal monitoring.		     (</a:t>
+            </a:r>
+            <a:r>
+              <a:rPr lang="en-US" b="0" dirty="0" err="1"/>
+              <a:t>Sitoki</a:t>
+            </a:r>
+            <a:r>
+              <a:rPr lang="en-US" b="0" dirty="0"/>
+              <a:t> et al., 2012)</a:t>
+            </a:r>
+          </a:p>
+          <a:p>
+            <a:pPr marL="0" lvl="0" indent="0" algn="just">
+              <a:spcAft>
+                <a:spcPts val="0"/>
+              </a:spcAft>
+            </a:pPr>
+            <a:endParaRPr lang="en-US" b="0" dirty="0"/>
+          </a:p>
+          <a:p>
+            <a:pPr marL="342900" indent="-342900" algn="just">
+              <a:spcAft>
+                <a:spcPts val="0"/>
+              </a:spcAft>
+              <a:buFont typeface="Arial" panose="020B0604020202020204" pitchFamily="34" charset="0"/>
+              <a:buChar char="•"/>
+            </a:pPr>
+            <a:r>
+              <a:rPr lang="en-US" b="0" dirty="0"/>
+              <a:t>There however exists that niche to support the space observations</a:t>
+            </a:r>
+            <a:r>
+              <a:rPr lang="en-GB" b="0" dirty="0"/>
+              <a:t> with a </a:t>
+            </a:r>
+            <a:r>
+              <a:rPr lang="en-US" b="0" dirty="0"/>
+              <a:t>near-real time</a:t>
+            </a:r>
+            <a:r>
+              <a:rPr lang="en-GB" b="0" dirty="0"/>
+              <a:t> </a:t>
+            </a:r>
+            <a:r>
+              <a:rPr lang="en-GB" b="0" dirty="0">
+                <a:solidFill>
+                  <a:srgbClr val="00B0F0"/>
+                </a:solidFill>
+              </a:rPr>
+              <a:t>geointelligent in-situ monitoring </a:t>
+            </a:r>
+            <a:r>
+              <a:rPr lang="en-GB" b="0" dirty="0"/>
+              <a:t>and</a:t>
+            </a:r>
+            <a:r>
+              <a:rPr lang="en-GB" b="0" dirty="0">
+                <a:solidFill>
+                  <a:srgbClr val="00B0F0"/>
+                </a:solidFill>
+              </a:rPr>
+              <a:t> </a:t>
+            </a:r>
+            <a:r>
+              <a:rPr lang="en-US" b="0" dirty="0">
+                <a:solidFill>
+                  <a:srgbClr val="00B0F0"/>
+                </a:solidFill>
+              </a:rPr>
+              <a:t>reporting system.</a:t>
+            </a:r>
+            <a:endParaRPr lang="en-US" dirty="0"/>
+          </a:p>
+        </p:txBody>
+      </p:sp>
+      <p:sp>
+        <p:nvSpPr>
+          <p:cNvPr id="3" name="Footer Placeholder 2">
+            <a:extLst>
+              <a:ext uri="{FF2B5EF4-FFF2-40B4-BE49-F238E27FC236}">
+                <a16:creationId xmlns:a16="http://schemas.microsoft.com/office/drawing/2014/main" id="{6C4530F9-0889-4279-9303-C5AA3812069D}"/>
+              </a:ext>
+            </a:extLst>
+          </p:cNvPr>
+          <p:cNvSpPr>
+            <a:spLocks noGrp="1"/>
+          </p:cNvSpPr>
+          <p:nvPr>
+            <p:ph type="ftr" sz="quarter" idx="10"/>
+          </p:nvPr>
+        </p:nvSpPr>
+        <p:spPr/>
+        <p:txBody>
+          <a:bodyPr/>
+          <a:lstStyle/>
+          <a:p>
+            <a:pPr>
+              <a:defRPr/>
+            </a:pPr>
+            <a:endParaRPr lang="de-DE"/>
+          </a:p>
+          <a:p>
+            <a:pPr>
+              <a:defRPr/>
+            </a:pPr>
+            <a:endParaRPr lang="de-DE"/>
+          </a:p>
+        </p:txBody>
+      </p:sp>
+      <p:sp>
+        <p:nvSpPr>
+          <p:cNvPr id="4" name="Title 3">
+            <a:extLst>
+              <a:ext uri="{FF2B5EF4-FFF2-40B4-BE49-F238E27FC236}">
+                <a16:creationId xmlns:a16="http://schemas.microsoft.com/office/drawing/2014/main" id="{D19FEA75-F09B-476A-9D35-E7CFB503C85B}"/>
+              </a:ext>
+            </a:extLst>
+          </p:cNvPr>
+          <p:cNvSpPr>
+            <a:spLocks noGrp="1"/>
+          </p:cNvSpPr>
+          <p:nvPr>
+            <p:ph type="title"/>
+          </p:nvPr>
+        </p:nvSpPr>
+        <p:spPr/>
+        <p:txBody>
+          <a:bodyPr/>
+          <a:lstStyle/>
+          <a:p>
+            <a:r>
+              <a:rPr lang="en-US" dirty="0"/>
+              <a:t>Introduction </a:t>
+            </a:r>
+          </a:p>
+        </p:txBody>
+      </p:sp>
+    </p:spTree>
+    <p:extLst>
+      <p:ext uri="{BB962C8B-B14F-4D97-AF65-F5344CB8AC3E}">
+        <p14:creationId xmlns:p14="http://schemas.microsoft.com/office/powerpoint/2010/main" val="1315374995"/>
+      </p:ext>
+    </p:extLst>
+  </p:cSld>
+  <p:clrMapOvr>
+    <a:masterClrMapping/>
+  </p:clrMapOvr>
+</p:sld>
+</file>
+
+<file path=ppt/slides/slide20.xml><?xml version="1.0" encoding="utf-8"?>
 <p:sld xmlns:a="http://schemas.openxmlformats.org/drawingml/2006/main" xmlns:r="http://schemas.openxmlformats.org/officeDocument/2006/relationships" xmlns:p="http://schemas.openxmlformats.org/presentationml/2006/main">
   <p:cSld>
     <p:spTree>
@@ -13502,312 +15286,6 @@
 </p:sld>
 </file>
 
-<file path=ppt/slides/slide2.xml><?xml version="1.0" encoding="utf-8"?>
-<p:sld xmlns:a="http://schemas.openxmlformats.org/drawingml/2006/main" xmlns:r="http://schemas.openxmlformats.org/officeDocument/2006/relationships" xmlns:p="http://schemas.openxmlformats.org/presentationml/2006/main">
-  <p:cSld>
-    <p:spTree>
-      <p:nvGrpSpPr>
-        <p:cNvPr id="1" name=""/>
-        <p:cNvGrpSpPr/>
-        <p:nvPr/>
-      </p:nvGrpSpPr>
-      <p:grpSpPr>
-        <a:xfrm>
-          <a:off x="0" y="0"/>
-          <a:ext cx="0" cy="0"/>
-          <a:chOff x="0" y="0"/>
-          <a:chExt cx="0" cy="0"/>
-        </a:xfrm>
-      </p:grpSpPr>
-      <p:sp>
-        <p:nvSpPr>
-          <p:cNvPr id="2" name="Text Placeholder 1">
-            <a:extLst>
-              <a:ext uri="{FF2B5EF4-FFF2-40B4-BE49-F238E27FC236}">
-                <a16:creationId xmlns:a16="http://schemas.microsoft.com/office/drawing/2014/main" id="{C68A5470-9702-47CF-8379-7842B2A3E04E}"/>
-              </a:ext>
-            </a:extLst>
-          </p:cNvPr>
-          <p:cNvSpPr>
-            <a:spLocks noGrp="1"/>
-          </p:cNvSpPr>
-          <p:nvPr>
-            <p:ph type="body" idx="1"/>
-          </p:nvPr>
-        </p:nvSpPr>
-        <p:spPr/>
-        <p:txBody>
-          <a:bodyPr/>
-          <a:lstStyle/>
-          <a:p>
-            <a:pPr marL="342900" indent="-342900" algn="just">
-              <a:buFont typeface="Arial" panose="020B0604020202020204" pitchFamily="34" charset="0"/>
-              <a:buChar char="•"/>
-            </a:pPr>
-            <a:r>
-              <a:rPr lang="en-US" b="0" dirty="0"/>
-              <a:t>Toxic Cyanobacteria-rich Harmful Algal Blooms (CyanoHABs) , a phenomenon which turns water bodies </a:t>
-            </a:r>
-            <a:r>
-              <a:rPr lang="en-US" dirty="0"/>
-              <a:t>dark blue-green </a:t>
-            </a:r>
-            <a:r>
-              <a:rPr lang="en-US" b="0" dirty="0"/>
-              <a:t>due to eutrophication; potentially </a:t>
-            </a:r>
-            <a:r>
-              <a:rPr lang="en-US" b="0" dirty="0">
-                <a:solidFill>
-                  <a:schemeClr val="accent6">
-                    <a:lumMod val="60000"/>
-                    <a:lumOff val="40000"/>
-                  </a:schemeClr>
-                </a:solidFill>
-              </a:rPr>
-              <a:t>harming humans and animal</a:t>
-            </a:r>
-            <a:r>
-              <a:rPr lang="en-US" b="0" dirty="0"/>
-              <a:t>, e.g., Unsightly nuisance, acute liver damage when ingested, irritation, </a:t>
-            </a:r>
-            <a:r>
-              <a:rPr lang="en-US" b="0" dirty="0">
-                <a:solidFill>
-                  <a:srgbClr val="00B0F0"/>
-                </a:solidFill>
-              </a:rPr>
-              <a:t>massive fish </a:t>
-            </a:r>
-            <a:r>
-              <a:rPr lang="en-US" b="0" dirty="0">
-                <a:solidFill>
-                  <a:schemeClr val="accent6">
-                    <a:lumMod val="60000"/>
-                    <a:lumOff val="40000"/>
-                  </a:schemeClr>
-                </a:solidFill>
-              </a:rPr>
-              <a:t>deaths</a:t>
-            </a:r>
-            <a:r>
-              <a:rPr lang="en-US" b="0" dirty="0"/>
-              <a:t>, etc.</a:t>
-            </a:r>
-            <a:r>
-              <a:rPr lang="en-US" sz="2000" dirty="0">
-                <a:latin typeface="Verdana" panose="020B0604030504040204" pitchFamily="34" charset="0"/>
-                <a:ea typeface="Verdana" panose="020B0604030504040204" pitchFamily="34" charset="0"/>
-              </a:rPr>
-              <a:t> 								</a:t>
-            </a:r>
-            <a:r>
-              <a:rPr lang="en-US" b="0" dirty="0">
-                <a:effectLst/>
-                <a:cs typeface="Times New Roman" panose="02020603050405020304" pitchFamily="18" charset="0"/>
-              </a:rPr>
-              <a:t>(</a:t>
-            </a:r>
-            <a:r>
-              <a:rPr lang="en-US" b="0" dirty="0" err="1">
-                <a:effectLst/>
-                <a:cs typeface="Times New Roman" panose="02020603050405020304" pitchFamily="18" charset="0"/>
-              </a:rPr>
-              <a:t>Santoleri</a:t>
-            </a:r>
-            <a:r>
-              <a:rPr lang="en-US" b="0" dirty="0">
-                <a:effectLst/>
-                <a:cs typeface="Times New Roman" panose="02020603050405020304" pitchFamily="18" charset="0"/>
-              </a:rPr>
-              <a:t> et al., 2003), WHO</a:t>
-            </a:r>
-          </a:p>
-          <a:p>
-            <a:pPr marL="342900" indent="-342900" algn="just">
-              <a:buFont typeface="Arial" panose="020B0604020202020204" pitchFamily="34" charset="0"/>
-              <a:buChar char="•"/>
-            </a:pPr>
-            <a:r>
-              <a:rPr lang="en-US" sz="1050" b="0" dirty="0">
-                <a:effectLst/>
-                <a:latin typeface="Verdana" panose="020B0604030504040204" pitchFamily="34" charset="0"/>
-                <a:ea typeface="Calibri" panose="020F0502020204030204" pitchFamily="34" charset="0"/>
-                <a:cs typeface="Times New Roman" panose="02020603050405020304" pitchFamily="18" charset="0"/>
-              </a:rPr>
-              <a:t>Development, stability, and density of the phenomenon are related to some environmental factors Lake Surface Water Temperature (LSWT), Lake Surface Air Temperature (LSAT), Sea Surface Temperature (SST) &amp; adequate nutrient concentration, enough sunlight, warm temperatures              			             (Tang et al, 2006) </a:t>
-            </a:r>
-            <a:r>
-              <a:rPr lang="en-US" sz="1050" b="0" dirty="0"/>
-              <a:t>	</a:t>
-            </a:r>
-            <a:r>
-              <a:rPr lang="en-US" b="0" dirty="0"/>
-              <a:t>					</a:t>
-            </a:r>
-          </a:p>
-          <a:p>
-            <a:pPr marL="342900" lvl="0" indent="-342900" algn="just">
-              <a:buFont typeface="Arial" panose="020B0604020202020204" pitchFamily="34" charset="0"/>
-              <a:buChar char="•"/>
-            </a:pPr>
-            <a:r>
-              <a:rPr lang="en-US" b="0" dirty="0"/>
-              <a:t>Hence, quantifying the </a:t>
-            </a:r>
-            <a:r>
-              <a:rPr lang="en-US" b="0" dirty="0">
-                <a:solidFill>
-                  <a:srgbClr val="00B0F0"/>
-                </a:solidFill>
-              </a:rPr>
-              <a:t>spatial distributions of CyanoHABs</a:t>
-            </a:r>
-            <a:r>
-              <a:rPr lang="en-US" b="0" dirty="0"/>
-              <a:t> in L. Victoria is of great significance, which requires high spatiotemporal resolution monitoring.	(</a:t>
-            </a:r>
-            <a:r>
-              <a:rPr lang="en-US" b="0" dirty="0" err="1"/>
-              <a:t>Sitoki</a:t>
-            </a:r>
-            <a:r>
-              <a:rPr lang="en-US" b="0" dirty="0"/>
-              <a:t> et al., 2012)</a:t>
-            </a:r>
-          </a:p>
-          <a:p>
-            <a:pPr marL="0" lvl="0" indent="0" algn="just"/>
-            <a:endParaRPr lang="en-US" b="0" dirty="0"/>
-          </a:p>
-          <a:p>
-            <a:pPr marL="342900" indent="-342900" algn="just">
-              <a:buFont typeface="Arial" panose="020B0604020202020204" pitchFamily="34" charset="0"/>
-              <a:buChar char="•"/>
-            </a:pPr>
-            <a:r>
-              <a:rPr lang="en-US" b="0" dirty="0"/>
-              <a:t>There however exists that niche to support the space observations</a:t>
-            </a:r>
-            <a:r>
-              <a:rPr lang="en-GB" b="0" dirty="0"/>
-              <a:t> with a </a:t>
-            </a:r>
-            <a:r>
-              <a:rPr lang="en-US" b="0" dirty="0"/>
-              <a:t>near-real time</a:t>
-            </a:r>
-            <a:r>
-              <a:rPr lang="en-GB" b="0" dirty="0"/>
-              <a:t> </a:t>
-            </a:r>
-            <a:r>
-              <a:rPr lang="en-GB" b="0" dirty="0">
-                <a:solidFill>
-                  <a:srgbClr val="00B0F0"/>
-                </a:solidFill>
-              </a:rPr>
-              <a:t>geointelligent in-situ monitoring </a:t>
-            </a:r>
-            <a:r>
-              <a:rPr lang="en-GB" b="0" dirty="0"/>
-              <a:t>and</a:t>
-            </a:r>
-            <a:r>
-              <a:rPr lang="en-GB" b="0" dirty="0">
-                <a:solidFill>
-                  <a:srgbClr val="00B0F0"/>
-                </a:solidFill>
-              </a:rPr>
-              <a:t> </a:t>
-            </a:r>
-            <a:r>
-              <a:rPr lang="en-US" b="0" dirty="0">
-                <a:solidFill>
-                  <a:srgbClr val="00B0F0"/>
-                </a:solidFill>
-              </a:rPr>
-              <a:t>reporting system.</a:t>
-            </a:r>
-            <a:endParaRPr lang="en-US" dirty="0"/>
-          </a:p>
-        </p:txBody>
-      </p:sp>
-      <p:sp>
-        <p:nvSpPr>
-          <p:cNvPr id="3" name="Footer Placeholder 2">
-            <a:extLst>
-              <a:ext uri="{FF2B5EF4-FFF2-40B4-BE49-F238E27FC236}">
-                <a16:creationId xmlns:a16="http://schemas.microsoft.com/office/drawing/2014/main" id="{6C4530F9-0889-4279-9303-C5AA3812069D}"/>
-              </a:ext>
-            </a:extLst>
-          </p:cNvPr>
-          <p:cNvSpPr>
-            <a:spLocks noGrp="1"/>
-          </p:cNvSpPr>
-          <p:nvPr>
-            <p:ph type="ftr" sz="quarter" idx="10"/>
-          </p:nvPr>
-        </p:nvSpPr>
-        <p:spPr/>
-        <p:txBody>
-          <a:bodyPr/>
-          <a:lstStyle/>
-          <a:p>
-            <a:pPr>
-              <a:defRPr/>
-            </a:pPr>
-            <a:endParaRPr lang="de-DE"/>
-          </a:p>
-          <a:p>
-            <a:pPr>
-              <a:defRPr/>
-            </a:pPr>
-            <a:endParaRPr lang="de-DE"/>
-          </a:p>
-        </p:txBody>
-      </p:sp>
-      <p:sp>
-        <p:nvSpPr>
-          <p:cNvPr id="4" name="Title 3">
-            <a:extLst>
-              <a:ext uri="{FF2B5EF4-FFF2-40B4-BE49-F238E27FC236}">
-                <a16:creationId xmlns:a16="http://schemas.microsoft.com/office/drawing/2014/main" id="{D19FEA75-F09B-476A-9D35-E7CFB503C85B}"/>
-              </a:ext>
-            </a:extLst>
-          </p:cNvPr>
-          <p:cNvSpPr>
-            <a:spLocks noGrp="1"/>
-          </p:cNvSpPr>
-          <p:nvPr>
-            <p:ph type="title"/>
-          </p:nvPr>
-        </p:nvSpPr>
-        <p:spPr/>
-        <p:txBody>
-          <a:bodyPr/>
-          <a:lstStyle/>
-          <a:p>
-            <a:r>
-              <a:rPr lang="en-US" dirty="0"/>
-              <a:t>Introduction </a:t>
-            </a:r>
-          </a:p>
-        </p:txBody>
-      </p:sp>
-    </p:spTree>
-    <p:extLst>
-      <p:ext uri="{BB962C8B-B14F-4D97-AF65-F5344CB8AC3E}">
-        <p14:creationId xmlns:p14="http://schemas.microsoft.com/office/powerpoint/2010/main" val="1315374995"/>
-      </p:ext>
-    </p:extLst>
-  </p:cSld>
-  <p:clrMapOvr>
-    <a:masterClrMapping/>
-  </p:clrMapOvr>
-</p:sld>
-</file>
-
 <file path=ppt/slides/slide3.xml><?xml version="1.0" encoding="utf-8"?>
 <p:sld xmlns:a="http://schemas.openxmlformats.org/drawingml/2006/main" xmlns:r="http://schemas.openxmlformats.org/officeDocument/2006/relationships" xmlns:p="http://schemas.openxmlformats.org/presentationml/2006/main">
   <p:cSld>
@@ -13916,7 +15394,7 @@
                 <a:ea typeface="Calibri" panose="020F0502020204030204" pitchFamily="34" charset="0"/>
                 <a:cs typeface="Arial" panose="020B0604020202020204" pitchFamily="34" charset="0"/>
               </a:rPr>
-              <a:t> the said region. (</a:t>
+              <a:t> the said region.   (</a:t>
             </a:r>
             <a:r>
               <a:rPr lang="en-US" sz="1800" b="0" dirty="0">
@@ -13942,19 +15420,6 @@
               </a:rPr>
               <a:t> 	</a:t>
             </a:r>
-            <a:endParaRPr lang="en-US" b="0" dirty="0">
-              <a:solidFill>
-                <a:srgbClr val="000000"/>
-              </a:solidFill>
-              <a:ea typeface="Calibri" panose="020F0502020204030204" pitchFamily="34" charset="0"/>
-              <a:cs typeface="Arial" panose="020B0604020202020204" pitchFamily="34" charset="0"/>
-            </a:endParaRPr>
-          </a:p>
-          <a:p>
-            <a:pPr marL="342900" lvl="0" indent="-342900" algn="just">
-              <a:buFont typeface="Arial" panose="020B0604020202020204" pitchFamily="34" charset="0"/>
-              <a:buChar char="•"/>
-            </a:pPr>
             <a:endParaRPr lang="en-US" sz="2200" b="0" dirty="0"/>
           </a:p>
           <a:p>
@@ -14040,7 +15505,15 @@
             </a:r>
             <a:r>
               <a:rPr lang="en-US" b="0" dirty="0"/>
-              <a:t> monitoring, and automated in-situ sensors will play a big deal in return. This would inform the </a:t>
+              <a:t> monitoring, and automated </a:t>
+            </a:r>
+            <a:r>
+              <a:rPr lang="en-US" b="0" i="1" dirty="0"/>
+              <a:t>in-situ</a:t>
+            </a:r>
+            <a:r>
+              <a:rPr lang="en-US" b="0" dirty="0"/>
+              <a:t> sensors will play a big deal in return. This would inform the </a:t>
             </a:r>
             <a:r>
               <a:rPr lang="en-US" b="0" dirty="0">
@@ -14297,7 +15770,7 @@
         </p:nvSpPr>
         <p:spPr>
           <a:xfrm>
-            <a:off x="250824" y="6446205"/>
+            <a:off x="1219837" y="6497960"/>
             <a:ext cx="7849567" cy="360040"/>
           </a:xfrm>
           <a:prstGeom prst="rect">
@@ -14459,7 +15932,7 @@
             </a:pPr>
             <a:r>
               <a:rPr lang="en-GB" sz="2200" b="0" dirty="0"/>
-              <a:t>To detect, monitor and report the occurrence of Harmful Algal Blooms(HABs) and Cyanobacteria in Lake Victoria.</a:t>
+              <a:t>To detect, monitor and report the occurrence of Harmful Algal Blooms(HABs) in Lake Victoria, Kisumu basin.</a:t>
             </a:r>
           </a:p>
           <a:p>
@@ -14576,7 +16049,7 @@
                 <a:ea typeface="Verdana" panose="020B0604030504040204" pitchFamily="34" charset="0"/>
                 <a:cs typeface="Times New Roman" panose="02020603050405020304" pitchFamily="18" charset="0"/>
               </a:rPr>
-              <a:t>Lake Surface Water Temperature(</a:t>
+              <a:t>Lake Surface Air Temperature(</a:t>
             </a:r>
             <a:r>
               <a:rPr kumimoji="0" lang="en-GB" altLang="en-US" sz="2300" b="0" i="0" u="none" strike="noStrike" cap="none" normalizeH="0" baseline="0" dirty="0">
@@ -14591,7 +16064,7 @@
                 <a:ea typeface="Verdana" panose="020B0604030504040204" pitchFamily="34" charset="0"/>
                 <a:cs typeface="Times New Roman" panose="02020603050405020304" pitchFamily="18" charset="0"/>
               </a:rPr>
-              <a:t>LSWT</a:t>
+              <a:t>LSAT</a:t>
             </a:r>
             <a:r>
               <a:rPr kumimoji="0" lang="en-GB" altLang="en-US" sz="2300" b="0" i="0" u="none" strike="noStrike" cap="none" normalizeH="0" baseline="0" dirty="0">
@@ -15318,13 +16791,13 @@
           <p:nvPr>
             <p:extLst>
               <p:ext uri="{D42A27DB-BD31-4B8C-83A1-F6EECF244321}">
-                <p14:modId xmlns:p14="http://schemas.microsoft.com/office/powerpoint/2010/main" val="2699241091"/>
+                <p14:modId xmlns:p14="http://schemas.microsoft.com/office/powerpoint/2010/main" val="1988939225"/>
               </p:ext>
             </p:extLst>
           </p:nvPr>
         </p:nvGraphicFramePr>
         <p:xfrm>
-          <a:off x="235851" y="4672529"/>
+          <a:off x="235851" y="4572071"/>
           <a:ext cx="8641656" cy="2170042"/>
         </p:xfrm>
         <a:graphic>
@@ -15892,14 +17365,14 @@
           <p:nvPr>
             <p:extLst>
               <p:ext uri="{D42A27DB-BD31-4B8C-83A1-F6EECF244321}">
-                <p14:modId xmlns:p14="http://schemas.microsoft.com/office/powerpoint/2010/main" val="1562721619"/>
+                <p14:modId xmlns:p14="http://schemas.microsoft.com/office/powerpoint/2010/main" val="309252679"/>
               </p:ext>
             </p:extLst>
           </p:nvPr>
         </p:nvGraphicFramePr>
         <p:xfrm>
-          <a:off x="235851" y="1454033"/>
-          <a:ext cx="8626681" cy="3175624"/>
+          <a:off x="235851" y="1454032"/>
+          <a:ext cx="8641656" cy="2911070"/>
         </p:xfrm>
         <a:graphic>
           <a:graphicData uri="http://schemas.openxmlformats.org/drawingml/2006/table">
@@ -15908,21 +17381,21 @@
                 <a:tableStyleId>{21E4AEA4-8DFA-4A89-87EB-49C32662AFE0}</a:tableStyleId>
               </a:tblPr>
               <a:tblGrid>
-                <a:gridCol w="1901345">
+                <a:gridCol w="1904646">
                   <a:extLst>
                     <a:ext uri="{9D8B030D-6E8A-4147-A177-3AD203B41FA5}">
                       <a16:colId xmlns:a16="http://schemas.microsoft.com/office/drawing/2014/main" val="3674932147"/>
                     </a:ext>
                   </a:extLst>
                 </a:gridCol>
-                <a:gridCol w="3610423">
+                <a:gridCol w="3616690">
                   <a:extLst>
                     <a:ext uri="{9D8B030D-6E8A-4147-A177-3AD203B41FA5}">
                       <a16:colId xmlns:a16="http://schemas.microsoft.com/office/drawing/2014/main" val="3730411172"/>
                     </a:ext>
                   </a:extLst>
                 </a:gridCol>
-                <a:gridCol w="3114913">
+                <a:gridCol w="3120320">
                   <a:extLst>
                     <a:ext uri="{9D8B030D-6E8A-4147-A177-3AD203B41FA5}">
                       <a16:colId xmlns:a16="http://schemas.microsoft.com/office/drawing/2014/main" val="3447701167"/>
@@ -15930,7 +17403,7 @@
                   </a:extLst>
                 </a:gridCol>
               </a:tblGrid>
-              <a:tr h="380435">
+              <a:tr h="404425">
                 <a:tc>
                   <a:txBody>
                     <a:bodyPr/>
@@ -16033,7 +17506,7 @@
                   </a:ext>
                 </a:extLst>
               </a:tr>
-              <a:tr h="609008">
+              <a:tr h="647412">
                 <a:tc>
                   <a:txBody>
                     <a:bodyPr/>
@@ -16180,7 +17653,7 @@
                   </a:ext>
                 </a:extLst>
               </a:tr>
-              <a:tr h="609008">
+              <a:tr h="647412">
                 <a:tc>
                   <a:txBody>
                     <a:bodyPr/>
@@ -16330,7 +17803,7 @@
                   </a:ext>
                 </a:extLst>
               </a:tr>
-              <a:tr h="609008">
+              <a:tr h="647412">
                 <a:tc>
                   <a:txBody>
                     <a:bodyPr/>
@@ -16412,7 +17885,7 @@
                         </a:spcAft>
                       </a:pPr>
                       <a:r>
-                        <a:rPr lang="en-US" sz="1400" b="1">
+                        <a:rPr lang="en-US" sz="1400" b="1" dirty="0">
                           <a:effectLst/>
                         </a:rPr>
                         <a:t> </a:t>
@@ -16431,12 +17904,12 @@
                         </a:spcAft>
                       </a:pPr>
                       <a:r>
-                        <a:rPr lang="en-US" sz="1400" b="1">
+                        <a:rPr lang="en-US" sz="1400" b="1" dirty="0">
                           <a:effectLst/>
                         </a:rPr>
                         <a:t>Water Quality assessment</a:t>
                       </a:r>
-                      <a:endParaRPr lang="en-US" sz="1400" b="1">
+                      <a:endParaRPr lang="en-US" sz="1400" b="1" dirty="0">
                         <a:effectLst/>
                         <a:latin typeface="Verdana" panose="020B0604030504040204" pitchFamily="34" charset="0"/>
                         <a:ea typeface="Verdana" panose="020B0604030504040204" pitchFamily="34" charset="0"/>
@@ -16452,110 +17925,7 @@
                   </a:ext>
                 </a:extLst>
               </a:tr>
-              <a:tr h="437236">
-                <a:tc>
-                  <a:txBody>
-                    <a:bodyPr/>
-                    <a:lstStyle/>
-                    <a:p>
-                      <a:pPr marL="0" marR="0" algn="just">
-                        <a:lnSpc>
-                          <a:spcPct val="150000"/>
-                        </a:lnSpc>
-                        <a:spcBef>
-                          <a:spcPts val="0"/>
-                        </a:spcBef>
-                        <a:spcAft>
-                          <a:spcPts val="600"/>
-                        </a:spcAft>
-                      </a:pPr>
-                      <a:r>
-                        <a:rPr lang="en-US" sz="1400" b="1" dirty="0">
-                          <a:effectLst/>
-                        </a:rPr>
-                        <a:t>Shapefiles </a:t>
-                      </a:r>
-                      <a:endParaRPr lang="en-US" sz="1400" b="1" dirty="0">
-                        <a:effectLst/>
-                        <a:latin typeface="Verdana" panose="020B0604030504040204" pitchFamily="34" charset="0"/>
-                        <a:ea typeface="Verdana" panose="020B0604030504040204" pitchFamily="34" charset="0"/>
-                        <a:cs typeface="Times New Roman" panose="02020603050405020304" pitchFamily="18" charset="0"/>
-                      </a:endParaRPr>
-                    </a:p>
-                  </a:txBody>
-                  <a:tcPr/>
-                </a:tc>
-                <a:tc>
-                  <a:txBody>
-                    <a:bodyPr/>
-                    <a:lstStyle/>
-                    <a:p>
-                      <a:pPr marL="0" marR="0" algn="just">
-                        <a:lnSpc>
-                          <a:spcPct val="100000"/>
-                        </a:lnSpc>
-                        <a:spcBef>
-                          <a:spcPts val="0"/>
-                        </a:spcBef>
-                        <a:spcAft>
-                          <a:spcPts val="600"/>
-                        </a:spcAft>
-                      </a:pPr>
-                      <a:r>
-                        <a:rPr lang="en-US" sz="1100" b="1" dirty="0">
-                          <a:effectLst/>
-                        </a:rPr>
-                        <a:t>Geodatabase of Global Administrative areas- GADM</a:t>
-                      </a:r>
-                      <a:endParaRPr lang="en-US" sz="1100" b="1" dirty="0">
-                        <a:effectLst/>
-                        <a:latin typeface="Verdana" panose="020B0604030504040204" pitchFamily="34" charset="0"/>
-                        <a:ea typeface="Verdana" panose="020B0604030504040204" pitchFamily="34" charset="0"/>
-                        <a:cs typeface="Times New Roman" panose="02020603050405020304" pitchFamily="18" charset="0"/>
-                      </a:endParaRPr>
-                    </a:p>
-                  </a:txBody>
-                  <a:tcPr/>
-                </a:tc>
-                <a:tc>
-                  <a:txBody>
-                    <a:bodyPr/>
-                    <a:lstStyle/>
-                    <a:p>
-                      <a:pPr marL="0" marR="0" algn="just">
-                        <a:lnSpc>
-                          <a:spcPct val="100000"/>
-                        </a:lnSpc>
-                        <a:spcBef>
-                          <a:spcPts val="0"/>
-                        </a:spcBef>
-                        <a:spcAft>
-                          <a:spcPts val="600"/>
-                        </a:spcAft>
-                      </a:pPr>
-                      <a:r>
-                        <a:rPr lang="en-US" sz="1400" b="1" dirty="0">
-                          <a:effectLst/>
-                        </a:rPr>
-                        <a:t> Delineate the Study area</a:t>
-                      </a:r>
-                      <a:endParaRPr lang="en-US" sz="1400" b="1" dirty="0">
-                        <a:effectLst/>
-                        <a:latin typeface="Verdana" panose="020B0604030504040204" pitchFamily="34" charset="0"/>
-                        <a:ea typeface="Verdana" panose="020B0604030504040204" pitchFamily="34" charset="0"/>
-                        <a:cs typeface="Times New Roman" panose="02020603050405020304" pitchFamily="18" charset="0"/>
-                      </a:endParaRPr>
-                    </a:p>
-                  </a:txBody>
-                  <a:tcPr/>
-                </a:tc>
-                <a:extLst>
-                  <a:ext uri="{0D108BD9-81ED-4DB2-BD59-A6C34878D82A}">
-                    <a16:rowId xmlns:a16="http://schemas.microsoft.com/office/drawing/2014/main" val="589404211"/>
-                  </a:ext>
-                </a:extLst>
-              </a:tr>
-              <a:tr h="530929">
+              <a:tr h="564409">
                 <a:tc>
                   <a:txBody>
                     <a:bodyPr/>
@@ -17196,7 +18566,7 @@
                 <a:ea typeface="Calibri" panose="020F0502020204030204" pitchFamily="34" charset="0"/>
                 <a:cs typeface="Times New Roman" panose="02020603050405020304" pitchFamily="18" charset="0"/>
               </a:rPr>
-              <a:t>Spatiotemporal Monitoring</a:t>
+              <a:t>Automatic Results Download</a:t>
             </a:r>
           </a:p>
         </p:txBody>
@@ -17296,18 +18666,19 @@
               </a:ext>
             </a:extLst>
           </p:cNvPr>
-          <p:cNvCxnSpPr/>
+          <p:cNvCxnSpPr>
+            <a:cxnSpLocks/>
+            <a:endCxn id="95" idx="3"/>
+          </p:cNvCxnSpPr>
           <p:nvPr/>
         </p:nvCxnSpPr>
         <p:spPr>
-          <a:xfrm flipH="1">
-            <a:off x="4894165" y="2424089"/>
-            <a:ext cx="319405" cy="278130"/>
+          <a:xfrm rot="5400000">
+            <a:off x="4873416" y="2445294"/>
+            <a:ext cx="361362" cy="318951"/>
           </a:xfrm>
-          <a:prstGeom prst="bentConnector3">
-            <a:avLst>
-              <a:gd name="adj1" fmla="val -435"/>
-            </a:avLst>
+          <a:prstGeom prst="bentConnector2">
+            <a:avLst/>
           </a:prstGeom>
           <a:ln>
             <a:tailEnd type="triangle"/>
@@ -18302,8 +19673,8 @@
         </p:nvSpPr>
         <p:spPr>
           <a:xfrm>
-            <a:off x="7118339" y="464863"/>
-            <a:ext cx="1693690" cy="485891"/>
+            <a:off x="2777353" y="143443"/>
+            <a:ext cx="2157014" cy="485891"/>
           </a:xfrm>
           <a:prstGeom prst="flowChartPredefinedProcess">
             <a:avLst/>
@@ -18339,54 +19710,11 @@
                 <a:latin typeface="Verdana" panose="020B0604030504040204" pitchFamily="34" charset="0"/>
                 <a:ea typeface="Verdana" panose="020B0604030504040204" pitchFamily="34" charset="0"/>
               </a:rPr>
-              <a:t>Atmospheric Corrections</a:t>
-            </a:r>
-          </a:p>
-        </p:txBody>
-      </p:sp>
-      <p:cxnSp>
-        <p:nvCxnSpPr>
-          <p:cNvPr id="102" name="Connector: Elbow 101">
-            <a:extLst>
-              <a:ext uri="{FF2B5EF4-FFF2-40B4-BE49-F238E27FC236}">
-                <a16:creationId xmlns:a16="http://schemas.microsoft.com/office/drawing/2014/main" id="{F6FB0D5C-CD66-4ED8-BAF0-A3672F47D8DE}"/>
-              </a:ext>
-            </a:extLst>
-          </p:cNvPr>
-          <p:cNvCxnSpPr>
-            <a:cxnSpLocks/>
-            <a:stCxn id="97" idx="1"/>
-            <a:endCxn id="54" idx="0"/>
-          </p:cNvCxnSpPr>
-          <p:nvPr/>
-        </p:nvCxnSpPr>
-        <p:spPr>
-          <a:xfrm rot="10800000" flipV="1">
-            <a:off x="6093243" y="707809"/>
-            <a:ext cx="1025097" cy="459642"/>
-          </a:xfrm>
-          <a:prstGeom prst="bentConnector2">
-            <a:avLst/>
-          </a:prstGeom>
-          <a:ln>
-            <a:tailEnd type="triangle"/>
-          </a:ln>
-        </p:spPr>
-        <p:style>
-          <a:lnRef idx="1">
-            <a:schemeClr val="accent1"/>
-          </a:lnRef>
-          <a:fillRef idx="0">
-            <a:schemeClr val="accent1"/>
-          </a:fillRef>
-          <a:effectRef idx="0">
-            <a:schemeClr val="accent1"/>
-          </a:effectRef>
-          <a:fontRef idx="minor">
-            <a:schemeClr val="tx1"/>
-          </a:fontRef>
-        </p:style>
-      </p:cxnSp>
+              <a:t>Automatic L8 Acquisition from GEE</a:t>
+            </a:r>
+          </a:p>
+        </p:txBody>
+      </p:sp>
       <p:sp>
         <p:nvSpPr>
           <p:cNvPr id="108" name="Rectangle 107">
@@ -19300,8 +20628,8 @@
         </p:nvSpPr>
         <p:spPr>
           <a:xfrm>
-            <a:off x="1836773" y="5329724"/>
-            <a:ext cx="2218054" cy="821551"/>
+            <a:off x="1848910" y="5449347"/>
+            <a:ext cx="2218054" cy="554897"/>
           </a:xfrm>
           <a:prstGeom prst="flowChartDecision">
             <a:avLst/>
@@ -19363,7 +20691,7 @@
         <p:spPr>
           <a:xfrm>
             <a:off x="2931257" y="5062937"/>
-            <a:ext cx="0" cy="266787"/>
+            <a:ext cx="26680" cy="386410"/>
           </a:xfrm>
           <a:prstGeom prst="straightConnector1">
             <a:avLst/>
@@ -19599,6 +20927,164 @@
             <a:ext cx="266447" cy="761514"/>
           </a:xfrm>
           <a:prstGeom prst="bentConnector2">
+            <a:avLst/>
+          </a:prstGeom>
+          <a:ln>
+            <a:tailEnd type="triangle"/>
+          </a:ln>
+        </p:spPr>
+        <p:style>
+          <a:lnRef idx="1">
+            <a:schemeClr val="accent1"/>
+          </a:lnRef>
+          <a:fillRef idx="0">
+            <a:schemeClr val="accent1"/>
+          </a:fillRef>
+          <a:effectRef idx="0">
+            <a:schemeClr val="accent1"/>
+          </a:effectRef>
+          <a:fontRef idx="minor">
+            <a:schemeClr val="tx1"/>
+          </a:fontRef>
+        </p:style>
+      </p:cxnSp>
+      <p:cxnSp>
+        <p:nvCxnSpPr>
+          <p:cNvPr id="42" name="Straight Arrow Connector 41">
+            <a:extLst>
+              <a:ext uri="{FF2B5EF4-FFF2-40B4-BE49-F238E27FC236}">
+                <a16:creationId xmlns:a16="http://schemas.microsoft.com/office/drawing/2014/main" id="{C1884BE6-8F2E-43E3-8BBB-CF0FA97248FD}"/>
+              </a:ext>
+            </a:extLst>
+          </p:cNvPr>
+          <p:cNvCxnSpPr>
+            <a:cxnSpLocks/>
+            <a:stCxn id="97" idx="2"/>
+            <a:endCxn id="37" idx="0"/>
+          </p:cNvCxnSpPr>
+          <p:nvPr/>
+        </p:nvCxnSpPr>
+        <p:spPr>
+          <a:xfrm>
+            <a:off x="3855860" y="629334"/>
+            <a:ext cx="12709" cy="399774"/>
+          </a:xfrm>
+          <a:prstGeom prst="straightConnector1">
+            <a:avLst/>
+          </a:prstGeom>
+          <a:ln>
+            <a:tailEnd type="triangle"/>
+          </a:ln>
+        </p:spPr>
+        <p:style>
+          <a:lnRef idx="1">
+            <a:schemeClr val="accent1"/>
+          </a:lnRef>
+          <a:fillRef idx="0">
+            <a:schemeClr val="accent1"/>
+          </a:fillRef>
+          <a:effectRef idx="0">
+            <a:schemeClr val="accent1"/>
+          </a:effectRef>
+          <a:fontRef idx="minor">
+            <a:schemeClr val="tx1"/>
+          </a:fontRef>
+        </p:style>
+      </p:cxnSp>
+      <p:sp>
+        <p:nvSpPr>
+          <p:cNvPr id="81" name="Rectangle 80">
+            <a:extLst>
+              <a:ext uri="{FF2B5EF4-FFF2-40B4-BE49-F238E27FC236}">
+                <a16:creationId xmlns:a16="http://schemas.microsoft.com/office/drawing/2014/main" id="{EC4124AF-172D-44CA-A6F6-BD99DC5C8DA2}"/>
+              </a:ext>
+            </a:extLst>
+          </p:cNvPr>
+          <p:cNvSpPr/>
+          <p:nvPr/>
+        </p:nvSpPr>
+        <p:spPr>
+          <a:xfrm>
+            <a:off x="6180959" y="6383154"/>
+            <a:ext cx="2218055" cy="436880"/>
+          </a:xfrm>
+          <a:prstGeom prst="rect">
+            <a:avLst/>
+          </a:prstGeom>
+          <a:ln w="6350">
+            <a:solidFill>
+              <a:srgbClr val="00B0F0"/>
+            </a:solidFill>
+          </a:ln>
+        </p:spPr>
+        <p:style>
+          <a:lnRef idx="2">
+            <a:schemeClr val="accent6"/>
+          </a:lnRef>
+          <a:fillRef idx="1">
+            <a:schemeClr val="lt1"/>
+          </a:fillRef>
+          <a:effectRef idx="0">
+            <a:schemeClr val="accent6"/>
+          </a:effectRef>
+          <a:fontRef idx="minor">
+            <a:schemeClr val="dk1"/>
+          </a:fontRef>
+        </p:style>
+        <p:txBody>
+          <a:bodyPr rot="0" spcFirstLastPara="0" vert="horz" wrap="square" lIns="91440" tIns="45720" rIns="91440" bIns="45720" numCol="1" spcCol="0" rtlCol="0" fromWordArt="0" anchor="ctr" anchorCtr="0" forceAA="0" compatLnSpc="1">
+            <a:prstTxWarp prst="textNoShape">
+              <a:avLst/>
+            </a:prstTxWarp>
+            <a:noAutofit/>
+          </a:bodyPr>
+          <a:lstStyle/>
+          <a:p>
+            <a:pPr marL="0" marR="0" algn="ctr">
+              <a:lnSpc>
+                <a:spcPct val="100000"/>
+              </a:lnSpc>
+              <a:spcBef>
+                <a:spcPts val="0"/>
+              </a:spcBef>
+              <a:spcAft>
+                <a:spcPts val="800"/>
+              </a:spcAft>
+            </a:pPr>
+            <a:r>
+              <a:rPr lang="en-US" sz="1000" b="1" dirty="0">
+                <a:effectLst/>
+                <a:latin typeface="Verdana" panose="020B0604030504040204" pitchFamily="34" charset="0"/>
+                <a:ea typeface="Calibri" panose="020F0502020204030204" pitchFamily="34" charset="0"/>
+                <a:cs typeface="Times New Roman" panose="02020603050405020304" pitchFamily="18" charset="0"/>
+              </a:rPr>
+              <a:t>Spatiotemporal Monitoring</a:t>
+            </a:r>
+          </a:p>
+        </p:txBody>
+      </p:sp>
+      <p:cxnSp>
+        <p:nvCxnSpPr>
+          <p:cNvPr id="58" name="Straight Arrow Connector 57">
+            <a:extLst>
+              <a:ext uri="{FF2B5EF4-FFF2-40B4-BE49-F238E27FC236}">
+                <a16:creationId xmlns:a16="http://schemas.microsoft.com/office/drawing/2014/main" id="{837BE3CA-67BF-40CC-9F2C-D06FC8AEC82C}"/>
+              </a:ext>
+            </a:extLst>
+          </p:cNvPr>
+          <p:cNvCxnSpPr>
+            <a:cxnSpLocks/>
+            <a:stCxn id="17" idx="2"/>
+            <a:endCxn id="81" idx="0"/>
+          </p:cNvCxnSpPr>
+          <p:nvPr/>
+        </p:nvCxnSpPr>
+        <p:spPr>
+          <a:xfrm flipH="1">
+            <a:off x="7289987" y="5948682"/>
+            <a:ext cx="1" cy="434472"/>
+          </a:xfrm>
+          <a:prstGeom prst="straightConnector1">
             <a:avLst/>
           </a:prstGeom>
           <a:ln>
@@ -19914,18 +21400,14 @@
               <a:tabLst/>
             </a:pPr>
             <a:r>
-              <a:rPr kumimoji="0" lang="en-US" sz="1200" b="1" i="0" u="none" strike="noStrike" cap="none" normalizeH="0" baseline="0" dirty="0">
-                <a:ln>
-                  <a:noFill/>
-                </a:ln>
+              <a:rPr lang="en-US" sz="1200" b="1" dirty="0">
                 <a:solidFill>
                   <a:schemeClr val="tx1"/>
                 </a:solidFill>
-                <a:effectLst/>
                 <a:latin typeface="Verdana" panose="020B0604030504040204" pitchFamily="34" charset="0"/>
                 <a:ea typeface="Verdana" panose="020B0604030504040204" pitchFamily="34" charset="0"/>
               </a:rPr>
-              <a:t>LWST</a:t>
+              <a:t>LSAT</a:t>
             </a:r>
           </a:p>
           <a:p>
@@ -19948,6 +21430,20 @@
               <a:tabLst/>
             </a:pPr>
             <a:r>
+              <a:rPr kumimoji="0" lang="en-US" sz="1200" b="1" i="0" u="none" strike="noStrike" cap="none" normalizeH="0" baseline="0" dirty="0">
+                <a:ln>
+                  <a:noFill/>
+                </a:ln>
+                <a:solidFill>
+                  <a:schemeClr val="tx1"/>
+                </a:solidFill>
+                <a:effectLst/>
+                <a:latin typeface="Verdana" panose="020B0604030504040204" pitchFamily="34" charset="0"/>
+                <a:ea typeface="Verdana" panose="020B0604030504040204" pitchFamily="34" charset="0"/>
+              </a:rPr>
+              <a:t>Salinity</a:t>
+            </a:r>
+            <a:r>
               <a:rPr lang="en-US" sz="1200" b="1" dirty="0">
                 <a:solidFill>
                   <a:schemeClr val="tx1"/>
@@ -19955,7 +21451,17 @@
                 <a:latin typeface="Verdana" panose="020B0604030504040204" pitchFamily="34" charset="0"/>
                 <a:ea typeface="Verdana" panose="020B0604030504040204" pitchFamily="34" charset="0"/>
               </a:rPr>
-              <a:t>LSAT</a:t>
+              <a:t> </a:t>
+            </a:r>
+            <a:r>
+              <a:rPr lang="en-US" sz="1200" b="1" dirty="0" err="1">
+                <a:solidFill>
+                  <a:schemeClr val="tx1"/>
+                </a:solidFill>
+                <a:latin typeface="Verdana" panose="020B0604030504040204" pitchFamily="34" charset="0"/>
+                <a:ea typeface="Verdana" panose="020B0604030504040204" pitchFamily="34" charset="0"/>
+              </a:rPr>
+              <a:t>Satus</a:t>
             </a:r>
             <a:endParaRPr kumimoji="0" lang="en-US" sz="1200" b="1" i="0" u="none" strike="noStrike" cap="none" normalizeH="0" baseline="0" dirty="0">
               <a:ln>

--- a/Dr. E Nduati, Superviser/Submissions/ENC222-0149_2017_OKOMO_JACOB_OKELLO_V3.pptx
+++ b/Dr. E Nduati, Superviser/Submissions/ENC222-0149_2017_OKOMO_JACOB_OKELLO_V3.pptx
@@ -2942,7 +2942,7 @@
                 <a:ea typeface="Verdana" panose="020B0604030504040204" pitchFamily="34" charset="0"/>
                 <a:cs typeface="Verdana" panose="020B0604030504040204" pitchFamily="34" charset="0"/>
               </a:rPr>
-              <a:t>6-Oct-21</a:t>
+              <a:t>18-Oct-21</a:t>
             </a:fld>
             <a:endParaRPr lang="de-DE" sz="1000" dirty="0">
               <a:solidFill>
@@ -5032,7 +5032,7 @@
           <a:p>
             <a:fld id="{440D235E-7DEE-46BF-B2F8-FEE76BCCEBEE}" type="datetimeFigureOut">
               <a:rPr lang="en-US" smtClean="0"/>
-              <a:t>10/6/2021</a:t>
+              <a:t>10/18/2021</a:t>
             </a:fld>
             <a:endParaRPr lang="en-US"/>
           </a:p>
@@ -5230,7 +5230,7 @@
           <a:p>
             <a:fld id="{440D235E-7DEE-46BF-B2F8-FEE76BCCEBEE}" type="datetimeFigureOut">
               <a:rPr lang="en-US" smtClean="0"/>
-              <a:t>10/6/2021</a:t>
+              <a:t>10/18/2021</a:t>
             </a:fld>
             <a:endParaRPr lang="en-US"/>
           </a:p>
@@ -5505,7 +5505,7 @@
           <a:p>
             <a:fld id="{440D235E-7DEE-46BF-B2F8-FEE76BCCEBEE}" type="datetimeFigureOut">
               <a:rPr lang="en-US" smtClean="0"/>
-              <a:t>10/6/2021</a:t>
+              <a:t>10/18/2021</a:t>
             </a:fld>
             <a:endParaRPr lang="en-US"/>
           </a:p>
@@ -5937,7 +5937,7 @@
           <a:p>
             <a:fld id="{440D235E-7DEE-46BF-B2F8-FEE76BCCEBEE}" type="datetimeFigureOut">
               <a:rPr lang="en-US" smtClean="0"/>
-              <a:t>10/6/2021</a:t>
+              <a:t>10/18/2021</a:t>
             </a:fld>
             <a:endParaRPr lang="en-US"/>
           </a:p>
@@ -6349,7 +6349,7 @@
           <a:p>
             <a:fld id="{440D235E-7DEE-46BF-B2F8-FEE76BCCEBEE}" type="datetimeFigureOut">
               <a:rPr lang="en-US" smtClean="0"/>
-              <a:t>10/6/2021</a:t>
+              <a:t>10/18/2021</a:t>
             </a:fld>
             <a:endParaRPr lang="en-US"/>
           </a:p>
@@ -6490,7 +6490,7 @@
           <a:p>
             <a:fld id="{440D235E-7DEE-46BF-B2F8-FEE76BCCEBEE}" type="datetimeFigureOut">
               <a:rPr lang="en-US" smtClean="0"/>
-              <a:t>10/6/2021</a:t>
+              <a:t>10/18/2021</a:t>
             </a:fld>
             <a:endParaRPr lang="en-US"/>
           </a:p>
@@ -6603,7 +6603,7 @@
           <a:p>
             <a:fld id="{440D235E-7DEE-46BF-B2F8-FEE76BCCEBEE}" type="datetimeFigureOut">
               <a:rPr lang="en-US" smtClean="0"/>
-              <a:t>10/6/2021</a:t>
+              <a:t>10/18/2021</a:t>
             </a:fld>
             <a:endParaRPr lang="en-US"/>
           </a:p>
@@ -6914,7 +6914,7 @@
           <a:p>
             <a:fld id="{440D235E-7DEE-46BF-B2F8-FEE76BCCEBEE}" type="datetimeFigureOut">
               <a:rPr lang="en-US" smtClean="0"/>
-              <a:t>10/6/2021</a:t>
+              <a:t>10/18/2021</a:t>
             </a:fld>
             <a:endParaRPr lang="en-US"/>
           </a:p>
@@ -7202,7 +7202,7 @@
           <a:p>
             <a:fld id="{440D235E-7DEE-46BF-B2F8-FEE76BCCEBEE}" type="datetimeFigureOut">
               <a:rPr lang="en-US" smtClean="0"/>
-              <a:t>10/6/2021</a:t>
+              <a:t>10/18/2021</a:t>
             </a:fld>
             <a:endParaRPr lang="en-US"/>
           </a:p>
@@ -7400,7 +7400,7 @@
           <a:p>
             <a:fld id="{440D235E-7DEE-46BF-B2F8-FEE76BCCEBEE}" type="datetimeFigureOut">
               <a:rPr lang="en-US" smtClean="0"/>
-              <a:t>10/6/2021</a:t>
+              <a:t>10/18/2021</a:t>
             </a:fld>
             <a:endParaRPr lang="en-US"/>
           </a:p>
@@ -7608,7 +7608,7 @@
           <a:p>
             <a:fld id="{440D235E-7DEE-46BF-B2F8-FEE76BCCEBEE}" type="datetimeFigureOut">
               <a:rPr lang="en-US" smtClean="0"/>
-              <a:t>10/6/2021</a:t>
+              <a:t>10/18/2021</a:t>
             </a:fld>
             <a:endParaRPr lang="en-US"/>
           </a:p>
@@ -10350,7 +10350,7 @@
           <a:p>
             <a:fld id="{440D235E-7DEE-46BF-B2F8-FEE76BCCEBEE}" type="datetimeFigureOut">
               <a:rPr lang="en-US" smtClean="0"/>
-              <a:t>10/6/2021</a:t>
+              <a:t>10/18/2021</a:t>
             </a:fld>
             <a:endParaRPr lang="en-US"/>
           </a:p>
@@ -12606,7 +12606,7 @@
         </p:blipFill>
         <p:spPr>
           <a:xfrm>
-            <a:off x="395536" y="1628800"/>
+            <a:off x="395536" y="1704685"/>
             <a:ext cx="7849567" cy="3956563"/>
           </a:xfrm>
           <a:prstGeom prst="rect">

--- a/Dr. E Nduati, Superviser/Submissions/ENC222-0149_2017_OKOMO_JACOB_OKELLO_V3.pptx
+++ b/Dr. E Nduati, Superviser/Submissions/ENC222-0149_2017_OKOMO_JACOB_OKELLO_V3.pptx
@@ -2942,7 +2942,7 @@
                 <a:ea typeface="Verdana" panose="020B0604030504040204" pitchFamily="34" charset="0"/>
                 <a:cs typeface="Verdana" panose="020B0604030504040204" pitchFamily="34" charset="0"/>
               </a:rPr>
-              <a:t>18-Oct-21</a:t>
+              <a:t>20-Oct-21</a:t>
             </a:fld>
             <a:endParaRPr lang="de-DE" sz="1000" dirty="0">
               <a:solidFill>
@@ -5032,7 +5032,7 @@
           <a:p>
             <a:fld id="{440D235E-7DEE-46BF-B2F8-FEE76BCCEBEE}" type="datetimeFigureOut">
               <a:rPr lang="en-US" smtClean="0"/>
-              <a:t>10/18/2021</a:t>
+              <a:t>10/20/2021</a:t>
             </a:fld>
             <a:endParaRPr lang="en-US"/>
           </a:p>
@@ -5230,7 +5230,7 @@
           <a:p>
             <a:fld id="{440D235E-7DEE-46BF-B2F8-FEE76BCCEBEE}" type="datetimeFigureOut">
               <a:rPr lang="en-US" smtClean="0"/>
-              <a:t>10/18/2021</a:t>
+              <a:t>10/20/2021</a:t>
             </a:fld>
             <a:endParaRPr lang="en-US"/>
           </a:p>
@@ -5505,7 +5505,7 @@
           <a:p>
             <a:fld id="{440D235E-7DEE-46BF-B2F8-FEE76BCCEBEE}" type="datetimeFigureOut">
               <a:rPr lang="en-US" smtClean="0"/>
-              <a:t>10/18/2021</a:t>
+              <a:t>10/20/2021</a:t>
             </a:fld>
             <a:endParaRPr lang="en-US"/>
           </a:p>
@@ -5937,7 +5937,7 @@
           <a:p>
             <a:fld id="{440D235E-7DEE-46BF-B2F8-FEE76BCCEBEE}" type="datetimeFigureOut">
               <a:rPr lang="en-US" smtClean="0"/>
-              <a:t>10/18/2021</a:t>
+              <a:t>10/20/2021</a:t>
             </a:fld>
             <a:endParaRPr lang="en-US"/>
           </a:p>
@@ -6349,7 +6349,7 @@
           <a:p>
             <a:fld id="{440D235E-7DEE-46BF-B2F8-FEE76BCCEBEE}" type="datetimeFigureOut">
               <a:rPr lang="en-US" smtClean="0"/>
-              <a:t>10/18/2021</a:t>
+              <a:t>10/20/2021</a:t>
             </a:fld>
             <a:endParaRPr lang="en-US"/>
           </a:p>
@@ -6490,7 +6490,7 @@
           <a:p>
             <a:fld id="{440D235E-7DEE-46BF-B2F8-FEE76BCCEBEE}" type="datetimeFigureOut">
               <a:rPr lang="en-US" smtClean="0"/>
-              <a:t>10/18/2021</a:t>
+              <a:t>10/20/2021</a:t>
             </a:fld>
             <a:endParaRPr lang="en-US"/>
           </a:p>
@@ -6603,7 +6603,7 @@
           <a:p>
             <a:fld id="{440D235E-7DEE-46BF-B2F8-FEE76BCCEBEE}" type="datetimeFigureOut">
               <a:rPr lang="en-US" smtClean="0"/>
-              <a:t>10/18/2021</a:t>
+              <a:t>10/20/2021</a:t>
             </a:fld>
             <a:endParaRPr lang="en-US"/>
           </a:p>
@@ -6914,7 +6914,7 @@
           <a:p>
             <a:fld id="{440D235E-7DEE-46BF-B2F8-FEE76BCCEBEE}" type="datetimeFigureOut">
               <a:rPr lang="en-US" smtClean="0"/>
-              <a:t>10/18/2021</a:t>
+              <a:t>10/20/2021</a:t>
             </a:fld>
             <a:endParaRPr lang="en-US"/>
           </a:p>
@@ -7202,7 +7202,7 @@
           <a:p>
             <a:fld id="{440D235E-7DEE-46BF-B2F8-FEE76BCCEBEE}" type="datetimeFigureOut">
               <a:rPr lang="en-US" smtClean="0"/>
-              <a:t>10/18/2021</a:t>
+              <a:t>10/20/2021</a:t>
             </a:fld>
             <a:endParaRPr lang="en-US"/>
           </a:p>
@@ -7400,7 +7400,7 @@
           <a:p>
             <a:fld id="{440D235E-7DEE-46BF-B2F8-FEE76BCCEBEE}" type="datetimeFigureOut">
               <a:rPr lang="en-US" smtClean="0"/>
-              <a:t>10/18/2021</a:t>
+              <a:t>10/20/2021</a:t>
             </a:fld>
             <a:endParaRPr lang="en-US"/>
           </a:p>
@@ -7608,7 +7608,7 @@
           <a:p>
             <a:fld id="{440D235E-7DEE-46BF-B2F8-FEE76BCCEBEE}" type="datetimeFigureOut">
               <a:rPr lang="en-US" smtClean="0"/>
-              <a:t>10/18/2021</a:t>
+              <a:t>10/20/2021</a:t>
             </a:fld>
             <a:endParaRPr lang="en-US"/>
           </a:p>
@@ -10350,7 +10350,7 @@
           <a:p>
             <a:fld id="{440D235E-7DEE-46BF-B2F8-FEE76BCCEBEE}" type="datetimeFigureOut">
               <a:rPr lang="en-US" smtClean="0"/>
-              <a:t>10/18/2021</a:t>
+              <a:t>10/20/2021</a:t>
             </a:fld>
             <a:endParaRPr lang="en-US"/>
           </a:p>
@@ -12484,7 +12484,7 @@
         </p:blipFill>
         <p:spPr>
           <a:xfrm>
-            <a:off x="1475656" y="1394837"/>
+            <a:off x="1475656" y="1450912"/>
             <a:ext cx="5868988" cy="5175313"/>
           </a:xfrm>
           <a:prstGeom prst="rect">
